--- a/아파치카프카_with자바/ref/프레젠테이션1.pptx
+++ b/아파치카프카_with자바/ref/프레젠테이션1.pptx
@@ -248,7 +248,7 @@
           <a:p>
             <a:fld id="{3083E1A9-A397-4745-BD5D-6E8E767939EE}" type="datetimeFigureOut">
               <a:rPr kumimoji="1" lang="ko-Kore-KR" altLang="en-US" smtClean="0"/>
-              <a:t>2021. 5. 12.</a:t>
+              <a:t>2021. 5. 13.</a:t>
             </a:fld>
             <a:endParaRPr kumimoji="1" lang="ko-Kore-KR" altLang="en-US"/>
           </a:p>
@@ -418,7 +418,7 @@
           <a:p>
             <a:fld id="{3083E1A9-A397-4745-BD5D-6E8E767939EE}" type="datetimeFigureOut">
               <a:rPr kumimoji="1" lang="ko-Kore-KR" altLang="en-US" smtClean="0"/>
-              <a:t>2021. 5. 12.</a:t>
+              <a:t>2021. 5. 13.</a:t>
             </a:fld>
             <a:endParaRPr kumimoji="1" lang="ko-Kore-KR" altLang="en-US"/>
           </a:p>
@@ -598,7 +598,7 @@
           <a:p>
             <a:fld id="{3083E1A9-A397-4745-BD5D-6E8E767939EE}" type="datetimeFigureOut">
               <a:rPr kumimoji="1" lang="ko-Kore-KR" altLang="en-US" smtClean="0"/>
-              <a:t>2021. 5. 12.</a:t>
+              <a:t>2021. 5. 13.</a:t>
             </a:fld>
             <a:endParaRPr kumimoji="1" lang="ko-Kore-KR" altLang="en-US"/>
           </a:p>
@@ -768,7 +768,7 @@
           <a:p>
             <a:fld id="{3083E1A9-A397-4745-BD5D-6E8E767939EE}" type="datetimeFigureOut">
               <a:rPr kumimoji="1" lang="ko-Kore-KR" altLang="en-US" smtClean="0"/>
-              <a:t>2021. 5. 12.</a:t>
+              <a:t>2021. 5. 13.</a:t>
             </a:fld>
             <a:endParaRPr kumimoji="1" lang="ko-Kore-KR" altLang="en-US"/>
           </a:p>
@@ -1014,7 +1014,7 @@
           <a:p>
             <a:fld id="{3083E1A9-A397-4745-BD5D-6E8E767939EE}" type="datetimeFigureOut">
               <a:rPr kumimoji="1" lang="ko-Kore-KR" altLang="en-US" smtClean="0"/>
-              <a:t>2021. 5. 12.</a:t>
+              <a:t>2021. 5. 13.</a:t>
             </a:fld>
             <a:endParaRPr kumimoji="1" lang="ko-Kore-KR" altLang="en-US"/>
           </a:p>
@@ -1246,7 +1246,7 @@
           <a:p>
             <a:fld id="{3083E1A9-A397-4745-BD5D-6E8E767939EE}" type="datetimeFigureOut">
               <a:rPr kumimoji="1" lang="ko-Kore-KR" altLang="en-US" smtClean="0"/>
-              <a:t>2021. 5. 12.</a:t>
+              <a:t>2021. 5. 13.</a:t>
             </a:fld>
             <a:endParaRPr kumimoji="1" lang="ko-Kore-KR" altLang="en-US"/>
           </a:p>
@@ -1613,7 +1613,7 @@
           <a:p>
             <a:fld id="{3083E1A9-A397-4745-BD5D-6E8E767939EE}" type="datetimeFigureOut">
               <a:rPr kumimoji="1" lang="ko-Kore-KR" altLang="en-US" smtClean="0"/>
-              <a:t>2021. 5. 12.</a:t>
+              <a:t>2021. 5. 13.</a:t>
             </a:fld>
             <a:endParaRPr kumimoji="1" lang="ko-Kore-KR" altLang="en-US"/>
           </a:p>
@@ -1731,7 +1731,7 @@
           <a:p>
             <a:fld id="{3083E1A9-A397-4745-BD5D-6E8E767939EE}" type="datetimeFigureOut">
               <a:rPr kumimoji="1" lang="ko-Kore-KR" altLang="en-US" smtClean="0"/>
-              <a:t>2021. 5. 12.</a:t>
+              <a:t>2021. 5. 13.</a:t>
             </a:fld>
             <a:endParaRPr kumimoji="1" lang="ko-Kore-KR" altLang="en-US"/>
           </a:p>
@@ -1826,7 +1826,7 @@
           <a:p>
             <a:fld id="{3083E1A9-A397-4745-BD5D-6E8E767939EE}" type="datetimeFigureOut">
               <a:rPr kumimoji="1" lang="ko-Kore-KR" altLang="en-US" smtClean="0"/>
-              <a:t>2021. 5. 12.</a:t>
+              <a:t>2021. 5. 13.</a:t>
             </a:fld>
             <a:endParaRPr kumimoji="1" lang="ko-Kore-KR" altLang="en-US"/>
           </a:p>
@@ -2103,7 +2103,7 @@
           <a:p>
             <a:fld id="{3083E1A9-A397-4745-BD5D-6E8E767939EE}" type="datetimeFigureOut">
               <a:rPr kumimoji="1" lang="ko-Kore-KR" altLang="en-US" smtClean="0"/>
-              <a:t>2021. 5. 12.</a:t>
+              <a:t>2021. 5. 13.</a:t>
             </a:fld>
             <a:endParaRPr kumimoji="1" lang="ko-Kore-KR" altLang="en-US"/>
           </a:p>
@@ -2360,7 +2360,7 @@
           <a:p>
             <a:fld id="{3083E1A9-A397-4745-BD5D-6E8E767939EE}" type="datetimeFigureOut">
               <a:rPr kumimoji="1" lang="ko-Kore-KR" altLang="en-US" smtClean="0"/>
-              <a:t>2021. 5. 12.</a:t>
+              <a:t>2021. 5. 13.</a:t>
             </a:fld>
             <a:endParaRPr kumimoji="1" lang="ko-Kore-KR" altLang="en-US"/>
           </a:p>
@@ -2573,7 +2573,7 @@
           <a:p>
             <a:fld id="{3083E1A9-A397-4745-BD5D-6E8E767939EE}" type="datetimeFigureOut">
               <a:rPr kumimoji="1" lang="ko-Kore-KR" altLang="en-US" smtClean="0"/>
-              <a:t>2021. 5. 12.</a:t>
+              <a:t>2021. 5. 13.</a:t>
             </a:fld>
             <a:endParaRPr kumimoji="1" lang="ko-Kore-KR" altLang="en-US"/>
           </a:p>
@@ -12241,7 +12241,7 @@
         </p:nvGrpSpPr>
         <p:grpSpPr>
           <a:xfrm>
-            <a:off x="3112409" y="1559322"/>
+            <a:off x="3112409" y="1565338"/>
             <a:ext cx="543689" cy="281455"/>
             <a:chOff x="5556135" y="897681"/>
             <a:chExt cx="543689" cy="281455"/>
@@ -12360,7 +12360,7 @@
         </p:nvGrpSpPr>
         <p:grpSpPr>
           <a:xfrm>
-            <a:off x="3657598" y="1560969"/>
+            <a:off x="3657598" y="1566985"/>
             <a:ext cx="543689" cy="281455"/>
             <a:chOff x="5556135" y="897681"/>
             <a:chExt cx="543689" cy="281455"/>
@@ -12479,7 +12479,7 @@
         </p:nvGrpSpPr>
         <p:grpSpPr>
           <a:xfrm>
-            <a:off x="4201287" y="1563198"/>
+            <a:off x="4201287" y="1567658"/>
             <a:ext cx="543689" cy="281455"/>
             <a:chOff x="5556135" y="897681"/>
             <a:chExt cx="543689" cy="281455"/>
@@ -12836,7 +12836,7 @@
         </p:nvGrpSpPr>
         <p:grpSpPr>
           <a:xfrm>
-            <a:off x="5832354" y="1560969"/>
+            <a:off x="5832354" y="1566985"/>
             <a:ext cx="543689" cy="281455"/>
             <a:chOff x="5556135" y="897681"/>
             <a:chExt cx="543689" cy="281455"/>
@@ -12955,7 +12955,7 @@
         </p:nvGrpSpPr>
         <p:grpSpPr>
           <a:xfrm>
-            <a:off x="6373044" y="1555638"/>
+            <a:off x="6373044" y="1566114"/>
             <a:ext cx="543689" cy="281455"/>
             <a:chOff x="5556135" y="897681"/>
             <a:chExt cx="543689" cy="281455"/>
@@ -13074,7 +13074,7 @@
         </p:nvGrpSpPr>
         <p:grpSpPr>
           <a:xfrm>
-            <a:off x="3112089" y="1834718"/>
+            <a:off x="3112089" y="1840734"/>
             <a:ext cx="543689" cy="281455"/>
             <a:chOff x="5556135" y="897681"/>
             <a:chExt cx="543689" cy="281455"/>
@@ -13193,7 +13193,7 @@
         </p:nvGrpSpPr>
         <p:grpSpPr>
           <a:xfrm>
-            <a:off x="3657278" y="1836365"/>
+            <a:off x="3657278" y="1842381"/>
             <a:ext cx="543689" cy="281455"/>
             <a:chOff x="5556135" y="897681"/>
             <a:chExt cx="543689" cy="281455"/>
@@ -13312,7 +13312,7 @@
         </p:nvGrpSpPr>
         <p:grpSpPr>
           <a:xfrm>
-            <a:off x="4200967" y="1838594"/>
+            <a:off x="4200967" y="1843054"/>
             <a:ext cx="543689" cy="281455"/>
             <a:chOff x="5556135" y="897681"/>
             <a:chExt cx="543689" cy="281455"/>
@@ -13669,7 +13669,7 @@
         </p:nvGrpSpPr>
         <p:grpSpPr>
           <a:xfrm>
-            <a:off x="5832034" y="1836365"/>
+            <a:off x="5832034" y="1842381"/>
             <a:ext cx="543689" cy="281455"/>
             <a:chOff x="5556135" y="897681"/>
             <a:chExt cx="543689" cy="281455"/>
@@ -13788,7 +13788,7 @@
         </p:nvGrpSpPr>
         <p:grpSpPr>
           <a:xfrm>
-            <a:off x="6372724" y="1831034"/>
+            <a:off x="6372724" y="1843066"/>
             <a:ext cx="543689" cy="281455"/>
             <a:chOff x="5556135" y="897681"/>
             <a:chExt cx="543689" cy="281455"/>
@@ -13907,7 +13907,7 @@
         </p:nvGrpSpPr>
         <p:grpSpPr>
           <a:xfrm>
-            <a:off x="3111769" y="2110114"/>
+            <a:off x="3111769" y="2116130"/>
             <a:ext cx="543689" cy="281455"/>
             <a:chOff x="5556135" y="897681"/>
             <a:chExt cx="543689" cy="281455"/>
@@ -14026,7 +14026,7 @@
         </p:nvGrpSpPr>
         <p:grpSpPr>
           <a:xfrm>
-            <a:off x="3656958" y="2111761"/>
+            <a:off x="3656958" y="2117777"/>
             <a:ext cx="543689" cy="281455"/>
             <a:chOff x="5556135" y="897681"/>
             <a:chExt cx="543689" cy="281455"/>
@@ -14145,7 +14145,7 @@
         </p:nvGrpSpPr>
         <p:grpSpPr>
           <a:xfrm>
-            <a:off x="4200647" y="2113990"/>
+            <a:off x="4200647" y="2120006"/>
             <a:ext cx="543689" cy="281455"/>
             <a:chOff x="5556135" y="897681"/>
             <a:chExt cx="543689" cy="281455"/>
@@ -14502,7 +14502,7 @@
         </p:nvGrpSpPr>
         <p:grpSpPr>
           <a:xfrm>
-            <a:off x="5831714" y="2111761"/>
+            <a:off x="5831714" y="2117777"/>
             <a:ext cx="543689" cy="281455"/>
             <a:chOff x="5556135" y="897681"/>
             <a:chExt cx="543689" cy="281455"/>
@@ -14621,7 +14621,7 @@
         </p:nvGrpSpPr>
         <p:grpSpPr>
           <a:xfrm>
-            <a:off x="6372404" y="2106430"/>
+            <a:off x="6372404" y="2118462"/>
             <a:ext cx="543689" cy="281455"/>
             <a:chOff x="5556135" y="897681"/>
             <a:chExt cx="543689" cy="281455"/>
@@ -14913,7 +14913,7 @@
         </p:nvGrpSpPr>
         <p:grpSpPr>
           <a:xfrm>
-            <a:off x="3657598" y="2795850"/>
+            <a:off x="3657598" y="2794294"/>
             <a:ext cx="543689" cy="281455"/>
             <a:chOff x="5556135" y="897681"/>
             <a:chExt cx="543689" cy="281455"/>
@@ -15032,7 +15032,7 @@
         </p:nvGrpSpPr>
         <p:grpSpPr>
           <a:xfrm>
-            <a:off x="4201287" y="2786790"/>
+            <a:off x="4201287" y="2792806"/>
             <a:ext cx="543689" cy="281455"/>
             <a:chOff x="5556135" y="897681"/>
             <a:chExt cx="543689" cy="281455"/>
@@ -15151,7 +15151,7 @@
         </p:nvGrpSpPr>
         <p:grpSpPr>
           <a:xfrm>
-            <a:off x="4744976" y="2789019"/>
+            <a:off x="4744976" y="2793479"/>
             <a:ext cx="543689" cy="281455"/>
             <a:chOff x="5556135" y="897681"/>
             <a:chExt cx="543689" cy="281455"/>
@@ -15389,7 +15389,7 @@
         </p:nvGrpSpPr>
         <p:grpSpPr>
           <a:xfrm>
-            <a:off x="3657278" y="3071246"/>
+            <a:off x="3657278" y="3069690"/>
             <a:ext cx="543689" cy="281455"/>
             <a:chOff x="5556135" y="897681"/>
             <a:chExt cx="543689" cy="281455"/>
@@ -15508,7 +15508,7 @@
         </p:nvGrpSpPr>
         <p:grpSpPr>
           <a:xfrm>
-            <a:off x="4200967" y="3062186"/>
+            <a:off x="4200967" y="3068202"/>
             <a:ext cx="543689" cy="281455"/>
             <a:chOff x="5556135" y="897681"/>
             <a:chExt cx="543689" cy="281455"/>
@@ -15627,7 +15627,7 @@
         </p:nvGrpSpPr>
         <p:grpSpPr>
           <a:xfrm>
-            <a:off x="4744656" y="3064415"/>
+            <a:off x="4744656" y="3070431"/>
             <a:ext cx="543689" cy="281455"/>
             <a:chOff x="5556135" y="897681"/>
             <a:chExt cx="543689" cy="281455"/>
@@ -15984,7 +15984,7 @@
         </p:nvGrpSpPr>
         <p:grpSpPr>
           <a:xfrm>
-            <a:off x="4200647" y="3337582"/>
+            <a:off x="4200647" y="3343598"/>
             <a:ext cx="543689" cy="281455"/>
             <a:chOff x="5556135" y="897681"/>
             <a:chExt cx="543689" cy="281455"/>
@@ -16103,7 +16103,7 @@
         </p:nvGrpSpPr>
         <p:grpSpPr>
           <a:xfrm>
-            <a:off x="4744336" y="3339811"/>
+            <a:off x="4744336" y="3345827"/>
             <a:ext cx="543689" cy="281455"/>
             <a:chOff x="5556135" y="897681"/>
             <a:chExt cx="543689" cy="281455"/>
@@ -16276,7 +16276,7 @@
         </p:nvGrpSpPr>
         <p:grpSpPr>
           <a:xfrm>
-            <a:off x="3112409" y="4006506"/>
+            <a:off x="3112409" y="4010966"/>
             <a:ext cx="543689" cy="281455"/>
             <a:chOff x="5556135" y="897681"/>
             <a:chExt cx="543689" cy="281455"/>
@@ -16514,7 +16514,7 @@
         </p:nvGrpSpPr>
         <p:grpSpPr>
           <a:xfrm>
-            <a:off x="3112089" y="4281902"/>
+            <a:off x="3112089" y="4286845"/>
             <a:ext cx="543689" cy="281455"/>
             <a:chOff x="5556135" y="897681"/>
             <a:chExt cx="543689" cy="281455"/>

--- a/아파치카프카_with자바/ref/프레젠테이션1.pptx
+++ b/아파치카프카_with자바/ref/프레젠테이션1.pptx
@@ -11,6 +11,10 @@
     <p:sldId id="262" r:id="rId5"/>
     <p:sldId id="263" r:id="rId6"/>
     <p:sldId id="264" r:id="rId7"/>
+    <p:sldId id="265" r:id="rId8"/>
+    <p:sldId id="266" r:id="rId9"/>
+    <p:sldId id="267" r:id="rId10"/>
+    <p:sldId id="268" r:id="rId11"/>
   </p:sldIdLst>
   <p:sldSz cx="12192000" cy="6858000"/>
   <p:notesSz cx="6858000" cy="9144000"/>
@@ -6112,6 +6116,1610 @@
     <p:extLst>
       <p:ext uri="{BB962C8B-B14F-4D97-AF65-F5344CB8AC3E}">
         <p14:creationId xmlns:p14="http://schemas.microsoft.com/office/powerpoint/2010/main" val="722931578"/>
+      </p:ext>
+    </p:extLst>
+  </p:cSld>
+  <p:clrMapOvr>
+    <a:masterClrMapping/>
+  </p:clrMapOvr>
+</p:sld>
+</file>
+
+<file path=ppt/slides/slide10.xml><?xml version="1.0" encoding="utf-8"?>
+<p:sld xmlns:a="http://schemas.openxmlformats.org/drawingml/2006/main" xmlns:r="http://schemas.openxmlformats.org/officeDocument/2006/relationships" xmlns:p="http://schemas.openxmlformats.org/presentationml/2006/main">
+  <p:cSld>
+    <p:spTree>
+      <p:nvGrpSpPr>
+        <p:cNvPr id="1" name=""/>
+        <p:cNvGrpSpPr/>
+        <p:nvPr/>
+      </p:nvGrpSpPr>
+      <p:grpSpPr>
+        <a:xfrm>
+          <a:off x="0" y="0"/>
+          <a:ext cx="0" cy="0"/>
+          <a:chOff x="0" y="0"/>
+          <a:chExt cx="0" cy="0"/>
+        </a:xfrm>
+      </p:grpSpPr>
+      <p:sp>
+        <p:nvSpPr>
+          <p:cNvPr id="90" name="직사각형 89">
+            <a:extLst>
+              <a:ext uri="{FF2B5EF4-FFF2-40B4-BE49-F238E27FC236}">
+                <a16:creationId xmlns:a16="http://schemas.microsoft.com/office/drawing/2014/main" id="{1635FFEF-3404-3A44-A1E1-D26B540B86AC}"/>
+              </a:ext>
+            </a:extLst>
+          </p:cNvPr>
+          <p:cNvSpPr/>
+          <p:nvPr/>
+        </p:nvSpPr>
+        <p:spPr>
+          <a:xfrm>
+            <a:off x="905835" y="848244"/>
+            <a:ext cx="3525263" cy="2580756"/>
+          </a:xfrm>
+          <a:prstGeom prst="rect">
+            <a:avLst/>
+          </a:prstGeom>
+          <a:solidFill>
+            <a:schemeClr val="bg1">
+              <a:lumMod val="95000"/>
+            </a:schemeClr>
+          </a:solidFill>
+          <a:ln w="25400">
+            <a:solidFill>
+              <a:srgbClr val="5DA2C5"/>
+            </a:solidFill>
+          </a:ln>
+        </p:spPr>
+        <p:style>
+          <a:lnRef idx="1">
+            <a:schemeClr val="accent1"/>
+          </a:lnRef>
+          <a:fillRef idx="0">
+            <a:schemeClr val="accent1"/>
+          </a:fillRef>
+          <a:effectRef idx="0">
+            <a:schemeClr val="accent1"/>
+          </a:effectRef>
+          <a:fontRef idx="minor">
+            <a:schemeClr val="tx1"/>
+          </a:fontRef>
+        </p:style>
+        <p:txBody>
+          <a:bodyPr rtlCol="0" anchor="ctr"/>
+          <a:lstStyle/>
+          <a:p>
+            <a:pPr algn="ctr"/>
+            <a:endParaRPr kumimoji="1" lang="ko-Kore-KR" altLang="en-US"/>
+          </a:p>
+        </p:txBody>
+      </p:sp>
+      <p:sp>
+        <p:nvSpPr>
+          <p:cNvPr id="39" name="직사각형 38">
+            <a:extLst>
+              <a:ext uri="{FF2B5EF4-FFF2-40B4-BE49-F238E27FC236}">
+                <a16:creationId xmlns:a16="http://schemas.microsoft.com/office/drawing/2014/main" id="{601D4ACF-9DAE-464D-A704-3716E3819EF8}"/>
+              </a:ext>
+            </a:extLst>
+          </p:cNvPr>
+          <p:cNvSpPr/>
+          <p:nvPr/>
+        </p:nvSpPr>
+        <p:spPr>
+          <a:xfrm>
+            <a:off x="1196141" y="1084343"/>
+            <a:ext cx="1301866" cy="1212655"/>
+          </a:xfrm>
+          <a:prstGeom prst="rect">
+            <a:avLst/>
+          </a:prstGeom>
+          <a:solidFill>
+            <a:schemeClr val="bg1">
+              <a:lumMod val="85000"/>
+            </a:schemeClr>
+          </a:solidFill>
+          <a:ln w="25400">
+            <a:solidFill>
+              <a:srgbClr val="5DA2C5"/>
+            </a:solidFill>
+          </a:ln>
+        </p:spPr>
+        <p:style>
+          <a:lnRef idx="1">
+            <a:schemeClr val="accent1"/>
+          </a:lnRef>
+          <a:fillRef idx="0">
+            <a:schemeClr val="accent1"/>
+          </a:fillRef>
+          <a:effectRef idx="0">
+            <a:schemeClr val="accent1"/>
+          </a:effectRef>
+          <a:fontRef idx="minor">
+            <a:schemeClr val="tx1"/>
+          </a:fontRef>
+        </p:style>
+        <p:txBody>
+          <a:bodyPr rtlCol="0" anchor="ctr"/>
+          <a:lstStyle/>
+          <a:p>
+            <a:pPr algn="ctr"/>
+            <a:endParaRPr kumimoji="1" lang="ko-Kore-KR" altLang="en-US"/>
+          </a:p>
+        </p:txBody>
+      </p:sp>
+      <p:sp>
+        <p:nvSpPr>
+          <p:cNvPr id="40" name="TextBox 39">
+            <a:extLst>
+              <a:ext uri="{FF2B5EF4-FFF2-40B4-BE49-F238E27FC236}">
+                <a16:creationId xmlns:a16="http://schemas.microsoft.com/office/drawing/2014/main" id="{D68E3799-46BC-4A49-8014-12C23BBDE003}"/>
+              </a:ext>
+            </a:extLst>
+          </p:cNvPr>
+          <p:cNvSpPr txBox="1"/>
+          <p:nvPr/>
+        </p:nvSpPr>
+        <p:spPr>
+          <a:xfrm>
+            <a:off x="1407051" y="1171431"/>
+            <a:ext cx="880045" cy="338554"/>
+          </a:xfrm>
+          <a:prstGeom prst="rect">
+            <a:avLst/>
+          </a:prstGeom>
+          <a:noFill/>
+        </p:spPr>
+        <p:txBody>
+          <a:bodyPr wrap="square" rtlCol="0">
+            <a:spAutoFit/>
+          </a:bodyPr>
+          <a:lstStyle/>
+          <a:p>
+            <a:pPr algn="ctr"/>
+            <a:r>
+              <a:rPr kumimoji="1" lang="ko-KR" altLang="en-US" sz="1600" b="1" dirty="0">
+                <a:solidFill>
+                  <a:srgbClr val="5DA2C5"/>
+                </a:solidFill>
+                <a:latin typeface="SHeadG" panose="02030600000101010101" pitchFamily="18" charset="-127"/>
+                <a:ea typeface="SHeadG" panose="02030600000101010101" pitchFamily="18" charset="-127"/>
+              </a:rPr>
+              <a:t>토픽</a:t>
+            </a:r>
+            <a:endParaRPr kumimoji="1" lang="ko-Kore-KR" altLang="en-US" sz="1600" b="1" dirty="0">
+              <a:solidFill>
+                <a:srgbClr val="5DA2C5"/>
+              </a:solidFill>
+              <a:latin typeface="SHeadG" panose="02030600000101010101" pitchFamily="18" charset="-127"/>
+              <a:ea typeface="SHeadG" panose="02030600000101010101" pitchFamily="18" charset="-127"/>
+            </a:endParaRPr>
+          </a:p>
+        </p:txBody>
+      </p:sp>
+      <p:grpSp>
+        <p:nvGrpSpPr>
+          <p:cNvPr id="3" name="그룹 2">
+            <a:extLst>
+              <a:ext uri="{FF2B5EF4-FFF2-40B4-BE49-F238E27FC236}">
+                <a16:creationId xmlns:a16="http://schemas.microsoft.com/office/drawing/2014/main" id="{DF986D5E-06C0-B447-BF7E-6DB378AD4D88}"/>
+              </a:ext>
+            </a:extLst>
+          </p:cNvPr>
+          <p:cNvGrpSpPr/>
+          <p:nvPr/>
+        </p:nvGrpSpPr>
+        <p:grpSpPr>
+          <a:xfrm>
+            <a:off x="1322962" y="1690670"/>
+            <a:ext cx="1048222" cy="338554"/>
+            <a:chOff x="1407052" y="1578492"/>
+            <a:chExt cx="1048222" cy="338554"/>
+          </a:xfrm>
+        </p:grpSpPr>
+        <p:sp>
+          <p:nvSpPr>
+            <p:cNvPr id="78" name="직사각형 77">
+              <a:extLst>
+                <a:ext uri="{FF2B5EF4-FFF2-40B4-BE49-F238E27FC236}">
+                  <a16:creationId xmlns:a16="http://schemas.microsoft.com/office/drawing/2014/main" id="{DF1BF89C-0688-1B47-BF7D-95818DCF9AFC}"/>
+                </a:ext>
+              </a:extLst>
+            </p:cNvPr>
+            <p:cNvSpPr/>
+            <p:nvPr/>
+          </p:nvSpPr>
+          <p:spPr>
+            <a:xfrm>
+              <a:off x="1407052" y="1578492"/>
+              <a:ext cx="1048222" cy="338554"/>
+            </a:xfrm>
+            <a:prstGeom prst="rect">
+              <a:avLst/>
+            </a:prstGeom>
+            <a:solidFill>
+              <a:schemeClr val="bg1"/>
+            </a:solidFill>
+            <a:ln w="25400">
+              <a:solidFill>
+                <a:srgbClr val="5DA2C5"/>
+              </a:solidFill>
+            </a:ln>
+          </p:spPr>
+          <p:style>
+            <a:lnRef idx="1">
+              <a:schemeClr val="accent1"/>
+            </a:lnRef>
+            <a:fillRef idx="0">
+              <a:schemeClr val="accent1"/>
+            </a:fillRef>
+            <a:effectRef idx="0">
+              <a:schemeClr val="accent1"/>
+            </a:effectRef>
+            <a:fontRef idx="minor">
+              <a:schemeClr val="tx1"/>
+            </a:fontRef>
+          </p:style>
+          <p:txBody>
+            <a:bodyPr rtlCol="0" anchor="ctr"/>
+            <a:lstStyle/>
+            <a:p>
+              <a:pPr algn="ctr"/>
+              <a:endParaRPr kumimoji="1" lang="ko-Kore-KR" altLang="en-US"/>
+            </a:p>
+          </p:txBody>
+        </p:sp>
+        <p:sp>
+          <p:nvSpPr>
+            <p:cNvPr id="79" name="TextBox 78">
+              <a:extLst>
+                <a:ext uri="{FF2B5EF4-FFF2-40B4-BE49-F238E27FC236}">
+                  <a16:creationId xmlns:a16="http://schemas.microsoft.com/office/drawing/2014/main" id="{A4972876-FD35-624E-87E3-5B15E1908656}"/>
+                </a:ext>
+              </a:extLst>
+            </p:cNvPr>
+            <p:cNvSpPr txBox="1"/>
+            <p:nvPr/>
+          </p:nvSpPr>
+          <p:spPr>
+            <a:xfrm>
+              <a:off x="1491141" y="1607453"/>
+              <a:ext cx="880044" cy="276999"/>
+            </a:xfrm>
+            <a:prstGeom prst="rect">
+              <a:avLst/>
+            </a:prstGeom>
+            <a:noFill/>
+          </p:spPr>
+          <p:txBody>
+            <a:bodyPr wrap="square" rtlCol="0">
+              <a:spAutoFit/>
+            </a:bodyPr>
+            <a:lstStyle/>
+            <a:p>
+              <a:pPr algn="ctr"/>
+              <a:r>
+                <a:rPr kumimoji="1" lang="ko-KR" altLang="en-US" sz="1200" b="1" dirty="0">
+                  <a:solidFill>
+                    <a:srgbClr val="5DA2C5"/>
+                  </a:solidFill>
+                  <a:latin typeface="SHeadG" panose="02030600000101010101" pitchFamily="18" charset="-127"/>
+                  <a:ea typeface="SHeadG" panose="02030600000101010101" pitchFamily="18" charset="-127"/>
+                </a:rPr>
+                <a:t>파티션 </a:t>
+              </a:r>
+              <a:r>
+                <a:rPr kumimoji="1" lang="en-US" altLang="ko-KR" sz="1200" b="1" dirty="0">
+                  <a:solidFill>
+                    <a:srgbClr val="5DA2C5"/>
+                  </a:solidFill>
+                  <a:latin typeface="SHeadG" panose="02030600000101010101" pitchFamily="18" charset="-127"/>
+                  <a:ea typeface="SHeadG" panose="02030600000101010101" pitchFamily="18" charset="-127"/>
+                </a:rPr>
+                <a:t>0</a:t>
+              </a:r>
+              <a:endParaRPr kumimoji="1" lang="ko-Kore-KR" altLang="en-US" sz="1200" b="1" dirty="0">
+                <a:solidFill>
+                  <a:srgbClr val="5DA2C5"/>
+                </a:solidFill>
+                <a:latin typeface="SHeadG" panose="02030600000101010101" pitchFamily="18" charset="-127"/>
+                <a:ea typeface="SHeadG" panose="02030600000101010101" pitchFamily="18" charset="-127"/>
+              </a:endParaRPr>
+            </a:p>
+          </p:txBody>
+        </p:sp>
+      </p:grpSp>
+      <p:grpSp>
+        <p:nvGrpSpPr>
+          <p:cNvPr id="6" name="그룹 5">
+            <a:extLst>
+              <a:ext uri="{FF2B5EF4-FFF2-40B4-BE49-F238E27FC236}">
+                <a16:creationId xmlns:a16="http://schemas.microsoft.com/office/drawing/2014/main" id="{D3213B28-4D8F-5946-830F-526F9409579A}"/>
+              </a:ext>
+            </a:extLst>
+          </p:cNvPr>
+          <p:cNvGrpSpPr/>
+          <p:nvPr/>
+        </p:nvGrpSpPr>
+        <p:grpSpPr>
+          <a:xfrm>
+            <a:off x="2798000" y="1654255"/>
+            <a:ext cx="1301866" cy="407749"/>
+            <a:chOff x="2841542" y="1621475"/>
+            <a:chExt cx="1301866" cy="407749"/>
+          </a:xfrm>
+        </p:grpSpPr>
+        <p:sp>
+          <p:nvSpPr>
+            <p:cNvPr id="81" name="직사각형 80">
+              <a:extLst>
+                <a:ext uri="{FF2B5EF4-FFF2-40B4-BE49-F238E27FC236}">
+                  <a16:creationId xmlns:a16="http://schemas.microsoft.com/office/drawing/2014/main" id="{86649215-5CF9-6A4A-9967-BAAD145AE513}"/>
+                </a:ext>
+              </a:extLst>
+            </p:cNvPr>
+            <p:cNvSpPr/>
+            <p:nvPr/>
+          </p:nvSpPr>
+          <p:spPr>
+            <a:xfrm>
+              <a:off x="2841542" y="1621475"/>
+              <a:ext cx="1301866" cy="407749"/>
+            </a:xfrm>
+            <a:prstGeom prst="rect">
+              <a:avLst/>
+            </a:prstGeom>
+            <a:solidFill>
+              <a:schemeClr val="bg1">
+                <a:lumMod val="85000"/>
+              </a:schemeClr>
+            </a:solidFill>
+            <a:ln w="25400">
+              <a:solidFill>
+                <a:srgbClr val="5DA2C5"/>
+              </a:solidFill>
+            </a:ln>
+          </p:spPr>
+          <p:style>
+            <a:lnRef idx="1">
+              <a:schemeClr val="accent1"/>
+            </a:lnRef>
+            <a:fillRef idx="0">
+              <a:schemeClr val="accent1"/>
+            </a:fillRef>
+            <a:effectRef idx="0">
+              <a:schemeClr val="accent1"/>
+            </a:effectRef>
+            <a:fontRef idx="minor">
+              <a:schemeClr val="tx1"/>
+            </a:fontRef>
+          </p:style>
+          <p:txBody>
+            <a:bodyPr rtlCol="0" anchor="ctr"/>
+            <a:lstStyle/>
+            <a:p>
+              <a:pPr algn="ctr"/>
+              <a:endParaRPr kumimoji="1" lang="ko-Kore-KR" altLang="en-US"/>
+            </a:p>
+          </p:txBody>
+        </p:sp>
+        <p:sp>
+          <p:nvSpPr>
+            <p:cNvPr id="82" name="TextBox 81">
+              <a:extLst>
+                <a:ext uri="{FF2B5EF4-FFF2-40B4-BE49-F238E27FC236}">
+                  <a16:creationId xmlns:a16="http://schemas.microsoft.com/office/drawing/2014/main" id="{C3C4CE77-4072-174E-A6AE-A2735025DD85}"/>
+                </a:ext>
+              </a:extLst>
+            </p:cNvPr>
+            <p:cNvSpPr txBox="1"/>
+            <p:nvPr/>
+          </p:nvSpPr>
+          <p:spPr>
+            <a:xfrm>
+              <a:off x="2897066" y="1656072"/>
+              <a:ext cx="1163305" cy="338554"/>
+            </a:xfrm>
+            <a:prstGeom prst="rect">
+              <a:avLst/>
+            </a:prstGeom>
+            <a:noFill/>
+          </p:spPr>
+          <p:txBody>
+            <a:bodyPr wrap="square" rtlCol="0">
+              <a:spAutoFit/>
+            </a:bodyPr>
+            <a:lstStyle/>
+            <a:p>
+              <a:pPr algn="ctr"/>
+              <a:r>
+                <a:rPr kumimoji="1" lang="ko-KR" altLang="en-US" sz="1600" b="1" dirty="0" err="1">
+                  <a:solidFill>
+                    <a:srgbClr val="5DA2C5"/>
+                  </a:solidFill>
+                  <a:latin typeface="SHeadG" panose="02030600000101010101" pitchFamily="18" charset="-127"/>
+                  <a:ea typeface="SHeadG" panose="02030600000101010101" pitchFamily="18" charset="-127"/>
+                </a:rPr>
+                <a:t>컨슈머</a:t>
+              </a:r>
+              <a:r>
+                <a:rPr kumimoji="1" lang="ko-KR" altLang="en-US" sz="1600" b="1" dirty="0">
+                  <a:solidFill>
+                    <a:srgbClr val="5DA2C5"/>
+                  </a:solidFill>
+                  <a:latin typeface="SHeadG" panose="02030600000101010101" pitchFamily="18" charset="-127"/>
+                  <a:ea typeface="SHeadG" panose="02030600000101010101" pitchFamily="18" charset="-127"/>
+                </a:rPr>
+                <a:t> </a:t>
+              </a:r>
+              <a:r>
+                <a:rPr kumimoji="1" lang="en-US" altLang="ko-KR" sz="1600" b="1" dirty="0">
+                  <a:solidFill>
+                    <a:srgbClr val="5DA2C5"/>
+                  </a:solidFill>
+                  <a:latin typeface="SHeadG" panose="02030600000101010101" pitchFamily="18" charset="-127"/>
+                  <a:ea typeface="SHeadG" panose="02030600000101010101" pitchFamily="18" charset="-127"/>
+                </a:rPr>
+                <a:t>0</a:t>
+              </a:r>
+              <a:endParaRPr kumimoji="1" lang="ko-Kore-KR" altLang="en-US" sz="1600" b="1" dirty="0">
+                <a:solidFill>
+                  <a:srgbClr val="5DA2C5"/>
+                </a:solidFill>
+                <a:latin typeface="SHeadG" panose="02030600000101010101" pitchFamily="18" charset="-127"/>
+                <a:ea typeface="SHeadG" panose="02030600000101010101" pitchFamily="18" charset="-127"/>
+              </a:endParaRPr>
+            </a:p>
+          </p:txBody>
+        </p:sp>
+      </p:grpSp>
+      <p:cxnSp>
+        <p:nvCxnSpPr>
+          <p:cNvPr id="83" name="직선 화살표 연결선 82">
+            <a:extLst>
+              <a:ext uri="{FF2B5EF4-FFF2-40B4-BE49-F238E27FC236}">
+                <a16:creationId xmlns:a16="http://schemas.microsoft.com/office/drawing/2014/main" id="{A0A1850C-5CF4-EB44-928B-291052D7E8C9}"/>
+              </a:ext>
+            </a:extLst>
+          </p:cNvPr>
+          <p:cNvCxnSpPr>
+            <a:cxnSpLocks/>
+            <a:stCxn id="78" idx="3"/>
+            <a:endCxn id="81" idx="1"/>
+          </p:cNvCxnSpPr>
+          <p:nvPr/>
+        </p:nvCxnSpPr>
+        <p:spPr>
+          <a:xfrm flipV="1">
+            <a:off x="2371184" y="1858130"/>
+            <a:ext cx="426816" cy="1817"/>
+          </a:xfrm>
+          <a:prstGeom prst="straightConnector1">
+            <a:avLst/>
+          </a:prstGeom>
+          <a:ln w="19050">
+            <a:solidFill>
+              <a:srgbClr val="5DA2C5"/>
+            </a:solidFill>
+            <a:tailEnd type="stealth" w="lg" len="lg"/>
+          </a:ln>
+        </p:spPr>
+        <p:style>
+          <a:lnRef idx="1">
+            <a:schemeClr val="accent1"/>
+          </a:lnRef>
+          <a:fillRef idx="0">
+            <a:schemeClr val="accent1"/>
+          </a:fillRef>
+          <a:effectRef idx="0">
+            <a:schemeClr val="accent1"/>
+          </a:effectRef>
+          <a:fontRef idx="minor">
+            <a:schemeClr val="tx1"/>
+          </a:fontRef>
+        </p:style>
+      </p:cxnSp>
+      <p:sp>
+        <p:nvSpPr>
+          <p:cNvPr id="91" name="직사각형 90">
+            <a:extLst>
+              <a:ext uri="{FF2B5EF4-FFF2-40B4-BE49-F238E27FC236}">
+                <a16:creationId xmlns:a16="http://schemas.microsoft.com/office/drawing/2014/main" id="{23853E2E-694D-4442-B1CA-FDCC526487FB}"/>
+              </a:ext>
+            </a:extLst>
+          </p:cNvPr>
+          <p:cNvSpPr/>
+          <p:nvPr/>
+        </p:nvSpPr>
+        <p:spPr>
+          <a:xfrm>
+            <a:off x="5281892" y="848244"/>
+            <a:ext cx="3525263" cy="2580756"/>
+          </a:xfrm>
+          <a:prstGeom prst="rect">
+            <a:avLst/>
+          </a:prstGeom>
+          <a:solidFill>
+            <a:schemeClr val="bg1">
+              <a:lumMod val="95000"/>
+            </a:schemeClr>
+          </a:solidFill>
+          <a:ln w="25400">
+            <a:solidFill>
+              <a:srgbClr val="5DA2C5"/>
+            </a:solidFill>
+          </a:ln>
+        </p:spPr>
+        <p:style>
+          <a:lnRef idx="1">
+            <a:schemeClr val="accent1"/>
+          </a:lnRef>
+          <a:fillRef idx="0">
+            <a:schemeClr val="accent1"/>
+          </a:fillRef>
+          <a:effectRef idx="0">
+            <a:schemeClr val="accent1"/>
+          </a:effectRef>
+          <a:fontRef idx="minor">
+            <a:schemeClr val="tx1"/>
+          </a:fontRef>
+        </p:style>
+        <p:txBody>
+          <a:bodyPr rtlCol="0" anchor="ctr"/>
+          <a:lstStyle/>
+          <a:p>
+            <a:pPr algn="ctr"/>
+            <a:endParaRPr kumimoji="1" lang="ko-Kore-KR" altLang="en-US"/>
+          </a:p>
+        </p:txBody>
+      </p:sp>
+      <p:sp>
+        <p:nvSpPr>
+          <p:cNvPr id="92" name="직사각형 91">
+            <a:extLst>
+              <a:ext uri="{FF2B5EF4-FFF2-40B4-BE49-F238E27FC236}">
+                <a16:creationId xmlns:a16="http://schemas.microsoft.com/office/drawing/2014/main" id="{45B98FDF-0528-5845-89C4-A5BA12C8EE60}"/>
+              </a:ext>
+            </a:extLst>
+          </p:cNvPr>
+          <p:cNvSpPr/>
+          <p:nvPr/>
+        </p:nvSpPr>
+        <p:spPr>
+          <a:xfrm>
+            <a:off x="5572198" y="1084343"/>
+            <a:ext cx="1301866" cy="1669726"/>
+          </a:xfrm>
+          <a:prstGeom prst="rect">
+            <a:avLst/>
+          </a:prstGeom>
+          <a:solidFill>
+            <a:schemeClr val="bg1">
+              <a:lumMod val="85000"/>
+            </a:schemeClr>
+          </a:solidFill>
+          <a:ln w="25400">
+            <a:solidFill>
+              <a:srgbClr val="5DA2C5"/>
+            </a:solidFill>
+          </a:ln>
+        </p:spPr>
+        <p:style>
+          <a:lnRef idx="1">
+            <a:schemeClr val="accent1"/>
+          </a:lnRef>
+          <a:fillRef idx="0">
+            <a:schemeClr val="accent1"/>
+          </a:fillRef>
+          <a:effectRef idx="0">
+            <a:schemeClr val="accent1"/>
+          </a:effectRef>
+          <a:fontRef idx="minor">
+            <a:schemeClr val="tx1"/>
+          </a:fontRef>
+        </p:style>
+        <p:txBody>
+          <a:bodyPr rtlCol="0" anchor="ctr"/>
+          <a:lstStyle/>
+          <a:p>
+            <a:pPr algn="ctr"/>
+            <a:endParaRPr kumimoji="1" lang="ko-Kore-KR" altLang="en-US"/>
+          </a:p>
+        </p:txBody>
+      </p:sp>
+      <p:sp>
+        <p:nvSpPr>
+          <p:cNvPr id="93" name="TextBox 92">
+            <a:extLst>
+              <a:ext uri="{FF2B5EF4-FFF2-40B4-BE49-F238E27FC236}">
+                <a16:creationId xmlns:a16="http://schemas.microsoft.com/office/drawing/2014/main" id="{A0982DB3-4010-4B4D-B2EA-1B171818E18F}"/>
+              </a:ext>
+            </a:extLst>
+          </p:cNvPr>
+          <p:cNvSpPr txBox="1"/>
+          <p:nvPr/>
+        </p:nvSpPr>
+        <p:spPr>
+          <a:xfrm>
+            <a:off x="5783108" y="1171431"/>
+            <a:ext cx="880045" cy="338554"/>
+          </a:xfrm>
+          <a:prstGeom prst="rect">
+            <a:avLst/>
+          </a:prstGeom>
+          <a:noFill/>
+        </p:spPr>
+        <p:txBody>
+          <a:bodyPr wrap="square" rtlCol="0">
+            <a:spAutoFit/>
+          </a:bodyPr>
+          <a:lstStyle/>
+          <a:p>
+            <a:pPr algn="ctr"/>
+            <a:r>
+              <a:rPr kumimoji="1" lang="ko-KR" altLang="en-US" sz="1600" b="1" dirty="0">
+                <a:solidFill>
+                  <a:srgbClr val="5DA2C5"/>
+                </a:solidFill>
+                <a:latin typeface="SHeadG" panose="02030600000101010101" pitchFamily="18" charset="-127"/>
+                <a:ea typeface="SHeadG" panose="02030600000101010101" pitchFamily="18" charset="-127"/>
+              </a:rPr>
+              <a:t>토픽</a:t>
+            </a:r>
+            <a:endParaRPr kumimoji="1" lang="ko-Kore-KR" altLang="en-US" sz="1600" b="1" dirty="0">
+              <a:solidFill>
+                <a:srgbClr val="5DA2C5"/>
+              </a:solidFill>
+              <a:latin typeface="SHeadG" panose="02030600000101010101" pitchFamily="18" charset="-127"/>
+              <a:ea typeface="SHeadG" panose="02030600000101010101" pitchFamily="18" charset="-127"/>
+            </a:endParaRPr>
+          </a:p>
+        </p:txBody>
+      </p:sp>
+      <p:grpSp>
+        <p:nvGrpSpPr>
+          <p:cNvPr id="94" name="그룹 93">
+            <a:extLst>
+              <a:ext uri="{FF2B5EF4-FFF2-40B4-BE49-F238E27FC236}">
+                <a16:creationId xmlns:a16="http://schemas.microsoft.com/office/drawing/2014/main" id="{9F9EA5B2-9E9A-8740-ACFA-7F5AD328EE4B}"/>
+              </a:ext>
+            </a:extLst>
+          </p:cNvPr>
+          <p:cNvGrpSpPr/>
+          <p:nvPr/>
+        </p:nvGrpSpPr>
+        <p:grpSpPr>
+          <a:xfrm>
+            <a:off x="5699019" y="1690670"/>
+            <a:ext cx="1048222" cy="338554"/>
+            <a:chOff x="1407052" y="1578492"/>
+            <a:chExt cx="1048222" cy="338554"/>
+          </a:xfrm>
+        </p:grpSpPr>
+        <p:sp>
+          <p:nvSpPr>
+            <p:cNvPr id="95" name="직사각형 94">
+              <a:extLst>
+                <a:ext uri="{FF2B5EF4-FFF2-40B4-BE49-F238E27FC236}">
+                  <a16:creationId xmlns:a16="http://schemas.microsoft.com/office/drawing/2014/main" id="{6E1295C0-06D6-E345-A167-179574AED391}"/>
+                </a:ext>
+              </a:extLst>
+            </p:cNvPr>
+            <p:cNvSpPr/>
+            <p:nvPr/>
+          </p:nvSpPr>
+          <p:spPr>
+            <a:xfrm>
+              <a:off x="1407052" y="1578492"/>
+              <a:ext cx="1048222" cy="338554"/>
+            </a:xfrm>
+            <a:prstGeom prst="rect">
+              <a:avLst/>
+            </a:prstGeom>
+            <a:solidFill>
+              <a:schemeClr val="bg1"/>
+            </a:solidFill>
+            <a:ln w="25400">
+              <a:solidFill>
+                <a:srgbClr val="5DA2C5"/>
+              </a:solidFill>
+            </a:ln>
+          </p:spPr>
+          <p:style>
+            <a:lnRef idx="1">
+              <a:schemeClr val="accent1"/>
+            </a:lnRef>
+            <a:fillRef idx="0">
+              <a:schemeClr val="accent1"/>
+            </a:fillRef>
+            <a:effectRef idx="0">
+              <a:schemeClr val="accent1"/>
+            </a:effectRef>
+            <a:fontRef idx="minor">
+              <a:schemeClr val="tx1"/>
+            </a:fontRef>
+          </p:style>
+          <p:txBody>
+            <a:bodyPr rtlCol="0" anchor="ctr"/>
+            <a:lstStyle/>
+            <a:p>
+              <a:pPr algn="ctr"/>
+              <a:endParaRPr kumimoji="1" lang="ko-Kore-KR" altLang="en-US"/>
+            </a:p>
+          </p:txBody>
+        </p:sp>
+        <p:sp>
+          <p:nvSpPr>
+            <p:cNvPr id="96" name="TextBox 95">
+              <a:extLst>
+                <a:ext uri="{FF2B5EF4-FFF2-40B4-BE49-F238E27FC236}">
+                  <a16:creationId xmlns:a16="http://schemas.microsoft.com/office/drawing/2014/main" id="{6E1704D6-ECEE-524E-89E2-C40180FE8114}"/>
+                </a:ext>
+              </a:extLst>
+            </p:cNvPr>
+            <p:cNvSpPr txBox="1"/>
+            <p:nvPr/>
+          </p:nvSpPr>
+          <p:spPr>
+            <a:xfrm>
+              <a:off x="1491141" y="1607453"/>
+              <a:ext cx="880044" cy="276999"/>
+            </a:xfrm>
+            <a:prstGeom prst="rect">
+              <a:avLst/>
+            </a:prstGeom>
+            <a:noFill/>
+          </p:spPr>
+          <p:txBody>
+            <a:bodyPr wrap="square" rtlCol="0">
+              <a:spAutoFit/>
+            </a:bodyPr>
+            <a:lstStyle/>
+            <a:p>
+              <a:pPr algn="ctr"/>
+              <a:r>
+                <a:rPr kumimoji="1" lang="ko-KR" altLang="en-US" sz="1200" b="1" dirty="0">
+                  <a:solidFill>
+                    <a:srgbClr val="5DA2C5"/>
+                  </a:solidFill>
+                  <a:latin typeface="SHeadG" panose="02030600000101010101" pitchFamily="18" charset="-127"/>
+                  <a:ea typeface="SHeadG" panose="02030600000101010101" pitchFamily="18" charset="-127"/>
+                </a:rPr>
+                <a:t>파티션 </a:t>
+              </a:r>
+              <a:r>
+                <a:rPr kumimoji="1" lang="en-US" altLang="ko-KR" sz="1200" b="1" dirty="0">
+                  <a:solidFill>
+                    <a:srgbClr val="5DA2C5"/>
+                  </a:solidFill>
+                  <a:latin typeface="SHeadG" panose="02030600000101010101" pitchFamily="18" charset="-127"/>
+                  <a:ea typeface="SHeadG" panose="02030600000101010101" pitchFamily="18" charset="-127"/>
+                </a:rPr>
+                <a:t>0</a:t>
+              </a:r>
+              <a:endParaRPr kumimoji="1" lang="ko-Kore-KR" altLang="en-US" sz="1200" b="1" dirty="0">
+                <a:solidFill>
+                  <a:srgbClr val="5DA2C5"/>
+                </a:solidFill>
+                <a:latin typeface="SHeadG" panose="02030600000101010101" pitchFamily="18" charset="-127"/>
+                <a:ea typeface="SHeadG" panose="02030600000101010101" pitchFamily="18" charset="-127"/>
+              </a:endParaRPr>
+            </a:p>
+          </p:txBody>
+        </p:sp>
+      </p:grpSp>
+      <p:grpSp>
+        <p:nvGrpSpPr>
+          <p:cNvPr id="97" name="그룹 96">
+            <a:extLst>
+              <a:ext uri="{FF2B5EF4-FFF2-40B4-BE49-F238E27FC236}">
+                <a16:creationId xmlns:a16="http://schemas.microsoft.com/office/drawing/2014/main" id="{CB959765-9604-174F-A3CA-C4EC83F1A3EB}"/>
+              </a:ext>
+            </a:extLst>
+          </p:cNvPr>
+          <p:cNvGrpSpPr/>
+          <p:nvPr/>
+        </p:nvGrpSpPr>
+        <p:grpSpPr>
+          <a:xfrm>
+            <a:off x="7174057" y="1654255"/>
+            <a:ext cx="1301866" cy="407749"/>
+            <a:chOff x="2841542" y="1621475"/>
+            <a:chExt cx="1301866" cy="407749"/>
+          </a:xfrm>
+        </p:grpSpPr>
+        <p:sp>
+          <p:nvSpPr>
+            <p:cNvPr id="98" name="직사각형 97">
+              <a:extLst>
+                <a:ext uri="{FF2B5EF4-FFF2-40B4-BE49-F238E27FC236}">
+                  <a16:creationId xmlns:a16="http://schemas.microsoft.com/office/drawing/2014/main" id="{9E143A1D-518C-DB40-AB7B-8FE6C7674EDA}"/>
+                </a:ext>
+              </a:extLst>
+            </p:cNvPr>
+            <p:cNvSpPr/>
+            <p:nvPr/>
+          </p:nvSpPr>
+          <p:spPr>
+            <a:xfrm>
+              <a:off x="2841542" y="1621475"/>
+              <a:ext cx="1301866" cy="407749"/>
+            </a:xfrm>
+            <a:prstGeom prst="rect">
+              <a:avLst/>
+            </a:prstGeom>
+            <a:solidFill>
+              <a:schemeClr val="bg1">
+                <a:lumMod val="85000"/>
+              </a:schemeClr>
+            </a:solidFill>
+            <a:ln w="25400">
+              <a:solidFill>
+                <a:srgbClr val="5DA2C5"/>
+              </a:solidFill>
+            </a:ln>
+          </p:spPr>
+          <p:style>
+            <a:lnRef idx="1">
+              <a:schemeClr val="accent1"/>
+            </a:lnRef>
+            <a:fillRef idx="0">
+              <a:schemeClr val="accent1"/>
+            </a:fillRef>
+            <a:effectRef idx="0">
+              <a:schemeClr val="accent1"/>
+            </a:effectRef>
+            <a:fontRef idx="minor">
+              <a:schemeClr val="tx1"/>
+            </a:fontRef>
+          </p:style>
+          <p:txBody>
+            <a:bodyPr rtlCol="0" anchor="ctr"/>
+            <a:lstStyle/>
+            <a:p>
+              <a:pPr algn="ctr"/>
+              <a:endParaRPr kumimoji="1" lang="ko-Kore-KR" altLang="en-US"/>
+            </a:p>
+          </p:txBody>
+        </p:sp>
+        <p:sp>
+          <p:nvSpPr>
+            <p:cNvPr id="99" name="TextBox 98">
+              <a:extLst>
+                <a:ext uri="{FF2B5EF4-FFF2-40B4-BE49-F238E27FC236}">
+                  <a16:creationId xmlns:a16="http://schemas.microsoft.com/office/drawing/2014/main" id="{9959AC0B-3499-D44A-B4CB-896DA98097F1}"/>
+                </a:ext>
+              </a:extLst>
+            </p:cNvPr>
+            <p:cNvSpPr txBox="1"/>
+            <p:nvPr/>
+          </p:nvSpPr>
+          <p:spPr>
+            <a:xfrm>
+              <a:off x="2897066" y="1656072"/>
+              <a:ext cx="1163305" cy="338554"/>
+            </a:xfrm>
+            <a:prstGeom prst="rect">
+              <a:avLst/>
+            </a:prstGeom>
+            <a:noFill/>
+          </p:spPr>
+          <p:txBody>
+            <a:bodyPr wrap="square" rtlCol="0">
+              <a:spAutoFit/>
+            </a:bodyPr>
+            <a:lstStyle/>
+            <a:p>
+              <a:pPr algn="ctr"/>
+              <a:r>
+                <a:rPr kumimoji="1" lang="ko-KR" altLang="en-US" sz="1600" b="1" dirty="0" err="1">
+                  <a:solidFill>
+                    <a:srgbClr val="5DA2C5"/>
+                  </a:solidFill>
+                  <a:latin typeface="SHeadG" panose="02030600000101010101" pitchFamily="18" charset="-127"/>
+                  <a:ea typeface="SHeadG" panose="02030600000101010101" pitchFamily="18" charset="-127"/>
+                </a:rPr>
+                <a:t>컨슈머</a:t>
+              </a:r>
+              <a:r>
+                <a:rPr kumimoji="1" lang="ko-KR" altLang="en-US" sz="1600" b="1" dirty="0">
+                  <a:solidFill>
+                    <a:srgbClr val="5DA2C5"/>
+                  </a:solidFill>
+                  <a:latin typeface="SHeadG" panose="02030600000101010101" pitchFamily="18" charset="-127"/>
+                  <a:ea typeface="SHeadG" panose="02030600000101010101" pitchFamily="18" charset="-127"/>
+                </a:rPr>
+                <a:t> </a:t>
+              </a:r>
+              <a:r>
+                <a:rPr kumimoji="1" lang="en-US" altLang="ko-KR" sz="1600" b="1" dirty="0">
+                  <a:solidFill>
+                    <a:srgbClr val="5DA2C5"/>
+                  </a:solidFill>
+                  <a:latin typeface="SHeadG" panose="02030600000101010101" pitchFamily="18" charset="-127"/>
+                  <a:ea typeface="SHeadG" panose="02030600000101010101" pitchFamily="18" charset="-127"/>
+                </a:rPr>
+                <a:t>0</a:t>
+              </a:r>
+              <a:endParaRPr kumimoji="1" lang="ko-Kore-KR" altLang="en-US" sz="1600" b="1" dirty="0">
+                <a:solidFill>
+                  <a:srgbClr val="5DA2C5"/>
+                </a:solidFill>
+                <a:latin typeface="SHeadG" panose="02030600000101010101" pitchFamily="18" charset="-127"/>
+                <a:ea typeface="SHeadG" panose="02030600000101010101" pitchFamily="18" charset="-127"/>
+              </a:endParaRPr>
+            </a:p>
+          </p:txBody>
+        </p:sp>
+      </p:grpSp>
+      <p:cxnSp>
+        <p:nvCxnSpPr>
+          <p:cNvPr id="100" name="직선 화살표 연결선 99">
+            <a:extLst>
+              <a:ext uri="{FF2B5EF4-FFF2-40B4-BE49-F238E27FC236}">
+                <a16:creationId xmlns:a16="http://schemas.microsoft.com/office/drawing/2014/main" id="{7B806DAB-79DD-224A-88A5-4BB759C8FA4C}"/>
+              </a:ext>
+            </a:extLst>
+          </p:cNvPr>
+          <p:cNvCxnSpPr>
+            <a:cxnSpLocks/>
+            <a:stCxn id="95" idx="3"/>
+            <a:endCxn id="98" idx="1"/>
+          </p:cNvCxnSpPr>
+          <p:nvPr/>
+        </p:nvCxnSpPr>
+        <p:spPr>
+          <a:xfrm flipV="1">
+            <a:off x="6747241" y="1858130"/>
+            <a:ext cx="426816" cy="1817"/>
+          </a:xfrm>
+          <a:prstGeom prst="straightConnector1">
+            <a:avLst/>
+          </a:prstGeom>
+          <a:ln w="19050">
+            <a:solidFill>
+              <a:srgbClr val="5DA2C5"/>
+            </a:solidFill>
+            <a:tailEnd type="stealth" w="lg" len="lg"/>
+          </a:ln>
+        </p:spPr>
+        <p:style>
+          <a:lnRef idx="1">
+            <a:schemeClr val="accent1"/>
+          </a:lnRef>
+          <a:fillRef idx="0">
+            <a:schemeClr val="accent1"/>
+          </a:fillRef>
+          <a:effectRef idx="0">
+            <a:schemeClr val="accent1"/>
+          </a:effectRef>
+          <a:fontRef idx="minor">
+            <a:schemeClr val="tx1"/>
+          </a:fontRef>
+        </p:style>
+      </p:cxnSp>
+      <p:grpSp>
+        <p:nvGrpSpPr>
+          <p:cNvPr id="101" name="그룹 100">
+            <a:extLst>
+              <a:ext uri="{FF2B5EF4-FFF2-40B4-BE49-F238E27FC236}">
+                <a16:creationId xmlns:a16="http://schemas.microsoft.com/office/drawing/2014/main" id="{E3A7C2F2-A9BE-8849-9A39-393CB22002BF}"/>
+              </a:ext>
+            </a:extLst>
+          </p:cNvPr>
+          <p:cNvGrpSpPr/>
+          <p:nvPr/>
+        </p:nvGrpSpPr>
+        <p:grpSpPr>
+          <a:xfrm>
+            <a:off x="5700438" y="2261608"/>
+            <a:ext cx="1048222" cy="338554"/>
+            <a:chOff x="1407052" y="1578492"/>
+            <a:chExt cx="1048222" cy="338554"/>
+          </a:xfrm>
+        </p:grpSpPr>
+        <p:sp>
+          <p:nvSpPr>
+            <p:cNvPr id="102" name="직사각형 101">
+              <a:extLst>
+                <a:ext uri="{FF2B5EF4-FFF2-40B4-BE49-F238E27FC236}">
+                  <a16:creationId xmlns:a16="http://schemas.microsoft.com/office/drawing/2014/main" id="{AFFCA694-A655-4146-9097-69B17FC54105}"/>
+                </a:ext>
+              </a:extLst>
+            </p:cNvPr>
+            <p:cNvSpPr/>
+            <p:nvPr/>
+          </p:nvSpPr>
+          <p:spPr>
+            <a:xfrm>
+              <a:off x="1407052" y="1578492"/>
+              <a:ext cx="1048222" cy="338554"/>
+            </a:xfrm>
+            <a:prstGeom prst="rect">
+              <a:avLst/>
+            </a:prstGeom>
+            <a:solidFill>
+              <a:schemeClr val="bg1"/>
+            </a:solidFill>
+            <a:ln w="25400">
+              <a:solidFill>
+                <a:srgbClr val="5DA2C5"/>
+              </a:solidFill>
+            </a:ln>
+          </p:spPr>
+          <p:style>
+            <a:lnRef idx="1">
+              <a:schemeClr val="accent1"/>
+            </a:lnRef>
+            <a:fillRef idx="0">
+              <a:schemeClr val="accent1"/>
+            </a:fillRef>
+            <a:effectRef idx="0">
+              <a:schemeClr val="accent1"/>
+            </a:effectRef>
+            <a:fontRef idx="minor">
+              <a:schemeClr val="tx1"/>
+            </a:fontRef>
+          </p:style>
+          <p:txBody>
+            <a:bodyPr rtlCol="0" anchor="ctr"/>
+            <a:lstStyle/>
+            <a:p>
+              <a:pPr algn="ctr"/>
+              <a:endParaRPr kumimoji="1" lang="ko-Kore-KR" altLang="en-US"/>
+            </a:p>
+          </p:txBody>
+        </p:sp>
+        <p:sp>
+          <p:nvSpPr>
+            <p:cNvPr id="103" name="TextBox 102">
+              <a:extLst>
+                <a:ext uri="{FF2B5EF4-FFF2-40B4-BE49-F238E27FC236}">
+                  <a16:creationId xmlns:a16="http://schemas.microsoft.com/office/drawing/2014/main" id="{43BFC5FF-C9A8-AD4E-A8CF-E97A9EB243F4}"/>
+                </a:ext>
+              </a:extLst>
+            </p:cNvPr>
+            <p:cNvSpPr txBox="1"/>
+            <p:nvPr/>
+          </p:nvSpPr>
+          <p:spPr>
+            <a:xfrm>
+              <a:off x="1491141" y="1607453"/>
+              <a:ext cx="880044" cy="276999"/>
+            </a:xfrm>
+            <a:prstGeom prst="rect">
+              <a:avLst/>
+            </a:prstGeom>
+            <a:noFill/>
+          </p:spPr>
+          <p:txBody>
+            <a:bodyPr wrap="square" rtlCol="0">
+              <a:spAutoFit/>
+            </a:bodyPr>
+            <a:lstStyle/>
+            <a:p>
+              <a:pPr algn="ctr"/>
+              <a:r>
+                <a:rPr kumimoji="1" lang="ko-KR" altLang="en-US" sz="1200" b="1" dirty="0">
+                  <a:solidFill>
+                    <a:srgbClr val="5DA2C5"/>
+                  </a:solidFill>
+                  <a:latin typeface="SHeadG" panose="02030600000101010101" pitchFamily="18" charset="-127"/>
+                  <a:ea typeface="SHeadG" panose="02030600000101010101" pitchFamily="18" charset="-127"/>
+                </a:rPr>
+                <a:t>파티션 </a:t>
+              </a:r>
+              <a:r>
+                <a:rPr kumimoji="1" lang="en-US" altLang="ko-KR" sz="1200" b="1" dirty="0">
+                  <a:solidFill>
+                    <a:srgbClr val="5DA2C5"/>
+                  </a:solidFill>
+                  <a:latin typeface="SHeadG" panose="02030600000101010101" pitchFamily="18" charset="-127"/>
+                  <a:ea typeface="SHeadG" panose="02030600000101010101" pitchFamily="18" charset="-127"/>
+                </a:rPr>
+                <a:t>1</a:t>
+              </a:r>
+              <a:endParaRPr kumimoji="1" lang="ko-Kore-KR" altLang="en-US" sz="1200" b="1" dirty="0">
+                <a:solidFill>
+                  <a:srgbClr val="5DA2C5"/>
+                </a:solidFill>
+                <a:latin typeface="SHeadG" panose="02030600000101010101" pitchFamily="18" charset="-127"/>
+                <a:ea typeface="SHeadG" panose="02030600000101010101" pitchFamily="18" charset="-127"/>
+              </a:endParaRPr>
+            </a:p>
+          </p:txBody>
+        </p:sp>
+      </p:grpSp>
+      <p:grpSp>
+        <p:nvGrpSpPr>
+          <p:cNvPr id="104" name="그룹 103">
+            <a:extLst>
+              <a:ext uri="{FF2B5EF4-FFF2-40B4-BE49-F238E27FC236}">
+                <a16:creationId xmlns:a16="http://schemas.microsoft.com/office/drawing/2014/main" id="{B6D9AD31-CF05-434D-8DE6-F32E829A81AE}"/>
+              </a:ext>
+            </a:extLst>
+          </p:cNvPr>
+          <p:cNvGrpSpPr/>
+          <p:nvPr/>
+        </p:nvGrpSpPr>
+        <p:grpSpPr>
+          <a:xfrm>
+            <a:off x="7174057" y="2200309"/>
+            <a:ext cx="1301866" cy="407749"/>
+            <a:chOff x="2841542" y="1621475"/>
+            <a:chExt cx="1301866" cy="407749"/>
+          </a:xfrm>
+        </p:grpSpPr>
+        <p:sp>
+          <p:nvSpPr>
+            <p:cNvPr id="141" name="직사각형 140">
+              <a:extLst>
+                <a:ext uri="{FF2B5EF4-FFF2-40B4-BE49-F238E27FC236}">
+                  <a16:creationId xmlns:a16="http://schemas.microsoft.com/office/drawing/2014/main" id="{11CC2792-E219-C848-9341-103AF5A854E6}"/>
+                </a:ext>
+              </a:extLst>
+            </p:cNvPr>
+            <p:cNvSpPr/>
+            <p:nvPr/>
+          </p:nvSpPr>
+          <p:spPr>
+            <a:xfrm>
+              <a:off x="2841542" y="1621475"/>
+              <a:ext cx="1301866" cy="407749"/>
+            </a:xfrm>
+            <a:prstGeom prst="rect">
+              <a:avLst/>
+            </a:prstGeom>
+            <a:solidFill>
+              <a:schemeClr val="bg1">
+                <a:lumMod val="85000"/>
+              </a:schemeClr>
+            </a:solidFill>
+            <a:ln w="25400">
+              <a:solidFill>
+                <a:srgbClr val="5DA2C5"/>
+              </a:solidFill>
+            </a:ln>
+          </p:spPr>
+          <p:style>
+            <a:lnRef idx="1">
+              <a:schemeClr val="accent1"/>
+            </a:lnRef>
+            <a:fillRef idx="0">
+              <a:schemeClr val="accent1"/>
+            </a:fillRef>
+            <a:effectRef idx="0">
+              <a:schemeClr val="accent1"/>
+            </a:effectRef>
+            <a:fontRef idx="minor">
+              <a:schemeClr val="tx1"/>
+            </a:fontRef>
+          </p:style>
+          <p:txBody>
+            <a:bodyPr rtlCol="0" anchor="ctr"/>
+            <a:lstStyle/>
+            <a:p>
+              <a:pPr algn="ctr"/>
+              <a:endParaRPr kumimoji="1" lang="ko-Kore-KR" altLang="en-US"/>
+            </a:p>
+          </p:txBody>
+        </p:sp>
+        <p:sp>
+          <p:nvSpPr>
+            <p:cNvPr id="143" name="TextBox 142">
+              <a:extLst>
+                <a:ext uri="{FF2B5EF4-FFF2-40B4-BE49-F238E27FC236}">
+                  <a16:creationId xmlns:a16="http://schemas.microsoft.com/office/drawing/2014/main" id="{D1751DC0-5D64-A14C-AAC4-604ADA3A274F}"/>
+                </a:ext>
+              </a:extLst>
+            </p:cNvPr>
+            <p:cNvSpPr txBox="1"/>
+            <p:nvPr/>
+          </p:nvSpPr>
+          <p:spPr>
+            <a:xfrm>
+              <a:off x="2897066" y="1656072"/>
+              <a:ext cx="1163305" cy="338554"/>
+            </a:xfrm>
+            <a:prstGeom prst="rect">
+              <a:avLst/>
+            </a:prstGeom>
+            <a:noFill/>
+          </p:spPr>
+          <p:txBody>
+            <a:bodyPr wrap="square" rtlCol="0">
+              <a:spAutoFit/>
+            </a:bodyPr>
+            <a:lstStyle/>
+            <a:p>
+              <a:pPr algn="ctr"/>
+              <a:r>
+                <a:rPr kumimoji="1" lang="ko-KR" altLang="en-US" sz="1600" b="1" dirty="0" err="1">
+                  <a:solidFill>
+                    <a:srgbClr val="5DA2C5"/>
+                  </a:solidFill>
+                  <a:latin typeface="SHeadG" panose="02030600000101010101" pitchFamily="18" charset="-127"/>
+                  <a:ea typeface="SHeadG" panose="02030600000101010101" pitchFamily="18" charset="-127"/>
+                </a:rPr>
+                <a:t>컨슈머</a:t>
+              </a:r>
+              <a:r>
+                <a:rPr kumimoji="1" lang="ko-KR" altLang="en-US" sz="1600" b="1" dirty="0">
+                  <a:solidFill>
+                    <a:srgbClr val="5DA2C5"/>
+                  </a:solidFill>
+                  <a:latin typeface="SHeadG" panose="02030600000101010101" pitchFamily="18" charset="-127"/>
+                  <a:ea typeface="SHeadG" panose="02030600000101010101" pitchFamily="18" charset="-127"/>
+                </a:rPr>
+                <a:t> </a:t>
+              </a:r>
+              <a:r>
+                <a:rPr kumimoji="1" lang="en-US" altLang="ko-KR" sz="1600" b="1" dirty="0">
+                  <a:solidFill>
+                    <a:srgbClr val="5DA2C5"/>
+                  </a:solidFill>
+                  <a:latin typeface="SHeadG" panose="02030600000101010101" pitchFamily="18" charset="-127"/>
+                  <a:ea typeface="SHeadG" panose="02030600000101010101" pitchFamily="18" charset="-127"/>
+                </a:rPr>
+                <a:t>1</a:t>
+              </a:r>
+              <a:endParaRPr kumimoji="1" lang="ko-Kore-KR" altLang="en-US" sz="1600" b="1" dirty="0">
+                <a:solidFill>
+                  <a:srgbClr val="5DA2C5"/>
+                </a:solidFill>
+                <a:latin typeface="SHeadG" panose="02030600000101010101" pitchFamily="18" charset="-127"/>
+                <a:ea typeface="SHeadG" panose="02030600000101010101" pitchFamily="18" charset="-127"/>
+              </a:endParaRPr>
+            </a:p>
+          </p:txBody>
+        </p:sp>
+      </p:grpSp>
+      <p:cxnSp>
+        <p:nvCxnSpPr>
+          <p:cNvPr id="144" name="직선 화살표 연결선 143">
+            <a:extLst>
+              <a:ext uri="{FF2B5EF4-FFF2-40B4-BE49-F238E27FC236}">
+                <a16:creationId xmlns:a16="http://schemas.microsoft.com/office/drawing/2014/main" id="{8A04E98A-0BA5-DB44-ACAB-D415710C390D}"/>
+              </a:ext>
+            </a:extLst>
+          </p:cNvPr>
+          <p:cNvCxnSpPr>
+            <a:cxnSpLocks/>
+            <a:endCxn id="141" idx="1"/>
+          </p:cNvCxnSpPr>
+          <p:nvPr/>
+        </p:nvCxnSpPr>
+        <p:spPr>
+          <a:xfrm flipV="1">
+            <a:off x="6747241" y="2404184"/>
+            <a:ext cx="426816" cy="1817"/>
+          </a:xfrm>
+          <a:prstGeom prst="straightConnector1">
+            <a:avLst/>
+          </a:prstGeom>
+          <a:ln w="19050">
+            <a:solidFill>
+              <a:srgbClr val="5DA2C5"/>
+            </a:solidFill>
+            <a:tailEnd type="stealth" w="lg" len="lg"/>
+          </a:ln>
+        </p:spPr>
+        <p:style>
+          <a:lnRef idx="1">
+            <a:schemeClr val="accent1"/>
+          </a:lnRef>
+          <a:fillRef idx="0">
+            <a:schemeClr val="accent1"/>
+          </a:fillRef>
+          <a:effectRef idx="0">
+            <a:schemeClr val="accent1"/>
+          </a:effectRef>
+          <a:fontRef idx="minor">
+            <a:schemeClr val="tx1"/>
+          </a:fontRef>
+        </p:style>
+      </p:cxnSp>
+      <p:sp>
+        <p:nvSpPr>
+          <p:cNvPr id="7" name="직사각형 6">
+            <a:extLst>
+              <a:ext uri="{FF2B5EF4-FFF2-40B4-BE49-F238E27FC236}">
+                <a16:creationId xmlns:a16="http://schemas.microsoft.com/office/drawing/2014/main" id="{59903659-1712-0141-850E-CB32D0463E7B}"/>
+              </a:ext>
+            </a:extLst>
+          </p:cNvPr>
+          <p:cNvSpPr/>
+          <p:nvPr/>
+        </p:nvSpPr>
+        <p:spPr>
+          <a:xfrm>
+            <a:off x="1645234" y="2962096"/>
+            <a:ext cx="1803699" cy="307777"/>
+          </a:xfrm>
+          <a:prstGeom prst="rect">
+            <a:avLst/>
+          </a:prstGeom>
+        </p:spPr>
+        <p:txBody>
+          <a:bodyPr wrap="none">
+            <a:spAutoFit/>
+          </a:bodyPr>
+          <a:lstStyle/>
+          <a:p>
+            <a:r>
+              <a:rPr kumimoji="1" lang="ko-KR" altLang="en-US" sz="1400" b="1" dirty="0" err="1">
+                <a:solidFill>
+                  <a:srgbClr val="5DA2C5"/>
+                </a:solidFill>
+                <a:latin typeface="SHeadG" panose="02030600000101010101" pitchFamily="18" charset="-127"/>
+                <a:ea typeface="SHeadG" panose="02030600000101010101" pitchFamily="18" charset="-127"/>
+              </a:rPr>
+              <a:t>컨슈머</a:t>
+            </a:r>
+            <a:r>
+              <a:rPr kumimoji="1" lang="ko-KR" altLang="en-US" sz="1400" b="1" dirty="0">
+                <a:solidFill>
+                  <a:srgbClr val="5DA2C5"/>
+                </a:solidFill>
+                <a:latin typeface="SHeadG" panose="02030600000101010101" pitchFamily="18" charset="-127"/>
+                <a:ea typeface="SHeadG" panose="02030600000101010101" pitchFamily="18" charset="-127"/>
+              </a:rPr>
+              <a:t> </a:t>
+            </a:r>
+            <a:r>
+              <a:rPr kumimoji="1" lang="en-US" altLang="ko-KR" sz="1400" b="1" dirty="0">
+                <a:solidFill>
+                  <a:srgbClr val="5DA2C5"/>
+                </a:solidFill>
+                <a:latin typeface="SHeadG" panose="02030600000101010101" pitchFamily="18" charset="-127"/>
+                <a:ea typeface="SHeadG" panose="02030600000101010101" pitchFamily="18" charset="-127"/>
+              </a:rPr>
+              <a:t>1</a:t>
+            </a:r>
+            <a:r>
+              <a:rPr kumimoji="1" lang="ko-KR" altLang="en-US" sz="1400" b="1" dirty="0">
+                <a:solidFill>
+                  <a:srgbClr val="5DA2C5"/>
+                </a:solidFill>
+                <a:latin typeface="SHeadG" panose="02030600000101010101" pitchFamily="18" charset="-127"/>
+                <a:ea typeface="SHeadG" panose="02030600000101010101" pitchFamily="18" charset="-127"/>
+              </a:rPr>
+              <a:t>개 병렬 처리량</a:t>
+            </a:r>
+            <a:endParaRPr lang="ko-Kore-KR" altLang="en-US" sz="1400" dirty="0"/>
+          </a:p>
+        </p:txBody>
+      </p:sp>
+      <p:sp>
+        <p:nvSpPr>
+          <p:cNvPr id="145" name="직사각형 144">
+            <a:extLst>
+              <a:ext uri="{FF2B5EF4-FFF2-40B4-BE49-F238E27FC236}">
+                <a16:creationId xmlns:a16="http://schemas.microsoft.com/office/drawing/2014/main" id="{7F13EDE6-CFB0-DC42-A331-DB4538FB461D}"/>
+              </a:ext>
+            </a:extLst>
+          </p:cNvPr>
+          <p:cNvSpPr/>
+          <p:nvPr/>
+        </p:nvSpPr>
+        <p:spPr>
+          <a:xfrm>
+            <a:off x="6272207" y="2962096"/>
+            <a:ext cx="1803699" cy="307777"/>
+          </a:xfrm>
+          <a:prstGeom prst="rect">
+            <a:avLst/>
+          </a:prstGeom>
+        </p:spPr>
+        <p:txBody>
+          <a:bodyPr wrap="none">
+            <a:spAutoFit/>
+          </a:bodyPr>
+          <a:lstStyle/>
+          <a:p>
+            <a:r>
+              <a:rPr kumimoji="1" lang="ko-KR" altLang="en-US" sz="1400" b="1" dirty="0" err="1">
+                <a:solidFill>
+                  <a:srgbClr val="5DA2C5"/>
+                </a:solidFill>
+                <a:latin typeface="SHeadG" panose="02030600000101010101" pitchFamily="18" charset="-127"/>
+                <a:ea typeface="SHeadG" panose="02030600000101010101" pitchFamily="18" charset="-127"/>
+              </a:rPr>
+              <a:t>컨슈머</a:t>
+            </a:r>
+            <a:r>
+              <a:rPr kumimoji="1" lang="ko-KR" altLang="en-US" sz="1400" b="1" dirty="0">
+                <a:solidFill>
+                  <a:srgbClr val="5DA2C5"/>
+                </a:solidFill>
+                <a:latin typeface="SHeadG" panose="02030600000101010101" pitchFamily="18" charset="-127"/>
+                <a:ea typeface="SHeadG" panose="02030600000101010101" pitchFamily="18" charset="-127"/>
+              </a:rPr>
+              <a:t> </a:t>
+            </a:r>
+            <a:r>
+              <a:rPr kumimoji="1" lang="en-US" altLang="ko-KR" sz="1400" b="1" dirty="0">
+                <a:solidFill>
+                  <a:srgbClr val="5DA2C5"/>
+                </a:solidFill>
+                <a:latin typeface="SHeadG" panose="02030600000101010101" pitchFamily="18" charset="-127"/>
+                <a:ea typeface="SHeadG" panose="02030600000101010101" pitchFamily="18" charset="-127"/>
+              </a:rPr>
+              <a:t>2</a:t>
+            </a:r>
+            <a:r>
+              <a:rPr kumimoji="1" lang="ko-KR" altLang="en-US" sz="1400" b="1" dirty="0">
+                <a:solidFill>
+                  <a:srgbClr val="5DA2C5"/>
+                </a:solidFill>
+                <a:latin typeface="SHeadG" panose="02030600000101010101" pitchFamily="18" charset="-127"/>
+                <a:ea typeface="SHeadG" panose="02030600000101010101" pitchFamily="18" charset="-127"/>
+              </a:rPr>
+              <a:t>개 병렬 처리량</a:t>
+            </a:r>
+            <a:endParaRPr lang="ko-Kore-KR" altLang="en-US" sz="1400" dirty="0"/>
+          </a:p>
+        </p:txBody>
+      </p:sp>
+      <p:sp>
+        <p:nvSpPr>
+          <p:cNvPr id="8" name="갈매기형 수장[C] 7">
+            <a:extLst>
+              <a:ext uri="{FF2B5EF4-FFF2-40B4-BE49-F238E27FC236}">
+                <a16:creationId xmlns:a16="http://schemas.microsoft.com/office/drawing/2014/main" id="{0A80ABB4-00F3-7046-8A8D-1DA1391B4D90}"/>
+              </a:ext>
+            </a:extLst>
+          </p:cNvPr>
+          <p:cNvSpPr/>
+          <p:nvPr/>
+        </p:nvSpPr>
+        <p:spPr>
+          <a:xfrm rot="10546771">
+            <a:off x="4631269" y="1700329"/>
+            <a:ext cx="341987" cy="816429"/>
+          </a:xfrm>
+          <a:custGeom>
+            <a:avLst/>
+            <a:gdLst>
+              <a:gd name="connsiteX0" fmla="*/ 0 w 210912"/>
+              <a:gd name="connsiteY0" fmla="*/ 0 h 816429"/>
+              <a:gd name="connsiteX1" fmla="*/ 105456 w 210912"/>
+              <a:gd name="connsiteY1" fmla="*/ 0 h 816429"/>
+              <a:gd name="connsiteX2" fmla="*/ 210912 w 210912"/>
+              <a:gd name="connsiteY2" fmla="*/ 408215 h 816429"/>
+              <a:gd name="connsiteX3" fmla="*/ 105456 w 210912"/>
+              <a:gd name="connsiteY3" fmla="*/ 816429 h 816429"/>
+              <a:gd name="connsiteX4" fmla="*/ 0 w 210912"/>
+              <a:gd name="connsiteY4" fmla="*/ 816429 h 816429"/>
+              <a:gd name="connsiteX5" fmla="*/ 105456 w 210912"/>
+              <a:gd name="connsiteY5" fmla="*/ 408215 h 816429"/>
+              <a:gd name="connsiteX6" fmla="*/ 0 w 210912"/>
+              <a:gd name="connsiteY6" fmla="*/ 0 h 816429"/>
+              <a:gd name="connsiteX0" fmla="*/ 0 w 341987"/>
+              <a:gd name="connsiteY0" fmla="*/ 0 h 816429"/>
+              <a:gd name="connsiteX1" fmla="*/ 105456 w 341987"/>
+              <a:gd name="connsiteY1" fmla="*/ 0 h 816429"/>
+              <a:gd name="connsiteX2" fmla="*/ 341987 w 341987"/>
+              <a:gd name="connsiteY2" fmla="*/ 406972 h 816429"/>
+              <a:gd name="connsiteX3" fmla="*/ 105456 w 341987"/>
+              <a:gd name="connsiteY3" fmla="*/ 816429 h 816429"/>
+              <a:gd name="connsiteX4" fmla="*/ 0 w 341987"/>
+              <a:gd name="connsiteY4" fmla="*/ 816429 h 816429"/>
+              <a:gd name="connsiteX5" fmla="*/ 105456 w 341987"/>
+              <a:gd name="connsiteY5" fmla="*/ 408215 h 816429"/>
+              <a:gd name="connsiteX6" fmla="*/ 0 w 341987"/>
+              <a:gd name="connsiteY6" fmla="*/ 0 h 816429"/>
+              <a:gd name="connsiteX0" fmla="*/ 0 w 341987"/>
+              <a:gd name="connsiteY0" fmla="*/ 0 h 816429"/>
+              <a:gd name="connsiteX1" fmla="*/ 105456 w 341987"/>
+              <a:gd name="connsiteY1" fmla="*/ 0 h 816429"/>
+              <a:gd name="connsiteX2" fmla="*/ 341987 w 341987"/>
+              <a:gd name="connsiteY2" fmla="*/ 406972 h 816429"/>
+              <a:gd name="connsiteX3" fmla="*/ 105456 w 341987"/>
+              <a:gd name="connsiteY3" fmla="*/ 816429 h 816429"/>
+              <a:gd name="connsiteX4" fmla="*/ 0 w 341987"/>
+              <a:gd name="connsiteY4" fmla="*/ 816429 h 816429"/>
+              <a:gd name="connsiteX5" fmla="*/ 193107 w 341987"/>
+              <a:gd name="connsiteY5" fmla="*/ 403768 h 816429"/>
+              <a:gd name="connsiteX6" fmla="*/ 0 w 341987"/>
+              <a:gd name="connsiteY6" fmla="*/ 0 h 816429"/>
+            </a:gdLst>
+            <a:ahLst/>
+            <a:cxnLst>
+              <a:cxn ang="0">
+                <a:pos x="connsiteX0" y="connsiteY0"/>
+              </a:cxn>
+              <a:cxn ang="0">
+                <a:pos x="connsiteX1" y="connsiteY1"/>
+              </a:cxn>
+              <a:cxn ang="0">
+                <a:pos x="connsiteX2" y="connsiteY2"/>
+              </a:cxn>
+              <a:cxn ang="0">
+                <a:pos x="connsiteX3" y="connsiteY3"/>
+              </a:cxn>
+              <a:cxn ang="0">
+                <a:pos x="connsiteX4" y="connsiteY4"/>
+              </a:cxn>
+              <a:cxn ang="0">
+                <a:pos x="connsiteX5" y="connsiteY5"/>
+              </a:cxn>
+              <a:cxn ang="0">
+                <a:pos x="connsiteX6" y="connsiteY6"/>
+              </a:cxn>
+            </a:cxnLst>
+            <a:rect l="l" t="t" r="r" b="b"/>
+            <a:pathLst>
+              <a:path w="341987" h="816429">
+                <a:moveTo>
+                  <a:pt x="0" y="0"/>
+                </a:moveTo>
+                <a:lnTo>
+                  <a:pt x="105456" y="0"/>
+                </a:lnTo>
+                <a:lnTo>
+                  <a:pt x="341987" y="406972"/>
+                </a:lnTo>
+                <a:lnTo>
+                  <a:pt x="105456" y="816429"/>
+                </a:lnTo>
+                <a:lnTo>
+                  <a:pt x="0" y="816429"/>
+                </a:lnTo>
+                <a:lnTo>
+                  <a:pt x="193107" y="403768"/>
+                </a:lnTo>
+                <a:lnTo>
+                  <a:pt x="0" y="0"/>
+                </a:lnTo>
+                <a:close/>
+              </a:path>
+            </a:pathLst>
+          </a:custGeom>
+          <a:solidFill>
+            <a:schemeClr val="bg1">
+              <a:lumMod val="95000"/>
+            </a:schemeClr>
+          </a:solidFill>
+          <a:ln w="25400">
+            <a:solidFill>
+              <a:srgbClr val="5DA2C5"/>
+            </a:solidFill>
+          </a:ln>
+        </p:spPr>
+        <p:style>
+          <a:lnRef idx="1">
+            <a:schemeClr val="accent1"/>
+          </a:lnRef>
+          <a:fillRef idx="0">
+            <a:schemeClr val="accent1"/>
+          </a:fillRef>
+          <a:effectRef idx="0">
+            <a:schemeClr val="accent1"/>
+          </a:effectRef>
+          <a:fontRef idx="minor">
+            <a:schemeClr val="tx1"/>
+          </a:fontRef>
+        </p:style>
+        <p:txBody>
+          <a:bodyPr rtlCol="0" anchor="ctr"/>
+          <a:lstStyle/>
+          <a:p>
+            <a:pPr algn="ctr"/>
+            <a:endParaRPr kumimoji="1" lang="ko-Kore-KR" altLang="en-US" dirty="0">
+              <a:solidFill>
+                <a:schemeClr val="tx1"/>
+              </a:solidFill>
+            </a:endParaRPr>
+          </a:p>
+        </p:txBody>
+      </p:sp>
+    </p:spTree>
+    <p:extLst>
+      <p:ext uri="{BB962C8B-B14F-4D97-AF65-F5344CB8AC3E}">
+        <p14:creationId xmlns:p14="http://schemas.microsoft.com/office/powerpoint/2010/main" val="2592065329"/>
       </p:ext>
     </p:extLst>
   </p:cSld>
@@ -17567,6 +19175,6208 @@
 </p:sld>
 </file>
 
+<file path=ppt/slides/slide7.xml><?xml version="1.0" encoding="utf-8"?>
+<p:sld xmlns:a="http://schemas.openxmlformats.org/drawingml/2006/main" xmlns:r="http://schemas.openxmlformats.org/officeDocument/2006/relationships" xmlns:p="http://schemas.openxmlformats.org/presentationml/2006/main">
+  <p:cSld>
+    <p:spTree>
+      <p:nvGrpSpPr>
+        <p:cNvPr id="1" name=""/>
+        <p:cNvGrpSpPr/>
+        <p:nvPr/>
+      </p:nvGrpSpPr>
+      <p:grpSpPr>
+        <a:xfrm>
+          <a:off x="0" y="0"/>
+          <a:ext cx="0" cy="0"/>
+          <a:chOff x="0" y="0"/>
+          <a:chExt cx="0" cy="0"/>
+        </a:xfrm>
+      </p:grpSpPr>
+      <p:sp>
+        <p:nvSpPr>
+          <p:cNvPr id="166" name="직사각형 165">
+            <a:extLst>
+              <a:ext uri="{FF2B5EF4-FFF2-40B4-BE49-F238E27FC236}">
+                <a16:creationId xmlns:a16="http://schemas.microsoft.com/office/drawing/2014/main" id="{58B717AD-883F-DA42-A5B4-035DB846A5C6}"/>
+              </a:ext>
+            </a:extLst>
+          </p:cNvPr>
+          <p:cNvSpPr/>
+          <p:nvPr/>
+        </p:nvSpPr>
+        <p:spPr>
+          <a:xfrm>
+            <a:off x="2447465" y="391821"/>
+            <a:ext cx="1391162" cy="990666"/>
+          </a:xfrm>
+          <a:prstGeom prst="rect">
+            <a:avLst/>
+          </a:prstGeom>
+          <a:solidFill>
+            <a:schemeClr val="bg1">
+              <a:lumMod val="95000"/>
+            </a:schemeClr>
+          </a:solidFill>
+          <a:ln w="25400">
+            <a:solidFill>
+              <a:srgbClr val="5DA2C5"/>
+            </a:solidFill>
+          </a:ln>
+        </p:spPr>
+        <p:style>
+          <a:lnRef idx="1">
+            <a:schemeClr val="accent1"/>
+          </a:lnRef>
+          <a:fillRef idx="0">
+            <a:schemeClr val="accent1"/>
+          </a:fillRef>
+          <a:effectRef idx="0">
+            <a:schemeClr val="accent1"/>
+          </a:effectRef>
+          <a:fontRef idx="minor">
+            <a:schemeClr val="tx1"/>
+          </a:fontRef>
+        </p:style>
+        <p:txBody>
+          <a:bodyPr rtlCol="0" anchor="ctr"/>
+          <a:lstStyle/>
+          <a:p>
+            <a:pPr algn="ctr"/>
+            <a:endParaRPr kumimoji="1" lang="ko-Kore-KR" altLang="en-US"/>
+          </a:p>
+        </p:txBody>
+      </p:sp>
+      <p:grpSp>
+        <p:nvGrpSpPr>
+          <p:cNvPr id="167" name="그룹 166">
+            <a:extLst>
+              <a:ext uri="{FF2B5EF4-FFF2-40B4-BE49-F238E27FC236}">
+                <a16:creationId xmlns:a16="http://schemas.microsoft.com/office/drawing/2014/main" id="{FF011C18-E684-1843-988F-69F668D4BE57}"/>
+              </a:ext>
+            </a:extLst>
+          </p:cNvPr>
+          <p:cNvGrpSpPr/>
+          <p:nvPr/>
+        </p:nvGrpSpPr>
+        <p:grpSpPr>
+          <a:xfrm>
+            <a:off x="2558533" y="897681"/>
+            <a:ext cx="1194621" cy="376225"/>
+            <a:chOff x="5556135" y="897681"/>
+            <a:chExt cx="1194621" cy="376225"/>
+          </a:xfrm>
+        </p:grpSpPr>
+        <p:sp>
+          <p:nvSpPr>
+            <p:cNvPr id="168" name="직사각형 167">
+              <a:extLst>
+                <a:ext uri="{FF2B5EF4-FFF2-40B4-BE49-F238E27FC236}">
+                  <a16:creationId xmlns:a16="http://schemas.microsoft.com/office/drawing/2014/main" id="{AC6F2632-2852-F148-B87F-BB6774645FE9}"/>
+                </a:ext>
+              </a:extLst>
+            </p:cNvPr>
+            <p:cNvSpPr/>
+            <p:nvPr/>
+          </p:nvSpPr>
+          <p:spPr>
+            <a:xfrm>
+              <a:off x="5556135" y="897681"/>
+              <a:ext cx="1194621" cy="376225"/>
+            </a:xfrm>
+            <a:prstGeom prst="rect">
+              <a:avLst/>
+            </a:prstGeom>
+            <a:ln w="25400">
+              <a:solidFill>
+                <a:srgbClr val="5DA2C5"/>
+              </a:solidFill>
+            </a:ln>
+          </p:spPr>
+          <p:style>
+            <a:lnRef idx="1">
+              <a:schemeClr val="accent1"/>
+            </a:lnRef>
+            <a:fillRef idx="0">
+              <a:schemeClr val="accent1"/>
+            </a:fillRef>
+            <a:effectRef idx="0">
+              <a:schemeClr val="accent1"/>
+            </a:effectRef>
+            <a:fontRef idx="minor">
+              <a:schemeClr val="tx1"/>
+            </a:fontRef>
+          </p:style>
+          <p:txBody>
+            <a:bodyPr rtlCol="0" anchor="ctr"/>
+            <a:lstStyle/>
+            <a:p>
+              <a:pPr algn="ctr"/>
+              <a:endParaRPr kumimoji="1" lang="ko-Kore-KR" altLang="en-US"/>
+            </a:p>
+          </p:txBody>
+        </p:sp>
+        <p:sp>
+          <p:nvSpPr>
+            <p:cNvPr id="169" name="TextBox 168">
+              <a:extLst>
+                <a:ext uri="{FF2B5EF4-FFF2-40B4-BE49-F238E27FC236}">
+                  <a16:creationId xmlns:a16="http://schemas.microsoft.com/office/drawing/2014/main" id="{08F4A64F-2D69-BC4C-99BA-4BAE82C005A5}"/>
+                </a:ext>
+              </a:extLst>
+            </p:cNvPr>
+            <p:cNvSpPr txBox="1"/>
+            <p:nvPr/>
+          </p:nvSpPr>
+          <p:spPr>
+            <a:xfrm>
+              <a:off x="5590002" y="947293"/>
+              <a:ext cx="1115598" cy="276999"/>
+            </a:xfrm>
+            <a:prstGeom prst="rect">
+              <a:avLst/>
+            </a:prstGeom>
+            <a:noFill/>
+          </p:spPr>
+          <p:txBody>
+            <a:bodyPr wrap="square" rtlCol="0">
+              <a:spAutoFit/>
+            </a:bodyPr>
+            <a:lstStyle/>
+            <a:p>
+              <a:pPr algn="ctr"/>
+              <a:r>
+                <a:rPr kumimoji="1" lang="ko-KR" altLang="en-US" sz="1200" b="1" dirty="0" err="1">
+                  <a:solidFill>
+                    <a:srgbClr val="5DA2C5"/>
+                  </a:solidFill>
+                  <a:latin typeface="SHeadG" panose="02030600000101010101" pitchFamily="18" charset="-127"/>
+                  <a:ea typeface="SHeadG" panose="02030600000101010101" pitchFamily="18" charset="-127"/>
+                </a:rPr>
+                <a:t>주키퍼</a:t>
+              </a:r>
+              <a:endParaRPr kumimoji="1" lang="ko-Kore-KR" altLang="en-US" sz="1200" b="1" dirty="0">
+                <a:solidFill>
+                  <a:srgbClr val="5DA2C5"/>
+                </a:solidFill>
+                <a:latin typeface="SHeadG" panose="02030600000101010101" pitchFamily="18" charset="-127"/>
+                <a:ea typeface="SHeadG" panose="02030600000101010101" pitchFamily="18" charset="-127"/>
+              </a:endParaRPr>
+            </a:p>
+          </p:txBody>
+        </p:sp>
+      </p:grpSp>
+      <p:sp>
+        <p:nvSpPr>
+          <p:cNvPr id="191" name="TextBox 190">
+            <a:extLst>
+              <a:ext uri="{FF2B5EF4-FFF2-40B4-BE49-F238E27FC236}">
+                <a16:creationId xmlns:a16="http://schemas.microsoft.com/office/drawing/2014/main" id="{88F3762C-3D11-964F-8D9C-CFA1C05A25A5}"/>
+              </a:ext>
+            </a:extLst>
+          </p:cNvPr>
+          <p:cNvSpPr txBox="1"/>
+          <p:nvPr/>
+        </p:nvSpPr>
+        <p:spPr>
+          <a:xfrm>
+            <a:off x="2447465" y="475474"/>
+            <a:ext cx="1301865" cy="338554"/>
+          </a:xfrm>
+          <a:prstGeom prst="rect">
+            <a:avLst/>
+          </a:prstGeom>
+          <a:noFill/>
+        </p:spPr>
+        <p:txBody>
+          <a:bodyPr wrap="square" rtlCol="0">
+            <a:spAutoFit/>
+          </a:bodyPr>
+          <a:lstStyle/>
+          <a:p>
+            <a:pPr algn="ctr"/>
+            <a:r>
+              <a:rPr kumimoji="1" lang="ko-KR" altLang="en-US" sz="1600" b="1" dirty="0" err="1">
+                <a:solidFill>
+                  <a:srgbClr val="5DA2C5"/>
+                </a:solidFill>
+                <a:latin typeface="SHeadG" panose="02030600000101010101" pitchFamily="18" charset="-127"/>
+                <a:ea typeface="SHeadG" panose="02030600000101010101" pitchFamily="18" charset="-127"/>
+              </a:rPr>
+              <a:t>주키퍼</a:t>
+            </a:r>
+            <a:r>
+              <a:rPr kumimoji="1" lang="ko-KR" altLang="en-US" sz="1600" b="1" dirty="0">
+                <a:solidFill>
+                  <a:srgbClr val="5DA2C5"/>
+                </a:solidFill>
+                <a:latin typeface="SHeadG" panose="02030600000101010101" pitchFamily="18" charset="-127"/>
+                <a:ea typeface="SHeadG" panose="02030600000101010101" pitchFamily="18" charset="-127"/>
+              </a:rPr>
+              <a:t> 앙상블</a:t>
+            </a:r>
+            <a:endParaRPr kumimoji="1" lang="ko-Kore-KR" altLang="en-US" sz="1600" b="1" dirty="0">
+              <a:solidFill>
+                <a:srgbClr val="5DA2C5"/>
+              </a:solidFill>
+              <a:latin typeface="SHeadG" panose="02030600000101010101" pitchFamily="18" charset="-127"/>
+              <a:ea typeface="SHeadG" panose="02030600000101010101" pitchFamily="18" charset="-127"/>
+            </a:endParaRPr>
+          </a:p>
+        </p:txBody>
+      </p:sp>
+      <p:sp>
+        <p:nvSpPr>
+          <p:cNvPr id="194" name="직사각형 193">
+            <a:extLst>
+              <a:ext uri="{FF2B5EF4-FFF2-40B4-BE49-F238E27FC236}">
+                <a16:creationId xmlns:a16="http://schemas.microsoft.com/office/drawing/2014/main" id="{FBEAC59A-C8F2-4546-8008-BBC76250C77E}"/>
+              </a:ext>
+            </a:extLst>
+          </p:cNvPr>
+          <p:cNvSpPr/>
+          <p:nvPr/>
+        </p:nvSpPr>
+        <p:spPr>
+          <a:xfrm>
+            <a:off x="2088639" y="1790587"/>
+            <a:ext cx="2114666" cy="1932327"/>
+          </a:xfrm>
+          <a:prstGeom prst="rect">
+            <a:avLst/>
+          </a:prstGeom>
+          <a:solidFill>
+            <a:schemeClr val="bg1">
+              <a:lumMod val="95000"/>
+            </a:schemeClr>
+          </a:solidFill>
+          <a:ln w="25400">
+            <a:solidFill>
+              <a:srgbClr val="5DA2C5"/>
+            </a:solidFill>
+          </a:ln>
+        </p:spPr>
+        <p:style>
+          <a:lnRef idx="1">
+            <a:schemeClr val="accent1"/>
+          </a:lnRef>
+          <a:fillRef idx="0">
+            <a:schemeClr val="accent1"/>
+          </a:fillRef>
+          <a:effectRef idx="0">
+            <a:schemeClr val="accent1"/>
+          </a:effectRef>
+          <a:fontRef idx="minor">
+            <a:schemeClr val="tx1"/>
+          </a:fontRef>
+        </p:style>
+        <p:txBody>
+          <a:bodyPr rtlCol="0" anchor="ctr"/>
+          <a:lstStyle/>
+          <a:p>
+            <a:pPr algn="ctr"/>
+            <a:endParaRPr kumimoji="1" lang="ko-Kore-KR" altLang="en-US"/>
+          </a:p>
+        </p:txBody>
+      </p:sp>
+      <p:grpSp>
+        <p:nvGrpSpPr>
+          <p:cNvPr id="195" name="그룹 194">
+            <a:extLst>
+              <a:ext uri="{FF2B5EF4-FFF2-40B4-BE49-F238E27FC236}">
+                <a16:creationId xmlns:a16="http://schemas.microsoft.com/office/drawing/2014/main" id="{1836525E-B077-C349-B0AA-C78B9EB2E431}"/>
+              </a:ext>
+            </a:extLst>
+          </p:cNvPr>
+          <p:cNvGrpSpPr/>
+          <p:nvPr/>
+        </p:nvGrpSpPr>
+        <p:grpSpPr>
+          <a:xfrm>
+            <a:off x="2606107" y="2296448"/>
+            <a:ext cx="1194621" cy="376225"/>
+            <a:chOff x="5556135" y="897681"/>
+            <a:chExt cx="1194621" cy="376225"/>
+          </a:xfrm>
+        </p:grpSpPr>
+        <p:sp>
+          <p:nvSpPr>
+            <p:cNvPr id="208" name="직사각형 207">
+              <a:extLst>
+                <a:ext uri="{FF2B5EF4-FFF2-40B4-BE49-F238E27FC236}">
+                  <a16:creationId xmlns:a16="http://schemas.microsoft.com/office/drawing/2014/main" id="{E7B66F8E-0A25-F841-B794-9F8DF82D3AEC}"/>
+                </a:ext>
+              </a:extLst>
+            </p:cNvPr>
+            <p:cNvSpPr/>
+            <p:nvPr/>
+          </p:nvSpPr>
+          <p:spPr>
+            <a:xfrm>
+              <a:off x="5556135" y="897681"/>
+              <a:ext cx="1194621" cy="376225"/>
+            </a:xfrm>
+            <a:prstGeom prst="rect">
+              <a:avLst/>
+            </a:prstGeom>
+            <a:ln w="25400">
+              <a:solidFill>
+                <a:srgbClr val="5DA2C5"/>
+              </a:solidFill>
+            </a:ln>
+          </p:spPr>
+          <p:style>
+            <a:lnRef idx="1">
+              <a:schemeClr val="accent1"/>
+            </a:lnRef>
+            <a:fillRef idx="0">
+              <a:schemeClr val="accent1"/>
+            </a:fillRef>
+            <a:effectRef idx="0">
+              <a:schemeClr val="accent1"/>
+            </a:effectRef>
+            <a:fontRef idx="minor">
+              <a:schemeClr val="tx1"/>
+            </a:fontRef>
+          </p:style>
+          <p:txBody>
+            <a:bodyPr rtlCol="0" anchor="ctr"/>
+            <a:lstStyle/>
+            <a:p>
+              <a:pPr algn="ctr"/>
+              <a:endParaRPr kumimoji="1" lang="ko-Kore-KR" altLang="en-US"/>
+            </a:p>
+          </p:txBody>
+        </p:sp>
+        <p:sp>
+          <p:nvSpPr>
+            <p:cNvPr id="209" name="TextBox 208">
+              <a:extLst>
+                <a:ext uri="{FF2B5EF4-FFF2-40B4-BE49-F238E27FC236}">
+                  <a16:creationId xmlns:a16="http://schemas.microsoft.com/office/drawing/2014/main" id="{F862C9DF-9A9B-CF46-B653-0AFF6C0B975A}"/>
+                </a:ext>
+              </a:extLst>
+            </p:cNvPr>
+            <p:cNvSpPr txBox="1"/>
+            <p:nvPr/>
+          </p:nvSpPr>
+          <p:spPr>
+            <a:xfrm>
+              <a:off x="5590002" y="947293"/>
+              <a:ext cx="1115598" cy="276999"/>
+            </a:xfrm>
+            <a:prstGeom prst="rect">
+              <a:avLst/>
+            </a:prstGeom>
+            <a:noFill/>
+          </p:spPr>
+          <p:txBody>
+            <a:bodyPr wrap="square" rtlCol="0">
+              <a:spAutoFit/>
+            </a:bodyPr>
+            <a:lstStyle/>
+            <a:p>
+              <a:pPr algn="ctr"/>
+              <a:r>
+                <a:rPr kumimoji="1" lang="ko-KR" altLang="en-US" sz="1200" b="1" dirty="0">
+                  <a:solidFill>
+                    <a:srgbClr val="5DA2C5"/>
+                  </a:solidFill>
+                  <a:latin typeface="SHeadG" panose="02030600000101010101" pitchFamily="18" charset="-127"/>
+                  <a:ea typeface="SHeadG" panose="02030600000101010101" pitchFamily="18" charset="-127"/>
+                </a:rPr>
+                <a:t>브로커 </a:t>
+              </a:r>
+              <a:r>
+                <a:rPr kumimoji="1" lang="en-US" altLang="ko-KR" sz="1200" b="1" dirty="0">
+                  <a:solidFill>
+                    <a:srgbClr val="5DA2C5"/>
+                  </a:solidFill>
+                  <a:latin typeface="SHeadG" panose="02030600000101010101" pitchFamily="18" charset="-127"/>
+                  <a:ea typeface="SHeadG" panose="02030600000101010101" pitchFamily="18" charset="-127"/>
+                </a:rPr>
+                <a:t>0</a:t>
+              </a:r>
+              <a:endParaRPr kumimoji="1" lang="ko-Kore-KR" altLang="en-US" sz="1200" b="1" dirty="0">
+                <a:solidFill>
+                  <a:srgbClr val="5DA2C5"/>
+                </a:solidFill>
+                <a:latin typeface="SHeadG" panose="02030600000101010101" pitchFamily="18" charset="-127"/>
+                <a:ea typeface="SHeadG" panose="02030600000101010101" pitchFamily="18" charset="-127"/>
+              </a:endParaRPr>
+            </a:p>
+          </p:txBody>
+        </p:sp>
+      </p:grpSp>
+      <p:grpSp>
+        <p:nvGrpSpPr>
+          <p:cNvPr id="210" name="그룹 209">
+            <a:extLst>
+              <a:ext uri="{FF2B5EF4-FFF2-40B4-BE49-F238E27FC236}">
+                <a16:creationId xmlns:a16="http://schemas.microsoft.com/office/drawing/2014/main" id="{F6E16B9F-3390-EE4A-ACE4-9576464B71CE}"/>
+              </a:ext>
+            </a:extLst>
+          </p:cNvPr>
+          <p:cNvGrpSpPr/>
+          <p:nvPr/>
+        </p:nvGrpSpPr>
+        <p:grpSpPr>
+          <a:xfrm>
+            <a:off x="2600462" y="2766281"/>
+            <a:ext cx="1194621" cy="376225"/>
+            <a:chOff x="5556135" y="897681"/>
+            <a:chExt cx="1194621" cy="376225"/>
+          </a:xfrm>
+        </p:grpSpPr>
+        <p:sp>
+          <p:nvSpPr>
+            <p:cNvPr id="211" name="직사각형 210">
+              <a:extLst>
+                <a:ext uri="{FF2B5EF4-FFF2-40B4-BE49-F238E27FC236}">
+                  <a16:creationId xmlns:a16="http://schemas.microsoft.com/office/drawing/2014/main" id="{96BCACFE-9570-F44F-A85D-208104164FAD}"/>
+                </a:ext>
+              </a:extLst>
+            </p:cNvPr>
+            <p:cNvSpPr/>
+            <p:nvPr/>
+          </p:nvSpPr>
+          <p:spPr>
+            <a:xfrm>
+              <a:off x="5556135" y="897681"/>
+              <a:ext cx="1194621" cy="376225"/>
+            </a:xfrm>
+            <a:prstGeom prst="rect">
+              <a:avLst/>
+            </a:prstGeom>
+            <a:ln w="25400">
+              <a:solidFill>
+                <a:srgbClr val="5DA2C5"/>
+              </a:solidFill>
+            </a:ln>
+          </p:spPr>
+          <p:style>
+            <a:lnRef idx="1">
+              <a:schemeClr val="accent1"/>
+            </a:lnRef>
+            <a:fillRef idx="0">
+              <a:schemeClr val="accent1"/>
+            </a:fillRef>
+            <a:effectRef idx="0">
+              <a:schemeClr val="accent1"/>
+            </a:effectRef>
+            <a:fontRef idx="minor">
+              <a:schemeClr val="tx1"/>
+            </a:fontRef>
+          </p:style>
+          <p:txBody>
+            <a:bodyPr rtlCol="0" anchor="ctr"/>
+            <a:lstStyle/>
+            <a:p>
+              <a:pPr algn="ctr"/>
+              <a:endParaRPr kumimoji="1" lang="ko-Kore-KR" altLang="en-US"/>
+            </a:p>
+          </p:txBody>
+        </p:sp>
+        <p:sp>
+          <p:nvSpPr>
+            <p:cNvPr id="212" name="TextBox 211">
+              <a:extLst>
+                <a:ext uri="{FF2B5EF4-FFF2-40B4-BE49-F238E27FC236}">
+                  <a16:creationId xmlns:a16="http://schemas.microsoft.com/office/drawing/2014/main" id="{BA7BCB47-55E3-8B40-8A31-34F33ACDF510}"/>
+                </a:ext>
+              </a:extLst>
+            </p:cNvPr>
+            <p:cNvSpPr txBox="1"/>
+            <p:nvPr/>
+          </p:nvSpPr>
+          <p:spPr>
+            <a:xfrm>
+              <a:off x="5590002" y="947293"/>
+              <a:ext cx="1115598" cy="276999"/>
+            </a:xfrm>
+            <a:prstGeom prst="rect">
+              <a:avLst/>
+            </a:prstGeom>
+            <a:noFill/>
+          </p:spPr>
+          <p:txBody>
+            <a:bodyPr wrap="square" rtlCol="0">
+              <a:spAutoFit/>
+            </a:bodyPr>
+            <a:lstStyle/>
+            <a:p>
+              <a:pPr algn="ctr"/>
+              <a:r>
+                <a:rPr kumimoji="1" lang="ko-KR" altLang="en-US" sz="1200" b="1" dirty="0">
+                  <a:solidFill>
+                    <a:srgbClr val="5DA2C5"/>
+                  </a:solidFill>
+                  <a:latin typeface="SHeadG" panose="02030600000101010101" pitchFamily="18" charset="-127"/>
+                  <a:ea typeface="SHeadG" panose="02030600000101010101" pitchFamily="18" charset="-127"/>
+                </a:rPr>
+                <a:t>브로커 </a:t>
+              </a:r>
+              <a:r>
+                <a:rPr kumimoji="1" lang="en-US" altLang="ko-KR" sz="1200" b="1" dirty="0">
+                  <a:solidFill>
+                    <a:srgbClr val="5DA2C5"/>
+                  </a:solidFill>
+                  <a:latin typeface="SHeadG" panose="02030600000101010101" pitchFamily="18" charset="-127"/>
+                  <a:ea typeface="SHeadG" panose="02030600000101010101" pitchFamily="18" charset="-127"/>
+                </a:rPr>
+                <a:t>1</a:t>
+              </a:r>
+              <a:endParaRPr kumimoji="1" lang="ko-Kore-KR" altLang="en-US" sz="1200" b="1" dirty="0">
+                <a:solidFill>
+                  <a:srgbClr val="5DA2C5"/>
+                </a:solidFill>
+                <a:latin typeface="SHeadG" panose="02030600000101010101" pitchFamily="18" charset="-127"/>
+                <a:ea typeface="SHeadG" panose="02030600000101010101" pitchFamily="18" charset="-127"/>
+              </a:endParaRPr>
+            </a:p>
+          </p:txBody>
+        </p:sp>
+      </p:grpSp>
+      <p:grpSp>
+        <p:nvGrpSpPr>
+          <p:cNvPr id="213" name="그룹 212">
+            <a:extLst>
+              <a:ext uri="{FF2B5EF4-FFF2-40B4-BE49-F238E27FC236}">
+                <a16:creationId xmlns:a16="http://schemas.microsoft.com/office/drawing/2014/main" id="{BB6C9960-EF5B-C848-A5E2-035F2342EA7A}"/>
+              </a:ext>
+            </a:extLst>
+          </p:cNvPr>
+          <p:cNvGrpSpPr/>
+          <p:nvPr/>
+        </p:nvGrpSpPr>
+        <p:grpSpPr>
+          <a:xfrm>
+            <a:off x="2606107" y="3229875"/>
+            <a:ext cx="1194621" cy="376225"/>
+            <a:chOff x="5556135" y="897681"/>
+            <a:chExt cx="1194621" cy="376225"/>
+          </a:xfrm>
+        </p:grpSpPr>
+        <p:sp>
+          <p:nvSpPr>
+            <p:cNvPr id="214" name="직사각형 213">
+              <a:extLst>
+                <a:ext uri="{FF2B5EF4-FFF2-40B4-BE49-F238E27FC236}">
+                  <a16:creationId xmlns:a16="http://schemas.microsoft.com/office/drawing/2014/main" id="{E02AA604-3439-0B4F-89A5-4E3906F78B65}"/>
+                </a:ext>
+              </a:extLst>
+            </p:cNvPr>
+            <p:cNvSpPr/>
+            <p:nvPr/>
+          </p:nvSpPr>
+          <p:spPr>
+            <a:xfrm>
+              <a:off x="5556135" y="897681"/>
+              <a:ext cx="1194621" cy="376225"/>
+            </a:xfrm>
+            <a:prstGeom prst="rect">
+              <a:avLst/>
+            </a:prstGeom>
+            <a:ln w="25400">
+              <a:solidFill>
+                <a:srgbClr val="5DA2C5"/>
+              </a:solidFill>
+            </a:ln>
+          </p:spPr>
+          <p:style>
+            <a:lnRef idx="1">
+              <a:schemeClr val="accent1"/>
+            </a:lnRef>
+            <a:fillRef idx="0">
+              <a:schemeClr val="accent1"/>
+            </a:fillRef>
+            <a:effectRef idx="0">
+              <a:schemeClr val="accent1"/>
+            </a:effectRef>
+            <a:fontRef idx="minor">
+              <a:schemeClr val="tx1"/>
+            </a:fontRef>
+          </p:style>
+          <p:txBody>
+            <a:bodyPr rtlCol="0" anchor="ctr"/>
+            <a:lstStyle/>
+            <a:p>
+              <a:pPr algn="ctr"/>
+              <a:endParaRPr kumimoji="1" lang="ko-Kore-KR" altLang="en-US"/>
+            </a:p>
+          </p:txBody>
+        </p:sp>
+        <p:sp>
+          <p:nvSpPr>
+            <p:cNvPr id="215" name="TextBox 214">
+              <a:extLst>
+                <a:ext uri="{FF2B5EF4-FFF2-40B4-BE49-F238E27FC236}">
+                  <a16:creationId xmlns:a16="http://schemas.microsoft.com/office/drawing/2014/main" id="{4CDFC616-CD58-CD45-AE5B-6FD9EF23863D}"/>
+                </a:ext>
+              </a:extLst>
+            </p:cNvPr>
+            <p:cNvSpPr txBox="1"/>
+            <p:nvPr/>
+          </p:nvSpPr>
+          <p:spPr>
+            <a:xfrm>
+              <a:off x="5590002" y="947293"/>
+              <a:ext cx="1115598" cy="276999"/>
+            </a:xfrm>
+            <a:prstGeom prst="rect">
+              <a:avLst/>
+            </a:prstGeom>
+            <a:noFill/>
+          </p:spPr>
+          <p:txBody>
+            <a:bodyPr wrap="square" rtlCol="0">
+              <a:spAutoFit/>
+            </a:bodyPr>
+            <a:lstStyle/>
+            <a:p>
+              <a:pPr algn="ctr"/>
+              <a:r>
+                <a:rPr kumimoji="1" lang="ko-KR" altLang="en-US" sz="1200" b="1" dirty="0">
+                  <a:solidFill>
+                    <a:srgbClr val="5DA2C5"/>
+                  </a:solidFill>
+                  <a:latin typeface="SHeadG" panose="02030600000101010101" pitchFamily="18" charset="-127"/>
+                  <a:ea typeface="SHeadG" panose="02030600000101010101" pitchFamily="18" charset="-127"/>
+                </a:rPr>
+                <a:t>브로커 </a:t>
+              </a:r>
+              <a:r>
+                <a:rPr kumimoji="1" lang="en-US" altLang="ko-KR" sz="1200" b="1" dirty="0">
+                  <a:solidFill>
+                    <a:srgbClr val="5DA2C5"/>
+                  </a:solidFill>
+                  <a:latin typeface="SHeadG" panose="02030600000101010101" pitchFamily="18" charset="-127"/>
+                  <a:ea typeface="SHeadG" panose="02030600000101010101" pitchFamily="18" charset="-127"/>
+                </a:rPr>
+                <a:t>2</a:t>
+              </a:r>
+              <a:endParaRPr kumimoji="1" lang="ko-Kore-KR" altLang="en-US" sz="1200" b="1" dirty="0">
+                <a:solidFill>
+                  <a:srgbClr val="5DA2C5"/>
+                </a:solidFill>
+                <a:latin typeface="SHeadG" panose="02030600000101010101" pitchFamily="18" charset="-127"/>
+                <a:ea typeface="SHeadG" panose="02030600000101010101" pitchFamily="18" charset="-127"/>
+              </a:endParaRPr>
+            </a:p>
+          </p:txBody>
+        </p:sp>
+      </p:grpSp>
+      <p:sp>
+        <p:nvSpPr>
+          <p:cNvPr id="226" name="TextBox 225">
+            <a:extLst>
+              <a:ext uri="{FF2B5EF4-FFF2-40B4-BE49-F238E27FC236}">
+                <a16:creationId xmlns:a16="http://schemas.microsoft.com/office/drawing/2014/main" id="{35E72B26-9508-134D-BDE8-FF482442FC59}"/>
+              </a:ext>
+            </a:extLst>
+          </p:cNvPr>
+          <p:cNvSpPr txBox="1"/>
+          <p:nvPr/>
+        </p:nvSpPr>
+        <p:spPr>
+          <a:xfrm>
+            <a:off x="2351315" y="1874241"/>
+            <a:ext cx="1600200" cy="338554"/>
+          </a:xfrm>
+          <a:prstGeom prst="rect">
+            <a:avLst/>
+          </a:prstGeom>
+          <a:noFill/>
+        </p:spPr>
+        <p:txBody>
+          <a:bodyPr wrap="square" rtlCol="0">
+            <a:spAutoFit/>
+          </a:bodyPr>
+          <a:lstStyle/>
+          <a:p>
+            <a:pPr algn="ctr"/>
+            <a:r>
+              <a:rPr kumimoji="1" lang="ko-KR" altLang="en-US" sz="1600" b="1" dirty="0">
+                <a:solidFill>
+                  <a:srgbClr val="5DA2C5"/>
+                </a:solidFill>
+                <a:latin typeface="SHeadG" panose="02030600000101010101" pitchFamily="18" charset="-127"/>
+                <a:ea typeface="SHeadG" panose="02030600000101010101" pitchFamily="18" charset="-127"/>
+              </a:rPr>
+              <a:t>카프카 클러스터</a:t>
+            </a:r>
+            <a:endParaRPr kumimoji="1" lang="ko-Kore-KR" altLang="en-US" sz="1600" b="1" dirty="0">
+              <a:solidFill>
+                <a:srgbClr val="5DA2C5"/>
+              </a:solidFill>
+              <a:latin typeface="SHeadG" panose="02030600000101010101" pitchFamily="18" charset="-127"/>
+              <a:ea typeface="SHeadG" panose="02030600000101010101" pitchFamily="18" charset="-127"/>
+            </a:endParaRPr>
+          </a:p>
+        </p:txBody>
+      </p:sp>
+      <p:cxnSp>
+        <p:nvCxnSpPr>
+          <p:cNvPr id="229" name="직선 화살표 연결선 228">
+            <a:extLst>
+              <a:ext uri="{FF2B5EF4-FFF2-40B4-BE49-F238E27FC236}">
+                <a16:creationId xmlns:a16="http://schemas.microsoft.com/office/drawing/2014/main" id="{5521D52C-7A03-014A-A5DB-70B722C6A734}"/>
+              </a:ext>
+            </a:extLst>
+          </p:cNvPr>
+          <p:cNvCxnSpPr>
+            <a:cxnSpLocks/>
+            <a:stCxn id="194" idx="0"/>
+            <a:endCxn id="166" idx="2"/>
+          </p:cNvCxnSpPr>
+          <p:nvPr/>
+        </p:nvCxnSpPr>
+        <p:spPr>
+          <a:xfrm flipH="1" flipV="1">
+            <a:off x="3143046" y="1382487"/>
+            <a:ext cx="2926" cy="408100"/>
+          </a:xfrm>
+          <a:prstGeom prst="straightConnector1">
+            <a:avLst/>
+          </a:prstGeom>
+          <a:ln w="19050">
+            <a:solidFill>
+              <a:srgbClr val="5DA2C5"/>
+            </a:solidFill>
+            <a:tailEnd type="stealth" w="lg" len="lg"/>
+          </a:ln>
+        </p:spPr>
+        <p:style>
+          <a:lnRef idx="1">
+            <a:schemeClr val="accent1"/>
+          </a:lnRef>
+          <a:fillRef idx="0">
+            <a:schemeClr val="accent1"/>
+          </a:fillRef>
+          <a:effectRef idx="0">
+            <a:schemeClr val="accent1"/>
+          </a:effectRef>
+          <a:fontRef idx="minor">
+            <a:schemeClr val="tx1"/>
+          </a:fontRef>
+        </p:style>
+      </p:cxnSp>
+    </p:spTree>
+    <p:extLst>
+      <p:ext uri="{BB962C8B-B14F-4D97-AF65-F5344CB8AC3E}">
+        <p14:creationId xmlns:p14="http://schemas.microsoft.com/office/powerpoint/2010/main" val="1432507665"/>
+      </p:ext>
+    </p:extLst>
+  </p:cSld>
+  <p:clrMapOvr>
+    <a:masterClrMapping/>
+  </p:clrMapOvr>
+</p:sld>
+</file>
+
+<file path=ppt/slides/slide8.xml><?xml version="1.0" encoding="utf-8"?>
+<p:sld xmlns:a="http://schemas.openxmlformats.org/drawingml/2006/main" xmlns:r="http://schemas.openxmlformats.org/officeDocument/2006/relationships" xmlns:p="http://schemas.openxmlformats.org/presentationml/2006/main">
+  <p:cSld>
+    <p:spTree>
+      <p:nvGrpSpPr>
+        <p:cNvPr id="1" name=""/>
+        <p:cNvGrpSpPr/>
+        <p:nvPr/>
+      </p:nvGrpSpPr>
+      <p:grpSpPr>
+        <a:xfrm>
+          <a:off x="0" y="0"/>
+          <a:ext cx="0" cy="0"/>
+          <a:chOff x="0" y="0"/>
+          <a:chExt cx="0" cy="0"/>
+        </a:xfrm>
+      </p:grpSpPr>
+      <p:sp>
+        <p:nvSpPr>
+          <p:cNvPr id="19" name="직사각형 18">
+            <a:extLst>
+              <a:ext uri="{FF2B5EF4-FFF2-40B4-BE49-F238E27FC236}">
+                <a16:creationId xmlns:a16="http://schemas.microsoft.com/office/drawing/2014/main" id="{E8BC926A-FA6D-3645-B8FF-77E111F8D824}"/>
+              </a:ext>
+            </a:extLst>
+          </p:cNvPr>
+          <p:cNvSpPr/>
+          <p:nvPr/>
+        </p:nvSpPr>
+        <p:spPr>
+          <a:xfrm>
+            <a:off x="1719734" y="756088"/>
+            <a:ext cx="2046723" cy="2487855"/>
+          </a:xfrm>
+          <a:prstGeom prst="rect">
+            <a:avLst/>
+          </a:prstGeom>
+          <a:solidFill>
+            <a:schemeClr val="bg1">
+              <a:lumMod val="85000"/>
+            </a:schemeClr>
+          </a:solidFill>
+          <a:ln w="25400">
+            <a:solidFill>
+              <a:srgbClr val="5DA2C5"/>
+            </a:solidFill>
+          </a:ln>
+        </p:spPr>
+        <p:style>
+          <a:lnRef idx="1">
+            <a:schemeClr val="accent1"/>
+          </a:lnRef>
+          <a:fillRef idx="0">
+            <a:schemeClr val="accent1"/>
+          </a:fillRef>
+          <a:effectRef idx="0">
+            <a:schemeClr val="accent1"/>
+          </a:effectRef>
+          <a:fontRef idx="minor">
+            <a:schemeClr val="tx1"/>
+          </a:fontRef>
+        </p:style>
+        <p:txBody>
+          <a:bodyPr rtlCol="0" anchor="ctr"/>
+          <a:lstStyle/>
+          <a:p>
+            <a:pPr algn="ctr"/>
+            <a:endParaRPr kumimoji="1" lang="ko-Kore-KR" altLang="en-US"/>
+          </a:p>
+        </p:txBody>
+      </p:sp>
+      <p:sp>
+        <p:nvSpPr>
+          <p:cNvPr id="20" name="TextBox 19">
+            <a:extLst>
+              <a:ext uri="{FF2B5EF4-FFF2-40B4-BE49-F238E27FC236}">
+                <a16:creationId xmlns:a16="http://schemas.microsoft.com/office/drawing/2014/main" id="{E66C981F-05B1-3147-B0B4-7DDB7B04E958}"/>
+              </a:ext>
+            </a:extLst>
+          </p:cNvPr>
+          <p:cNvSpPr txBox="1"/>
+          <p:nvPr/>
+        </p:nvSpPr>
+        <p:spPr>
+          <a:xfrm>
+            <a:off x="2092162" y="878300"/>
+            <a:ext cx="1301865" cy="338554"/>
+          </a:xfrm>
+          <a:prstGeom prst="rect">
+            <a:avLst/>
+          </a:prstGeom>
+          <a:noFill/>
+        </p:spPr>
+        <p:txBody>
+          <a:bodyPr wrap="square" rtlCol="0">
+            <a:spAutoFit/>
+          </a:bodyPr>
+          <a:lstStyle/>
+          <a:p>
+            <a:pPr algn="ctr"/>
+            <a:r>
+              <a:rPr kumimoji="1" lang="ko-KR" altLang="en-US" sz="1600" b="1" dirty="0">
+                <a:solidFill>
+                  <a:srgbClr val="5DA2C5"/>
+                </a:solidFill>
+                <a:latin typeface="SHeadG" panose="02030600000101010101" pitchFamily="18" charset="-127"/>
+                <a:ea typeface="SHeadG" panose="02030600000101010101" pitchFamily="18" charset="-127"/>
+              </a:rPr>
+              <a:t>브로커 </a:t>
+            </a:r>
+            <a:r>
+              <a:rPr kumimoji="1" lang="en-US" altLang="ko-KR" sz="1600" b="1" dirty="0">
+                <a:solidFill>
+                  <a:srgbClr val="5DA2C5"/>
+                </a:solidFill>
+                <a:latin typeface="SHeadG" panose="02030600000101010101" pitchFamily="18" charset="-127"/>
+                <a:ea typeface="SHeadG" panose="02030600000101010101" pitchFamily="18" charset="-127"/>
+              </a:rPr>
+              <a:t>0</a:t>
+            </a:r>
+            <a:endParaRPr kumimoji="1" lang="ko-Kore-KR" altLang="en-US" sz="1600" b="1" dirty="0">
+              <a:solidFill>
+                <a:srgbClr val="5DA2C5"/>
+              </a:solidFill>
+              <a:latin typeface="SHeadG" panose="02030600000101010101" pitchFamily="18" charset="-127"/>
+              <a:ea typeface="SHeadG" panose="02030600000101010101" pitchFamily="18" charset="-127"/>
+            </a:endParaRPr>
+          </a:p>
+        </p:txBody>
+      </p:sp>
+      <p:sp>
+        <p:nvSpPr>
+          <p:cNvPr id="21" name="직사각형 20">
+            <a:extLst>
+              <a:ext uri="{FF2B5EF4-FFF2-40B4-BE49-F238E27FC236}">
+                <a16:creationId xmlns:a16="http://schemas.microsoft.com/office/drawing/2014/main" id="{FD32D790-D4D0-3F4F-A357-D80E52769840}"/>
+              </a:ext>
+            </a:extLst>
+          </p:cNvPr>
+          <p:cNvSpPr/>
+          <p:nvPr/>
+        </p:nvSpPr>
+        <p:spPr>
+          <a:xfrm>
+            <a:off x="1906709" y="1437026"/>
+            <a:ext cx="1749069" cy="1676287"/>
+          </a:xfrm>
+          <a:prstGeom prst="rect">
+            <a:avLst/>
+          </a:prstGeom>
+          <a:solidFill>
+            <a:schemeClr val="bg1">
+              <a:lumMod val="95000"/>
+            </a:schemeClr>
+          </a:solidFill>
+          <a:ln w="25400">
+            <a:solidFill>
+              <a:srgbClr val="5DA2C5"/>
+            </a:solidFill>
+          </a:ln>
+        </p:spPr>
+        <p:style>
+          <a:lnRef idx="1">
+            <a:schemeClr val="accent1"/>
+          </a:lnRef>
+          <a:fillRef idx="0">
+            <a:schemeClr val="accent1"/>
+          </a:fillRef>
+          <a:effectRef idx="0">
+            <a:schemeClr val="accent1"/>
+          </a:effectRef>
+          <a:fontRef idx="minor">
+            <a:schemeClr val="tx1"/>
+          </a:fontRef>
+        </p:style>
+        <p:txBody>
+          <a:bodyPr rtlCol="0" anchor="ctr"/>
+          <a:lstStyle/>
+          <a:p>
+            <a:pPr algn="ctr"/>
+            <a:endParaRPr kumimoji="1" lang="ko-Kore-KR" altLang="en-US"/>
+          </a:p>
+        </p:txBody>
+      </p:sp>
+      <p:sp>
+        <p:nvSpPr>
+          <p:cNvPr id="141" name="TextBox 140">
+            <a:extLst>
+              <a:ext uri="{FF2B5EF4-FFF2-40B4-BE49-F238E27FC236}">
+                <a16:creationId xmlns:a16="http://schemas.microsoft.com/office/drawing/2014/main" id="{4F073CF1-2A00-AA42-B8EE-482936F7EB44}"/>
+              </a:ext>
+            </a:extLst>
+          </p:cNvPr>
+          <p:cNvSpPr txBox="1"/>
+          <p:nvPr/>
+        </p:nvSpPr>
+        <p:spPr>
+          <a:xfrm>
+            <a:off x="2223444" y="1486060"/>
+            <a:ext cx="1115598" cy="338554"/>
+          </a:xfrm>
+          <a:prstGeom prst="rect">
+            <a:avLst/>
+          </a:prstGeom>
+          <a:noFill/>
+        </p:spPr>
+        <p:txBody>
+          <a:bodyPr wrap="square" rtlCol="0">
+            <a:spAutoFit/>
+          </a:bodyPr>
+          <a:lstStyle/>
+          <a:p>
+            <a:pPr algn="ctr"/>
+            <a:r>
+              <a:rPr kumimoji="1" lang="ko-KR" altLang="en-US" sz="1600" b="1" dirty="0">
+                <a:solidFill>
+                  <a:srgbClr val="5DA2C5"/>
+                </a:solidFill>
+                <a:latin typeface="SHeadG" panose="02030600000101010101" pitchFamily="18" charset="-127"/>
+                <a:ea typeface="SHeadG" panose="02030600000101010101" pitchFamily="18" charset="-127"/>
+              </a:rPr>
+              <a:t>토픽</a:t>
+            </a:r>
+            <a:endParaRPr kumimoji="1" lang="ko-Kore-KR" altLang="en-US" sz="1600" b="1" dirty="0">
+              <a:solidFill>
+                <a:srgbClr val="5DA2C5"/>
+              </a:solidFill>
+              <a:latin typeface="SHeadG" panose="02030600000101010101" pitchFamily="18" charset="-127"/>
+              <a:ea typeface="SHeadG" panose="02030600000101010101" pitchFamily="18" charset="-127"/>
+            </a:endParaRPr>
+          </a:p>
+        </p:txBody>
+      </p:sp>
+      <p:sp>
+        <p:nvSpPr>
+          <p:cNvPr id="144" name="직사각형 143">
+            <a:extLst>
+              <a:ext uri="{FF2B5EF4-FFF2-40B4-BE49-F238E27FC236}">
+                <a16:creationId xmlns:a16="http://schemas.microsoft.com/office/drawing/2014/main" id="{BBF08B8A-62E3-B446-9C7C-BF14CEC16DB3}"/>
+              </a:ext>
+            </a:extLst>
+          </p:cNvPr>
+          <p:cNvSpPr/>
+          <p:nvPr/>
+        </p:nvSpPr>
+        <p:spPr>
+          <a:xfrm>
+            <a:off x="2223444" y="1873646"/>
+            <a:ext cx="1115598" cy="631907"/>
+          </a:xfrm>
+          <a:prstGeom prst="rect">
+            <a:avLst/>
+          </a:prstGeom>
+          <a:solidFill>
+            <a:schemeClr val="bg1"/>
+          </a:solidFill>
+          <a:ln w="25400">
+            <a:solidFill>
+              <a:srgbClr val="5DA2C5"/>
+            </a:solidFill>
+          </a:ln>
+        </p:spPr>
+        <p:style>
+          <a:lnRef idx="1">
+            <a:schemeClr val="accent1"/>
+          </a:lnRef>
+          <a:fillRef idx="0">
+            <a:schemeClr val="accent1"/>
+          </a:fillRef>
+          <a:effectRef idx="0">
+            <a:schemeClr val="accent1"/>
+          </a:effectRef>
+          <a:fontRef idx="minor">
+            <a:schemeClr val="tx1"/>
+          </a:fontRef>
+        </p:style>
+        <p:txBody>
+          <a:bodyPr rtlCol="0" anchor="ctr"/>
+          <a:lstStyle/>
+          <a:p>
+            <a:pPr algn="ctr"/>
+            <a:endParaRPr kumimoji="1" lang="ko-Kore-KR" altLang="en-US"/>
+          </a:p>
+        </p:txBody>
+      </p:sp>
+      <p:sp>
+        <p:nvSpPr>
+          <p:cNvPr id="145" name="TextBox 144">
+            <a:extLst>
+              <a:ext uri="{FF2B5EF4-FFF2-40B4-BE49-F238E27FC236}">
+                <a16:creationId xmlns:a16="http://schemas.microsoft.com/office/drawing/2014/main" id="{2486F0F4-CAD4-B146-8C45-EBED46C52FD0}"/>
+              </a:ext>
+            </a:extLst>
+          </p:cNvPr>
+          <p:cNvSpPr txBox="1"/>
+          <p:nvPr/>
+        </p:nvSpPr>
+        <p:spPr>
+          <a:xfrm>
+            <a:off x="2223444" y="1981451"/>
+            <a:ext cx="1115598" cy="461665"/>
+          </a:xfrm>
+          <a:prstGeom prst="rect">
+            <a:avLst/>
+          </a:prstGeom>
+          <a:noFill/>
+        </p:spPr>
+        <p:txBody>
+          <a:bodyPr wrap="square" rtlCol="0">
+            <a:spAutoFit/>
+          </a:bodyPr>
+          <a:lstStyle/>
+          <a:p>
+            <a:pPr algn="ctr"/>
+            <a:r>
+              <a:rPr kumimoji="1" lang="ko-KR" altLang="en-US" sz="1200" b="1" dirty="0">
+                <a:solidFill>
+                  <a:srgbClr val="5DA2C5"/>
+                </a:solidFill>
+                <a:latin typeface="SHeadG" panose="02030600000101010101" pitchFamily="18" charset="-127"/>
+                <a:ea typeface="SHeadG" panose="02030600000101010101" pitchFamily="18" charset="-127"/>
+              </a:rPr>
+              <a:t>파티션 </a:t>
+            </a:r>
+            <a:r>
+              <a:rPr kumimoji="1" lang="en-US" altLang="ko-KR" sz="1200" b="1" dirty="0">
+                <a:solidFill>
+                  <a:srgbClr val="5DA2C5"/>
+                </a:solidFill>
+                <a:latin typeface="SHeadG" panose="02030600000101010101" pitchFamily="18" charset="-127"/>
+                <a:ea typeface="SHeadG" panose="02030600000101010101" pitchFamily="18" charset="-127"/>
+              </a:rPr>
+              <a:t>1</a:t>
+            </a:r>
+          </a:p>
+          <a:p>
+            <a:pPr algn="ctr"/>
+            <a:r>
+              <a:rPr kumimoji="1" lang="en-US" altLang="ko-KR" sz="1200" b="1" dirty="0">
+                <a:solidFill>
+                  <a:srgbClr val="5DA2C5"/>
+                </a:solidFill>
+                <a:latin typeface="SHeadG" panose="02030600000101010101" pitchFamily="18" charset="-127"/>
+                <a:ea typeface="SHeadG" panose="02030600000101010101" pitchFamily="18" charset="-127"/>
+              </a:rPr>
+              <a:t>(</a:t>
+            </a:r>
+            <a:r>
+              <a:rPr kumimoji="1" lang="ko-KR" altLang="en-US" sz="1200" b="1" dirty="0">
+                <a:solidFill>
+                  <a:srgbClr val="5DA2C5"/>
+                </a:solidFill>
+                <a:latin typeface="SHeadG" panose="02030600000101010101" pitchFamily="18" charset="-127"/>
+                <a:ea typeface="SHeadG" panose="02030600000101010101" pitchFamily="18" charset="-127"/>
+              </a:rPr>
+              <a:t>리더</a:t>
+            </a:r>
+            <a:r>
+              <a:rPr kumimoji="1" lang="en-US" altLang="ko-KR" sz="1200" b="1" dirty="0">
+                <a:solidFill>
+                  <a:srgbClr val="5DA2C5"/>
+                </a:solidFill>
+                <a:latin typeface="SHeadG" panose="02030600000101010101" pitchFamily="18" charset="-127"/>
+                <a:ea typeface="SHeadG" panose="02030600000101010101" pitchFamily="18" charset="-127"/>
+              </a:rPr>
+              <a:t>)</a:t>
+            </a:r>
+            <a:endParaRPr kumimoji="1" lang="ko-Kore-KR" altLang="en-US" sz="1200" b="1" dirty="0">
+              <a:solidFill>
+                <a:srgbClr val="5DA2C5"/>
+              </a:solidFill>
+              <a:latin typeface="SHeadG" panose="02030600000101010101" pitchFamily="18" charset="-127"/>
+              <a:ea typeface="SHeadG" panose="02030600000101010101" pitchFamily="18" charset="-127"/>
+            </a:endParaRPr>
+          </a:p>
+        </p:txBody>
+      </p:sp>
+      <p:sp>
+        <p:nvSpPr>
+          <p:cNvPr id="146" name="직사각형 145">
+            <a:extLst>
+              <a:ext uri="{FF2B5EF4-FFF2-40B4-BE49-F238E27FC236}">
+                <a16:creationId xmlns:a16="http://schemas.microsoft.com/office/drawing/2014/main" id="{E84BA7DE-9B1A-A548-B771-380C3E2D1627}"/>
+              </a:ext>
+            </a:extLst>
+          </p:cNvPr>
+          <p:cNvSpPr/>
+          <p:nvPr/>
+        </p:nvSpPr>
+        <p:spPr>
+          <a:xfrm>
+            <a:off x="3984663" y="756088"/>
+            <a:ext cx="2046723" cy="2487855"/>
+          </a:xfrm>
+          <a:prstGeom prst="rect">
+            <a:avLst/>
+          </a:prstGeom>
+          <a:solidFill>
+            <a:schemeClr val="bg1">
+              <a:lumMod val="85000"/>
+            </a:schemeClr>
+          </a:solidFill>
+          <a:ln w="25400">
+            <a:solidFill>
+              <a:srgbClr val="5DA2C5"/>
+            </a:solidFill>
+          </a:ln>
+        </p:spPr>
+        <p:style>
+          <a:lnRef idx="1">
+            <a:schemeClr val="accent1"/>
+          </a:lnRef>
+          <a:fillRef idx="0">
+            <a:schemeClr val="accent1"/>
+          </a:fillRef>
+          <a:effectRef idx="0">
+            <a:schemeClr val="accent1"/>
+          </a:effectRef>
+          <a:fontRef idx="minor">
+            <a:schemeClr val="tx1"/>
+          </a:fontRef>
+        </p:style>
+        <p:txBody>
+          <a:bodyPr rtlCol="0" anchor="ctr"/>
+          <a:lstStyle/>
+          <a:p>
+            <a:pPr algn="ctr"/>
+            <a:endParaRPr kumimoji="1" lang="ko-Kore-KR" altLang="en-US"/>
+          </a:p>
+        </p:txBody>
+      </p:sp>
+      <p:sp>
+        <p:nvSpPr>
+          <p:cNvPr id="147" name="TextBox 146">
+            <a:extLst>
+              <a:ext uri="{FF2B5EF4-FFF2-40B4-BE49-F238E27FC236}">
+                <a16:creationId xmlns:a16="http://schemas.microsoft.com/office/drawing/2014/main" id="{B20DC732-00E2-E74B-BEE5-153C5A81C901}"/>
+              </a:ext>
+            </a:extLst>
+          </p:cNvPr>
+          <p:cNvSpPr txBox="1"/>
+          <p:nvPr/>
+        </p:nvSpPr>
+        <p:spPr>
+          <a:xfrm>
+            <a:off x="4357091" y="878300"/>
+            <a:ext cx="1301865" cy="338554"/>
+          </a:xfrm>
+          <a:prstGeom prst="rect">
+            <a:avLst/>
+          </a:prstGeom>
+          <a:noFill/>
+        </p:spPr>
+        <p:txBody>
+          <a:bodyPr wrap="square" rtlCol="0">
+            <a:spAutoFit/>
+          </a:bodyPr>
+          <a:lstStyle/>
+          <a:p>
+            <a:pPr algn="ctr"/>
+            <a:r>
+              <a:rPr kumimoji="1" lang="ko-KR" altLang="en-US" sz="1600" b="1" dirty="0">
+                <a:solidFill>
+                  <a:srgbClr val="5DA2C5"/>
+                </a:solidFill>
+                <a:latin typeface="SHeadG" panose="02030600000101010101" pitchFamily="18" charset="-127"/>
+                <a:ea typeface="SHeadG" panose="02030600000101010101" pitchFamily="18" charset="-127"/>
+              </a:rPr>
+              <a:t>브로커 </a:t>
+            </a:r>
+            <a:r>
+              <a:rPr kumimoji="1" lang="en-US" altLang="ko-KR" sz="1600" b="1" dirty="0">
+                <a:solidFill>
+                  <a:srgbClr val="5DA2C5"/>
+                </a:solidFill>
+                <a:latin typeface="SHeadG" panose="02030600000101010101" pitchFamily="18" charset="-127"/>
+                <a:ea typeface="SHeadG" panose="02030600000101010101" pitchFamily="18" charset="-127"/>
+              </a:rPr>
+              <a:t>1</a:t>
+            </a:r>
+            <a:endParaRPr kumimoji="1" lang="ko-Kore-KR" altLang="en-US" sz="1600" b="1" dirty="0">
+              <a:solidFill>
+                <a:srgbClr val="5DA2C5"/>
+              </a:solidFill>
+              <a:latin typeface="SHeadG" panose="02030600000101010101" pitchFamily="18" charset="-127"/>
+              <a:ea typeface="SHeadG" panose="02030600000101010101" pitchFamily="18" charset="-127"/>
+            </a:endParaRPr>
+          </a:p>
+        </p:txBody>
+      </p:sp>
+      <p:sp>
+        <p:nvSpPr>
+          <p:cNvPr id="148" name="직사각형 147">
+            <a:extLst>
+              <a:ext uri="{FF2B5EF4-FFF2-40B4-BE49-F238E27FC236}">
+                <a16:creationId xmlns:a16="http://schemas.microsoft.com/office/drawing/2014/main" id="{A9C41665-6BAC-AC4D-86C5-19F11017D269}"/>
+              </a:ext>
+            </a:extLst>
+          </p:cNvPr>
+          <p:cNvSpPr/>
+          <p:nvPr/>
+        </p:nvSpPr>
+        <p:spPr>
+          <a:xfrm>
+            <a:off x="4171638" y="1437026"/>
+            <a:ext cx="1749069" cy="1676287"/>
+          </a:xfrm>
+          <a:prstGeom prst="rect">
+            <a:avLst/>
+          </a:prstGeom>
+          <a:solidFill>
+            <a:schemeClr val="bg1">
+              <a:lumMod val="95000"/>
+            </a:schemeClr>
+          </a:solidFill>
+          <a:ln w="25400">
+            <a:solidFill>
+              <a:srgbClr val="5DA2C5"/>
+            </a:solidFill>
+          </a:ln>
+        </p:spPr>
+        <p:style>
+          <a:lnRef idx="1">
+            <a:schemeClr val="accent1"/>
+          </a:lnRef>
+          <a:fillRef idx="0">
+            <a:schemeClr val="accent1"/>
+          </a:fillRef>
+          <a:effectRef idx="0">
+            <a:schemeClr val="accent1"/>
+          </a:effectRef>
+          <a:fontRef idx="minor">
+            <a:schemeClr val="tx1"/>
+          </a:fontRef>
+        </p:style>
+        <p:txBody>
+          <a:bodyPr rtlCol="0" anchor="ctr"/>
+          <a:lstStyle/>
+          <a:p>
+            <a:pPr algn="ctr"/>
+            <a:endParaRPr kumimoji="1" lang="ko-Kore-KR" altLang="en-US"/>
+          </a:p>
+        </p:txBody>
+      </p:sp>
+      <p:sp>
+        <p:nvSpPr>
+          <p:cNvPr id="149" name="TextBox 148">
+            <a:extLst>
+              <a:ext uri="{FF2B5EF4-FFF2-40B4-BE49-F238E27FC236}">
+                <a16:creationId xmlns:a16="http://schemas.microsoft.com/office/drawing/2014/main" id="{BFA5B3F3-E062-CC45-AF16-EA9186E87DFA}"/>
+              </a:ext>
+            </a:extLst>
+          </p:cNvPr>
+          <p:cNvSpPr txBox="1"/>
+          <p:nvPr/>
+        </p:nvSpPr>
+        <p:spPr>
+          <a:xfrm>
+            <a:off x="4488373" y="1486060"/>
+            <a:ext cx="1115598" cy="338554"/>
+          </a:xfrm>
+          <a:prstGeom prst="rect">
+            <a:avLst/>
+          </a:prstGeom>
+          <a:noFill/>
+        </p:spPr>
+        <p:txBody>
+          <a:bodyPr wrap="square" rtlCol="0">
+            <a:spAutoFit/>
+          </a:bodyPr>
+          <a:lstStyle/>
+          <a:p>
+            <a:pPr algn="ctr"/>
+            <a:r>
+              <a:rPr kumimoji="1" lang="ko-KR" altLang="en-US" sz="1600" b="1" dirty="0">
+                <a:solidFill>
+                  <a:srgbClr val="5DA2C5"/>
+                </a:solidFill>
+                <a:latin typeface="SHeadG" panose="02030600000101010101" pitchFamily="18" charset="-127"/>
+                <a:ea typeface="SHeadG" panose="02030600000101010101" pitchFamily="18" charset="-127"/>
+              </a:rPr>
+              <a:t>토픽</a:t>
+            </a:r>
+            <a:endParaRPr kumimoji="1" lang="ko-Kore-KR" altLang="en-US" sz="1600" b="1" dirty="0">
+              <a:solidFill>
+                <a:srgbClr val="5DA2C5"/>
+              </a:solidFill>
+              <a:latin typeface="SHeadG" panose="02030600000101010101" pitchFamily="18" charset="-127"/>
+              <a:ea typeface="SHeadG" panose="02030600000101010101" pitchFamily="18" charset="-127"/>
+            </a:endParaRPr>
+          </a:p>
+        </p:txBody>
+      </p:sp>
+      <p:sp>
+        <p:nvSpPr>
+          <p:cNvPr id="150" name="직사각형 149">
+            <a:extLst>
+              <a:ext uri="{FF2B5EF4-FFF2-40B4-BE49-F238E27FC236}">
+                <a16:creationId xmlns:a16="http://schemas.microsoft.com/office/drawing/2014/main" id="{F50482AD-F344-3D4F-A409-BEA15B9AA484}"/>
+              </a:ext>
+            </a:extLst>
+          </p:cNvPr>
+          <p:cNvSpPr/>
+          <p:nvPr/>
+        </p:nvSpPr>
+        <p:spPr>
+          <a:xfrm>
+            <a:off x="4488373" y="1873646"/>
+            <a:ext cx="1115598" cy="631907"/>
+          </a:xfrm>
+          <a:prstGeom prst="rect">
+            <a:avLst/>
+          </a:prstGeom>
+          <a:solidFill>
+            <a:schemeClr val="bg1"/>
+          </a:solidFill>
+          <a:ln w="25400">
+            <a:solidFill>
+              <a:srgbClr val="5DA2C5"/>
+            </a:solidFill>
+            <a:prstDash val="dash"/>
+          </a:ln>
+        </p:spPr>
+        <p:style>
+          <a:lnRef idx="1">
+            <a:schemeClr val="accent1"/>
+          </a:lnRef>
+          <a:fillRef idx="0">
+            <a:schemeClr val="accent1"/>
+          </a:fillRef>
+          <a:effectRef idx="0">
+            <a:schemeClr val="accent1"/>
+          </a:effectRef>
+          <a:fontRef idx="minor">
+            <a:schemeClr val="tx1"/>
+          </a:fontRef>
+        </p:style>
+        <p:txBody>
+          <a:bodyPr rtlCol="0" anchor="ctr"/>
+          <a:lstStyle/>
+          <a:p>
+            <a:pPr algn="ctr"/>
+            <a:endParaRPr kumimoji="1" lang="ko-Kore-KR" altLang="en-US"/>
+          </a:p>
+        </p:txBody>
+      </p:sp>
+      <p:sp>
+        <p:nvSpPr>
+          <p:cNvPr id="151" name="TextBox 150">
+            <a:extLst>
+              <a:ext uri="{FF2B5EF4-FFF2-40B4-BE49-F238E27FC236}">
+                <a16:creationId xmlns:a16="http://schemas.microsoft.com/office/drawing/2014/main" id="{3FFD9B8C-B913-654C-95D0-D9C31DADA498}"/>
+              </a:ext>
+            </a:extLst>
+          </p:cNvPr>
+          <p:cNvSpPr txBox="1"/>
+          <p:nvPr/>
+        </p:nvSpPr>
+        <p:spPr>
+          <a:xfrm>
+            <a:off x="4488373" y="1981451"/>
+            <a:ext cx="1115598" cy="461665"/>
+          </a:xfrm>
+          <a:prstGeom prst="rect">
+            <a:avLst/>
+          </a:prstGeom>
+          <a:noFill/>
+        </p:spPr>
+        <p:txBody>
+          <a:bodyPr wrap="square" rtlCol="0">
+            <a:spAutoFit/>
+          </a:bodyPr>
+          <a:lstStyle/>
+          <a:p>
+            <a:pPr algn="ctr"/>
+            <a:r>
+              <a:rPr kumimoji="1" lang="ko-KR" altLang="en-US" sz="1200" b="1" dirty="0">
+                <a:solidFill>
+                  <a:srgbClr val="5DA2C5"/>
+                </a:solidFill>
+                <a:latin typeface="SHeadG" panose="02030600000101010101" pitchFamily="18" charset="-127"/>
+                <a:ea typeface="SHeadG" panose="02030600000101010101" pitchFamily="18" charset="-127"/>
+              </a:rPr>
+              <a:t>파티션 </a:t>
+            </a:r>
+            <a:r>
+              <a:rPr kumimoji="1" lang="en-US" altLang="ko-KR" sz="1200" b="1" dirty="0">
+                <a:solidFill>
+                  <a:srgbClr val="5DA2C5"/>
+                </a:solidFill>
+                <a:latin typeface="SHeadG" panose="02030600000101010101" pitchFamily="18" charset="-127"/>
+                <a:ea typeface="SHeadG" panose="02030600000101010101" pitchFamily="18" charset="-127"/>
+              </a:rPr>
+              <a:t>1</a:t>
+            </a:r>
+          </a:p>
+          <a:p>
+            <a:pPr algn="ctr"/>
+            <a:r>
+              <a:rPr kumimoji="1" lang="en-US" altLang="ko-KR" sz="1200" b="1" dirty="0">
+                <a:solidFill>
+                  <a:srgbClr val="5DA2C5"/>
+                </a:solidFill>
+                <a:latin typeface="SHeadG" panose="02030600000101010101" pitchFamily="18" charset="-127"/>
+                <a:ea typeface="SHeadG" panose="02030600000101010101" pitchFamily="18" charset="-127"/>
+              </a:rPr>
+              <a:t>(</a:t>
+            </a:r>
+            <a:r>
+              <a:rPr kumimoji="1" lang="ko-KR" altLang="en-US" sz="1200" b="1" dirty="0" err="1">
+                <a:solidFill>
+                  <a:srgbClr val="5DA2C5"/>
+                </a:solidFill>
+                <a:latin typeface="SHeadG" panose="02030600000101010101" pitchFamily="18" charset="-127"/>
+                <a:ea typeface="SHeadG" panose="02030600000101010101" pitchFamily="18" charset="-127"/>
+              </a:rPr>
+              <a:t>팔로워</a:t>
+            </a:r>
+            <a:r>
+              <a:rPr kumimoji="1" lang="en-US" altLang="ko-KR" sz="1200" b="1" dirty="0">
+                <a:solidFill>
+                  <a:srgbClr val="5DA2C5"/>
+                </a:solidFill>
+                <a:latin typeface="SHeadG" panose="02030600000101010101" pitchFamily="18" charset="-127"/>
+                <a:ea typeface="SHeadG" panose="02030600000101010101" pitchFamily="18" charset="-127"/>
+              </a:rPr>
+              <a:t>)</a:t>
+            </a:r>
+            <a:endParaRPr kumimoji="1" lang="ko-Kore-KR" altLang="en-US" sz="1200" b="1" dirty="0">
+              <a:solidFill>
+                <a:srgbClr val="5DA2C5"/>
+              </a:solidFill>
+              <a:latin typeface="SHeadG" panose="02030600000101010101" pitchFamily="18" charset="-127"/>
+              <a:ea typeface="SHeadG" panose="02030600000101010101" pitchFamily="18" charset="-127"/>
+            </a:endParaRPr>
+          </a:p>
+        </p:txBody>
+      </p:sp>
+      <p:sp>
+        <p:nvSpPr>
+          <p:cNvPr id="152" name="직사각형 151">
+            <a:extLst>
+              <a:ext uri="{FF2B5EF4-FFF2-40B4-BE49-F238E27FC236}">
+                <a16:creationId xmlns:a16="http://schemas.microsoft.com/office/drawing/2014/main" id="{CCF5D185-5937-2049-8D1D-CBCE613A1352}"/>
+              </a:ext>
+            </a:extLst>
+          </p:cNvPr>
+          <p:cNvSpPr/>
+          <p:nvPr/>
+        </p:nvSpPr>
+        <p:spPr>
+          <a:xfrm>
+            <a:off x="6249592" y="756088"/>
+            <a:ext cx="2046723" cy="2487855"/>
+          </a:xfrm>
+          <a:prstGeom prst="rect">
+            <a:avLst/>
+          </a:prstGeom>
+          <a:solidFill>
+            <a:schemeClr val="bg1">
+              <a:lumMod val="85000"/>
+            </a:schemeClr>
+          </a:solidFill>
+          <a:ln w="25400">
+            <a:solidFill>
+              <a:srgbClr val="5DA2C5"/>
+            </a:solidFill>
+          </a:ln>
+        </p:spPr>
+        <p:style>
+          <a:lnRef idx="1">
+            <a:schemeClr val="accent1"/>
+          </a:lnRef>
+          <a:fillRef idx="0">
+            <a:schemeClr val="accent1"/>
+          </a:fillRef>
+          <a:effectRef idx="0">
+            <a:schemeClr val="accent1"/>
+          </a:effectRef>
+          <a:fontRef idx="minor">
+            <a:schemeClr val="tx1"/>
+          </a:fontRef>
+        </p:style>
+        <p:txBody>
+          <a:bodyPr rtlCol="0" anchor="ctr"/>
+          <a:lstStyle/>
+          <a:p>
+            <a:pPr algn="ctr"/>
+            <a:endParaRPr kumimoji="1" lang="ko-Kore-KR" altLang="en-US"/>
+          </a:p>
+        </p:txBody>
+      </p:sp>
+      <p:sp>
+        <p:nvSpPr>
+          <p:cNvPr id="153" name="TextBox 152">
+            <a:extLst>
+              <a:ext uri="{FF2B5EF4-FFF2-40B4-BE49-F238E27FC236}">
+                <a16:creationId xmlns:a16="http://schemas.microsoft.com/office/drawing/2014/main" id="{1FFAF695-7070-794F-9D2C-EA646B968FA2}"/>
+              </a:ext>
+            </a:extLst>
+          </p:cNvPr>
+          <p:cNvSpPr txBox="1"/>
+          <p:nvPr/>
+        </p:nvSpPr>
+        <p:spPr>
+          <a:xfrm>
+            <a:off x="6622020" y="878300"/>
+            <a:ext cx="1301865" cy="338554"/>
+          </a:xfrm>
+          <a:prstGeom prst="rect">
+            <a:avLst/>
+          </a:prstGeom>
+          <a:noFill/>
+        </p:spPr>
+        <p:txBody>
+          <a:bodyPr wrap="square" rtlCol="0">
+            <a:spAutoFit/>
+          </a:bodyPr>
+          <a:lstStyle/>
+          <a:p>
+            <a:pPr algn="ctr"/>
+            <a:r>
+              <a:rPr kumimoji="1" lang="ko-KR" altLang="en-US" sz="1600" b="1" dirty="0">
+                <a:solidFill>
+                  <a:srgbClr val="5DA2C5"/>
+                </a:solidFill>
+                <a:latin typeface="SHeadG" panose="02030600000101010101" pitchFamily="18" charset="-127"/>
+                <a:ea typeface="SHeadG" panose="02030600000101010101" pitchFamily="18" charset="-127"/>
+              </a:rPr>
+              <a:t>브로커 </a:t>
+            </a:r>
+            <a:r>
+              <a:rPr kumimoji="1" lang="en-US" altLang="ko-KR" sz="1600" b="1" dirty="0">
+                <a:solidFill>
+                  <a:srgbClr val="5DA2C5"/>
+                </a:solidFill>
+                <a:latin typeface="SHeadG" panose="02030600000101010101" pitchFamily="18" charset="-127"/>
+                <a:ea typeface="SHeadG" panose="02030600000101010101" pitchFamily="18" charset="-127"/>
+              </a:rPr>
+              <a:t>2</a:t>
+            </a:r>
+            <a:endParaRPr kumimoji="1" lang="ko-Kore-KR" altLang="en-US" sz="1600" b="1" dirty="0">
+              <a:solidFill>
+                <a:srgbClr val="5DA2C5"/>
+              </a:solidFill>
+              <a:latin typeface="SHeadG" panose="02030600000101010101" pitchFamily="18" charset="-127"/>
+              <a:ea typeface="SHeadG" panose="02030600000101010101" pitchFamily="18" charset="-127"/>
+            </a:endParaRPr>
+          </a:p>
+        </p:txBody>
+      </p:sp>
+      <p:sp>
+        <p:nvSpPr>
+          <p:cNvPr id="154" name="직사각형 153">
+            <a:extLst>
+              <a:ext uri="{FF2B5EF4-FFF2-40B4-BE49-F238E27FC236}">
+                <a16:creationId xmlns:a16="http://schemas.microsoft.com/office/drawing/2014/main" id="{743BB99E-674D-DB45-AA5B-7E4243500410}"/>
+              </a:ext>
+            </a:extLst>
+          </p:cNvPr>
+          <p:cNvSpPr/>
+          <p:nvPr/>
+        </p:nvSpPr>
+        <p:spPr>
+          <a:xfrm>
+            <a:off x="6436567" y="1437026"/>
+            <a:ext cx="1749069" cy="1676287"/>
+          </a:xfrm>
+          <a:prstGeom prst="rect">
+            <a:avLst/>
+          </a:prstGeom>
+          <a:solidFill>
+            <a:schemeClr val="bg1">
+              <a:lumMod val="95000"/>
+            </a:schemeClr>
+          </a:solidFill>
+          <a:ln w="25400">
+            <a:solidFill>
+              <a:srgbClr val="5DA2C5"/>
+            </a:solidFill>
+          </a:ln>
+        </p:spPr>
+        <p:style>
+          <a:lnRef idx="1">
+            <a:schemeClr val="accent1"/>
+          </a:lnRef>
+          <a:fillRef idx="0">
+            <a:schemeClr val="accent1"/>
+          </a:fillRef>
+          <a:effectRef idx="0">
+            <a:schemeClr val="accent1"/>
+          </a:effectRef>
+          <a:fontRef idx="minor">
+            <a:schemeClr val="tx1"/>
+          </a:fontRef>
+        </p:style>
+        <p:txBody>
+          <a:bodyPr rtlCol="0" anchor="ctr"/>
+          <a:lstStyle/>
+          <a:p>
+            <a:pPr algn="ctr"/>
+            <a:endParaRPr kumimoji="1" lang="ko-Kore-KR" altLang="en-US"/>
+          </a:p>
+        </p:txBody>
+      </p:sp>
+      <p:sp>
+        <p:nvSpPr>
+          <p:cNvPr id="155" name="TextBox 154">
+            <a:extLst>
+              <a:ext uri="{FF2B5EF4-FFF2-40B4-BE49-F238E27FC236}">
+                <a16:creationId xmlns:a16="http://schemas.microsoft.com/office/drawing/2014/main" id="{521B5676-6A9A-BF43-AA39-4FDF93484099}"/>
+              </a:ext>
+            </a:extLst>
+          </p:cNvPr>
+          <p:cNvSpPr txBox="1"/>
+          <p:nvPr/>
+        </p:nvSpPr>
+        <p:spPr>
+          <a:xfrm>
+            <a:off x="6753302" y="1486060"/>
+            <a:ext cx="1115598" cy="338554"/>
+          </a:xfrm>
+          <a:prstGeom prst="rect">
+            <a:avLst/>
+          </a:prstGeom>
+          <a:noFill/>
+        </p:spPr>
+        <p:txBody>
+          <a:bodyPr wrap="square" rtlCol="0">
+            <a:spAutoFit/>
+          </a:bodyPr>
+          <a:lstStyle/>
+          <a:p>
+            <a:pPr algn="ctr"/>
+            <a:r>
+              <a:rPr kumimoji="1" lang="ko-KR" altLang="en-US" sz="1600" b="1" dirty="0">
+                <a:solidFill>
+                  <a:srgbClr val="5DA2C5"/>
+                </a:solidFill>
+                <a:latin typeface="SHeadG" panose="02030600000101010101" pitchFamily="18" charset="-127"/>
+                <a:ea typeface="SHeadG" panose="02030600000101010101" pitchFamily="18" charset="-127"/>
+              </a:rPr>
+              <a:t>토픽</a:t>
+            </a:r>
+            <a:endParaRPr kumimoji="1" lang="ko-Kore-KR" altLang="en-US" sz="1600" b="1" dirty="0">
+              <a:solidFill>
+                <a:srgbClr val="5DA2C5"/>
+              </a:solidFill>
+              <a:latin typeface="SHeadG" panose="02030600000101010101" pitchFamily="18" charset="-127"/>
+              <a:ea typeface="SHeadG" panose="02030600000101010101" pitchFamily="18" charset="-127"/>
+            </a:endParaRPr>
+          </a:p>
+        </p:txBody>
+      </p:sp>
+      <p:sp>
+        <p:nvSpPr>
+          <p:cNvPr id="156" name="직사각형 155">
+            <a:extLst>
+              <a:ext uri="{FF2B5EF4-FFF2-40B4-BE49-F238E27FC236}">
+                <a16:creationId xmlns:a16="http://schemas.microsoft.com/office/drawing/2014/main" id="{A17E4561-D681-F54D-85B0-406187F38C90}"/>
+              </a:ext>
+            </a:extLst>
+          </p:cNvPr>
+          <p:cNvSpPr/>
+          <p:nvPr/>
+        </p:nvSpPr>
+        <p:spPr>
+          <a:xfrm>
+            <a:off x="6753302" y="1873646"/>
+            <a:ext cx="1115598" cy="631907"/>
+          </a:xfrm>
+          <a:prstGeom prst="rect">
+            <a:avLst/>
+          </a:prstGeom>
+          <a:solidFill>
+            <a:schemeClr val="bg1"/>
+          </a:solidFill>
+          <a:ln w="25400">
+            <a:solidFill>
+              <a:srgbClr val="5DA2C5"/>
+            </a:solidFill>
+            <a:prstDash val="dash"/>
+          </a:ln>
+        </p:spPr>
+        <p:style>
+          <a:lnRef idx="1">
+            <a:schemeClr val="accent1"/>
+          </a:lnRef>
+          <a:fillRef idx="0">
+            <a:schemeClr val="accent1"/>
+          </a:fillRef>
+          <a:effectRef idx="0">
+            <a:schemeClr val="accent1"/>
+          </a:effectRef>
+          <a:fontRef idx="minor">
+            <a:schemeClr val="tx1"/>
+          </a:fontRef>
+        </p:style>
+        <p:txBody>
+          <a:bodyPr rtlCol="0" anchor="ctr"/>
+          <a:lstStyle/>
+          <a:p>
+            <a:pPr algn="ctr"/>
+            <a:endParaRPr kumimoji="1" lang="ko-Kore-KR" altLang="en-US"/>
+          </a:p>
+        </p:txBody>
+      </p:sp>
+      <p:sp>
+        <p:nvSpPr>
+          <p:cNvPr id="157" name="TextBox 156">
+            <a:extLst>
+              <a:ext uri="{FF2B5EF4-FFF2-40B4-BE49-F238E27FC236}">
+                <a16:creationId xmlns:a16="http://schemas.microsoft.com/office/drawing/2014/main" id="{15F9D7EA-FE9B-9B49-90F7-BC865AE7CF55}"/>
+              </a:ext>
+            </a:extLst>
+          </p:cNvPr>
+          <p:cNvSpPr txBox="1"/>
+          <p:nvPr/>
+        </p:nvSpPr>
+        <p:spPr>
+          <a:xfrm>
+            <a:off x="6753302" y="1981451"/>
+            <a:ext cx="1115598" cy="461665"/>
+          </a:xfrm>
+          <a:prstGeom prst="rect">
+            <a:avLst/>
+          </a:prstGeom>
+          <a:noFill/>
+        </p:spPr>
+        <p:txBody>
+          <a:bodyPr wrap="square" rtlCol="0">
+            <a:spAutoFit/>
+          </a:bodyPr>
+          <a:lstStyle/>
+          <a:p>
+            <a:pPr algn="ctr"/>
+            <a:r>
+              <a:rPr kumimoji="1" lang="ko-KR" altLang="en-US" sz="1200" b="1" dirty="0">
+                <a:solidFill>
+                  <a:srgbClr val="5DA2C5"/>
+                </a:solidFill>
+                <a:latin typeface="SHeadG" panose="02030600000101010101" pitchFamily="18" charset="-127"/>
+                <a:ea typeface="SHeadG" panose="02030600000101010101" pitchFamily="18" charset="-127"/>
+              </a:rPr>
+              <a:t>파티션 </a:t>
+            </a:r>
+            <a:r>
+              <a:rPr kumimoji="1" lang="en-US" altLang="ko-KR" sz="1200" b="1" dirty="0">
+                <a:solidFill>
+                  <a:srgbClr val="5DA2C5"/>
+                </a:solidFill>
+                <a:latin typeface="SHeadG" panose="02030600000101010101" pitchFamily="18" charset="-127"/>
+                <a:ea typeface="SHeadG" panose="02030600000101010101" pitchFamily="18" charset="-127"/>
+              </a:rPr>
+              <a:t>1</a:t>
+            </a:r>
+          </a:p>
+          <a:p>
+            <a:pPr algn="ctr"/>
+            <a:r>
+              <a:rPr kumimoji="1" lang="en-US" altLang="ko-KR" sz="1200" b="1" dirty="0">
+                <a:solidFill>
+                  <a:srgbClr val="5DA2C5"/>
+                </a:solidFill>
+                <a:latin typeface="SHeadG" panose="02030600000101010101" pitchFamily="18" charset="-127"/>
+                <a:ea typeface="SHeadG" panose="02030600000101010101" pitchFamily="18" charset="-127"/>
+              </a:rPr>
+              <a:t>(</a:t>
+            </a:r>
+            <a:r>
+              <a:rPr kumimoji="1" lang="ko-KR" altLang="en-US" sz="1200" b="1" dirty="0" err="1">
+                <a:solidFill>
+                  <a:srgbClr val="5DA2C5"/>
+                </a:solidFill>
+                <a:latin typeface="SHeadG" panose="02030600000101010101" pitchFamily="18" charset="-127"/>
+                <a:ea typeface="SHeadG" panose="02030600000101010101" pitchFamily="18" charset="-127"/>
+              </a:rPr>
+              <a:t>팔로워</a:t>
+            </a:r>
+            <a:r>
+              <a:rPr kumimoji="1" lang="en-US" altLang="ko-KR" sz="1200" b="1" dirty="0">
+                <a:solidFill>
+                  <a:srgbClr val="5DA2C5"/>
+                </a:solidFill>
+                <a:latin typeface="SHeadG" panose="02030600000101010101" pitchFamily="18" charset="-127"/>
+                <a:ea typeface="SHeadG" panose="02030600000101010101" pitchFamily="18" charset="-127"/>
+              </a:rPr>
+              <a:t>)</a:t>
+            </a:r>
+            <a:endParaRPr kumimoji="1" lang="ko-Kore-KR" altLang="en-US" sz="1200" b="1" dirty="0">
+              <a:solidFill>
+                <a:srgbClr val="5DA2C5"/>
+              </a:solidFill>
+              <a:latin typeface="SHeadG" panose="02030600000101010101" pitchFamily="18" charset="-127"/>
+              <a:ea typeface="SHeadG" panose="02030600000101010101" pitchFamily="18" charset="-127"/>
+            </a:endParaRPr>
+          </a:p>
+        </p:txBody>
+      </p:sp>
+      <p:sp>
+        <p:nvSpPr>
+          <p:cNvPr id="158" name="직사각형 157">
+            <a:extLst>
+              <a:ext uri="{FF2B5EF4-FFF2-40B4-BE49-F238E27FC236}">
+                <a16:creationId xmlns:a16="http://schemas.microsoft.com/office/drawing/2014/main" id="{068EB78E-972D-744A-8817-C056710F38F1}"/>
+              </a:ext>
+            </a:extLst>
+          </p:cNvPr>
+          <p:cNvSpPr/>
+          <p:nvPr/>
+        </p:nvSpPr>
+        <p:spPr>
+          <a:xfrm>
+            <a:off x="1719734" y="3794251"/>
+            <a:ext cx="2046723" cy="2487855"/>
+          </a:xfrm>
+          <a:prstGeom prst="rect">
+            <a:avLst/>
+          </a:prstGeom>
+          <a:solidFill>
+            <a:schemeClr val="accent2">
+              <a:lumMod val="60000"/>
+              <a:lumOff val="40000"/>
+            </a:schemeClr>
+          </a:solidFill>
+          <a:ln w="25400">
+            <a:solidFill>
+              <a:srgbClr val="5DA2C5"/>
+            </a:solidFill>
+          </a:ln>
+        </p:spPr>
+        <p:style>
+          <a:lnRef idx="1">
+            <a:schemeClr val="accent1"/>
+          </a:lnRef>
+          <a:fillRef idx="0">
+            <a:schemeClr val="accent1"/>
+          </a:fillRef>
+          <a:effectRef idx="0">
+            <a:schemeClr val="accent1"/>
+          </a:effectRef>
+          <a:fontRef idx="minor">
+            <a:schemeClr val="tx1"/>
+          </a:fontRef>
+        </p:style>
+        <p:txBody>
+          <a:bodyPr rtlCol="0" anchor="ctr"/>
+          <a:lstStyle/>
+          <a:p>
+            <a:pPr algn="ctr"/>
+            <a:endParaRPr kumimoji="1" lang="ko-Kore-KR" altLang="en-US"/>
+          </a:p>
+        </p:txBody>
+      </p:sp>
+      <p:sp>
+        <p:nvSpPr>
+          <p:cNvPr id="159" name="TextBox 158">
+            <a:extLst>
+              <a:ext uri="{FF2B5EF4-FFF2-40B4-BE49-F238E27FC236}">
+                <a16:creationId xmlns:a16="http://schemas.microsoft.com/office/drawing/2014/main" id="{209D9AA7-9131-584D-A413-5459BB4E96F5}"/>
+              </a:ext>
+            </a:extLst>
+          </p:cNvPr>
+          <p:cNvSpPr txBox="1"/>
+          <p:nvPr/>
+        </p:nvSpPr>
+        <p:spPr>
+          <a:xfrm>
+            <a:off x="2092162" y="3916463"/>
+            <a:ext cx="1301865" cy="338554"/>
+          </a:xfrm>
+          <a:prstGeom prst="rect">
+            <a:avLst/>
+          </a:prstGeom>
+          <a:noFill/>
+        </p:spPr>
+        <p:txBody>
+          <a:bodyPr wrap="square" rtlCol="0">
+            <a:spAutoFit/>
+          </a:bodyPr>
+          <a:lstStyle/>
+          <a:p>
+            <a:pPr algn="ctr"/>
+            <a:r>
+              <a:rPr kumimoji="1" lang="ko-KR" altLang="en-US" sz="1600" b="1" dirty="0">
+                <a:solidFill>
+                  <a:srgbClr val="5DA2C5"/>
+                </a:solidFill>
+                <a:latin typeface="SHeadG" panose="02030600000101010101" pitchFamily="18" charset="-127"/>
+                <a:ea typeface="SHeadG" panose="02030600000101010101" pitchFamily="18" charset="-127"/>
+              </a:rPr>
+              <a:t>브로커 </a:t>
+            </a:r>
+            <a:r>
+              <a:rPr kumimoji="1" lang="en-US" altLang="ko-KR" sz="1600" b="1" dirty="0">
+                <a:solidFill>
+                  <a:srgbClr val="5DA2C5"/>
+                </a:solidFill>
+                <a:latin typeface="SHeadG" panose="02030600000101010101" pitchFamily="18" charset="-127"/>
+                <a:ea typeface="SHeadG" panose="02030600000101010101" pitchFamily="18" charset="-127"/>
+              </a:rPr>
+              <a:t>0</a:t>
+            </a:r>
+            <a:endParaRPr kumimoji="1" lang="ko-Kore-KR" altLang="en-US" sz="1600" b="1" dirty="0">
+              <a:solidFill>
+                <a:srgbClr val="5DA2C5"/>
+              </a:solidFill>
+              <a:latin typeface="SHeadG" panose="02030600000101010101" pitchFamily="18" charset="-127"/>
+              <a:ea typeface="SHeadG" panose="02030600000101010101" pitchFamily="18" charset="-127"/>
+            </a:endParaRPr>
+          </a:p>
+        </p:txBody>
+      </p:sp>
+      <p:sp>
+        <p:nvSpPr>
+          <p:cNvPr id="160" name="직사각형 159">
+            <a:extLst>
+              <a:ext uri="{FF2B5EF4-FFF2-40B4-BE49-F238E27FC236}">
+                <a16:creationId xmlns:a16="http://schemas.microsoft.com/office/drawing/2014/main" id="{31E33A12-EC72-D944-BB89-1A0FD0726296}"/>
+              </a:ext>
+            </a:extLst>
+          </p:cNvPr>
+          <p:cNvSpPr/>
+          <p:nvPr/>
+        </p:nvSpPr>
+        <p:spPr>
+          <a:xfrm>
+            <a:off x="1906709" y="4475189"/>
+            <a:ext cx="1749069" cy="1676287"/>
+          </a:xfrm>
+          <a:prstGeom prst="rect">
+            <a:avLst/>
+          </a:prstGeom>
+          <a:solidFill>
+            <a:schemeClr val="bg1">
+              <a:lumMod val="95000"/>
+            </a:schemeClr>
+          </a:solidFill>
+          <a:ln w="25400">
+            <a:solidFill>
+              <a:srgbClr val="5DA2C5"/>
+            </a:solidFill>
+          </a:ln>
+        </p:spPr>
+        <p:style>
+          <a:lnRef idx="1">
+            <a:schemeClr val="accent1"/>
+          </a:lnRef>
+          <a:fillRef idx="0">
+            <a:schemeClr val="accent1"/>
+          </a:fillRef>
+          <a:effectRef idx="0">
+            <a:schemeClr val="accent1"/>
+          </a:effectRef>
+          <a:fontRef idx="minor">
+            <a:schemeClr val="tx1"/>
+          </a:fontRef>
+        </p:style>
+        <p:txBody>
+          <a:bodyPr rtlCol="0" anchor="ctr"/>
+          <a:lstStyle/>
+          <a:p>
+            <a:pPr algn="ctr"/>
+            <a:endParaRPr kumimoji="1" lang="ko-Kore-KR" altLang="en-US"/>
+          </a:p>
+        </p:txBody>
+      </p:sp>
+      <p:sp>
+        <p:nvSpPr>
+          <p:cNvPr id="161" name="TextBox 160">
+            <a:extLst>
+              <a:ext uri="{FF2B5EF4-FFF2-40B4-BE49-F238E27FC236}">
+                <a16:creationId xmlns:a16="http://schemas.microsoft.com/office/drawing/2014/main" id="{846BF283-4D3B-6040-AAA6-6684B6BCCACF}"/>
+              </a:ext>
+            </a:extLst>
+          </p:cNvPr>
+          <p:cNvSpPr txBox="1"/>
+          <p:nvPr/>
+        </p:nvSpPr>
+        <p:spPr>
+          <a:xfrm>
+            <a:off x="2223444" y="4524223"/>
+            <a:ext cx="1115598" cy="338554"/>
+          </a:xfrm>
+          <a:prstGeom prst="rect">
+            <a:avLst/>
+          </a:prstGeom>
+          <a:noFill/>
+        </p:spPr>
+        <p:txBody>
+          <a:bodyPr wrap="square" rtlCol="0">
+            <a:spAutoFit/>
+          </a:bodyPr>
+          <a:lstStyle/>
+          <a:p>
+            <a:pPr algn="ctr"/>
+            <a:r>
+              <a:rPr kumimoji="1" lang="ko-KR" altLang="en-US" sz="1600" b="1" dirty="0">
+                <a:solidFill>
+                  <a:srgbClr val="5DA2C5"/>
+                </a:solidFill>
+                <a:latin typeface="SHeadG" panose="02030600000101010101" pitchFamily="18" charset="-127"/>
+                <a:ea typeface="SHeadG" panose="02030600000101010101" pitchFamily="18" charset="-127"/>
+              </a:rPr>
+              <a:t>토픽</a:t>
+            </a:r>
+            <a:endParaRPr kumimoji="1" lang="ko-Kore-KR" altLang="en-US" sz="1600" b="1" dirty="0">
+              <a:solidFill>
+                <a:srgbClr val="5DA2C5"/>
+              </a:solidFill>
+              <a:latin typeface="SHeadG" panose="02030600000101010101" pitchFamily="18" charset="-127"/>
+              <a:ea typeface="SHeadG" panose="02030600000101010101" pitchFamily="18" charset="-127"/>
+            </a:endParaRPr>
+          </a:p>
+        </p:txBody>
+      </p:sp>
+      <p:sp>
+        <p:nvSpPr>
+          <p:cNvPr id="162" name="직사각형 161">
+            <a:extLst>
+              <a:ext uri="{FF2B5EF4-FFF2-40B4-BE49-F238E27FC236}">
+                <a16:creationId xmlns:a16="http://schemas.microsoft.com/office/drawing/2014/main" id="{157AC79C-FDE2-0946-B163-6C36919BF30C}"/>
+              </a:ext>
+            </a:extLst>
+          </p:cNvPr>
+          <p:cNvSpPr/>
+          <p:nvPr/>
+        </p:nvSpPr>
+        <p:spPr>
+          <a:xfrm>
+            <a:off x="2223444" y="4911809"/>
+            <a:ext cx="1115598" cy="631907"/>
+          </a:xfrm>
+          <a:prstGeom prst="rect">
+            <a:avLst/>
+          </a:prstGeom>
+          <a:solidFill>
+            <a:schemeClr val="bg1"/>
+          </a:solidFill>
+          <a:ln w="25400">
+            <a:solidFill>
+              <a:srgbClr val="5DA2C5"/>
+            </a:solidFill>
+          </a:ln>
+        </p:spPr>
+        <p:style>
+          <a:lnRef idx="1">
+            <a:schemeClr val="accent1"/>
+          </a:lnRef>
+          <a:fillRef idx="0">
+            <a:schemeClr val="accent1"/>
+          </a:fillRef>
+          <a:effectRef idx="0">
+            <a:schemeClr val="accent1"/>
+          </a:effectRef>
+          <a:fontRef idx="minor">
+            <a:schemeClr val="tx1"/>
+          </a:fontRef>
+        </p:style>
+        <p:txBody>
+          <a:bodyPr rtlCol="0" anchor="ctr"/>
+          <a:lstStyle/>
+          <a:p>
+            <a:pPr algn="ctr"/>
+            <a:endParaRPr kumimoji="1" lang="ko-Kore-KR" altLang="en-US"/>
+          </a:p>
+        </p:txBody>
+      </p:sp>
+      <p:sp>
+        <p:nvSpPr>
+          <p:cNvPr id="163" name="TextBox 162">
+            <a:extLst>
+              <a:ext uri="{FF2B5EF4-FFF2-40B4-BE49-F238E27FC236}">
+                <a16:creationId xmlns:a16="http://schemas.microsoft.com/office/drawing/2014/main" id="{90B55E41-AC87-AB49-8545-4176CD64B56B}"/>
+              </a:ext>
+            </a:extLst>
+          </p:cNvPr>
+          <p:cNvSpPr txBox="1"/>
+          <p:nvPr/>
+        </p:nvSpPr>
+        <p:spPr>
+          <a:xfrm>
+            <a:off x="2223444" y="5019614"/>
+            <a:ext cx="1115598" cy="461665"/>
+          </a:xfrm>
+          <a:prstGeom prst="rect">
+            <a:avLst/>
+          </a:prstGeom>
+          <a:noFill/>
+        </p:spPr>
+        <p:txBody>
+          <a:bodyPr wrap="square" rtlCol="0">
+            <a:spAutoFit/>
+          </a:bodyPr>
+          <a:lstStyle/>
+          <a:p>
+            <a:pPr algn="ctr"/>
+            <a:r>
+              <a:rPr kumimoji="1" lang="ko-KR" altLang="en-US" sz="1200" b="1" dirty="0">
+                <a:solidFill>
+                  <a:srgbClr val="5DA2C5"/>
+                </a:solidFill>
+                <a:latin typeface="SHeadG" panose="02030600000101010101" pitchFamily="18" charset="-127"/>
+                <a:ea typeface="SHeadG" panose="02030600000101010101" pitchFamily="18" charset="-127"/>
+              </a:rPr>
+              <a:t>파티션 </a:t>
+            </a:r>
+            <a:r>
+              <a:rPr kumimoji="1" lang="en-US" altLang="ko-KR" sz="1200" b="1" dirty="0">
+                <a:solidFill>
+                  <a:srgbClr val="5DA2C5"/>
+                </a:solidFill>
+                <a:latin typeface="SHeadG" panose="02030600000101010101" pitchFamily="18" charset="-127"/>
+                <a:ea typeface="SHeadG" panose="02030600000101010101" pitchFamily="18" charset="-127"/>
+              </a:rPr>
+              <a:t>1</a:t>
+            </a:r>
+          </a:p>
+          <a:p>
+            <a:pPr algn="ctr"/>
+            <a:endParaRPr kumimoji="1" lang="en-US" altLang="ko-KR" sz="1200" b="1" dirty="0">
+              <a:solidFill>
+                <a:srgbClr val="5DA2C5"/>
+              </a:solidFill>
+              <a:latin typeface="SHeadG" panose="02030600000101010101" pitchFamily="18" charset="-127"/>
+              <a:ea typeface="SHeadG" panose="02030600000101010101" pitchFamily="18" charset="-127"/>
+            </a:endParaRPr>
+          </a:p>
+        </p:txBody>
+      </p:sp>
+      <p:sp>
+        <p:nvSpPr>
+          <p:cNvPr id="164" name="직사각형 163">
+            <a:extLst>
+              <a:ext uri="{FF2B5EF4-FFF2-40B4-BE49-F238E27FC236}">
+                <a16:creationId xmlns:a16="http://schemas.microsoft.com/office/drawing/2014/main" id="{AE462CDD-F08B-D748-8997-14A00FA496E1}"/>
+              </a:ext>
+            </a:extLst>
+          </p:cNvPr>
+          <p:cNvSpPr/>
+          <p:nvPr/>
+        </p:nvSpPr>
+        <p:spPr>
+          <a:xfrm>
+            <a:off x="3984663" y="3794251"/>
+            <a:ext cx="2046723" cy="2487855"/>
+          </a:xfrm>
+          <a:prstGeom prst="rect">
+            <a:avLst/>
+          </a:prstGeom>
+          <a:solidFill>
+            <a:schemeClr val="bg1">
+              <a:lumMod val="85000"/>
+            </a:schemeClr>
+          </a:solidFill>
+          <a:ln w="25400">
+            <a:solidFill>
+              <a:srgbClr val="5DA2C5"/>
+            </a:solidFill>
+          </a:ln>
+        </p:spPr>
+        <p:style>
+          <a:lnRef idx="1">
+            <a:schemeClr val="accent1"/>
+          </a:lnRef>
+          <a:fillRef idx="0">
+            <a:schemeClr val="accent1"/>
+          </a:fillRef>
+          <a:effectRef idx="0">
+            <a:schemeClr val="accent1"/>
+          </a:effectRef>
+          <a:fontRef idx="minor">
+            <a:schemeClr val="tx1"/>
+          </a:fontRef>
+        </p:style>
+        <p:txBody>
+          <a:bodyPr rtlCol="0" anchor="ctr"/>
+          <a:lstStyle/>
+          <a:p>
+            <a:pPr algn="ctr"/>
+            <a:endParaRPr kumimoji="1" lang="ko-Kore-KR" altLang="en-US"/>
+          </a:p>
+        </p:txBody>
+      </p:sp>
+      <p:sp>
+        <p:nvSpPr>
+          <p:cNvPr id="165" name="TextBox 164">
+            <a:extLst>
+              <a:ext uri="{FF2B5EF4-FFF2-40B4-BE49-F238E27FC236}">
+                <a16:creationId xmlns:a16="http://schemas.microsoft.com/office/drawing/2014/main" id="{91DFBD7F-F02D-0547-914E-A66B06634E7D}"/>
+              </a:ext>
+            </a:extLst>
+          </p:cNvPr>
+          <p:cNvSpPr txBox="1"/>
+          <p:nvPr/>
+        </p:nvSpPr>
+        <p:spPr>
+          <a:xfrm>
+            <a:off x="4357091" y="3916463"/>
+            <a:ext cx="1301865" cy="338554"/>
+          </a:xfrm>
+          <a:prstGeom prst="rect">
+            <a:avLst/>
+          </a:prstGeom>
+          <a:noFill/>
+        </p:spPr>
+        <p:txBody>
+          <a:bodyPr wrap="square" rtlCol="0">
+            <a:spAutoFit/>
+          </a:bodyPr>
+          <a:lstStyle/>
+          <a:p>
+            <a:pPr algn="ctr"/>
+            <a:r>
+              <a:rPr kumimoji="1" lang="ko-KR" altLang="en-US" sz="1600" b="1" dirty="0">
+                <a:solidFill>
+                  <a:srgbClr val="5DA2C5"/>
+                </a:solidFill>
+                <a:latin typeface="SHeadG" panose="02030600000101010101" pitchFamily="18" charset="-127"/>
+                <a:ea typeface="SHeadG" panose="02030600000101010101" pitchFamily="18" charset="-127"/>
+              </a:rPr>
+              <a:t>브로커 </a:t>
+            </a:r>
+            <a:r>
+              <a:rPr kumimoji="1" lang="en-US" altLang="ko-KR" sz="1600" b="1" dirty="0">
+                <a:solidFill>
+                  <a:srgbClr val="5DA2C5"/>
+                </a:solidFill>
+                <a:latin typeface="SHeadG" panose="02030600000101010101" pitchFamily="18" charset="-127"/>
+                <a:ea typeface="SHeadG" panose="02030600000101010101" pitchFamily="18" charset="-127"/>
+              </a:rPr>
+              <a:t>1</a:t>
+            </a:r>
+            <a:endParaRPr kumimoji="1" lang="ko-Kore-KR" altLang="en-US" sz="1600" b="1" dirty="0">
+              <a:solidFill>
+                <a:srgbClr val="5DA2C5"/>
+              </a:solidFill>
+              <a:latin typeface="SHeadG" panose="02030600000101010101" pitchFamily="18" charset="-127"/>
+              <a:ea typeface="SHeadG" panose="02030600000101010101" pitchFamily="18" charset="-127"/>
+            </a:endParaRPr>
+          </a:p>
+        </p:txBody>
+      </p:sp>
+      <p:sp>
+        <p:nvSpPr>
+          <p:cNvPr id="170" name="직사각형 169">
+            <a:extLst>
+              <a:ext uri="{FF2B5EF4-FFF2-40B4-BE49-F238E27FC236}">
+                <a16:creationId xmlns:a16="http://schemas.microsoft.com/office/drawing/2014/main" id="{71181212-FC6D-9C4E-82C4-59ABD6C031CE}"/>
+              </a:ext>
+            </a:extLst>
+          </p:cNvPr>
+          <p:cNvSpPr/>
+          <p:nvPr/>
+        </p:nvSpPr>
+        <p:spPr>
+          <a:xfrm>
+            <a:off x="4171638" y="4475189"/>
+            <a:ext cx="1749069" cy="1676287"/>
+          </a:xfrm>
+          <a:prstGeom prst="rect">
+            <a:avLst/>
+          </a:prstGeom>
+          <a:solidFill>
+            <a:schemeClr val="bg1">
+              <a:lumMod val="95000"/>
+            </a:schemeClr>
+          </a:solidFill>
+          <a:ln w="25400">
+            <a:solidFill>
+              <a:srgbClr val="5DA2C5"/>
+            </a:solidFill>
+          </a:ln>
+        </p:spPr>
+        <p:style>
+          <a:lnRef idx="1">
+            <a:schemeClr val="accent1"/>
+          </a:lnRef>
+          <a:fillRef idx="0">
+            <a:schemeClr val="accent1"/>
+          </a:fillRef>
+          <a:effectRef idx="0">
+            <a:schemeClr val="accent1"/>
+          </a:effectRef>
+          <a:fontRef idx="minor">
+            <a:schemeClr val="tx1"/>
+          </a:fontRef>
+        </p:style>
+        <p:txBody>
+          <a:bodyPr rtlCol="0" anchor="ctr"/>
+          <a:lstStyle/>
+          <a:p>
+            <a:pPr algn="ctr"/>
+            <a:endParaRPr kumimoji="1" lang="ko-Kore-KR" altLang="en-US"/>
+          </a:p>
+        </p:txBody>
+      </p:sp>
+      <p:sp>
+        <p:nvSpPr>
+          <p:cNvPr id="171" name="TextBox 170">
+            <a:extLst>
+              <a:ext uri="{FF2B5EF4-FFF2-40B4-BE49-F238E27FC236}">
+                <a16:creationId xmlns:a16="http://schemas.microsoft.com/office/drawing/2014/main" id="{9E1BEB41-3A52-0240-911A-D3E91E77C3A0}"/>
+              </a:ext>
+            </a:extLst>
+          </p:cNvPr>
+          <p:cNvSpPr txBox="1"/>
+          <p:nvPr/>
+        </p:nvSpPr>
+        <p:spPr>
+          <a:xfrm>
+            <a:off x="4488373" y="4524223"/>
+            <a:ext cx="1115598" cy="338554"/>
+          </a:xfrm>
+          <a:prstGeom prst="rect">
+            <a:avLst/>
+          </a:prstGeom>
+          <a:noFill/>
+        </p:spPr>
+        <p:txBody>
+          <a:bodyPr wrap="square" rtlCol="0">
+            <a:spAutoFit/>
+          </a:bodyPr>
+          <a:lstStyle/>
+          <a:p>
+            <a:pPr algn="ctr"/>
+            <a:r>
+              <a:rPr kumimoji="1" lang="ko-KR" altLang="en-US" sz="1600" b="1" dirty="0">
+                <a:solidFill>
+                  <a:srgbClr val="5DA2C5"/>
+                </a:solidFill>
+                <a:latin typeface="SHeadG" panose="02030600000101010101" pitchFamily="18" charset="-127"/>
+                <a:ea typeface="SHeadG" panose="02030600000101010101" pitchFamily="18" charset="-127"/>
+              </a:rPr>
+              <a:t>토픽</a:t>
+            </a:r>
+            <a:endParaRPr kumimoji="1" lang="ko-Kore-KR" altLang="en-US" sz="1600" b="1" dirty="0">
+              <a:solidFill>
+                <a:srgbClr val="5DA2C5"/>
+              </a:solidFill>
+              <a:latin typeface="SHeadG" panose="02030600000101010101" pitchFamily="18" charset="-127"/>
+              <a:ea typeface="SHeadG" panose="02030600000101010101" pitchFamily="18" charset="-127"/>
+            </a:endParaRPr>
+          </a:p>
+        </p:txBody>
+      </p:sp>
+      <p:sp>
+        <p:nvSpPr>
+          <p:cNvPr id="172" name="직사각형 171">
+            <a:extLst>
+              <a:ext uri="{FF2B5EF4-FFF2-40B4-BE49-F238E27FC236}">
+                <a16:creationId xmlns:a16="http://schemas.microsoft.com/office/drawing/2014/main" id="{1F4462D4-7FAD-C34C-AF9F-1AFFBB0DFE7E}"/>
+              </a:ext>
+            </a:extLst>
+          </p:cNvPr>
+          <p:cNvSpPr/>
+          <p:nvPr/>
+        </p:nvSpPr>
+        <p:spPr>
+          <a:xfrm>
+            <a:off x="4488373" y="4911809"/>
+            <a:ext cx="1115598" cy="631907"/>
+          </a:xfrm>
+          <a:prstGeom prst="rect">
+            <a:avLst/>
+          </a:prstGeom>
+          <a:solidFill>
+            <a:schemeClr val="bg1"/>
+          </a:solidFill>
+          <a:ln w="25400">
+            <a:solidFill>
+              <a:srgbClr val="5DA2C5"/>
+            </a:solidFill>
+            <a:prstDash val="dash"/>
+          </a:ln>
+        </p:spPr>
+        <p:style>
+          <a:lnRef idx="1">
+            <a:schemeClr val="accent1"/>
+          </a:lnRef>
+          <a:fillRef idx="0">
+            <a:schemeClr val="accent1"/>
+          </a:fillRef>
+          <a:effectRef idx="0">
+            <a:schemeClr val="accent1"/>
+          </a:effectRef>
+          <a:fontRef idx="minor">
+            <a:schemeClr val="tx1"/>
+          </a:fontRef>
+        </p:style>
+        <p:txBody>
+          <a:bodyPr rtlCol="0" anchor="ctr"/>
+          <a:lstStyle/>
+          <a:p>
+            <a:pPr algn="ctr"/>
+            <a:endParaRPr kumimoji="1" lang="ko-Kore-KR" altLang="en-US"/>
+          </a:p>
+        </p:txBody>
+      </p:sp>
+      <p:sp>
+        <p:nvSpPr>
+          <p:cNvPr id="173" name="TextBox 172">
+            <a:extLst>
+              <a:ext uri="{FF2B5EF4-FFF2-40B4-BE49-F238E27FC236}">
+                <a16:creationId xmlns:a16="http://schemas.microsoft.com/office/drawing/2014/main" id="{3A8D0253-8806-994E-96DA-5A305B5A7DBD}"/>
+              </a:ext>
+            </a:extLst>
+          </p:cNvPr>
+          <p:cNvSpPr txBox="1"/>
+          <p:nvPr/>
+        </p:nvSpPr>
+        <p:spPr>
+          <a:xfrm>
+            <a:off x="4488373" y="5019614"/>
+            <a:ext cx="1115598" cy="461665"/>
+          </a:xfrm>
+          <a:prstGeom prst="rect">
+            <a:avLst/>
+          </a:prstGeom>
+          <a:noFill/>
+        </p:spPr>
+        <p:txBody>
+          <a:bodyPr wrap="square" rtlCol="0">
+            <a:spAutoFit/>
+          </a:bodyPr>
+          <a:lstStyle/>
+          <a:p>
+            <a:pPr algn="ctr"/>
+            <a:r>
+              <a:rPr kumimoji="1" lang="ko-KR" altLang="en-US" sz="1200" b="1" dirty="0">
+                <a:solidFill>
+                  <a:srgbClr val="5DA2C5"/>
+                </a:solidFill>
+                <a:latin typeface="SHeadG" panose="02030600000101010101" pitchFamily="18" charset="-127"/>
+                <a:ea typeface="SHeadG" panose="02030600000101010101" pitchFamily="18" charset="-127"/>
+              </a:rPr>
+              <a:t>파티션 </a:t>
+            </a:r>
+            <a:r>
+              <a:rPr kumimoji="1" lang="en-US" altLang="ko-KR" sz="1200" b="1" dirty="0">
+                <a:solidFill>
+                  <a:srgbClr val="5DA2C5"/>
+                </a:solidFill>
+                <a:latin typeface="SHeadG" panose="02030600000101010101" pitchFamily="18" charset="-127"/>
+                <a:ea typeface="SHeadG" panose="02030600000101010101" pitchFamily="18" charset="-127"/>
+              </a:rPr>
+              <a:t>1</a:t>
+            </a:r>
+          </a:p>
+          <a:p>
+            <a:pPr algn="ctr"/>
+            <a:r>
+              <a:rPr kumimoji="1" lang="en-US" altLang="ko-KR" sz="1200" b="1" dirty="0">
+                <a:solidFill>
+                  <a:srgbClr val="5DA2C5"/>
+                </a:solidFill>
+                <a:latin typeface="SHeadG" panose="02030600000101010101" pitchFamily="18" charset="-127"/>
+                <a:ea typeface="SHeadG" panose="02030600000101010101" pitchFamily="18" charset="-127"/>
+              </a:rPr>
+              <a:t>(</a:t>
+            </a:r>
+            <a:r>
+              <a:rPr kumimoji="1" lang="ko-KR" altLang="en-US" sz="1200" b="1" dirty="0">
+                <a:solidFill>
+                  <a:srgbClr val="5DA2C5"/>
+                </a:solidFill>
+                <a:latin typeface="SHeadG" panose="02030600000101010101" pitchFamily="18" charset="-127"/>
+                <a:ea typeface="SHeadG" panose="02030600000101010101" pitchFamily="18" charset="-127"/>
+              </a:rPr>
+              <a:t>리더</a:t>
+            </a:r>
+            <a:r>
+              <a:rPr kumimoji="1" lang="en-US" altLang="ko-KR" sz="1200" b="1" dirty="0">
+                <a:solidFill>
+                  <a:srgbClr val="5DA2C5"/>
+                </a:solidFill>
+                <a:latin typeface="SHeadG" panose="02030600000101010101" pitchFamily="18" charset="-127"/>
+                <a:ea typeface="SHeadG" panose="02030600000101010101" pitchFamily="18" charset="-127"/>
+              </a:rPr>
+              <a:t>)</a:t>
+            </a:r>
+            <a:endParaRPr kumimoji="1" lang="ko-Kore-KR" altLang="en-US" sz="1200" b="1" dirty="0">
+              <a:solidFill>
+                <a:srgbClr val="5DA2C5"/>
+              </a:solidFill>
+              <a:latin typeface="SHeadG" panose="02030600000101010101" pitchFamily="18" charset="-127"/>
+              <a:ea typeface="SHeadG" panose="02030600000101010101" pitchFamily="18" charset="-127"/>
+            </a:endParaRPr>
+          </a:p>
+        </p:txBody>
+      </p:sp>
+      <p:sp>
+        <p:nvSpPr>
+          <p:cNvPr id="174" name="직사각형 173">
+            <a:extLst>
+              <a:ext uri="{FF2B5EF4-FFF2-40B4-BE49-F238E27FC236}">
+                <a16:creationId xmlns:a16="http://schemas.microsoft.com/office/drawing/2014/main" id="{DC84EEF7-C2AC-294B-B041-56ADC16B1ED5}"/>
+              </a:ext>
+            </a:extLst>
+          </p:cNvPr>
+          <p:cNvSpPr/>
+          <p:nvPr/>
+        </p:nvSpPr>
+        <p:spPr>
+          <a:xfrm>
+            <a:off x="6249592" y="3794251"/>
+            <a:ext cx="2046723" cy="2487855"/>
+          </a:xfrm>
+          <a:prstGeom prst="rect">
+            <a:avLst/>
+          </a:prstGeom>
+          <a:solidFill>
+            <a:schemeClr val="bg1">
+              <a:lumMod val="85000"/>
+            </a:schemeClr>
+          </a:solidFill>
+          <a:ln w="25400">
+            <a:solidFill>
+              <a:srgbClr val="5DA2C5"/>
+            </a:solidFill>
+          </a:ln>
+        </p:spPr>
+        <p:style>
+          <a:lnRef idx="1">
+            <a:schemeClr val="accent1"/>
+          </a:lnRef>
+          <a:fillRef idx="0">
+            <a:schemeClr val="accent1"/>
+          </a:fillRef>
+          <a:effectRef idx="0">
+            <a:schemeClr val="accent1"/>
+          </a:effectRef>
+          <a:fontRef idx="minor">
+            <a:schemeClr val="tx1"/>
+          </a:fontRef>
+        </p:style>
+        <p:txBody>
+          <a:bodyPr rtlCol="0" anchor="ctr"/>
+          <a:lstStyle/>
+          <a:p>
+            <a:pPr algn="ctr"/>
+            <a:endParaRPr kumimoji="1" lang="ko-Kore-KR" altLang="en-US"/>
+          </a:p>
+        </p:txBody>
+      </p:sp>
+      <p:sp>
+        <p:nvSpPr>
+          <p:cNvPr id="175" name="TextBox 174">
+            <a:extLst>
+              <a:ext uri="{FF2B5EF4-FFF2-40B4-BE49-F238E27FC236}">
+                <a16:creationId xmlns:a16="http://schemas.microsoft.com/office/drawing/2014/main" id="{FC7C375A-AD47-564A-AB95-B9B3EF4E95AC}"/>
+              </a:ext>
+            </a:extLst>
+          </p:cNvPr>
+          <p:cNvSpPr txBox="1"/>
+          <p:nvPr/>
+        </p:nvSpPr>
+        <p:spPr>
+          <a:xfrm>
+            <a:off x="6622020" y="3916463"/>
+            <a:ext cx="1301865" cy="338554"/>
+          </a:xfrm>
+          <a:prstGeom prst="rect">
+            <a:avLst/>
+          </a:prstGeom>
+          <a:noFill/>
+        </p:spPr>
+        <p:txBody>
+          <a:bodyPr wrap="square" rtlCol="0">
+            <a:spAutoFit/>
+          </a:bodyPr>
+          <a:lstStyle/>
+          <a:p>
+            <a:pPr algn="ctr"/>
+            <a:r>
+              <a:rPr kumimoji="1" lang="ko-KR" altLang="en-US" sz="1600" b="1" dirty="0">
+                <a:solidFill>
+                  <a:srgbClr val="5DA2C5"/>
+                </a:solidFill>
+                <a:latin typeface="SHeadG" panose="02030600000101010101" pitchFamily="18" charset="-127"/>
+                <a:ea typeface="SHeadG" panose="02030600000101010101" pitchFamily="18" charset="-127"/>
+              </a:rPr>
+              <a:t>브로커 </a:t>
+            </a:r>
+            <a:r>
+              <a:rPr kumimoji="1" lang="en-US" altLang="ko-KR" sz="1600" b="1" dirty="0">
+                <a:solidFill>
+                  <a:srgbClr val="5DA2C5"/>
+                </a:solidFill>
+                <a:latin typeface="SHeadG" panose="02030600000101010101" pitchFamily="18" charset="-127"/>
+                <a:ea typeface="SHeadG" panose="02030600000101010101" pitchFamily="18" charset="-127"/>
+              </a:rPr>
+              <a:t>2</a:t>
+            </a:r>
+            <a:endParaRPr kumimoji="1" lang="ko-Kore-KR" altLang="en-US" sz="1600" b="1" dirty="0">
+              <a:solidFill>
+                <a:srgbClr val="5DA2C5"/>
+              </a:solidFill>
+              <a:latin typeface="SHeadG" panose="02030600000101010101" pitchFamily="18" charset="-127"/>
+              <a:ea typeface="SHeadG" panose="02030600000101010101" pitchFamily="18" charset="-127"/>
+            </a:endParaRPr>
+          </a:p>
+        </p:txBody>
+      </p:sp>
+      <p:sp>
+        <p:nvSpPr>
+          <p:cNvPr id="176" name="직사각형 175">
+            <a:extLst>
+              <a:ext uri="{FF2B5EF4-FFF2-40B4-BE49-F238E27FC236}">
+                <a16:creationId xmlns:a16="http://schemas.microsoft.com/office/drawing/2014/main" id="{604823AA-ED9D-1B43-9C6D-6F542249D0A2}"/>
+              </a:ext>
+            </a:extLst>
+          </p:cNvPr>
+          <p:cNvSpPr/>
+          <p:nvPr/>
+        </p:nvSpPr>
+        <p:spPr>
+          <a:xfrm>
+            <a:off x="6436567" y="4475189"/>
+            <a:ext cx="1749069" cy="1676287"/>
+          </a:xfrm>
+          <a:prstGeom prst="rect">
+            <a:avLst/>
+          </a:prstGeom>
+          <a:solidFill>
+            <a:schemeClr val="bg1">
+              <a:lumMod val="95000"/>
+            </a:schemeClr>
+          </a:solidFill>
+          <a:ln w="25400">
+            <a:solidFill>
+              <a:srgbClr val="5DA2C5"/>
+            </a:solidFill>
+          </a:ln>
+        </p:spPr>
+        <p:style>
+          <a:lnRef idx="1">
+            <a:schemeClr val="accent1"/>
+          </a:lnRef>
+          <a:fillRef idx="0">
+            <a:schemeClr val="accent1"/>
+          </a:fillRef>
+          <a:effectRef idx="0">
+            <a:schemeClr val="accent1"/>
+          </a:effectRef>
+          <a:fontRef idx="minor">
+            <a:schemeClr val="tx1"/>
+          </a:fontRef>
+        </p:style>
+        <p:txBody>
+          <a:bodyPr rtlCol="0" anchor="ctr"/>
+          <a:lstStyle/>
+          <a:p>
+            <a:pPr algn="ctr"/>
+            <a:endParaRPr kumimoji="1" lang="ko-Kore-KR" altLang="en-US"/>
+          </a:p>
+        </p:txBody>
+      </p:sp>
+      <p:sp>
+        <p:nvSpPr>
+          <p:cNvPr id="177" name="TextBox 176">
+            <a:extLst>
+              <a:ext uri="{FF2B5EF4-FFF2-40B4-BE49-F238E27FC236}">
+                <a16:creationId xmlns:a16="http://schemas.microsoft.com/office/drawing/2014/main" id="{F381826D-A6B5-E541-9669-DF98D444A6A4}"/>
+              </a:ext>
+            </a:extLst>
+          </p:cNvPr>
+          <p:cNvSpPr txBox="1"/>
+          <p:nvPr/>
+        </p:nvSpPr>
+        <p:spPr>
+          <a:xfrm>
+            <a:off x="6753302" y="4524223"/>
+            <a:ext cx="1115598" cy="338554"/>
+          </a:xfrm>
+          <a:prstGeom prst="rect">
+            <a:avLst/>
+          </a:prstGeom>
+          <a:noFill/>
+        </p:spPr>
+        <p:txBody>
+          <a:bodyPr wrap="square" rtlCol="0">
+            <a:spAutoFit/>
+          </a:bodyPr>
+          <a:lstStyle/>
+          <a:p>
+            <a:pPr algn="ctr"/>
+            <a:r>
+              <a:rPr kumimoji="1" lang="ko-KR" altLang="en-US" sz="1600" b="1" dirty="0">
+                <a:solidFill>
+                  <a:srgbClr val="5DA2C5"/>
+                </a:solidFill>
+                <a:latin typeface="SHeadG" panose="02030600000101010101" pitchFamily="18" charset="-127"/>
+                <a:ea typeface="SHeadG" panose="02030600000101010101" pitchFamily="18" charset="-127"/>
+              </a:rPr>
+              <a:t>토픽</a:t>
+            </a:r>
+            <a:endParaRPr kumimoji="1" lang="ko-Kore-KR" altLang="en-US" sz="1600" b="1" dirty="0">
+              <a:solidFill>
+                <a:srgbClr val="5DA2C5"/>
+              </a:solidFill>
+              <a:latin typeface="SHeadG" panose="02030600000101010101" pitchFamily="18" charset="-127"/>
+              <a:ea typeface="SHeadG" panose="02030600000101010101" pitchFamily="18" charset="-127"/>
+            </a:endParaRPr>
+          </a:p>
+        </p:txBody>
+      </p:sp>
+      <p:sp>
+        <p:nvSpPr>
+          <p:cNvPr id="178" name="직사각형 177">
+            <a:extLst>
+              <a:ext uri="{FF2B5EF4-FFF2-40B4-BE49-F238E27FC236}">
+                <a16:creationId xmlns:a16="http://schemas.microsoft.com/office/drawing/2014/main" id="{039855EC-6AD4-264B-99EC-461EC1816927}"/>
+              </a:ext>
+            </a:extLst>
+          </p:cNvPr>
+          <p:cNvSpPr/>
+          <p:nvPr/>
+        </p:nvSpPr>
+        <p:spPr>
+          <a:xfrm>
+            <a:off x="6753302" y="4911809"/>
+            <a:ext cx="1115598" cy="631907"/>
+          </a:xfrm>
+          <a:prstGeom prst="rect">
+            <a:avLst/>
+          </a:prstGeom>
+          <a:solidFill>
+            <a:schemeClr val="bg1"/>
+          </a:solidFill>
+          <a:ln w="25400">
+            <a:solidFill>
+              <a:srgbClr val="5DA2C5"/>
+            </a:solidFill>
+            <a:prstDash val="dash"/>
+          </a:ln>
+        </p:spPr>
+        <p:style>
+          <a:lnRef idx="1">
+            <a:schemeClr val="accent1"/>
+          </a:lnRef>
+          <a:fillRef idx="0">
+            <a:schemeClr val="accent1"/>
+          </a:fillRef>
+          <a:effectRef idx="0">
+            <a:schemeClr val="accent1"/>
+          </a:effectRef>
+          <a:fontRef idx="minor">
+            <a:schemeClr val="tx1"/>
+          </a:fontRef>
+        </p:style>
+        <p:txBody>
+          <a:bodyPr rtlCol="0" anchor="ctr"/>
+          <a:lstStyle/>
+          <a:p>
+            <a:pPr algn="ctr"/>
+            <a:endParaRPr kumimoji="1" lang="ko-Kore-KR" altLang="en-US"/>
+          </a:p>
+        </p:txBody>
+      </p:sp>
+      <p:sp>
+        <p:nvSpPr>
+          <p:cNvPr id="179" name="TextBox 178">
+            <a:extLst>
+              <a:ext uri="{FF2B5EF4-FFF2-40B4-BE49-F238E27FC236}">
+                <a16:creationId xmlns:a16="http://schemas.microsoft.com/office/drawing/2014/main" id="{324CF732-854E-8344-8D78-46A95EEC8B82}"/>
+              </a:ext>
+            </a:extLst>
+          </p:cNvPr>
+          <p:cNvSpPr txBox="1"/>
+          <p:nvPr/>
+        </p:nvSpPr>
+        <p:spPr>
+          <a:xfrm>
+            <a:off x="6753302" y="5019614"/>
+            <a:ext cx="1115598" cy="461665"/>
+          </a:xfrm>
+          <a:prstGeom prst="rect">
+            <a:avLst/>
+          </a:prstGeom>
+          <a:noFill/>
+        </p:spPr>
+        <p:txBody>
+          <a:bodyPr wrap="square" rtlCol="0">
+            <a:spAutoFit/>
+          </a:bodyPr>
+          <a:lstStyle/>
+          <a:p>
+            <a:pPr algn="ctr"/>
+            <a:r>
+              <a:rPr kumimoji="1" lang="ko-KR" altLang="en-US" sz="1200" b="1" dirty="0">
+                <a:solidFill>
+                  <a:srgbClr val="5DA2C5"/>
+                </a:solidFill>
+                <a:latin typeface="SHeadG" panose="02030600000101010101" pitchFamily="18" charset="-127"/>
+                <a:ea typeface="SHeadG" panose="02030600000101010101" pitchFamily="18" charset="-127"/>
+              </a:rPr>
+              <a:t>파티션 </a:t>
+            </a:r>
+            <a:r>
+              <a:rPr kumimoji="1" lang="en-US" altLang="ko-KR" sz="1200" b="1" dirty="0">
+                <a:solidFill>
+                  <a:srgbClr val="5DA2C5"/>
+                </a:solidFill>
+                <a:latin typeface="SHeadG" panose="02030600000101010101" pitchFamily="18" charset="-127"/>
+                <a:ea typeface="SHeadG" panose="02030600000101010101" pitchFamily="18" charset="-127"/>
+              </a:rPr>
+              <a:t>1</a:t>
+            </a:r>
+          </a:p>
+          <a:p>
+            <a:pPr algn="ctr"/>
+            <a:r>
+              <a:rPr kumimoji="1" lang="en-US" altLang="ko-KR" sz="1200" b="1" dirty="0">
+                <a:solidFill>
+                  <a:srgbClr val="5DA2C5"/>
+                </a:solidFill>
+                <a:latin typeface="SHeadG" panose="02030600000101010101" pitchFamily="18" charset="-127"/>
+                <a:ea typeface="SHeadG" panose="02030600000101010101" pitchFamily="18" charset="-127"/>
+              </a:rPr>
+              <a:t>(</a:t>
+            </a:r>
+            <a:r>
+              <a:rPr kumimoji="1" lang="ko-KR" altLang="en-US" sz="1200" b="1" dirty="0" err="1">
+                <a:solidFill>
+                  <a:srgbClr val="5DA2C5"/>
+                </a:solidFill>
+                <a:latin typeface="SHeadG" panose="02030600000101010101" pitchFamily="18" charset="-127"/>
+                <a:ea typeface="SHeadG" panose="02030600000101010101" pitchFamily="18" charset="-127"/>
+              </a:rPr>
+              <a:t>팔로워</a:t>
+            </a:r>
+            <a:r>
+              <a:rPr kumimoji="1" lang="en-US" altLang="ko-KR" sz="1200" b="1" dirty="0">
+                <a:solidFill>
+                  <a:srgbClr val="5DA2C5"/>
+                </a:solidFill>
+                <a:latin typeface="SHeadG" panose="02030600000101010101" pitchFamily="18" charset="-127"/>
+                <a:ea typeface="SHeadG" panose="02030600000101010101" pitchFamily="18" charset="-127"/>
+              </a:rPr>
+              <a:t>)</a:t>
+            </a:r>
+            <a:endParaRPr kumimoji="1" lang="ko-Kore-KR" altLang="en-US" sz="1200" b="1" dirty="0">
+              <a:solidFill>
+                <a:srgbClr val="5DA2C5"/>
+              </a:solidFill>
+              <a:latin typeface="SHeadG" panose="02030600000101010101" pitchFamily="18" charset="-127"/>
+              <a:ea typeface="SHeadG" panose="02030600000101010101" pitchFamily="18" charset="-127"/>
+            </a:endParaRPr>
+          </a:p>
+        </p:txBody>
+      </p:sp>
+      <p:sp>
+        <p:nvSpPr>
+          <p:cNvPr id="180" name="TextBox 179">
+            <a:extLst>
+              <a:ext uri="{FF2B5EF4-FFF2-40B4-BE49-F238E27FC236}">
+                <a16:creationId xmlns:a16="http://schemas.microsoft.com/office/drawing/2014/main" id="{53E0D2D1-E00E-774D-A319-41494D5D871A}"/>
+              </a:ext>
+            </a:extLst>
+          </p:cNvPr>
+          <p:cNvSpPr txBox="1"/>
+          <p:nvPr/>
+        </p:nvSpPr>
+        <p:spPr>
+          <a:xfrm>
+            <a:off x="2210242" y="6331138"/>
+            <a:ext cx="1115598" cy="276999"/>
+          </a:xfrm>
+          <a:prstGeom prst="rect">
+            <a:avLst/>
+          </a:prstGeom>
+          <a:noFill/>
+        </p:spPr>
+        <p:txBody>
+          <a:bodyPr wrap="square" rtlCol="0">
+            <a:spAutoFit/>
+          </a:bodyPr>
+          <a:lstStyle/>
+          <a:p>
+            <a:pPr algn="ctr"/>
+            <a:r>
+              <a:rPr kumimoji="1" lang="en-US" altLang="ko-KR" sz="1200" b="1" dirty="0">
+                <a:solidFill>
+                  <a:srgbClr val="5DA2C5"/>
+                </a:solidFill>
+                <a:latin typeface="SHeadG" panose="02030600000101010101" pitchFamily="18" charset="-127"/>
+                <a:ea typeface="SHeadG" panose="02030600000101010101" pitchFamily="18" charset="-127"/>
+              </a:rPr>
+              <a:t>(</a:t>
+            </a:r>
+            <a:r>
+              <a:rPr kumimoji="1" lang="ko-KR" altLang="en-US" sz="1200" b="1" dirty="0">
+                <a:solidFill>
+                  <a:srgbClr val="5DA2C5"/>
+                </a:solidFill>
+                <a:latin typeface="SHeadG" panose="02030600000101010101" pitchFamily="18" charset="-127"/>
+                <a:ea typeface="SHeadG" panose="02030600000101010101" pitchFamily="18" charset="-127"/>
+              </a:rPr>
+              <a:t>사용불가</a:t>
+            </a:r>
+            <a:r>
+              <a:rPr kumimoji="1" lang="en-US" altLang="ko-KR" sz="1200" b="1" dirty="0">
+                <a:solidFill>
+                  <a:srgbClr val="5DA2C5"/>
+                </a:solidFill>
+                <a:latin typeface="SHeadG" panose="02030600000101010101" pitchFamily="18" charset="-127"/>
+                <a:ea typeface="SHeadG" panose="02030600000101010101" pitchFamily="18" charset="-127"/>
+              </a:rPr>
+              <a:t>)</a:t>
+            </a:r>
+            <a:endParaRPr kumimoji="1" lang="ko-Kore-KR" altLang="en-US" sz="1200" b="1" dirty="0">
+              <a:solidFill>
+                <a:srgbClr val="5DA2C5"/>
+              </a:solidFill>
+              <a:latin typeface="SHeadG" panose="02030600000101010101" pitchFamily="18" charset="-127"/>
+              <a:ea typeface="SHeadG" panose="02030600000101010101" pitchFamily="18" charset="-127"/>
+            </a:endParaRPr>
+          </a:p>
+        </p:txBody>
+      </p:sp>
+    </p:spTree>
+    <p:extLst>
+      <p:ext uri="{BB962C8B-B14F-4D97-AF65-F5344CB8AC3E}">
+        <p14:creationId xmlns:p14="http://schemas.microsoft.com/office/powerpoint/2010/main" val="1224095128"/>
+      </p:ext>
+    </p:extLst>
+  </p:cSld>
+  <p:clrMapOvr>
+    <a:masterClrMapping/>
+  </p:clrMapOvr>
+</p:sld>
+</file>
+
+<file path=ppt/slides/slide9.xml><?xml version="1.0" encoding="utf-8"?>
+<p:sld xmlns:a="http://schemas.openxmlformats.org/drawingml/2006/main" xmlns:r="http://schemas.openxmlformats.org/officeDocument/2006/relationships" xmlns:p="http://schemas.openxmlformats.org/presentationml/2006/main">
+  <p:cSld>
+    <p:spTree>
+      <p:nvGrpSpPr>
+        <p:cNvPr id="1" name=""/>
+        <p:cNvGrpSpPr/>
+        <p:nvPr/>
+      </p:nvGrpSpPr>
+      <p:grpSpPr>
+        <a:xfrm>
+          <a:off x="0" y="0"/>
+          <a:ext cx="0" cy="0"/>
+          <a:chOff x="0" y="0"/>
+          <a:chExt cx="0" cy="0"/>
+        </a:xfrm>
+      </p:grpSpPr>
+      <p:sp>
+        <p:nvSpPr>
+          <p:cNvPr id="39" name="직사각형 38">
+            <a:extLst>
+              <a:ext uri="{FF2B5EF4-FFF2-40B4-BE49-F238E27FC236}">
+                <a16:creationId xmlns:a16="http://schemas.microsoft.com/office/drawing/2014/main" id="{601D4ACF-9DAE-464D-A704-3716E3819EF8}"/>
+              </a:ext>
+            </a:extLst>
+          </p:cNvPr>
+          <p:cNvSpPr/>
+          <p:nvPr/>
+        </p:nvSpPr>
+        <p:spPr>
+          <a:xfrm>
+            <a:off x="1719734" y="756088"/>
+            <a:ext cx="3897295" cy="3119226"/>
+          </a:xfrm>
+          <a:prstGeom prst="rect">
+            <a:avLst/>
+          </a:prstGeom>
+          <a:solidFill>
+            <a:schemeClr val="bg1">
+              <a:lumMod val="85000"/>
+            </a:schemeClr>
+          </a:solidFill>
+          <a:ln w="25400">
+            <a:solidFill>
+              <a:srgbClr val="5DA2C5"/>
+            </a:solidFill>
+          </a:ln>
+        </p:spPr>
+        <p:style>
+          <a:lnRef idx="1">
+            <a:schemeClr val="accent1"/>
+          </a:lnRef>
+          <a:fillRef idx="0">
+            <a:schemeClr val="accent1"/>
+          </a:fillRef>
+          <a:effectRef idx="0">
+            <a:schemeClr val="accent1"/>
+          </a:effectRef>
+          <a:fontRef idx="minor">
+            <a:schemeClr val="tx1"/>
+          </a:fontRef>
+        </p:style>
+        <p:txBody>
+          <a:bodyPr rtlCol="0" anchor="ctr"/>
+          <a:lstStyle/>
+          <a:p>
+            <a:pPr algn="ctr"/>
+            <a:endParaRPr kumimoji="1" lang="ko-Kore-KR" altLang="en-US"/>
+          </a:p>
+        </p:txBody>
+      </p:sp>
+      <p:sp>
+        <p:nvSpPr>
+          <p:cNvPr id="40" name="TextBox 39">
+            <a:extLst>
+              <a:ext uri="{FF2B5EF4-FFF2-40B4-BE49-F238E27FC236}">
+                <a16:creationId xmlns:a16="http://schemas.microsoft.com/office/drawing/2014/main" id="{D68E3799-46BC-4A49-8014-12C23BBDE003}"/>
+              </a:ext>
+            </a:extLst>
+          </p:cNvPr>
+          <p:cNvSpPr txBox="1"/>
+          <p:nvPr/>
+        </p:nvSpPr>
+        <p:spPr>
+          <a:xfrm>
+            <a:off x="3039892" y="863596"/>
+            <a:ext cx="1301865" cy="338554"/>
+          </a:xfrm>
+          <a:prstGeom prst="rect">
+            <a:avLst/>
+          </a:prstGeom>
+          <a:noFill/>
+        </p:spPr>
+        <p:txBody>
+          <a:bodyPr wrap="square" rtlCol="0">
+            <a:spAutoFit/>
+          </a:bodyPr>
+          <a:lstStyle/>
+          <a:p>
+            <a:pPr algn="ctr"/>
+            <a:r>
+              <a:rPr kumimoji="1" lang="ko-KR" altLang="en-US" sz="1600" b="1" dirty="0">
+                <a:solidFill>
+                  <a:srgbClr val="5DA2C5"/>
+                </a:solidFill>
+                <a:latin typeface="SHeadG" panose="02030600000101010101" pitchFamily="18" charset="-127"/>
+                <a:ea typeface="SHeadG" panose="02030600000101010101" pitchFamily="18" charset="-127"/>
+              </a:rPr>
+              <a:t>토픽</a:t>
+            </a:r>
+            <a:endParaRPr kumimoji="1" lang="ko-Kore-KR" altLang="en-US" sz="1600" b="1" dirty="0">
+              <a:solidFill>
+                <a:srgbClr val="5DA2C5"/>
+              </a:solidFill>
+              <a:latin typeface="SHeadG" panose="02030600000101010101" pitchFamily="18" charset="-127"/>
+              <a:ea typeface="SHeadG" panose="02030600000101010101" pitchFamily="18" charset="-127"/>
+            </a:endParaRPr>
+          </a:p>
+        </p:txBody>
+      </p:sp>
+      <p:sp>
+        <p:nvSpPr>
+          <p:cNvPr id="41" name="직사각형 40">
+            <a:extLst>
+              <a:ext uri="{FF2B5EF4-FFF2-40B4-BE49-F238E27FC236}">
+                <a16:creationId xmlns:a16="http://schemas.microsoft.com/office/drawing/2014/main" id="{EC58CB2F-ED88-DA45-8C3B-4F9EE457DACB}"/>
+              </a:ext>
+            </a:extLst>
+          </p:cNvPr>
+          <p:cNvSpPr/>
+          <p:nvPr/>
+        </p:nvSpPr>
+        <p:spPr>
+          <a:xfrm>
+            <a:off x="1906709" y="1437027"/>
+            <a:ext cx="3525263" cy="1074265"/>
+          </a:xfrm>
+          <a:prstGeom prst="rect">
+            <a:avLst/>
+          </a:prstGeom>
+          <a:solidFill>
+            <a:schemeClr val="bg1">
+              <a:lumMod val="95000"/>
+            </a:schemeClr>
+          </a:solidFill>
+          <a:ln w="25400">
+            <a:solidFill>
+              <a:srgbClr val="5DA2C5"/>
+            </a:solidFill>
+          </a:ln>
+        </p:spPr>
+        <p:style>
+          <a:lnRef idx="1">
+            <a:schemeClr val="accent1"/>
+          </a:lnRef>
+          <a:fillRef idx="0">
+            <a:schemeClr val="accent1"/>
+          </a:fillRef>
+          <a:effectRef idx="0">
+            <a:schemeClr val="accent1"/>
+          </a:effectRef>
+          <a:fontRef idx="minor">
+            <a:schemeClr val="tx1"/>
+          </a:fontRef>
+        </p:style>
+        <p:txBody>
+          <a:bodyPr rtlCol="0" anchor="ctr"/>
+          <a:lstStyle/>
+          <a:p>
+            <a:pPr algn="ctr"/>
+            <a:endParaRPr kumimoji="1" lang="ko-Kore-KR" altLang="en-US"/>
+          </a:p>
+        </p:txBody>
+      </p:sp>
+      <p:grpSp>
+        <p:nvGrpSpPr>
+          <p:cNvPr id="42" name="그룹 41">
+            <a:extLst>
+              <a:ext uri="{FF2B5EF4-FFF2-40B4-BE49-F238E27FC236}">
+                <a16:creationId xmlns:a16="http://schemas.microsoft.com/office/drawing/2014/main" id="{01D8EAFA-B18E-B94C-815D-2D05C917C982}"/>
+              </a:ext>
+            </a:extLst>
+          </p:cNvPr>
+          <p:cNvGrpSpPr/>
+          <p:nvPr/>
+        </p:nvGrpSpPr>
+        <p:grpSpPr>
+          <a:xfrm>
+            <a:off x="3112409" y="1565338"/>
+            <a:ext cx="543689" cy="281455"/>
+            <a:chOff x="5556135" y="897681"/>
+            <a:chExt cx="543689" cy="281455"/>
+          </a:xfrm>
+        </p:grpSpPr>
+        <p:sp>
+          <p:nvSpPr>
+            <p:cNvPr id="43" name="직사각형 42">
+              <a:extLst>
+                <a:ext uri="{FF2B5EF4-FFF2-40B4-BE49-F238E27FC236}">
+                  <a16:creationId xmlns:a16="http://schemas.microsoft.com/office/drawing/2014/main" id="{AA885282-D22F-4F41-9B36-9E7FB13E1091}"/>
+                </a:ext>
+              </a:extLst>
+            </p:cNvPr>
+            <p:cNvSpPr/>
+            <p:nvPr/>
+          </p:nvSpPr>
+          <p:spPr>
+            <a:xfrm>
+              <a:off x="5556135" y="897681"/>
+              <a:ext cx="543689" cy="276999"/>
+            </a:xfrm>
+            <a:prstGeom prst="rect">
+              <a:avLst/>
+            </a:prstGeom>
+            <a:ln w="25400">
+              <a:solidFill>
+                <a:srgbClr val="5DA2C5"/>
+              </a:solidFill>
+            </a:ln>
+          </p:spPr>
+          <p:style>
+            <a:lnRef idx="1">
+              <a:schemeClr val="accent1"/>
+            </a:lnRef>
+            <a:fillRef idx="0">
+              <a:schemeClr val="accent1"/>
+            </a:fillRef>
+            <a:effectRef idx="0">
+              <a:schemeClr val="accent1"/>
+            </a:effectRef>
+            <a:fontRef idx="minor">
+              <a:schemeClr val="tx1"/>
+            </a:fontRef>
+          </p:style>
+          <p:txBody>
+            <a:bodyPr rtlCol="0" anchor="ctr"/>
+            <a:lstStyle/>
+            <a:p>
+              <a:pPr algn="ctr"/>
+              <a:endParaRPr kumimoji="1" lang="ko-Kore-KR" altLang="en-US"/>
+            </a:p>
+          </p:txBody>
+        </p:sp>
+        <p:sp>
+          <p:nvSpPr>
+            <p:cNvPr id="44" name="TextBox 43">
+              <a:extLst>
+                <a:ext uri="{FF2B5EF4-FFF2-40B4-BE49-F238E27FC236}">
+                  <a16:creationId xmlns:a16="http://schemas.microsoft.com/office/drawing/2014/main" id="{66ABD13A-13DD-7743-97AE-61463F431B05}"/>
+                </a:ext>
+              </a:extLst>
+            </p:cNvPr>
+            <p:cNvSpPr txBox="1"/>
+            <p:nvPr/>
+          </p:nvSpPr>
+          <p:spPr>
+            <a:xfrm>
+              <a:off x="5590002" y="902137"/>
+              <a:ext cx="509822" cy="276999"/>
+            </a:xfrm>
+            <a:prstGeom prst="rect">
+              <a:avLst/>
+            </a:prstGeom>
+            <a:noFill/>
+          </p:spPr>
+          <p:txBody>
+            <a:bodyPr wrap="square" rtlCol="0">
+              <a:spAutoFit/>
+            </a:bodyPr>
+            <a:lstStyle/>
+            <a:p>
+              <a:pPr algn="ctr"/>
+              <a:r>
+                <a:rPr kumimoji="1" lang="en-US" altLang="ko-Kore-KR" sz="1200" b="1" dirty="0">
+                  <a:solidFill>
+                    <a:srgbClr val="5DA2C5"/>
+                  </a:solidFill>
+                  <a:latin typeface="SHeadG" panose="02030600000101010101" pitchFamily="18" charset="-127"/>
+                  <a:ea typeface="SHeadG" panose="02030600000101010101" pitchFamily="18" charset="-127"/>
+                </a:rPr>
+                <a:t>0</a:t>
+              </a:r>
+              <a:endParaRPr kumimoji="1" lang="ko-Kore-KR" altLang="en-US" sz="1200" b="1" dirty="0">
+                <a:solidFill>
+                  <a:srgbClr val="5DA2C5"/>
+                </a:solidFill>
+                <a:latin typeface="SHeadG" panose="02030600000101010101" pitchFamily="18" charset="-127"/>
+                <a:ea typeface="SHeadG" panose="02030600000101010101" pitchFamily="18" charset="-127"/>
+              </a:endParaRPr>
+            </a:p>
+          </p:txBody>
+        </p:sp>
+      </p:grpSp>
+      <p:grpSp>
+        <p:nvGrpSpPr>
+          <p:cNvPr id="45" name="그룹 44">
+            <a:extLst>
+              <a:ext uri="{FF2B5EF4-FFF2-40B4-BE49-F238E27FC236}">
+                <a16:creationId xmlns:a16="http://schemas.microsoft.com/office/drawing/2014/main" id="{86FE8550-F1D0-F944-B598-DA289EBDB539}"/>
+              </a:ext>
+            </a:extLst>
+          </p:cNvPr>
+          <p:cNvGrpSpPr/>
+          <p:nvPr/>
+        </p:nvGrpSpPr>
+        <p:grpSpPr>
+          <a:xfrm>
+            <a:off x="3657598" y="1566985"/>
+            <a:ext cx="543689" cy="281455"/>
+            <a:chOff x="5556135" y="897681"/>
+            <a:chExt cx="543689" cy="281455"/>
+          </a:xfrm>
+        </p:grpSpPr>
+        <p:sp>
+          <p:nvSpPr>
+            <p:cNvPr id="46" name="직사각형 45">
+              <a:extLst>
+                <a:ext uri="{FF2B5EF4-FFF2-40B4-BE49-F238E27FC236}">
+                  <a16:creationId xmlns:a16="http://schemas.microsoft.com/office/drawing/2014/main" id="{22C37BB9-1102-2546-9B88-90E79EE61C4F}"/>
+                </a:ext>
+              </a:extLst>
+            </p:cNvPr>
+            <p:cNvSpPr/>
+            <p:nvPr/>
+          </p:nvSpPr>
+          <p:spPr>
+            <a:xfrm>
+              <a:off x="5556135" y="897681"/>
+              <a:ext cx="543689" cy="276999"/>
+            </a:xfrm>
+            <a:prstGeom prst="rect">
+              <a:avLst/>
+            </a:prstGeom>
+            <a:ln w="25400">
+              <a:solidFill>
+                <a:srgbClr val="5DA2C5"/>
+              </a:solidFill>
+            </a:ln>
+          </p:spPr>
+          <p:style>
+            <a:lnRef idx="1">
+              <a:schemeClr val="accent1"/>
+            </a:lnRef>
+            <a:fillRef idx="0">
+              <a:schemeClr val="accent1"/>
+            </a:fillRef>
+            <a:effectRef idx="0">
+              <a:schemeClr val="accent1"/>
+            </a:effectRef>
+            <a:fontRef idx="minor">
+              <a:schemeClr val="tx1"/>
+            </a:fontRef>
+          </p:style>
+          <p:txBody>
+            <a:bodyPr rtlCol="0" anchor="ctr"/>
+            <a:lstStyle/>
+            <a:p>
+              <a:pPr algn="ctr"/>
+              <a:endParaRPr kumimoji="1" lang="ko-Kore-KR" altLang="en-US"/>
+            </a:p>
+          </p:txBody>
+        </p:sp>
+        <p:sp>
+          <p:nvSpPr>
+            <p:cNvPr id="47" name="TextBox 46">
+              <a:extLst>
+                <a:ext uri="{FF2B5EF4-FFF2-40B4-BE49-F238E27FC236}">
+                  <a16:creationId xmlns:a16="http://schemas.microsoft.com/office/drawing/2014/main" id="{5D443551-F1AE-0C40-84DC-CDCB15C335B3}"/>
+                </a:ext>
+              </a:extLst>
+            </p:cNvPr>
+            <p:cNvSpPr txBox="1"/>
+            <p:nvPr/>
+          </p:nvSpPr>
+          <p:spPr>
+            <a:xfrm>
+              <a:off x="5590002" y="902137"/>
+              <a:ext cx="509822" cy="276999"/>
+            </a:xfrm>
+            <a:prstGeom prst="rect">
+              <a:avLst/>
+            </a:prstGeom>
+            <a:noFill/>
+          </p:spPr>
+          <p:txBody>
+            <a:bodyPr wrap="square" rtlCol="0">
+              <a:spAutoFit/>
+            </a:bodyPr>
+            <a:lstStyle/>
+            <a:p>
+              <a:pPr algn="ctr"/>
+              <a:r>
+                <a:rPr kumimoji="1" lang="en-US" altLang="ko-Kore-KR" sz="1200" b="1" dirty="0">
+                  <a:solidFill>
+                    <a:srgbClr val="5DA2C5"/>
+                  </a:solidFill>
+                  <a:latin typeface="SHeadG" panose="02030600000101010101" pitchFamily="18" charset="-127"/>
+                  <a:ea typeface="SHeadG" panose="02030600000101010101" pitchFamily="18" charset="-127"/>
+                </a:rPr>
+                <a:t>1</a:t>
+              </a:r>
+              <a:endParaRPr kumimoji="1" lang="ko-Kore-KR" altLang="en-US" sz="1200" b="1" dirty="0">
+                <a:solidFill>
+                  <a:srgbClr val="5DA2C5"/>
+                </a:solidFill>
+                <a:latin typeface="SHeadG" panose="02030600000101010101" pitchFamily="18" charset="-127"/>
+                <a:ea typeface="SHeadG" panose="02030600000101010101" pitchFamily="18" charset="-127"/>
+              </a:endParaRPr>
+            </a:p>
+          </p:txBody>
+        </p:sp>
+      </p:grpSp>
+      <p:grpSp>
+        <p:nvGrpSpPr>
+          <p:cNvPr id="63" name="그룹 62">
+            <a:extLst>
+              <a:ext uri="{FF2B5EF4-FFF2-40B4-BE49-F238E27FC236}">
+                <a16:creationId xmlns:a16="http://schemas.microsoft.com/office/drawing/2014/main" id="{EF708797-2886-0944-834E-F5C8EFF303A3}"/>
+              </a:ext>
+            </a:extLst>
+          </p:cNvPr>
+          <p:cNvGrpSpPr/>
+          <p:nvPr/>
+        </p:nvGrpSpPr>
+        <p:grpSpPr>
+          <a:xfrm>
+            <a:off x="3112089" y="1840734"/>
+            <a:ext cx="543689" cy="281455"/>
+            <a:chOff x="5556135" y="897681"/>
+            <a:chExt cx="543689" cy="281455"/>
+          </a:xfrm>
+        </p:grpSpPr>
+        <p:sp>
+          <p:nvSpPr>
+            <p:cNvPr id="64" name="직사각형 63">
+              <a:extLst>
+                <a:ext uri="{FF2B5EF4-FFF2-40B4-BE49-F238E27FC236}">
+                  <a16:creationId xmlns:a16="http://schemas.microsoft.com/office/drawing/2014/main" id="{BBE9BC16-2A65-7540-8B07-3CD54C2DD342}"/>
+                </a:ext>
+              </a:extLst>
+            </p:cNvPr>
+            <p:cNvSpPr/>
+            <p:nvPr/>
+          </p:nvSpPr>
+          <p:spPr>
+            <a:xfrm>
+              <a:off x="5556135" y="897681"/>
+              <a:ext cx="543689" cy="276999"/>
+            </a:xfrm>
+            <a:prstGeom prst="rect">
+              <a:avLst/>
+            </a:prstGeom>
+            <a:ln w="25400">
+              <a:solidFill>
+                <a:srgbClr val="5DA2C5"/>
+              </a:solidFill>
+            </a:ln>
+          </p:spPr>
+          <p:style>
+            <a:lnRef idx="1">
+              <a:schemeClr val="accent1"/>
+            </a:lnRef>
+            <a:fillRef idx="0">
+              <a:schemeClr val="accent1"/>
+            </a:fillRef>
+            <a:effectRef idx="0">
+              <a:schemeClr val="accent1"/>
+            </a:effectRef>
+            <a:fontRef idx="minor">
+              <a:schemeClr val="tx1"/>
+            </a:fontRef>
+          </p:style>
+          <p:txBody>
+            <a:bodyPr rtlCol="0" anchor="ctr"/>
+            <a:lstStyle/>
+            <a:p>
+              <a:pPr algn="ctr"/>
+              <a:endParaRPr kumimoji="1" lang="ko-Kore-KR" altLang="en-US"/>
+            </a:p>
+          </p:txBody>
+        </p:sp>
+        <p:sp>
+          <p:nvSpPr>
+            <p:cNvPr id="65" name="TextBox 64">
+              <a:extLst>
+                <a:ext uri="{FF2B5EF4-FFF2-40B4-BE49-F238E27FC236}">
+                  <a16:creationId xmlns:a16="http://schemas.microsoft.com/office/drawing/2014/main" id="{21DFE410-225D-B346-A8C7-D84D3D039309}"/>
+                </a:ext>
+              </a:extLst>
+            </p:cNvPr>
+            <p:cNvSpPr txBox="1"/>
+            <p:nvPr/>
+          </p:nvSpPr>
+          <p:spPr>
+            <a:xfrm>
+              <a:off x="5590002" y="902137"/>
+              <a:ext cx="509822" cy="276999"/>
+            </a:xfrm>
+            <a:prstGeom prst="rect">
+              <a:avLst/>
+            </a:prstGeom>
+            <a:noFill/>
+          </p:spPr>
+          <p:txBody>
+            <a:bodyPr wrap="square" rtlCol="0">
+              <a:spAutoFit/>
+            </a:bodyPr>
+            <a:lstStyle/>
+            <a:p>
+              <a:pPr algn="ctr"/>
+              <a:r>
+                <a:rPr kumimoji="1" lang="en-US" altLang="ko-Kore-KR" sz="1200" b="1" dirty="0">
+                  <a:solidFill>
+                    <a:srgbClr val="5DA2C5"/>
+                  </a:solidFill>
+                  <a:latin typeface="SHeadG" panose="02030600000101010101" pitchFamily="18" charset="-127"/>
+                  <a:ea typeface="SHeadG" panose="02030600000101010101" pitchFamily="18" charset="-127"/>
+                </a:rPr>
+                <a:t>K</a:t>
+              </a:r>
+              <a:r>
+                <a:rPr kumimoji="1" lang="en-US" altLang="ko-KR" sz="1200" b="1" dirty="0">
+                  <a:solidFill>
+                    <a:srgbClr val="5DA2C5"/>
+                  </a:solidFill>
+                  <a:latin typeface="SHeadG" panose="02030600000101010101" pitchFamily="18" charset="-127"/>
+                  <a:ea typeface="SHeadG" panose="02030600000101010101" pitchFamily="18" charset="-127"/>
+                </a:rPr>
+                <a:t>5</a:t>
+              </a:r>
+              <a:endParaRPr kumimoji="1" lang="ko-Kore-KR" altLang="en-US" sz="1200" b="1" dirty="0">
+                <a:solidFill>
+                  <a:srgbClr val="5DA2C5"/>
+                </a:solidFill>
+                <a:latin typeface="SHeadG" panose="02030600000101010101" pitchFamily="18" charset="-127"/>
+                <a:ea typeface="SHeadG" panose="02030600000101010101" pitchFamily="18" charset="-127"/>
+              </a:endParaRPr>
+            </a:p>
+          </p:txBody>
+        </p:sp>
+      </p:grpSp>
+      <p:grpSp>
+        <p:nvGrpSpPr>
+          <p:cNvPr id="66" name="그룹 65">
+            <a:extLst>
+              <a:ext uri="{FF2B5EF4-FFF2-40B4-BE49-F238E27FC236}">
+                <a16:creationId xmlns:a16="http://schemas.microsoft.com/office/drawing/2014/main" id="{B5CDC83C-8633-9A40-A4EC-A0CC9FEB061A}"/>
+              </a:ext>
+            </a:extLst>
+          </p:cNvPr>
+          <p:cNvGrpSpPr/>
+          <p:nvPr/>
+        </p:nvGrpSpPr>
+        <p:grpSpPr>
+          <a:xfrm>
+            <a:off x="3657278" y="1842381"/>
+            <a:ext cx="543689" cy="281455"/>
+            <a:chOff x="5556135" y="897681"/>
+            <a:chExt cx="543689" cy="281455"/>
+          </a:xfrm>
+        </p:grpSpPr>
+        <p:sp>
+          <p:nvSpPr>
+            <p:cNvPr id="67" name="직사각형 66">
+              <a:extLst>
+                <a:ext uri="{FF2B5EF4-FFF2-40B4-BE49-F238E27FC236}">
+                  <a16:creationId xmlns:a16="http://schemas.microsoft.com/office/drawing/2014/main" id="{A68053D3-1737-504B-821C-5235F6B87BDA}"/>
+                </a:ext>
+              </a:extLst>
+            </p:cNvPr>
+            <p:cNvSpPr/>
+            <p:nvPr/>
+          </p:nvSpPr>
+          <p:spPr>
+            <a:xfrm>
+              <a:off x="5556135" y="897681"/>
+              <a:ext cx="543689" cy="276999"/>
+            </a:xfrm>
+            <a:prstGeom prst="rect">
+              <a:avLst/>
+            </a:prstGeom>
+            <a:ln w="25400">
+              <a:solidFill>
+                <a:srgbClr val="5DA2C5"/>
+              </a:solidFill>
+            </a:ln>
+          </p:spPr>
+          <p:style>
+            <a:lnRef idx="1">
+              <a:schemeClr val="accent1"/>
+            </a:lnRef>
+            <a:fillRef idx="0">
+              <a:schemeClr val="accent1"/>
+            </a:fillRef>
+            <a:effectRef idx="0">
+              <a:schemeClr val="accent1"/>
+            </a:effectRef>
+            <a:fontRef idx="minor">
+              <a:schemeClr val="tx1"/>
+            </a:fontRef>
+          </p:style>
+          <p:txBody>
+            <a:bodyPr rtlCol="0" anchor="ctr"/>
+            <a:lstStyle/>
+            <a:p>
+              <a:pPr algn="ctr"/>
+              <a:endParaRPr kumimoji="1" lang="ko-Kore-KR" altLang="en-US"/>
+            </a:p>
+          </p:txBody>
+        </p:sp>
+        <p:sp>
+          <p:nvSpPr>
+            <p:cNvPr id="68" name="TextBox 67">
+              <a:extLst>
+                <a:ext uri="{FF2B5EF4-FFF2-40B4-BE49-F238E27FC236}">
+                  <a16:creationId xmlns:a16="http://schemas.microsoft.com/office/drawing/2014/main" id="{190B9C5F-3B25-E44F-AEF1-CD08D5AE5CA0}"/>
+                </a:ext>
+              </a:extLst>
+            </p:cNvPr>
+            <p:cNvSpPr txBox="1"/>
+            <p:nvPr/>
+          </p:nvSpPr>
+          <p:spPr>
+            <a:xfrm>
+              <a:off x="5590002" y="902137"/>
+              <a:ext cx="509822" cy="276999"/>
+            </a:xfrm>
+            <a:prstGeom prst="rect">
+              <a:avLst/>
+            </a:prstGeom>
+            <a:noFill/>
+          </p:spPr>
+          <p:txBody>
+            <a:bodyPr wrap="square" rtlCol="0">
+              <a:spAutoFit/>
+            </a:bodyPr>
+            <a:lstStyle/>
+            <a:p>
+              <a:pPr algn="ctr"/>
+              <a:r>
+                <a:rPr kumimoji="1" lang="en-US" altLang="ko-Kore-KR" sz="1200" b="1" dirty="0">
+                  <a:solidFill>
+                    <a:srgbClr val="5DA2C5"/>
+                  </a:solidFill>
+                  <a:latin typeface="SHeadG" panose="02030600000101010101" pitchFamily="18" charset="-127"/>
+                  <a:ea typeface="SHeadG" panose="02030600000101010101" pitchFamily="18" charset="-127"/>
+                </a:rPr>
+                <a:t>K</a:t>
+              </a:r>
+              <a:r>
+                <a:rPr kumimoji="1" lang="en-US" altLang="ko-KR" sz="1200" b="1" dirty="0">
+                  <a:solidFill>
+                    <a:srgbClr val="5DA2C5"/>
+                  </a:solidFill>
+                  <a:latin typeface="SHeadG" panose="02030600000101010101" pitchFamily="18" charset="-127"/>
+                  <a:ea typeface="SHeadG" panose="02030600000101010101" pitchFamily="18" charset="-127"/>
+                </a:rPr>
+                <a:t>5</a:t>
+              </a:r>
+              <a:endParaRPr kumimoji="1" lang="ko-Kore-KR" altLang="en-US" sz="1200" b="1" dirty="0">
+                <a:solidFill>
+                  <a:srgbClr val="5DA2C5"/>
+                </a:solidFill>
+                <a:latin typeface="SHeadG" panose="02030600000101010101" pitchFamily="18" charset="-127"/>
+                <a:ea typeface="SHeadG" panose="02030600000101010101" pitchFamily="18" charset="-127"/>
+              </a:endParaRPr>
+            </a:p>
+          </p:txBody>
+        </p:sp>
+      </p:grpSp>
+      <p:grpSp>
+        <p:nvGrpSpPr>
+          <p:cNvPr id="84" name="그룹 83">
+            <a:extLst>
+              <a:ext uri="{FF2B5EF4-FFF2-40B4-BE49-F238E27FC236}">
+                <a16:creationId xmlns:a16="http://schemas.microsoft.com/office/drawing/2014/main" id="{6DF49E9E-F89B-7D4E-A6BF-C41DA05843E3}"/>
+              </a:ext>
+            </a:extLst>
+          </p:cNvPr>
+          <p:cNvGrpSpPr/>
+          <p:nvPr/>
+        </p:nvGrpSpPr>
+        <p:grpSpPr>
+          <a:xfrm>
+            <a:off x="3111769" y="2116130"/>
+            <a:ext cx="543689" cy="281455"/>
+            <a:chOff x="5556135" y="897681"/>
+            <a:chExt cx="543689" cy="281455"/>
+          </a:xfrm>
+        </p:grpSpPr>
+        <p:sp>
+          <p:nvSpPr>
+            <p:cNvPr id="85" name="직사각형 84">
+              <a:extLst>
+                <a:ext uri="{FF2B5EF4-FFF2-40B4-BE49-F238E27FC236}">
+                  <a16:creationId xmlns:a16="http://schemas.microsoft.com/office/drawing/2014/main" id="{325F18A3-069A-CA42-8EDD-02053CEBC749}"/>
+                </a:ext>
+              </a:extLst>
+            </p:cNvPr>
+            <p:cNvSpPr/>
+            <p:nvPr/>
+          </p:nvSpPr>
+          <p:spPr>
+            <a:xfrm>
+              <a:off x="5556135" y="897681"/>
+              <a:ext cx="543689" cy="276999"/>
+            </a:xfrm>
+            <a:prstGeom prst="rect">
+              <a:avLst/>
+            </a:prstGeom>
+            <a:ln w="25400">
+              <a:solidFill>
+                <a:srgbClr val="5DA2C5"/>
+              </a:solidFill>
+            </a:ln>
+          </p:spPr>
+          <p:style>
+            <a:lnRef idx="1">
+              <a:schemeClr val="accent1"/>
+            </a:lnRef>
+            <a:fillRef idx="0">
+              <a:schemeClr val="accent1"/>
+            </a:fillRef>
+            <a:effectRef idx="0">
+              <a:schemeClr val="accent1"/>
+            </a:effectRef>
+            <a:fontRef idx="minor">
+              <a:schemeClr val="tx1"/>
+            </a:fontRef>
+          </p:style>
+          <p:txBody>
+            <a:bodyPr rtlCol="0" anchor="ctr"/>
+            <a:lstStyle/>
+            <a:p>
+              <a:pPr algn="ctr"/>
+              <a:endParaRPr kumimoji="1" lang="ko-Kore-KR" altLang="en-US"/>
+            </a:p>
+          </p:txBody>
+        </p:sp>
+        <p:sp>
+          <p:nvSpPr>
+            <p:cNvPr id="86" name="TextBox 85">
+              <a:extLst>
+                <a:ext uri="{FF2B5EF4-FFF2-40B4-BE49-F238E27FC236}">
+                  <a16:creationId xmlns:a16="http://schemas.microsoft.com/office/drawing/2014/main" id="{65AFA5C9-2496-1C42-9A60-9C200329FAA4}"/>
+                </a:ext>
+              </a:extLst>
+            </p:cNvPr>
+            <p:cNvSpPr txBox="1"/>
+            <p:nvPr/>
+          </p:nvSpPr>
+          <p:spPr>
+            <a:xfrm>
+              <a:off x="5590002" y="902137"/>
+              <a:ext cx="509822" cy="276999"/>
+            </a:xfrm>
+            <a:prstGeom prst="rect">
+              <a:avLst/>
+            </a:prstGeom>
+            <a:noFill/>
+          </p:spPr>
+          <p:txBody>
+            <a:bodyPr wrap="square" rtlCol="0">
+              <a:spAutoFit/>
+            </a:bodyPr>
+            <a:lstStyle/>
+            <a:p>
+              <a:pPr algn="ctr"/>
+              <a:r>
+                <a:rPr kumimoji="1" lang="en-US" altLang="ko-Kore-KR" sz="1200" b="1" dirty="0">
+                  <a:solidFill>
+                    <a:srgbClr val="5DA2C5"/>
+                  </a:solidFill>
+                  <a:latin typeface="SHeadG" panose="02030600000101010101" pitchFamily="18" charset="-127"/>
+                  <a:ea typeface="SHeadG" panose="02030600000101010101" pitchFamily="18" charset="-127"/>
+                </a:rPr>
+                <a:t>V1</a:t>
+              </a:r>
+              <a:endParaRPr kumimoji="1" lang="ko-Kore-KR" altLang="en-US" sz="1200" b="1" dirty="0">
+                <a:solidFill>
+                  <a:srgbClr val="5DA2C5"/>
+                </a:solidFill>
+                <a:latin typeface="SHeadG" panose="02030600000101010101" pitchFamily="18" charset="-127"/>
+                <a:ea typeface="SHeadG" panose="02030600000101010101" pitchFamily="18" charset="-127"/>
+              </a:endParaRPr>
+            </a:p>
+          </p:txBody>
+        </p:sp>
+      </p:grpSp>
+      <p:grpSp>
+        <p:nvGrpSpPr>
+          <p:cNvPr id="87" name="그룹 86">
+            <a:extLst>
+              <a:ext uri="{FF2B5EF4-FFF2-40B4-BE49-F238E27FC236}">
+                <a16:creationId xmlns:a16="http://schemas.microsoft.com/office/drawing/2014/main" id="{0A48A2D0-EBE6-2547-AE01-731D67D7772D}"/>
+              </a:ext>
+            </a:extLst>
+          </p:cNvPr>
+          <p:cNvGrpSpPr/>
+          <p:nvPr/>
+        </p:nvGrpSpPr>
+        <p:grpSpPr>
+          <a:xfrm>
+            <a:off x="3656958" y="2117777"/>
+            <a:ext cx="543689" cy="281455"/>
+            <a:chOff x="5556135" y="897681"/>
+            <a:chExt cx="543689" cy="281455"/>
+          </a:xfrm>
+        </p:grpSpPr>
+        <p:sp>
+          <p:nvSpPr>
+            <p:cNvPr id="88" name="직사각형 87">
+              <a:extLst>
+                <a:ext uri="{FF2B5EF4-FFF2-40B4-BE49-F238E27FC236}">
+                  <a16:creationId xmlns:a16="http://schemas.microsoft.com/office/drawing/2014/main" id="{A6996E5A-765E-8F44-AACC-9B71CD32B34E}"/>
+                </a:ext>
+              </a:extLst>
+            </p:cNvPr>
+            <p:cNvSpPr/>
+            <p:nvPr/>
+          </p:nvSpPr>
+          <p:spPr>
+            <a:xfrm>
+              <a:off x="5556135" y="897681"/>
+              <a:ext cx="543689" cy="276999"/>
+            </a:xfrm>
+            <a:prstGeom prst="rect">
+              <a:avLst/>
+            </a:prstGeom>
+            <a:ln w="25400">
+              <a:solidFill>
+                <a:srgbClr val="5DA2C5"/>
+              </a:solidFill>
+            </a:ln>
+          </p:spPr>
+          <p:style>
+            <a:lnRef idx="1">
+              <a:schemeClr val="accent1"/>
+            </a:lnRef>
+            <a:fillRef idx="0">
+              <a:schemeClr val="accent1"/>
+            </a:fillRef>
+            <a:effectRef idx="0">
+              <a:schemeClr val="accent1"/>
+            </a:effectRef>
+            <a:fontRef idx="minor">
+              <a:schemeClr val="tx1"/>
+            </a:fontRef>
+          </p:style>
+          <p:txBody>
+            <a:bodyPr rtlCol="0" anchor="ctr"/>
+            <a:lstStyle/>
+            <a:p>
+              <a:pPr algn="ctr"/>
+              <a:endParaRPr kumimoji="1" lang="ko-Kore-KR" altLang="en-US"/>
+            </a:p>
+          </p:txBody>
+        </p:sp>
+        <p:sp>
+          <p:nvSpPr>
+            <p:cNvPr id="89" name="TextBox 88">
+              <a:extLst>
+                <a:ext uri="{FF2B5EF4-FFF2-40B4-BE49-F238E27FC236}">
+                  <a16:creationId xmlns:a16="http://schemas.microsoft.com/office/drawing/2014/main" id="{87D7DBB4-F813-8040-9DCE-5F6C06B0D559}"/>
+                </a:ext>
+              </a:extLst>
+            </p:cNvPr>
+            <p:cNvSpPr txBox="1"/>
+            <p:nvPr/>
+          </p:nvSpPr>
+          <p:spPr>
+            <a:xfrm>
+              <a:off x="5590002" y="902137"/>
+              <a:ext cx="509822" cy="276999"/>
+            </a:xfrm>
+            <a:prstGeom prst="rect">
+              <a:avLst/>
+            </a:prstGeom>
+            <a:noFill/>
+          </p:spPr>
+          <p:txBody>
+            <a:bodyPr wrap="square" rtlCol="0">
+              <a:spAutoFit/>
+            </a:bodyPr>
+            <a:lstStyle/>
+            <a:p>
+              <a:pPr algn="ctr"/>
+              <a:r>
+                <a:rPr kumimoji="1" lang="en-US" altLang="ko-Kore-KR" sz="1200" b="1" dirty="0">
+                  <a:solidFill>
+                    <a:srgbClr val="5DA2C5"/>
+                  </a:solidFill>
+                  <a:latin typeface="SHeadG" panose="02030600000101010101" pitchFamily="18" charset="-127"/>
+                  <a:ea typeface="SHeadG" panose="02030600000101010101" pitchFamily="18" charset="-127"/>
+                </a:rPr>
+                <a:t>V2</a:t>
+              </a:r>
+              <a:endParaRPr kumimoji="1" lang="ko-Kore-KR" altLang="en-US" sz="1200" b="1" dirty="0">
+                <a:solidFill>
+                  <a:srgbClr val="5DA2C5"/>
+                </a:solidFill>
+                <a:latin typeface="SHeadG" panose="02030600000101010101" pitchFamily="18" charset="-127"/>
+                <a:ea typeface="SHeadG" panose="02030600000101010101" pitchFamily="18" charset="-127"/>
+              </a:endParaRPr>
+            </a:p>
+          </p:txBody>
+        </p:sp>
+      </p:grpSp>
+      <p:sp>
+        <p:nvSpPr>
+          <p:cNvPr id="105" name="직사각형 104">
+            <a:extLst>
+              <a:ext uri="{FF2B5EF4-FFF2-40B4-BE49-F238E27FC236}">
+                <a16:creationId xmlns:a16="http://schemas.microsoft.com/office/drawing/2014/main" id="{15B46D31-6DA9-4C45-B0DD-2A221D0CA4FE}"/>
+              </a:ext>
+            </a:extLst>
+          </p:cNvPr>
+          <p:cNvSpPr/>
+          <p:nvPr/>
+        </p:nvSpPr>
+        <p:spPr>
+          <a:xfrm>
+            <a:off x="1906710" y="2660619"/>
+            <a:ext cx="3525262" cy="1074265"/>
+          </a:xfrm>
+          <a:prstGeom prst="rect">
+            <a:avLst/>
+          </a:prstGeom>
+          <a:solidFill>
+            <a:schemeClr val="bg1">
+              <a:lumMod val="95000"/>
+            </a:schemeClr>
+          </a:solidFill>
+          <a:ln w="25400">
+            <a:solidFill>
+              <a:srgbClr val="5DA2C5"/>
+            </a:solidFill>
+          </a:ln>
+        </p:spPr>
+        <p:style>
+          <a:lnRef idx="1">
+            <a:schemeClr val="accent1"/>
+          </a:lnRef>
+          <a:fillRef idx="0">
+            <a:schemeClr val="accent1"/>
+          </a:fillRef>
+          <a:effectRef idx="0">
+            <a:schemeClr val="accent1"/>
+          </a:effectRef>
+          <a:fontRef idx="minor">
+            <a:schemeClr val="tx1"/>
+          </a:fontRef>
+        </p:style>
+        <p:txBody>
+          <a:bodyPr rtlCol="0" anchor="ctr"/>
+          <a:lstStyle/>
+          <a:p>
+            <a:pPr algn="ctr"/>
+            <a:endParaRPr kumimoji="1" lang="ko-Kore-KR" altLang="en-US"/>
+          </a:p>
+        </p:txBody>
+      </p:sp>
+      <p:grpSp>
+        <p:nvGrpSpPr>
+          <p:cNvPr id="106" name="그룹 105">
+            <a:extLst>
+              <a:ext uri="{FF2B5EF4-FFF2-40B4-BE49-F238E27FC236}">
+                <a16:creationId xmlns:a16="http://schemas.microsoft.com/office/drawing/2014/main" id="{1AF17B70-FCEA-474E-A463-C35B7AEB1860}"/>
+              </a:ext>
+            </a:extLst>
+          </p:cNvPr>
+          <p:cNvGrpSpPr/>
+          <p:nvPr/>
+        </p:nvGrpSpPr>
+        <p:grpSpPr>
+          <a:xfrm>
+            <a:off x="3112409" y="2794203"/>
+            <a:ext cx="543689" cy="281455"/>
+            <a:chOff x="5556135" y="897681"/>
+            <a:chExt cx="543689" cy="281455"/>
+          </a:xfrm>
+        </p:grpSpPr>
+        <p:sp>
+          <p:nvSpPr>
+            <p:cNvPr id="107" name="직사각형 106">
+              <a:extLst>
+                <a:ext uri="{FF2B5EF4-FFF2-40B4-BE49-F238E27FC236}">
+                  <a16:creationId xmlns:a16="http://schemas.microsoft.com/office/drawing/2014/main" id="{5B0401BF-EE78-B14A-A07A-14EE7D9094D2}"/>
+                </a:ext>
+              </a:extLst>
+            </p:cNvPr>
+            <p:cNvSpPr/>
+            <p:nvPr/>
+          </p:nvSpPr>
+          <p:spPr>
+            <a:xfrm>
+              <a:off x="5556135" y="897681"/>
+              <a:ext cx="543689" cy="276999"/>
+            </a:xfrm>
+            <a:prstGeom prst="rect">
+              <a:avLst/>
+            </a:prstGeom>
+            <a:ln w="25400">
+              <a:solidFill>
+                <a:srgbClr val="5DA2C5"/>
+              </a:solidFill>
+            </a:ln>
+          </p:spPr>
+          <p:style>
+            <a:lnRef idx="1">
+              <a:schemeClr val="accent1"/>
+            </a:lnRef>
+            <a:fillRef idx="0">
+              <a:schemeClr val="accent1"/>
+            </a:fillRef>
+            <a:effectRef idx="0">
+              <a:schemeClr val="accent1"/>
+            </a:effectRef>
+            <a:fontRef idx="minor">
+              <a:schemeClr val="tx1"/>
+            </a:fontRef>
+          </p:style>
+          <p:txBody>
+            <a:bodyPr rtlCol="0" anchor="ctr"/>
+            <a:lstStyle/>
+            <a:p>
+              <a:pPr algn="ctr"/>
+              <a:endParaRPr kumimoji="1" lang="ko-Kore-KR" altLang="en-US"/>
+            </a:p>
+          </p:txBody>
+        </p:sp>
+        <p:sp>
+          <p:nvSpPr>
+            <p:cNvPr id="108" name="TextBox 107">
+              <a:extLst>
+                <a:ext uri="{FF2B5EF4-FFF2-40B4-BE49-F238E27FC236}">
+                  <a16:creationId xmlns:a16="http://schemas.microsoft.com/office/drawing/2014/main" id="{2754A46C-807D-BB4C-A4F1-6E6979A5CBCD}"/>
+                </a:ext>
+              </a:extLst>
+            </p:cNvPr>
+            <p:cNvSpPr txBox="1"/>
+            <p:nvPr/>
+          </p:nvSpPr>
+          <p:spPr>
+            <a:xfrm>
+              <a:off x="5590002" y="902137"/>
+              <a:ext cx="509822" cy="276999"/>
+            </a:xfrm>
+            <a:prstGeom prst="rect">
+              <a:avLst/>
+            </a:prstGeom>
+            <a:noFill/>
+          </p:spPr>
+          <p:txBody>
+            <a:bodyPr wrap="square" rtlCol="0">
+              <a:spAutoFit/>
+            </a:bodyPr>
+            <a:lstStyle/>
+            <a:p>
+              <a:pPr algn="ctr"/>
+              <a:r>
+                <a:rPr kumimoji="1" lang="en-US" altLang="ko-Kore-KR" sz="1200" b="1" dirty="0">
+                  <a:solidFill>
+                    <a:srgbClr val="5DA2C5"/>
+                  </a:solidFill>
+                  <a:latin typeface="SHeadG" panose="02030600000101010101" pitchFamily="18" charset="-127"/>
+                  <a:ea typeface="SHeadG" panose="02030600000101010101" pitchFamily="18" charset="-127"/>
+                </a:rPr>
+                <a:t>0</a:t>
+              </a:r>
+              <a:endParaRPr kumimoji="1" lang="ko-Kore-KR" altLang="en-US" sz="1200" b="1" dirty="0">
+                <a:solidFill>
+                  <a:srgbClr val="5DA2C5"/>
+                </a:solidFill>
+                <a:latin typeface="SHeadG" panose="02030600000101010101" pitchFamily="18" charset="-127"/>
+                <a:ea typeface="SHeadG" panose="02030600000101010101" pitchFamily="18" charset="-127"/>
+              </a:endParaRPr>
+            </a:p>
+          </p:txBody>
+        </p:sp>
+      </p:grpSp>
+      <p:grpSp>
+        <p:nvGrpSpPr>
+          <p:cNvPr id="109" name="그룹 108">
+            <a:extLst>
+              <a:ext uri="{FF2B5EF4-FFF2-40B4-BE49-F238E27FC236}">
+                <a16:creationId xmlns:a16="http://schemas.microsoft.com/office/drawing/2014/main" id="{FAE1406B-664A-EF40-86A5-DD7FDC84CA6D}"/>
+              </a:ext>
+            </a:extLst>
+          </p:cNvPr>
+          <p:cNvGrpSpPr/>
+          <p:nvPr/>
+        </p:nvGrpSpPr>
+        <p:grpSpPr>
+          <a:xfrm>
+            <a:off x="3657598" y="2794294"/>
+            <a:ext cx="543689" cy="281455"/>
+            <a:chOff x="5556135" y="897681"/>
+            <a:chExt cx="543689" cy="281455"/>
+          </a:xfrm>
+        </p:grpSpPr>
+        <p:sp>
+          <p:nvSpPr>
+            <p:cNvPr id="110" name="직사각형 109">
+              <a:extLst>
+                <a:ext uri="{FF2B5EF4-FFF2-40B4-BE49-F238E27FC236}">
+                  <a16:creationId xmlns:a16="http://schemas.microsoft.com/office/drawing/2014/main" id="{91520519-BA79-1D4C-BFD9-084E45F357A5}"/>
+                </a:ext>
+              </a:extLst>
+            </p:cNvPr>
+            <p:cNvSpPr/>
+            <p:nvPr/>
+          </p:nvSpPr>
+          <p:spPr>
+            <a:xfrm>
+              <a:off x="5556135" y="897681"/>
+              <a:ext cx="543689" cy="276999"/>
+            </a:xfrm>
+            <a:prstGeom prst="rect">
+              <a:avLst/>
+            </a:prstGeom>
+            <a:ln w="25400">
+              <a:solidFill>
+                <a:srgbClr val="5DA2C5"/>
+              </a:solidFill>
+            </a:ln>
+          </p:spPr>
+          <p:style>
+            <a:lnRef idx="1">
+              <a:schemeClr val="accent1"/>
+            </a:lnRef>
+            <a:fillRef idx="0">
+              <a:schemeClr val="accent1"/>
+            </a:fillRef>
+            <a:effectRef idx="0">
+              <a:schemeClr val="accent1"/>
+            </a:effectRef>
+            <a:fontRef idx="minor">
+              <a:schemeClr val="tx1"/>
+            </a:fontRef>
+          </p:style>
+          <p:txBody>
+            <a:bodyPr rtlCol="0" anchor="ctr"/>
+            <a:lstStyle/>
+            <a:p>
+              <a:pPr algn="ctr"/>
+              <a:endParaRPr kumimoji="1" lang="ko-Kore-KR" altLang="en-US"/>
+            </a:p>
+          </p:txBody>
+        </p:sp>
+        <p:sp>
+          <p:nvSpPr>
+            <p:cNvPr id="111" name="TextBox 110">
+              <a:extLst>
+                <a:ext uri="{FF2B5EF4-FFF2-40B4-BE49-F238E27FC236}">
+                  <a16:creationId xmlns:a16="http://schemas.microsoft.com/office/drawing/2014/main" id="{18378224-CA5F-DA4E-8D97-4B31B5CE22AC}"/>
+                </a:ext>
+              </a:extLst>
+            </p:cNvPr>
+            <p:cNvSpPr txBox="1"/>
+            <p:nvPr/>
+          </p:nvSpPr>
+          <p:spPr>
+            <a:xfrm>
+              <a:off x="5590002" y="902137"/>
+              <a:ext cx="509822" cy="276999"/>
+            </a:xfrm>
+            <a:prstGeom prst="rect">
+              <a:avLst/>
+            </a:prstGeom>
+            <a:noFill/>
+          </p:spPr>
+          <p:txBody>
+            <a:bodyPr wrap="square" rtlCol="0">
+              <a:spAutoFit/>
+            </a:bodyPr>
+            <a:lstStyle/>
+            <a:p>
+              <a:pPr algn="ctr"/>
+              <a:r>
+                <a:rPr kumimoji="1" lang="en-US" altLang="ko-Kore-KR" sz="1200" b="1" dirty="0">
+                  <a:solidFill>
+                    <a:srgbClr val="5DA2C5"/>
+                  </a:solidFill>
+                  <a:latin typeface="SHeadG" panose="02030600000101010101" pitchFamily="18" charset="-127"/>
+                  <a:ea typeface="SHeadG" panose="02030600000101010101" pitchFamily="18" charset="-127"/>
+                </a:rPr>
+                <a:t>1</a:t>
+              </a:r>
+              <a:endParaRPr kumimoji="1" lang="ko-Kore-KR" altLang="en-US" sz="1200" b="1" dirty="0">
+                <a:solidFill>
+                  <a:srgbClr val="5DA2C5"/>
+                </a:solidFill>
+                <a:latin typeface="SHeadG" panose="02030600000101010101" pitchFamily="18" charset="-127"/>
+                <a:ea typeface="SHeadG" panose="02030600000101010101" pitchFamily="18" charset="-127"/>
+              </a:endParaRPr>
+            </a:p>
+          </p:txBody>
+        </p:sp>
+      </p:grpSp>
+      <p:grpSp>
+        <p:nvGrpSpPr>
+          <p:cNvPr id="112" name="그룹 111">
+            <a:extLst>
+              <a:ext uri="{FF2B5EF4-FFF2-40B4-BE49-F238E27FC236}">
+                <a16:creationId xmlns:a16="http://schemas.microsoft.com/office/drawing/2014/main" id="{8CB0DC2C-A2C2-BF44-A4F8-49C33A613D05}"/>
+              </a:ext>
+            </a:extLst>
+          </p:cNvPr>
+          <p:cNvGrpSpPr/>
+          <p:nvPr/>
+        </p:nvGrpSpPr>
+        <p:grpSpPr>
+          <a:xfrm>
+            <a:off x="4201287" y="2792806"/>
+            <a:ext cx="543689" cy="281455"/>
+            <a:chOff x="5556135" y="897681"/>
+            <a:chExt cx="543689" cy="281455"/>
+          </a:xfrm>
+        </p:grpSpPr>
+        <p:sp>
+          <p:nvSpPr>
+            <p:cNvPr id="113" name="직사각형 112">
+              <a:extLst>
+                <a:ext uri="{FF2B5EF4-FFF2-40B4-BE49-F238E27FC236}">
+                  <a16:creationId xmlns:a16="http://schemas.microsoft.com/office/drawing/2014/main" id="{55C961BB-F441-D14B-8407-5340242C00CD}"/>
+                </a:ext>
+              </a:extLst>
+            </p:cNvPr>
+            <p:cNvSpPr/>
+            <p:nvPr/>
+          </p:nvSpPr>
+          <p:spPr>
+            <a:xfrm>
+              <a:off x="5556135" y="897681"/>
+              <a:ext cx="543689" cy="276999"/>
+            </a:xfrm>
+            <a:prstGeom prst="rect">
+              <a:avLst/>
+            </a:prstGeom>
+            <a:ln w="25400">
+              <a:solidFill>
+                <a:srgbClr val="5DA2C5"/>
+              </a:solidFill>
+            </a:ln>
+          </p:spPr>
+          <p:style>
+            <a:lnRef idx="1">
+              <a:schemeClr val="accent1"/>
+            </a:lnRef>
+            <a:fillRef idx="0">
+              <a:schemeClr val="accent1"/>
+            </a:fillRef>
+            <a:effectRef idx="0">
+              <a:schemeClr val="accent1"/>
+            </a:effectRef>
+            <a:fontRef idx="minor">
+              <a:schemeClr val="tx1"/>
+            </a:fontRef>
+          </p:style>
+          <p:txBody>
+            <a:bodyPr rtlCol="0" anchor="ctr"/>
+            <a:lstStyle/>
+            <a:p>
+              <a:pPr algn="ctr"/>
+              <a:endParaRPr kumimoji="1" lang="ko-Kore-KR" altLang="en-US"/>
+            </a:p>
+          </p:txBody>
+        </p:sp>
+        <p:sp>
+          <p:nvSpPr>
+            <p:cNvPr id="114" name="TextBox 113">
+              <a:extLst>
+                <a:ext uri="{FF2B5EF4-FFF2-40B4-BE49-F238E27FC236}">
+                  <a16:creationId xmlns:a16="http://schemas.microsoft.com/office/drawing/2014/main" id="{47C2A267-C36E-EA4E-84AC-3054004906FA}"/>
+                </a:ext>
+              </a:extLst>
+            </p:cNvPr>
+            <p:cNvSpPr txBox="1"/>
+            <p:nvPr/>
+          </p:nvSpPr>
+          <p:spPr>
+            <a:xfrm>
+              <a:off x="5590002" y="902137"/>
+              <a:ext cx="509822" cy="276999"/>
+            </a:xfrm>
+            <a:prstGeom prst="rect">
+              <a:avLst/>
+            </a:prstGeom>
+            <a:noFill/>
+          </p:spPr>
+          <p:txBody>
+            <a:bodyPr wrap="square" rtlCol="0">
+              <a:spAutoFit/>
+            </a:bodyPr>
+            <a:lstStyle/>
+            <a:p>
+              <a:pPr algn="ctr"/>
+              <a:r>
+                <a:rPr kumimoji="1" lang="en-US" altLang="ko-Kore-KR" sz="1200" b="1" dirty="0">
+                  <a:solidFill>
+                    <a:srgbClr val="5DA2C5"/>
+                  </a:solidFill>
+                  <a:latin typeface="SHeadG" panose="02030600000101010101" pitchFamily="18" charset="-127"/>
+                  <a:ea typeface="SHeadG" panose="02030600000101010101" pitchFamily="18" charset="-127"/>
+                </a:rPr>
+                <a:t>2</a:t>
+              </a:r>
+              <a:endParaRPr kumimoji="1" lang="ko-Kore-KR" altLang="en-US" sz="1200" b="1" dirty="0">
+                <a:solidFill>
+                  <a:srgbClr val="5DA2C5"/>
+                </a:solidFill>
+                <a:latin typeface="SHeadG" panose="02030600000101010101" pitchFamily="18" charset="-127"/>
+                <a:ea typeface="SHeadG" panose="02030600000101010101" pitchFamily="18" charset="-127"/>
+              </a:endParaRPr>
+            </a:p>
+          </p:txBody>
+        </p:sp>
+      </p:grpSp>
+      <p:grpSp>
+        <p:nvGrpSpPr>
+          <p:cNvPr id="115" name="그룹 114">
+            <a:extLst>
+              <a:ext uri="{FF2B5EF4-FFF2-40B4-BE49-F238E27FC236}">
+                <a16:creationId xmlns:a16="http://schemas.microsoft.com/office/drawing/2014/main" id="{69B58906-D96B-854E-B56D-2C7708E14FFF}"/>
+              </a:ext>
+            </a:extLst>
+          </p:cNvPr>
+          <p:cNvGrpSpPr/>
+          <p:nvPr/>
+        </p:nvGrpSpPr>
+        <p:grpSpPr>
+          <a:xfrm>
+            <a:off x="4744976" y="2793479"/>
+            <a:ext cx="543689" cy="281455"/>
+            <a:chOff x="5556135" y="897681"/>
+            <a:chExt cx="543689" cy="281455"/>
+          </a:xfrm>
+        </p:grpSpPr>
+        <p:sp>
+          <p:nvSpPr>
+            <p:cNvPr id="116" name="직사각형 115">
+              <a:extLst>
+                <a:ext uri="{FF2B5EF4-FFF2-40B4-BE49-F238E27FC236}">
+                  <a16:creationId xmlns:a16="http://schemas.microsoft.com/office/drawing/2014/main" id="{84DF7086-D68F-9640-ACD9-4E19265AA179}"/>
+                </a:ext>
+              </a:extLst>
+            </p:cNvPr>
+            <p:cNvSpPr/>
+            <p:nvPr/>
+          </p:nvSpPr>
+          <p:spPr>
+            <a:xfrm>
+              <a:off x="5556135" y="897681"/>
+              <a:ext cx="543689" cy="276999"/>
+            </a:xfrm>
+            <a:prstGeom prst="rect">
+              <a:avLst/>
+            </a:prstGeom>
+            <a:ln w="25400">
+              <a:solidFill>
+                <a:srgbClr val="5DA2C5"/>
+              </a:solidFill>
+            </a:ln>
+          </p:spPr>
+          <p:style>
+            <a:lnRef idx="1">
+              <a:schemeClr val="accent1"/>
+            </a:lnRef>
+            <a:fillRef idx="0">
+              <a:schemeClr val="accent1"/>
+            </a:fillRef>
+            <a:effectRef idx="0">
+              <a:schemeClr val="accent1"/>
+            </a:effectRef>
+            <a:fontRef idx="minor">
+              <a:schemeClr val="tx1"/>
+            </a:fontRef>
+          </p:style>
+          <p:txBody>
+            <a:bodyPr rtlCol="0" anchor="ctr"/>
+            <a:lstStyle/>
+            <a:p>
+              <a:pPr algn="ctr"/>
+              <a:endParaRPr kumimoji="1" lang="ko-Kore-KR" altLang="en-US"/>
+            </a:p>
+          </p:txBody>
+        </p:sp>
+        <p:sp>
+          <p:nvSpPr>
+            <p:cNvPr id="117" name="TextBox 116">
+              <a:extLst>
+                <a:ext uri="{FF2B5EF4-FFF2-40B4-BE49-F238E27FC236}">
+                  <a16:creationId xmlns:a16="http://schemas.microsoft.com/office/drawing/2014/main" id="{596035FF-5BF7-B54A-B3D4-2AFA449566B0}"/>
+                </a:ext>
+              </a:extLst>
+            </p:cNvPr>
+            <p:cNvSpPr txBox="1"/>
+            <p:nvPr/>
+          </p:nvSpPr>
+          <p:spPr>
+            <a:xfrm>
+              <a:off x="5590002" y="902137"/>
+              <a:ext cx="509822" cy="276999"/>
+            </a:xfrm>
+            <a:prstGeom prst="rect">
+              <a:avLst/>
+            </a:prstGeom>
+            <a:noFill/>
+          </p:spPr>
+          <p:txBody>
+            <a:bodyPr wrap="square" rtlCol="0">
+              <a:spAutoFit/>
+            </a:bodyPr>
+            <a:lstStyle/>
+            <a:p>
+              <a:pPr algn="ctr"/>
+              <a:r>
+                <a:rPr kumimoji="1" lang="en-US" altLang="ko-Kore-KR" sz="1200" b="1" dirty="0">
+                  <a:solidFill>
+                    <a:srgbClr val="5DA2C5"/>
+                  </a:solidFill>
+                  <a:latin typeface="SHeadG" panose="02030600000101010101" pitchFamily="18" charset="-127"/>
+                  <a:ea typeface="SHeadG" panose="02030600000101010101" pitchFamily="18" charset="-127"/>
+                </a:rPr>
+                <a:t>3</a:t>
+              </a:r>
+              <a:endParaRPr kumimoji="1" lang="ko-Kore-KR" altLang="en-US" sz="1200" b="1" dirty="0">
+                <a:solidFill>
+                  <a:srgbClr val="5DA2C5"/>
+                </a:solidFill>
+                <a:latin typeface="SHeadG" panose="02030600000101010101" pitchFamily="18" charset="-127"/>
+                <a:ea typeface="SHeadG" panose="02030600000101010101" pitchFamily="18" charset="-127"/>
+              </a:endParaRPr>
+            </a:p>
+          </p:txBody>
+        </p:sp>
+      </p:grpSp>
+      <p:grpSp>
+        <p:nvGrpSpPr>
+          <p:cNvPr id="118" name="그룹 117">
+            <a:extLst>
+              <a:ext uri="{FF2B5EF4-FFF2-40B4-BE49-F238E27FC236}">
+                <a16:creationId xmlns:a16="http://schemas.microsoft.com/office/drawing/2014/main" id="{CF328398-C7ED-E340-835A-AC20D206DA25}"/>
+              </a:ext>
+            </a:extLst>
+          </p:cNvPr>
+          <p:cNvGrpSpPr/>
+          <p:nvPr/>
+        </p:nvGrpSpPr>
+        <p:grpSpPr>
+          <a:xfrm>
+            <a:off x="3112089" y="3069599"/>
+            <a:ext cx="543689" cy="281455"/>
+            <a:chOff x="5556135" y="897681"/>
+            <a:chExt cx="543689" cy="281455"/>
+          </a:xfrm>
+        </p:grpSpPr>
+        <p:sp>
+          <p:nvSpPr>
+            <p:cNvPr id="119" name="직사각형 118">
+              <a:extLst>
+                <a:ext uri="{FF2B5EF4-FFF2-40B4-BE49-F238E27FC236}">
+                  <a16:creationId xmlns:a16="http://schemas.microsoft.com/office/drawing/2014/main" id="{4DA9C8A6-2A88-4C4D-B79E-19064D286816}"/>
+                </a:ext>
+              </a:extLst>
+            </p:cNvPr>
+            <p:cNvSpPr/>
+            <p:nvPr/>
+          </p:nvSpPr>
+          <p:spPr>
+            <a:xfrm>
+              <a:off x="5556135" y="897681"/>
+              <a:ext cx="543689" cy="276999"/>
+            </a:xfrm>
+            <a:prstGeom prst="rect">
+              <a:avLst/>
+            </a:prstGeom>
+            <a:ln w="25400">
+              <a:solidFill>
+                <a:srgbClr val="5DA2C5"/>
+              </a:solidFill>
+            </a:ln>
+          </p:spPr>
+          <p:style>
+            <a:lnRef idx="1">
+              <a:schemeClr val="accent1"/>
+            </a:lnRef>
+            <a:fillRef idx="0">
+              <a:schemeClr val="accent1"/>
+            </a:fillRef>
+            <a:effectRef idx="0">
+              <a:schemeClr val="accent1"/>
+            </a:effectRef>
+            <a:fontRef idx="minor">
+              <a:schemeClr val="tx1"/>
+            </a:fontRef>
+          </p:style>
+          <p:txBody>
+            <a:bodyPr rtlCol="0" anchor="ctr"/>
+            <a:lstStyle/>
+            <a:p>
+              <a:pPr algn="ctr"/>
+              <a:endParaRPr kumimoji="1" lang="ko-Kore-KR" altLang="en-US"/>
+            </a:p>
+          </p:txBody>
+        </p:sp>
+        <p:sp>
+          <p:nvSpPr>
+            <p:cNvPr id="120" name="TextBox 119">
+              <a:extLst>
+                <a:ext uri="{FF2B5EF4-FFF2-40B4-BE49-F238E27FC236}">
+                  <a16:creationId xmlns:a16="http://schemas.microsoft.com/office/drawing/2014/main" id="{6C230007-CC34-5F41-A9C1-6A5792CD55F1}"/>
+                </a:ext>
+              </a:extLst>
+            </p:cNvPr>
+            <p:cNvSpPr txBox="1"/>
+            <p:nvPr/>
+          </p:nvSpPr>
+          <p:spPr>
+            <a:xfrm>
+              <a:off x="5590002" y="902137"/>
+              <a:ext cx="509822" cy="276999"/>
+            </a:xfrm>
+            <a:prstGeom prst="rect">
+              <a:avLst/>
+            </a:prstGeom>
+            <a:noFill/>
+          </p:spPr>
+          <p:txBody>
+            <a:bodyPr wrap="square" rtlCol="0">
+              <a:spAutoFit/>
+            </a:bodyPr>
+            <a:lstStyle/>
+            <a:p>
+              <a:pPr algn="ctr"/>
+              <a:r>
+                <a:rPr kumimoji="1" lang="en-US" altLang="ko-Kore-KR" sz="1200" b="1" dirty="0">
+                  <a:solidFill>
+                    <a:srgbClr val="5DA2C5"/>
+                  </a:solidFill>
+                  <a:latin typeface="SHeadG" panose="02030600000101010101" pitchFamily="18" charset="-127"/>
+                  <a:ea typeface="SHeadG" panose="02030600000101010101" pitchFamily="18" charset="-127"/>
+                </a:rPr>
+                <a:t>K2</a:t>
+              </a:r>
+              <a:endParaRPr kumimoji="1" lang="ko-Kore-KR" altLang="en-US" sz="1200" b="1" dirty="0">
+                <a:solidFill>
+                  <a:srgbClr val="5DA2C5"/>
+                </a:solidFill>
+                <a:latin typeface="SHeadG" panose="02030600000101010101" pitchFamily="18" charset="-127"/>
+                <a:ea typeface="SHeadG" panose="02030600000101010101" pitchFamily="18" charset="-127"/>
+              </a:endParaRPr>
+            </a:p>
+          </p:txBody>
+        </p:sp>
+      </p:grpSp>
+      <p:grpSp>
+        <p:nvGrpSpPr>
+          <p:cNvPr id="121" name="그룹 120">
+            <a:extLst>
+              <a:ext uri="{FF2B5EF4-FFF2-40B4-BE49-F238E27FC236}">
+                <a16:creationId xmlns:a16="http://schemas.microsoft.com/office/drawing/2014/main" id="{92CC73DB-D6C9-4346-92B8-15C14CE20952}"/>
+              </a:ext>
+            </a:extLst>
+          </p:cNvPr>
+          <p:cNvGrpSpPr/>
+          <p:nvPr/>
+        </p:nvGrpSpPr>
+        <p:grpSpPr>
+          <a:xfrm>
+            <a:off x="3657278" y="3069690"/>
+            <a:ext cx="543689" cy="281455"/>
+            <a:chOff x="5556135" y="897681"/>
+            <a:chExt cx="543689" cy="281455"/>
+          </a:xfrm>
+        </p:grpSpPr>
+        <p:sp>
+          <p:nvSpPr>
+            <p:cNvPr id="122" name="직사각형 121">
+              <a:extLst>
+                <a:ext uri="{FF2B5EF4-FFF2-40B4-BE49-F238E27FC236}">
+                  <a16:creationId xmlns:a16="http://schemas.microsoft.com/office/drawing/2014/main" id="{40A8E8B4-B1BC-F248-8349-6E17DF5281B0}"/>
+                </a:ext>
+              </a:extLst>
+            </p:cNvPr>
+            <p:cNvSpPr/>
+            <p:nvPr/>
+          </p:nvSpPr>
+          <p:spPr>
+            <a:xfrm>
+              <a:off x="5556135" y="897681"/>
+              <a:ext cx="543689" cy="276999"/>
+            </a:xfrm>
+            <a:prstGeom prst="rect">
+              <a:avLst/>
+            </a:prstGeom>
+            <a:ln w="25400">
+              <a:solidFill>
+                <a:srgbClr val="5DA2C5"/>
+              </a:solidFill>
+            </a:ln>
+          </p:spPr>
+          <p:style>
+            <a:lnRef idx="1">
+              <a:schemeClr val="accent1"/>
+            </a:lnRef>
+            <a:fillRef idx="0">
+              <a:schemeClr val="accent1"/>
+            </a:fillRef>
+            <a:effectRef idx="0">
+              <a:schemeClr val="accent1"/>
+            </a:effectRef>
+            <a:fontRef idx="minor">
+              <a:schemeClr val="tx1"/>
+            </a:fontRef>
+          </p:style>
+          <p:txBody>
+            <a:bodyPr rtlCol="0" anchor="ctr"/>
+            <a:lstStyle/>
+            <a:p>
+              <a:pPr algn="ctr"/>
+              <a:endParaRPr kumimoji="1" lang="ko-Kore-KR" altLang="en-US"/>
+            </a:p>
+          </p:txBody>
+        </p:sp>
+        <p:sp>
+          <p:nvSpPr>
+            <p:cNvPr id="123" name="TextBox 122">
+              <a:extLst>
+                <a:ext uri="{FF2B5EF4-FFF2-40B4-BE49-F238E27FC236}">
+                  <a16:creationId xmlns:a16="http://schemas.microsoft.com/office/drawing/2014/main" id="{86AB31FB-724A-FF43-A373-02FA0EC834F9}"/>
+                </a:ext>
+              </a:extLst>
+            </p:cNvPr>
+            <p:cNvSpPr txBox="1"/>
+            <p:nvPr/>
+          </p:nvSpPr>
+          <p:spPr>
+            <a:xfrm>
+              <a:off x="5590002" y="902137"/>
+              <a:ext cx="509822" cy="276999"/>
+            </a:xfrm>
+            <a:prstGeom prst="rect">
+              <a:avLst/>
+            </a:prstGeom>
+            <a:noFill/>
+          </p:spPr>
+          <p:txBody>
+            <a:bodyPr wrap="square" rtlCol="0">
+              <a:spAutoFit/>
+            </a:bodyPr>
+            <a:lstStyle/>
+            <a:p>
+              <a:pPr algn="ctr"/>
+              <a:r>
+                <a:rPr kumimoji="1" lang="en-US" altLang="ko-Kore-KR" sz="1200" b="1" dirty="0">
+                  <a:solidFill>
+                    <a:srgbClr val="5DA2C5"/>
+                  </a:solidFill>
+                  <a:latin typeface="SHeadG" panose="02030600000101010101" pitchFamily="18" charset="-127"/>
+                  <a:ea typeface="SHeadG" panose="02030600000101010101" pitchFamily="18" charset="-127"/>
+                </a:rPr>
+                <a:t>K2</a:t>
+              </a:r>
+              <a:endParaRPr kumimoji="1" lang="ko-Kore-KR" altLang="en-US" sz="1200" b="1" dirty="0">
+                <a:solidFill>
+                  <a:srgbClr val="5DA2C5"/>
+                </a:solidFill>
+                <a:latin typeface="SHeadG" panose="02030600000101010101" pitchFamily="18" charset="-127"/>
+                <a:ea typeface="SHeadG" panose="02030600000101010101" pitchFamily="18" charset="-127"/>
+              </a:endParaRPr>
+            </a:p>
+          </p:txBody>
+        </p:sp>
+      </p:grpSp>
+      <p:grpSp>
+        <p:nvGrpSpPr>
+          <p:cNvPr id="124" name="그룹 123">
+            <a:extLst>
+              <a:ext uri="{FF2B5EF4-FFF2-40B4-BE49-F238E27FC236}">
+                <a16:creationId xmlns:a16="http://schemas.microsoft.com/office/drawing/2014/main" id="{CFDC3DF4-543A-384A-9987-45EBFB299E64}"/>
+              </a:ext>
+            </a:extLst>
+          </p:cNvPr>
+          <p:cNvGrpSpPr/>
+          <p:nvPr/>
+        </p:nvGrpSpPr>
+        <p:grpSpPr>
+          <a:xfrm>
+            <a:off x="4200967" y="3068202"/>
+            <a:ext cx="543689" cy="281455"/>
+            <a:chOff x="5556135" y="897681"/>
+            <a:chExt cx="543689" cy="281455"/>
+          </a:xfrm>
+        </p:grpSpPr>
+        <p:sp>
+          <p:nvSpPr>
+            <p:cNvPr id="125" name="직사각형 124">
+              <a:extLst>
+                <a:ext uri="{FF2B5EF4-FFF2-40B4-BE49-F238E27FC236}">
+                  <a16:creationId xmlns:a16="http://schemas.microsoft.com/office/drawing/2014/main" id="{B3940A2C-6713-3343-89B3-F692C2302526}"/>
+                </a:ext>
+              </a:extLst>
+            </p:cNvPr>
+            <p:cNvSpPr/>
+            <p:nvPr/>
+          </p:nvSpPr>
+          <p:spPr>
+            <a:xfrm>
+              <a:off x="5556135" y="897681"/>
+              <a:ext cx="543689" cy="276999"/>
+            </a:xfrm>
+            <a:prstGeom prst="rect">
+              <a:avLst/>
+            </a:prstGeom>
+            <a:ln w="25400">
+              <a:solidFill>
+                <a:srgbClr val="5DA2C5"/>
+              </a:solidFill>
+            </a:ln>
+          </p:spPr>
+          <p:style>
+            <a:lnRef idx="1">
+              <a:schemeClr val="accent1"/>
+            </a:lnRef>
+            <a:fillRef idx="0">
+              <a:schemeClr val="accent1"/>
+            </a:fillRef>
+            <a:effectRef idx="0">
+              <a:schemeClr val="accent1"/>
+            </a:effectRef>
+            <a:fontRef idx="minor">
+              <a:schemeClr val="tx1"/>
+            </a:fontRef>
+          </p:style>
+          <p:txBody>
+            <a:bodyPr rtlCol="0" anchor="ctr"/>
+            <a:lstStyle/>
+            <a:p>
+              <a:pPr algn="ctr"/>
+              <a:endParaRPr kumimoji="1" lang="ko-Kore-KR" altLang="en-US"/>
+            </a:p>
+          </p:txBody>
+        </p:sp>
+        <p:sp>
+          <p:nvSpPr>
+            <p:cNvPr id="126" name="TextBox 125">
+              <a:extLst>
+                <a:ext uri="{FF2B5EF4-FFF2-40B4-BE49-F238E27FC236}">
+                  <a16:creationId xmlns:a16="http://schemas.microsoft.com/office/drawing/2014/main" id="{CBFE37DE-ED6C-AA47-AAF8-7CFA1319F1A5}"/>
+                </a:ext>
+              </a:extLst>
+            </p:cNvPr>
+            <p:cNvSpPr txBox="1"/>
+            <p:nvPr/>
+          </p:nvSpPr>
+          <p:spPr>
+            <a:xfrm>
+              <a:off x="5590002" y="902137"/>
+              <a:ext cx="509822" cy="276999"/>
+            </a:xfrm>
+            <a:prstGeom prst="rect">
+              <a:avLst/>
+            </a:prstGeom>
+            <a:noFill/>
+          </p:spPr>
+          <p:txBody>
+            <a:bodyPr wrap="square" rtlCol="0">
+              <a:spAutoFit/>
+            </a:bodyPr>
+            <a:lstStyle/>
+            <a:p>
+              <a:pPr algn="ctr"/>
+              <a:r>
+                <a:rPr kumimoji="1" lang="en-US" altLang="ko-Kore-KR" sz="1200" b="1" dirty="0">
+                  <a:solidFill>
+                    <a:srgbClr val="5DA2C5"/>
+                  </a:solidFill>
+                  <a:latin typeface="SHeadG" panose="02030600000101010101" pitchFamily="18" charset="-127"/>
+                  <a:ea typeface="SHeadG" panose="02030600000101010101" pitchFamily="18" charset="-127"/>
+                </a:rPr>
+                <a:t>K3</a:t>
+              </a:r>
+              <a:endParaRPr kumimoji="1" lang="ko-Kore-KR" altLang="en-US" sz="1200" b="1" dirty="0">
+                <a:solidFill>
+                  <a:srgbClr val="5DA2C5"/>
+                </a:solidFill>
+                <a:latin typeface="SHeadG" panose="02030600000101010101" pitchFamily="18" charset="-127"/>
+                <a:ea typeface="SHeadG" panose="02030600000101010101" pitchFamily="18" charset="-127"/>
+              </a:endParaRPr>
+            </a:p>
+          </p:txBody>
+        </p:sp>
+      </p:grpSp>
+      <p:grpSp>
+        <p:nvGrpSpPr>
+          <p:cNvPr id="127" name="그룹 126">
+            <a:extLst>
+              <a:ext uri="{FF2B5EF4-FFF2-40B4-BE49-F238E27FC236}">
+                <a16:creationId xmlns:a16="http://schemas.microsoft.com/office/drawing/2014/main" id="{70F664B4-12E1-994F-A95A-9AD8F2270297}"/>
+              </a:ext>
+            </a:extLst>
+          </p:cNvPr>
+          <p:cNvGrpSpPr/>
+          <p:nvPr/>
+        </p:nvGrpSpPr>
+        <p:grpSpPr>
+          <a:xfrm>
+            <a:off x="4744656" y="3070431"/>
+            <a:ext cx="543689" cy="281455"/>
+            <a:chOff x="5556135" y="897681"/>
+            <a:chExt cx="543689" cy="281455"/>
+          </a:xfrm>
+        </p:grpSpPr>
+        <p:sp>
+          <p:nvSpPr>
+            <p:cNvPr id="128" name="직사각형 127">
+              <a:extLst>
+                <a:ext uri="{FF2B5EF4-FFF2-40B4-BE49-F238E27FC236}">
+                  <a16:creationId xmlns:a16="http://schemas.microsoft.com/office/drawing/2014/main" id="{FB6B1C78-F652-CA41-A3F3-EE8A0B052CFF}"/>
+                </a:ext>
+              </a:extLst>
+            </p:cNvPr>
+            <p:cNvSpPr/>
+            <p:nvPr/>
+          </p:nvSpPr>
+          <p:spPr>
+            <a:xfrm>
+              <a:off x="5556135" y="897681"/>
+              <a:ext cx="543689" cy="276999"/>
+            </a:xfrm>
+            <a:prstGeom prst="rect">
+              <a:avLst/>
+            </a:prstGeom>
+            <a:ln w="25400">
+              <a:solidFill>
+                <a:srgbClr val="5DA2C5"/>
+              </a:solidFill>
+            </a:ln>
+          </p:spPr>
+          <p:style>
+            <a:lnRef idx="1">
+              <a:schemeClr val="accent1"/>
+            </a:lnRef>
+            <a:fillRef idx="0">
+              <a:schemeClr val="accent1"/>
+            </a:fillRef>
+            <a:effectRef idx="0">
+              <a:schemeClr val="accent1"/>
+            </a:effectRef>
+            <a:fontRef idx="minor">
+              <a:schemeClr val="tx1"/>
+            </a:fontRef>
+          </p:style>
+          <p:txBody>
+            <a:bodyPr rtlCol="0" anchor="ctr"/>
+            <a:lstStyle/>
+            <a:p>
+              <a:pPr algn="ctr"/>
+              <a:endParaRPr kumimoji="1" lang="ko-Kore-KR" altLang="en-US"/>
+            </a:p>
+          </p:txBody>
+        </p:sp>
+        <p:sp>
+          <p:nvSpPr>
+            <p:cNvPr id="129" name="TextBox 128">
+              <a:extLst>
+                <a:ext uri="{FF2B5EF4-FFF2-40B4-BE49-F238E27FC236}">
+                  <a16:creationId xmlns:a16="http://schemas.microsoft.com/office/drawing/2014/main" id="{B7AE3230-E882-6646-9EE4-B8CBA677BB74}"/>
+                </a:ext>
+              </a:extLst>
+            </p:cNvPr>
+            <p:cNvSpPr txBox="1"/>
+            <p:nvPr/>
+          </p:nvSpPr>
+          <p:spPr>
+            <a:xfrm>
+              <a:off x="5590002" y="902137"/>
+              <a:ext cx="509822" cy="276999"/>
+            </a:xfrm>
+            <a:prstGeom prst="rect">
+              <a:avLst/>
+            </a:prstGeom>
+            <a:noFill/>
+          </p:spPr>
+          <p:txBody>
+            <a:bodyPr wrap="square" rtlCol="0">
+              <a:spAutoFit/>
+            </a:bodyPr>
+            <a:lstStyle/>
+            <a:p>
+              <a:pPr algn="ctr"/>
+              <a:r>
+                <a:rPr kumimoji="1" lang="en-US" altLang="ko-Kore-KR" sz="1200" b="1" dirty="0">
+                  <a:solidFill>
+                    <a:srgbClr val="5DA2C5"/>
+                  </a:solidFill>
+                  <a:latin typeface="SHeadG" panose="02030600000101010101" pitchFamily="18" charset="-127"/>
+                  <a:ea typeface="SHeadG" panose="02030600000101010101" pitchFamily="18" charset="-127"/>
+                </a:rPr>
+                <a:t>K3</a:t>
+              </a:r>
+              <a:endParaRPr kumimoji="1" lang="ko-Kore-KR" altLang="en-US" sz="1200" b="1" dirty="0">
+                <a:solidFill>
+                  <a:srgbClr val="5DA2C5"/>
+                </a:solidFill>
+                <a:latin typeface="SHeadG" panose="02030600000101010101" pitchFamily="18" charset="-127"/>
+                <a:ea typeface="SHeadG" panose="02030600000101010101" pitchFamily="18" charset="-127"/>
+              </a:endParaRPr>
+            </a:p>
+          </p:txBody>
+        </p:sp>
+      </p:grpSp>
+      <p:grpSp>
+        <p:nvGrpSpPr>
+          <p:cNvPr id="130" name="그룹 129">
+            <a:extLst>
+              <a:ext uri="{FF2B5EF4-FFF2-40B4-BE49-F238E27FC236}">
+                <a16:creationId xmlns:a16="http://schemas.microsoft.com/office/drawing/2014/main" id="{326A45C4-44E9-964E-A37C-E18737FF4DEE}"/>
+              </a:ext>
+            </a:extLst>
+          </p:cNvPr>
+          <p:cNvGrpSpPr/>
+          <p:nvPr/>
+        </p:nvGrpSpPr>
+        <p:grpSpPr>
+          <a:xfrm>
+            <a:off x="3111769" y="3344995"/>
+            <a:ext cx="543689" cy="281455"/>
+            <a:chOff x="5556135" y="897681"/>
+            <a:chExt cx="543689" cy="281455"/>
+          </a:xfrm>
+        </p:grpSpPr>
+        <p:sp>
+          <p:nvSpPr>
+            <p:cNvPr id="131" name="직사각형 130">
+              <a:extLst>
+                <a:ext uri="{FF2B5EF4-FFF2-40B4-BE49-F238E27FC236}">
+                  <a16:creationId xmlns:a16="http://schemas.microsoft.com/office/drawing/2014/main" id="{38ABCF8D-B7B4-5742-9A02-2D1C8920EAD0}"/>
+                </a:ext>
+              </a:extLst>
+            </p:cNvPr>
+            <p:cNvSpPr/>
+            <p:nvPr/>
+          </p:nvSpPr>
+          <p:spPr>
+            <a:xfrm>
+              <a:off x="5556135" y="897681"/>
+              <a:ext cx="543689" cy="276999"/>
+            </a:xfrm>
+            <a:prstGeom prst="rect">
+              <a:avLst/>
+            </a:prstGeom>
+            <a:ln w="25400">
+              <a:solidFill>
+                <a:srgbClr val="5DA2C5"/>
+              </a:solidFill>
+            </a:ln>
+          </p:spPr>
+          <p:style>
+            <a:lnRef idx="1">
+              <a:schemeClr val="accent1"/>
+            </a:lnRef>
+            <a:fillRef idx="0">
+              <a:schemeClr val="accent1"/>
+            </a:fillRef>
+            <a:effectRef idx="0">
+              <a:schemeClr val="accent1"/>
+            </a:effectRef>
+            <a:fontRef idx="minor">
+              <a:schemeClr val="tx1"/>
+            </a:fontRef>
+          </p:style>
+          <p:txBody>
+            <a:bodyPr rtlCol="0" anchor="ctr"/>
+            <a:lstStyle/>
+            <a:p>
+              <a:pPr algn="ctr"/>
+              <a:endParaRPr kumimoji="1" lang="ko-Kore-KR" altLang="en-US"/>
+            </a:p>
+          </p:txBody>
+        </p:sp>
+        <p:sp>
+          <p:nvSpPr>
+            <p:cNvPr id="132" name="TextBox 131">
+              <a:extLst>
+                <a:ext uri="{FF2B5EF4-FFF2-40B4-BE49-F238E27FC236}">
+                  <a16:creationId xmlns:a16="http://schemas.microsoft.com/office/drawing/2014/main" id="{1B4E558E-BD3E-1548-AE3C-8F4A23F34F7C}"/>
+                </a:ext>
+              </a:extLst>
+            </p:cNvPr>
+            <p:cNvSpPr txBox="1"/>
+            <p:nvPr/>
+          </p:nvSpPr>
+          <p:spPr>
+            <a:xfrm>
+              <a:off x="5590002" y="902137"/>
+              <a:ext cx="509822" cy="276999"/>
+            </a:xfrm>
+            <a:prstGeom prst="rect">
+              <a:avLst/>
+            </a:prstGeom>
+            <a:noFill/>
+          </p:spPr>
+          <p:txBody>
+            <a:bodyPr wrap="square" rtlCol="0">
+              <a:spAutoFit/>
+            </a:bodyPr>
+            <a:lstStyle/>
+            <a:p>
+              <a:pPr algn="ctr"/>
+              <a:r>
+                <a:rPr kumimoji="1" lang="en-US" altLang="ko-Kore-KR" sz="1200" b="1" dirty="0">
+                  <a:solidFill>
+                    <a:srgbClr val="5DA2C5"/>
+                  </a:solidFill>
+                  <a:latin typeface="SHeadG" panose="02030600000101010101" pitchFamily="18" charset="-127"/>
+                  <a:ea typeface="SHeadG" panose="02030600000101010101" pitchFamily="18" charset="-127"/>
+                </a:rPr>
+                <a:t>V1</a:t>
+              </a:r>
+              <a:endParaRPr kumimoji="1" lang="ko-Kore-KR" altLang="en-US" sz="1200" b="1" dirty="0">
+                <a:solidFill>
+                  <a:srgbClr val="5DA2C5"/>
+                </a:solidFill>
+                <a:latin typeface="SHeadG" panose="02030600000101010101" pitchFamily="18" charset="-127"/>
+                <a:ea typeface="SHeadG" panose="02030600000101010101" pitchFamily="18" charset="-127"/>
+              </a:endParaRPr>
+            </a:p>
+          </p:txBody>
+        </p:sp>
+      </p:grpSp>
+      <p:grpSp>
+        <p:nvGrpSpPr>
+          <p:cNvPr id="133" name="그룹 132">
+            <a:extLst>
+              <a:ext uri="{FF2B5EF4-FFF2-40B4-BE49-F238E27FC236}">
+                <a16:creationId xmlns:a16="http://schemas.microsoft.com/office/drawing/2014/main" id="{FF63F0E4-5B1E-1E4A-A498-20AC02888A62}"/>
+              </a:ext>
+            </a:extLst>
+          </p:cNvPr>
+          <p:cNvGrpSpPr/>
+          <p:nvPr/>
+        </p:nvGrpSpPr>
+        <p:grpSpPr>
+          <a:xfrm>
+            <a:off x="3656958" y="3346642"/>
+            <a:ext cx="543689" cy="281455"/>
+            <a:chOff x="5556135" y="897681"/>
+            <a:chExt cx="543689" cy="281455"/>
+          </a:xfrm>
+        </p:grpSpPr>
+        <p:sp>
+          <p:nvSpPr>
+            <p:cNvPr id="134" name="직사각형 133">
+              <a:extLst>
+                <a:ext uri="{FF2B5EF4-FFF2-40B4-BE49-F238E27FC236}">
+                  <a16:creationId xmlns:a16="http://schemas.microsoft.com/office/drawing/2014/main" id="{B050B21F-0419-0E4B-A635-5AE664809E77}"/>
+                </a:ext>
+              </a:extLst>
+            </p:cNvPr>
+            <p:cNvSpPr/>
+            <p:nvPr/>
+          </p:nvSpPr>
+          <p:spPr>
+            <a:xfrm>
+              <a:off x="5556135" y="897681"/>
+              <a:ext cx="543689" cy="276999"/>
+            </a:xfrm>
+            <a:prstGeom prst="rect">
+              <a:avLst/>
+            </a:prstGeom>
+            <a:ln w="25400">
+              <a:solidFill>
+                <a:srgbClr val="5DA2C5"/>
+              </a:solidFill>
+            </a:ln>
+          </p:spPr>
+          <p:style>
+            <a:lnRef idx="1">
+              <a:schemeClr val="accent1"/>
+            </a:lnRef>
+            <a:fillRef idx="0">
+              <a:schemeClr val="accent1"/>
+            </a:fillRef>
+            <a:effectRef idx="0">
+              <a:schemeClr val="accent1"/>
+            </a:effectRef>
+            <a:fontRef idx="minor">
+              <a:schemeClr val="tx1"/>
+            </a:fontRef>
+          </p:style>
+          <p:txBody>
+            <a:bodyPr rtlCol="0" anchor="ctr"/>
+            <a:lstStyle/>
+            <a:p>
+              <a:pPr algn="ctr"/>
+              <a:endParaRPr kumimoji="1" lang="ko-Kore-KR" altLang="en-US"/>
+            </a:p>
+          </p:txBody>
+        </p:sp>
+        <p:sp>
+          <p:nvSpPr>
+            <p:cNvPr id="135" name="TextBox 134">
+              <a:extLst>
+                <a:ext uri="{FF2B5EF4-FFF2-40B4-BE49-F238E27FC236}">
+                  <a16:creationId xmlns:a16="http://schemas.microsoft.com/office/drawing/2014/main" id="{7E9F3387-F3D8-7546-A621-E42E5F91FAE2}"/>
+                </a:ext>
+              </a:extLst>
+            </p:cNvPr>
+            <p:cNvSpPr txBox="1"/>
+            <p:nvPr/>
+          </p:nvSpPr>
+          <p:spPr>
+            <a:xfrm>
+              <a:off x="5590002" y="902137"/>
+              <a:ext cx="509822" cy="276999"/>
+            </a:xfrm>
+            <a:prstGeom prst="rect">
+              <a:avLst/>
+            </a:prstGeom>
+            <a:noFill/>
+          </p:spPr>
+          <p:txBody>
+            <a:bodyPr wrap="square" rtlCol="0">
+              <a:spAutoFit/>
+            </a:bodyPr>
+            <a:lstStyle/>
+            <a:p>
+              <a:pPr algn="ctr"/>
+              <a:r>
+                <a:rPr kumimoji="1" lang="en-US" altLang="ko-Kore-KR" sz="1200" b="1" dirty="0">
+                  <a:solidFill>
+                    <a:srgbClr val="5DA2C5"/>
+                  </a:solidFill>
+                  <a:latin typeface="SHeadG" panose="02030600000101010101" pitchFamily="18" charset="-127"/>
+                  <a:ea typeface="SHeadG" panose="02030600000101010101" pitchFamily="18" charset="-127"/>
+                </a:rPr>
+                <a:t>V2</a:t>
+              </a:r>
+              <a:endParaRPr kumimoji="1" lang="ko-Kore-KR" altLang="en-US" sz="1200" b="1" dirty="0">
+                <a:solidFill>
+                  <a:srgbClr val="5DA2C5"/>
+                </a:solidFill>
+                <a:latin typeface="SHeadG" panose="02030600000101010101" pitchFamily="18" charset="-127"/>
+                <a:ea typeface="SHeadG" panose="02030600000101010101" pitchFamily="18" charset="-127"/>
+              </a:endParaRPr>
+            </a:p>
+          </p:txBody>
+        </p:sp>
+      </p:grpSp>
+      <p:grpSp>
+        <p:nvGrpSpPr>
+          <p:cNvPr id="136" name="그룹 135">
+            <a:extLst>
+              <a:ext uri="{FF2B5EF4-FFF2-40B4-BE49-F238E27FC236}">
+                <a16:creationId xmlns:a16="http://schemas.microsoft.com/office/drawing/2014/main" id="{27BAE4F4-D942-8C45-B323-089CFFDD6D9A}"/>
+              </a:ext>
+            </a:extLst>
+          </p:cNvPr>
+          <p:cNvGrpSpPr/>
+          <p:nvPr/>
+        </p:nvGrpSpPr>
+        <p:grpSpPr>
+          <a:xfrm>
+            <a:off x="4200647" y="3343598"/>
+            <a:ext cx="543689" cy="281455"/>
+            <a:chOff x="5556135" y="897681"/>
+            <a:chExt cx="543689" cy="281455"/>
+          </a:xfrm>
+        </p:grpSpPr>
+        <p:sp>
+          <p:nvSpPr>
+            <p:cNvPr id="137" name="직사각형 136">
+              <a:extLst>
+                <a:ext uri="{FF2B5EF4-FFF2-40B4-BE49-F238E27FC236}">
+                  <a16:creationId xmlns:a16="http://schemas.microsoft.com/office/drawing/2014/main" id="{7920A927-FCC8-7743-B7BD-E19059B1F209}"/>
+                </a:ext>
+              </a:extLst>
+            </p:cNvPr>
+            <p:cNvSpPr/>
+            <p:nvPr/>
+          </p:nvSpPr>
+          <p:spPr>
+            <a:xfrm>
+              <a:off x="5556135" y="897681"/>
+              <a:ext cx="543689" cy="276999"/>
+            </a:xfrm>
+            <a:prstGeom prst="rect">
+              <a:avLst/>
+            </a:prstGeom>
+            <a:ln w="25400">
+              <a:solidFill>
+                <a:srgbClr val="5DA2C5"/>
+              </a:solidFill>
+            </a:ln>
+          </p:spPr>
+          <p:style>
+            <a:lnRef idx="1">
+              <a:schemeClr val="accent1"/>
+            </a:lnRef>
+            <a:fillRef idx="0">
+              <a:schemeClr val="accent1"/>
+            </a:fillRef>
+            <a:effectRef idx="0">
+              <a:schemeClr val="accent1"/>
+            </a:effectRef>
+            <a:fontRef idx="minor">
+              <a:schemeClr val="tx1"/>
+            </a:fontRef>
+          </p:style>
+          <p:txBody>
+            <a:bodyPr rtlCol="0" anchor="ctr"/>
+            <a:lstStyle/>
+            <a:p>
+              <a:pPr algn="ctr"/>
+              <a:endParaRPr kumimoji="1" lang="ko-Kore-KR" altLang="en-US"/>
+            </a:p>
+          </p:txBody>
+        </p:sp>
+        <p:sp>
+          <p:nvSpPr>
+            <p:cNvPr id="138" name="TextBox 137">
+              <a:extLst>
+                <a:ext uri="{FF2B5EF4-FFF2-40B4-BE49-F238E27FC236}">
+                  <a16:creationId xmlns:a16="http://schemas.microsoft.com/office/drawing/2014/main" id="{B20298DE-3698-3B45-8127-BCA215AE4DEE}"/>
+                </a:ext>
+              </a:extLst>
+            </p:cNvPr>
+            <p:cNvSpPr txBox="1"/>
+            <p:nvPr/>
+          </p:nvSpPr>
+          <p:spPr>
+            <a:xfrm>
+              <a:off x="5590002" y="902137"/>
+              <a:ext cx="509822" cy="276999"/>
+            </a:xfrm>
+            <a:prstGeom prst="rect">
+              <a:avLst/>
+            </a:prstGeom>
+            <a:noFill/>
+          </p:spPr>
+          <p:txBody>
+            <a:bodyPr wrap="square" rtlCol="0">
+              <a:spAutoFit/>
+            </a:bodyPr>
+            <a:lstStyle/>
+            <a:p>
+              <a:pPr algn="ctr"/>
+              <a:r>
+                <a:rPr kumimoji="1" lang="en-US" altLang="ko-Kore-KR" sz="1200" b="1" dirty="0">
+                  <a:solidFill>
+                    <a:srgbClr val="5DA2C5"/>
+                  </a:solidFill>
+                  <a:latin typeface="SHeadG" panose="02030600000101010101" pitchFamily="18" charset="-127"/>
+                  <a:ea typeface="SHeadG" panose="02030600000101010101" pitchFamily="18" charset="-127"/>
+                </a:rPr>
+                <a:t>V</a:t>
+              </a:r>
+              <a:r>
+                <a:rPr kumimoji="1" lang="en-US" altLang="ko-KR" sz="1200" b="1" dirty="0">
+                  <a:solidFill>
+                    <a:srgbClr val="5DA2C5"/>
+                  </a:solidFill>
+                  <a:latin typeface="SHeadG" panose="02030600000101010101" pitchFamily="18" charset="-127"/>
+                  <a:ea typeface="SHeadG" panose="02030600000101010101" pitchFamily="18" charset="-127"/>
+                </a:rPr>
+                <a:t>1</a:t>
+              </a:r>
+              <a:endParaRPr kumimoji="1" lang="ko-Kore-KR" altLang="en-US" sz="1200" b="1" dirty="0">
+                <a:solidFill>
+                  <a:srgbClr val="5DA2C5"/>
+                </a:solidFill>
+                <a:latin typeface="SHeadG" panose="02030600000101010101" pitchFamily="18" charset="-127"/>
+                <a:ea typeface="SHeadG" panose="02030600000101010101" pitchFamily="18" charset="-127"/>
+              </a:endParaRPr>
+            </a:p>
+          </p:txBody>
+        </p:sp>
+      </p:grpSp>
+      <p:grpSp>
+        <p:nvGrpSpPr>
+          <p:cNvPr id="139" name="그룹 138">
+            <a:extLst>
+              <a:ext uri="{FF2B5EF4-FFF2-40B4-BE49-F238E27FC236}">
+                <a16:creationId xmlns:a16="http://schemas.microsoft.com/office/drawing/2014/main" id="{28087072-CA7F-844E-B502-E20C0EDBDCAB}"/>
+              </a:ext>
+            </a:extLst>
+          </p:cNvPr>
+          <p:cNvGrpSpPr/>
+          <p:nvPr/>
+        </p:nvGrpSpPr>
+        <p:grpSpPr>
+          <a:xfrm>
+            <a:off x="4744336" y="3345827"/>
+            <a:ext cx="543689" cy="281455"/>
+            <a:chOff x="5556135" y="897681"/>
+            <a:chExt cx="543689" cy="281455"/>
+          </a:xfrm>
+        </p:grpSpPr>
+        <p:sp>
+          <p:nvSpPr>
+            <p:cNvPr id="140" name="직사각형 139">
+              <a:extLst>
+                <a:ext uri="{FF2B5EF4-FFF2-40B4-BE49-F238E27FC236}">
+                  <a16:creationId xmlns:a16="http://schemas.microsoft.com/office/drawing/2014/main" id="{0CA06A64-52B4-064D-B37C-9C38BE5D3AA6}"/>
+                </a:ext>
+              </a:extLst>
+            </p:cNvPr>
+            <p:cNvSpPr/>
+            <p:nvPr/>
+          </p:nvSpPr>
+          <p:spPr>
+            <a:xfrm>
+              <a:off x="5556135" y="897681"/>
+              <a:ext cx="543689" cy="276999"/>
+            </a:xfrm>
+            <a:prstGeom prst="rect">
+              <a:avLst/>
+            </a:prstGeom>
+            <a:ln w="25400">
+              <a:solidFill>
+                <a:srgbClr val="5DA2C5"/>
+              </a:solidFill>
+            </a:ln>
+          </p:spPr>
+          <p:style>
+            <a:lnRef idx="1">
+              <a:schemeClr val="accent1"/>
+            </a:lnRef>
+            <a:fillRef idx="0">
+              <a:schemeClr val="accent1"/>
+            </a:fillRef>
+            <a:effectRef idx="0">
+              <a:schemeClr val="accent1"/>
+            </a:effectRef>
+            <a:fontRef idx="minor">
+              <a:schemeClr val="tx1"/>
+            </a:fontRef>
+          </p:style>
+          <p:txBody>
+            <a:bodyPr rtlCol="0" anchor="ctr"/>
+            <a:lstStyle/>
+            <a:p>
+              <a:pPr algn="ctr"/>
+              <a:endParaRPr kumimoji="1" lang="ko-Kore-KR" altLang="en-US"/>
+            </a:p>
+          </p:txBody>
+        </p:sp>
+        <p:sp>
+          <p:nvSpPr>
+            <p:cNvPr id="142" name="TextBox 141">
+              <a:extLst>
+                <a:ext uri="{FF2B5EF4-FFF2-40B4-BE49-F238E27FC236}">
+                  <a16:creationId xmlns:a16="http://schemas.microsoft.com/office/drawing/2014/main" id="{C5891CEA-B41C-904D-954A-05F31D3C99FA}"/>
+                </a:ext>
+              </a:extLst>
+            </p:cNvPr>
+            <p:cNvSpPr txBox="1"/>
+            <p:nvPr/>
+          </p:nvSpPr>
+          <p:spPr>
+            <a:xfrm>
+              <a:off x="5590002" y="902137"/>
+              <a:ext cx="509822" cy="276999"/>
+            </a:xfrm>
+            <a:prstGeom prst="rect">
+              <a:avLst/>
+            </a:prstGeom>
+            <a:noFill/>
+          </p:spPr>
+          <p:txBody>
+            <a:bodyPr wrap="square" rtlCol="0">
+              <a:spAutoFit/>
+            </a:bodyPr>
+            <a:lstStyle/>
+            <a:p>
+              <a:pPr algn="ctr"/>
+              <a:r>
+                <a:rPr kumimoji="1" lang="en-US" altLang="ko-Kore-KR" sz="1200" b="1" dirty="0">
+                  <a:solidFill>
+                    <a:srgbClr val="5DA2C5"/>
+                  </a:solidFill>
+                  <a:latin typeface="SHeadG" panose="02030600000101010101" pitchFamily="18" charset="-127"/>
+                  <a:ea typeface="SHeadG" panose="02030600000101010101" pitchFamily="18" charset="-127"/>
+                </a:rPr>
+                <a:t>V</a:t>
+              </a:r>
+              <a:r>
+                <a:rPr kumimoji="1" lang="en-US" altLang="ko-KR" sz="1200" b="1" dirty="0">
+                  <a:solidFill>
+                    <a:srgbClr val="5DA2C5"/>
+                  </a:solidFill>
+                  <a:latin typeface="SHeadG" panose="02030600000101010101" pitchFamily="18" charset="-127"/>
+                  <a:ea typeface="SHeadG" panose="02030600000101010101" pitchFamily="18" charset="-127"/>
+                </a:rPr>
+                <a:t>2</a:t>
+              </a:r>
+              <a:endParaRPr kumimoji="1" lang="ko-Kore-KR" altLang="en-US" sz="1200" b="1" dirty="0">
+                <a:solidFill>
+                  <a:srgbClr val="5DA2C5"/>
+                </a:solidFill>
+                <a:latin typeface="SHeadG" panose="02030600000101010101" pitchFamily="18" charset="-127"/>
+                <a:ea typeface="SHeadG" panose="02030600000101010101" pitchFamily="18" charset="-127"/>
+              </a:endParaRPr>
+            </a:p>
+          </p:txBody>
+        </p:sp>
+      </p:grpSp>
+      <p:sp>
+        <p:nvSpPr>
+          <p:cNvPr id="195" name="TextBox 194">
+            <a:extLst>
+              <a:ext uri="{FF2B5EF4-FFF2-40B4-BE49-F238E27FC236}">
+                <a16:creationId xmlns:a16="http://schemas.microsoft.com/office/drawing/2014/main" id="{C432D7EB-90EF-F344-AC0E-685180DC1B77}"/>
+              </a:ext>
+            </a:extLst>
+          </p:cNvPr>
+          <p:cNvSpPr txBox="1"/>
+          <p:nvPr/>
+        </p:nvSpPr>
+        <p:spPr>
+          <a:xfrm>
+            <a:off x="1967624" y="1845278"/>
+            <a:ext cx="1115598" cy="276999"/>
+          </a:xfrm>
+          <a:prstGeom prst="rect">
+            <a:avLst/>
+          </a:prstGeom>
+          <a:noFill/>
+        </p:spPr>
+        <p:txBody>
+          <a:bodyPr wrap="square" rtlCol="0">
+            <a:spAutoFit/>
+          </a:bodyPr>
+          <a:lstStyle/>
+          <a:p>
+            <a:pPr algn="ctr"/>
+            <a:r>
+              <a:rPr kumimoji="1" lang="ko-KR" altLang="en-US" sz="1200" b="1" dirty="0">
+                <a:solidFill>
+                  <a:srgbClr val="5DA2C5"/>
+                </a:solidFill>
+                <a:latin typeface="SHeadG" panose="02030600000101010101" pitchFamily="18" charset="-127"/>
+                <a:ea typeface="SHeadG" panose="02030600000101010101" pitchFamily="18" charset="-127"/>
+              </a:rPr>
+              <a:t>파티션 </a:t>
+            </a:r>
+            <a:r>
+              <a:rPr kumimoji="1" lang="en-US" altLang="ko-KR" sz="1200" b="1" dirty="0">
+                <a:solidFill>
+                  <a:srgbClr val="5DA2C5"/>
+                </a:solidFill>
+                <a:latin typeface="SHeadG" panose="02030600000101010101" pitchFamily="18" charset="-127"/>
+                <a:ea typeface="SHeadG" panose="02030600000101010101" pitchFamily="18" charset="-127"/>
+              </a:rPr>
+              <a:t>#0</a:t>
+            </a:r>
+            <a:endParaRPr kumimoji="1" lang="ko-Kore-KR" altLang="en-US" sz="1200" b="1" dirty="0">
+              <a:solidFill>
+                <a:srgbClr val="5DA2C5"/>
+              </a:solidFill>
+              <a:latin typeface="SHeadG" panose="02030600000101010101" pitchFamily="18" charset="-127"/>
+              <a:ea typeface="SHeadG" panose="02030600000101010101" pitchFamily="18" charset="-127"/>
+            </a:endParaRPr>
+          </a:p>
+        </p:txBody>
+      </p:sp>
+      <p:sp>
+        <p:nvSpPr>
+          <p:cNvPr id="196" name="TextBox 195">
+            <a:extLst>
+              <a:ext uri="{FF2B5EF4-FFF2-40B4-BE49-F238E27FC236}">
+                <a16:creationId xmlns:a16="http://schemas.microsoft.com/office/drawing/2014/main" id="{CCCF3829-A129-A744-B6FA-25EE8C247640}"/>
+              </a:ext>
+            </a:extLst>
+          </p:cNvPr>
+          <p:cNvSpPr txBox="1"/>
+          <p:nvPr/>
+        </p:nvSpPr>
+        <p:spPr>
+          <a:xfrm>
+            <a:off x="1961441" y="3053731"/>
+            <a:ext cx="1115598" cy="276999"/>
+          </a:xfrm>
+          <a:prstGeom prst="rect">
+            <a:avLst/>
+          </a:prstGeom>
+          <a:noFill/>
+        </p:spPr>
+        <p:txBody>
+          <a:bodyPr wrap="square" rtlCol="0">
+            <a:spAutoFit/>
+          </a:bodyPr>
+          <a:lstStyle/>
+          <a:p>
+            <a:pPr algn="ctr"/>
+            <a:r>
+              <a:rPr kumimoji="1" lang="ko-KR" altLang="en-US" sz="1200" b="1" dirty="0">
+                <a:solidFill>
+                  <a:srgbClr val="5DA2C5"/>
+                </a:solidFill>
+                <a:latin typeface="SHeadG" panose="02030600000101010101" pitchFamily="18" charset="-127"/>
+                <a:ea typeface="SHeadG" panose="02030600000101010101" pitchFamily="18" charset="-127"/>
+              </a:rPr>
+              <a:t>파티션 </a:t>
+            </a:r>
+            <a:r>
+              <a:rPr kumimoji="1" lang="en-US" altLang="ko-KR" sz="1200" b="1" dirty="0">
+                <a:solidFill>
+                  <a:srgbClr val="5DA2C5"/>
+                </a:solidFill>
+                <a:latin typeface="SHeadG" panose="02030600000101010101" pitchFamily="18" charset="-127"/>
+                <a:ea typeface="SHeadG" panose="02030600000101010101" pitchFamily="18" charset="-127"/>
+              </a:rPr>
+              <a:t>#1</a:t>
+            </a:r>
+            <a:endParaRPr kumimoji="1" lang="ko-Kore-KR" altLang="en-US" sz="1200" b="1" dirty="0">
+              <a:solidFill>
+                <a:srgbClr val="5DA2C5"/>
+              </a:solidFill>
+              <a:latin typeface="SHeadG" panose="02030600000101010101" pitchFamily="18" charset="-127"/>
+              <a:ea typeface="SHeadG" panose="02030600000101010101" pitchFamily="18" charset="-127"/>
+            </a:endParaRPr>
+          </a:p>
+        </p:txBody>
+      </p:sp>
+      <p:grpSp>
+        <p:nvGrpSpPr>
+          <p:cNvPr id="2" name="그룹 1">
+            <a:extLst>
+              <a:ext uri="{FF2B5EF4-FFF2-40B4-BE49-F238E27FC236}">
+                <a16:creationId xmlns:a16="http://schemas.microsoft.com/office/drawing/2014/main" id="{EAB6555B-32BF-D947-A80A-16EFFF39B0A5}"/>
+              </a:ext>
+            </a:extLst>
+          </p:cNvPr>
+          <p:cNvGrpSpPr/>
+          <p:nvPr/>
+        </p:nvGrpSpPr>
+        <p:grpSpPr>
+          <a:xfrm>
+            <a:off x="6866007" y="1497180"/>
+            <a:ext cx="1721084" cy="1637041"/>
+            <a:chOff x="7216088" y="756088"/>
+            <a:chExt cx="1721084" cy="1637041"/>
+          </a:xfrm>
+        </p:grpSpPr>
+        <p:sp>
+          <p:nvSpPr>
+            <p:cNvPr id="208" name="직사각형 207">
+              <a:extLst>
+                <a:ext uri="{FF2B5EF4-FFF2-40B4-BE49-F238E27FC236}">
+                  <a16:creationId xmlns:a16="http://schemas.microsoft.com/office/drawing/2014/main" id="{B3412387-936A-B54E-812A-C5073FBF7DAC}"/>
+                </a:ext>
+              </a:extLst>
+            </p:cNvPr>
+            <p:cNvSpPr/>
+            <p:nvPr/>
+          </p:nvSpPr>
+          <p:spPr>
+            <a:xfrm>
+              <a:off x="7216088" y="756088"/>
+              <a:ext cx="1721084" cy="1637041"/>
+            </a:xfrm>
+            <a:prstGeom prst="rect">
+              <a:avLst/>
+            </a:prstGeom>
+            <a:solidFill>
+              <a:schemeClr val="bg1">
+                <a:lumMod val="85000"/>
+              </a:schemeClr>
+            </a:solidFill>
+            <a:ln w="25400">
+              <a:solidFill>
+                <a:srgbClr val="5DA2C5"/>
+              </a:solidFill>
+            </a:ln>
+          </p:spPr>
+          <p:style>
+            <a:lnRef idx="1">
+              <a:schemeClr val="accent1"/>
+            </a:lnRef>
+            <a:fillRef idx="0">
+              <a:schemeClr val="accent1"/>
+            </a:fillRef>
+            <a:effectRef idx="0">
+              <a:schemeClr val="accent1"/>
+            </a:effectRef>
+            <a:fontRef idx="minor">
+              <a:schemeClr val="tx1"/>
+            </a:fontRef>
+          </p:style>
+          <p:txBody>
+            <a:bodyPr rtlCol="0" anchor="ctr"/>
+            <a:lstStyle/>
+            <a:p>
+              <a:pPr algn="ctr"/>
+              <a:endParaRPr kumimoji="1" lang="ko-Kore-KR" altLang="en-US"/>
+            </a:p>
+          </p:txBody>
+        </p:sp>
+        <p:grpSp>
+          <p:nvGrpSpPr>
+            <p:cNvPr id="199" name="그룹 198">
+              <a:extLst>
+                <a:ext uri="{FF2B5EF4-FFF2-40B4-BE49-F238E27FC236}">
+                  <a16:creationId xmlns:a16="http://schemas.microsoft.com/office/drawing/2014/main" id="{6517DB50-6618-3B47-BC6A-D997B9C5C0CB}"/>
+                </a:ext>
+              </a:extLst>
+            </p:cNvPr>
+            <p:cNvGrpSpPr/>
+            <p:nvPr/>
+          </p:nvGrpSpPr>
+          <p:grpSpPr>
+            <a:xfrm>
+              <a:off x="7629716" y="1139514"/>
+              <a:ext cx="966249" cy="281455"/>
+              <a:chOff x="5556135" y="897681"/>
+              <a:chExt cx="966249" cy="281455"/>
+            </a:xfrm>
+          </p:grpSpPr>
+          <p:sp>
+            <p:nvSpPr>
+              <p:cNvPr id="200" name="직사각형 199">
+                <a:extLst>
+                  <a:ext uri="{FF2B5EF4-FFF2-40B4-BE49-F238E27FC236}">
+                    <a16:creationId xmlns:a16="http://schemas.microsoft.com/office/drawing/2014/main" id="{64133617-4D41-014B-A313-73F8A4EF9BC8}"/>
+                  </a:ext>
+                </a:extLst>
+              </p:cNvPr>
+              <p:cNvSpPr/>
+              <p:nvPr/>
+            </p:nvSpPr>
+            <p:spPr>
+              <a:xfrm>
+                <a:off x="5556135" y="897681"/>
+                <a:ext cx="966249" cy="276999"/>
+              </a:xfrm>
+              <a:prstGeom prst="rect">
+                <a:avLst/>
+              </a:prstGeom>
+              <a:solidFill>
+                <a:schemeClr val="bg1"/>
+              </a:solidFill>
+              <a:ln w="25400">
+                <a:solidFill>
+                  <a:srgbClr val="5DA2C5"/>
+                </a:solidFill>
+              </a:ln>
+            </p:spPr>
+            <p:style>
+              <a:lnRef idx="1">
+                <a:schemeClr val="accent1"/>
+              </a:lnRef>
+              <a:fillRef idx="0">
+                <a:schemeClr val="accent1"/>
+              </a:fillRef>
+              <a:effectRef idx="0">
+                <a:schemeClr val="accent1"/>
+              </a:effectRef>
+              <a:fontRef idx="minor">
+                <a:schemeClr val="tx1"/>
+              </a:fontRef>
+            </p:style>
+            <p:txBody>
+              <a:bodyPr rtlCol="0" anchor="ctr"/>
+              <a:lstStyle/>
+              <a:p>
+                <a:pPr algn="ctr"/>
+                <a:endParaRPr kumimoji="1" lang="ko-Kore-KR" altLang="en-US"/>
+              </a:p>
+            </p:txBody>
+          </p:sp>
+          <p:sp>
+            <p:nvSpPr>
+              <p:cNvPr id="201" name="TextBox 200">
+                <a:extLst>
+                  <a:ext uri="{FF2B5EF4-FFF2-40B4-BE49-F238E27FC236}">
+                    <a16:creationId xmlns:a16="http://schemas.microsoft.com/office/drawing/2014/main" id="{A88BF5C0-D481-7240-AA72-0DD692F4645F}"/>
+                  </a:ext>
+                </a:extLst>
+              </p:cNvPr>
+              <p:cNvSpPr txBox="1"/>
+              <p:nvPr/>
+            </p:nvSpPr>
+            <p:spPr>
+              <a:xfrm>
+                <a:off x="5646447" y="902137"/>
+                <a:ext cx="789584" cy="276999"/>
+              </a:xfrm>
+              <a:prstGeom prst="rect">
+                <a:avLst/>
+              </a:prstGeom>
+              <a:noFill/>
+            </p:spPr>
+            <p:txBody>
+              <a:bodyPr wrap="square" rtlCol="0">
+                <a:spAutoFit/>
+              </a:bodyPr>
+              <a:lstStyle/>
+              <a:p>
+                <a:pPr algn="ctr"/>
+                <a:r>
+                  <a:rPr kumimoji="1" lang="ko-KR" altLang="en-US" sz="1200" b="1" dirty="0">
+                    <a:solidFill>
+                      <a:srgbClr val="5DA2C5"/>
+                    </a:solidFill>
+                    <a:latin typeface="SHeadG" panose="02030600000101010101" pitchFamily="18" charset="-127"/>
+                    <a:ea typeface="SHeadG" panose="02030600000101010101" pitchFamily="18" charset="-127"/>
+                  </a:rPr>
+                  <a:t>오프셋</a:t>
+                </a:r>
+                <a:endParaRPr kumimoji="1" lang="ko-Kore-KR" altLang="en-US" sz="1200" b="1" dirty="0">
+                  <a:solidFill>
+                    <a:srgbClr val="5DA2C5"/>
+                  </a:solidFill>
+                  <a:latin typeface="SHeadG" panose="02030600000101010101" pitchFamily="18" charset="-127"/>
+                  <a:ea typeface="SHeadG" panose="02030600000101010101" pitchFamily="18" charset="-127"/>
+                </a:endParaRPr>
+              </a:p>
+            </p:txBody>
+          </p:sp>
+        </p:grpSp>
+        <p:grpSp>
+          <p:nvGrpSpPr>
+            <p:cNvPr id="202" name="그룹 201">
+              <a:extLst>
+                <a:ext uri="{FF2B5EF4-FFF2-40B4-BE49-F238E27FC236}">
+                  <a16:creationId xmlns:a16="http://schemas.microsoft.com/office/drawing/2014/main" id="{F99E1C43-9E9A-9741-91AE-439E7EA6BB8C}"/>
+                </a:ext>
+              </a:extLst>
+            </p:cNvPr>
+            <p:cNvGrpSpPr/>
+            <p:nvPr/>
+          </p:nvGrpSpPr>
+          <p:grpSpPr>
+            <a:xfrm>
+              <a:off x="7629396" y="1414910"/>
+              <a:ext cx="966569" cy="281455"/>
+              <a:chOff x="5556135" y="897681"/>
+              <a:chExt cx="966569" cy="281455"/>
+            </a:xfrm>
+          </p:grpSpPr>
+          <p:sp>
+            <p:nvSpPr>
+              <p:cNvPr id="203" name="직사각형 202">
+                <a:extLst>
+                  <a:ext uri="{FF2B5EF4-FFF2-40B4-BE49-F238E27FC236}">
+                    <a16:creationId xmlns:a16="http://schemas.microsoft.com/office/drawing/2014/main" id="{FBA0B394-E5AB-034C-845B-027BFBCFCD54}"/>
+                  </a:ext>
+                </a:extLst>
+              </p:cNvPr>
+              <p:cNvSpPr/>
+              <p:nvPr/>
+            </p:nvSpPr>
+            <p:spPr>
+              <a:xfrm>
+                <a:off x="5556135" y="897681"/>
+                <a:ext cx="963570" cy="276999"/>
+              </a:xfrm>
+              <a:prstGeom prst="rect">
+                <a:avLst/>
+              </a:prstGeom>
+              <a:solidFill>
+                <a:schemeClr val="bg1"/>
+              </a:solidFill>
+              <a:ln w="25400">
+                <a:solidFill>
+                  <a:srgbClr val="5DA2C5"/>
+                </a:solidFill>
+              </a:ln>
+            </p:spPr>
+            <p:style>
+              <a:lnRef idx="1">
+                <a:schemeClr val="accent1"/>
+              </a:lnRef>
+              <a:fillRef idx="0">
+                <a:schemeClr val="accent1"/>
+              </a:fillRef>
+              <a:effectRef idx="0">
+                <a:schemeClr val="accent1"/>
+              </a:effectRef>
+              <a:fontRef idx="minor">
+                <a:schemeClr val="tx1"/>
+              </a:fontRef>
+            </p:style>
+            <p:txBody>
+              <a:bodyPr rtlCol="0" anchor="ctr"/>
+              <a:lstStyle/>
+              <a:p>
+                <a:pPr algn="ctr"/>
+                <a:endParaRPr kumimoji="1" lang="ko-Kore-KR" altLang="en-US"/>
+              </a:p>
+            </p:txBody>
+          </p:sp>
+          <p:sp>
+            <p:nvSpPr>
+              <p:cNvPr id="204" name="TextBox 203">
+                <a:extLst>
+                  <a:ext uri="{FF2B5EF4-FFF2-40B4-BE49-F238E27FC236}">
+                    <a16:creationId xmlns:a16="http://schemas.microsoft.com/office/drawing/2014/main" id="{DB1ECFC5-A6E7-F348-AFE4-C00D45789C66}"/>
+                  </a:ext>
+                </a:extLst>
+              </p:cNvPr>
+              <p:cNvSpPr txBox="1"/>
+              <p:nvPr/>
+            </p:nvSpPr>
+            <p:spPr>
+              <a:xfrm>
+                <a:off x="5590002" y="902137"/>
+                <a:ext cx="932702" cy="276999"/>
+              </a:xfrm>
+              <a:prstGeom prst="rect">
+                <a:avLst/>
+              </a:prstGeom>
+              <a:noFill/>
+            </p:spPr>
+            <p:txBody>
+              <a:bodyPr wrap="square" rtlCol="0">
+                <a:spAutoFit/>
+              </a:bodyPr>
+              <a:lstStyle/>
+              <a:p>
+                <a:pPr algn="ctr"/>
+                <a:r>
+                  <a:rPr kumimoji="1" lang="ko-KR" altLang="en-US" sz="1200" b="1" dirty="0">
+                    <a:solidFill>
+                      <a:srgbClr val="5DA2C5"/>
+                    </a:solidFill>
+                    <a:latin typeface="SHeadG" panose="02030600000101010101" pitchFamily="18" charset="-127"/>
+                    <a:ea typeface="SHeadG" panose="02030600000101010101" pitchFamily="18" charset="-127"/>
+                  </a:rPr>
+                  <a:t>메시지 키</a:t>
+                </a:r>
+                <a:endParaRPr kumimoji="1" lang="ko-Kore-KR" altLang="en-US" sz="1200" b="1" dirty="0">
+                  <a:solidFill>
+                    <a:srgbClr val="5DA2C5"/>
+                  </a:solidFill>
+                  <a:latin typeface="SHeadG" panose="02030600000101010101" pitchFamily="18" charset="-127"/>
+                  <a:ea typeface="SHeadG" panose="02030600000101010101" pitchFamily="18" charset="-127"/>
+                </a:endParaRPr>
+              </a:p>
+            </p:txBody>
+          </p:sp>
+        </p:grpSp>
+        <p:grpSp>
+          <p:nvGrpSpPr>
+            <p:cNvPr id="205" name="그룹 204">
+              <a:extLst>
+                <a:ext uri="{FF2B5EF4-FFF2-40B4-BE49-F238E27FC236}">
+                  <a16:creationId xmlns:a16="http://schemas.microsoft.com/office/drawing/2014/main" id="{B3712A86-266A-CC45-816C-DA7776B74500}"/>
+                </a:ext>
+              </a:extLst>
+            </p:cNvPr>
+            <p:cNvGrpSpPr/>
+            <p:nvPr/>
+          </p:nvGrpSpPr>
+          <p:grpSpPr>
+            <a:xfrm>
+              <a:off x="7629076" y="1690306"/>
+              <a:ext cx="963890" cy="281455"/>
+              <a:chOff x="5556135" y="897681"/>
+              <a:chExt cx="963890" cy="281455"/>
+            </a:xfrm>
+          </p:grpSpPr>
+          <p:sp>
+            <p:nvSpPr>
+              <p:cNvPr id="206" name="직사각형 205">
+                <a:extLst>
+                  <a:ext uri="{FF2B5EF4-FFF2-40B4-BE49-F238E27FC236}">
+                    <a16:creationId xmlns:a16="http://schemas.microsoft.com/office/drawing/2014/main" id="{7A701FA1-E48D-3441-B0F2-2A72960E5D50}"/>
+                  </a:ext>
+                </a:extLst>
+              </p:cNvPr>
+              <p:cNvSpPr/>
+              <p:nvPr/>
+            </p:nvSpPr>
+            <p:spPr>
+              <a:xfrm>
+                <a:off x="5556135" y="897681"/>
+                <a:ext cx="963890" cy="276999"/>
+              </a:xfrm>
+              <a:prstGeom prst="rect">
+                <a:avLst/>
+              </a:prstGeom>
+              <a:solidFill>
+                <a:schemeClr val="bg1"/>
+              </a:solidFill>
+              <a:ln w="25400">
+                <a:solidFill>
+                  <a:srgbClr val="5DA2C5"/>
+                </a:solidFill>
+              </a:ln>
+            </p:spPr>
+            <p:style>
+              <a:lnRef idx="1">
+                <a:schemeClr val="accent1"/>
+              </a:lnRef>
+              <a:fillRef idx="0">
+                <a:schemeClr val="accent1"/>
+              </a:fillRef>
+              <a:effectRef idx="0">
+                <a:schemeClr val="accent1"/>
+              </a:effectRef>
+              <a:fontRef idx="minor">
+                <a:schemeClr val="tx1"/>
+              </a:fontRef>
+            </p:style>
+            <p:txBody>
+              <a:bodyPr rtlCol="0" anchor="ctr"/>
+              <a:lstStyle/>
+              <a:p>
+                <a:pPr algn="ctr"/>
+                <a:endParaRPr kumimoji="1" lang="ko-Kore-KR" altLang="en-US"/>
+              </a:p>
+            </p:txBody>
+          </p:sp>
+          <p:sp>
+            <p:nvSpPr>
+              <p:cNvPr id="207" name="TextBox 206">
+                <a:extLst>
+                  <a:ext uri="{FF2B5EF4-FFF2-40B4-BE49-F238E27FC236}">
+                    <a16:creationId xmlns:a16="http://schemas.microsoft.com/office/drawing/2014/main" id="{6E1469C7-F970-6B45-BAC1-919CDE035E45}"/>
+                  </a:ext>
+                </a:extLst>
+              </p:cNvPr>
+              <p:cNvSpPr txBox="1"/>
+              <p:nvPr/>
+            </p:nvSpPr>
+            <p:spPr>
+              <a:xfrm>
+                <a:off x="5646446" y="902137"/>
+                <a:ext cx="789583" cy="276999"/>
+              </a:xfrm>
+              <a:prstGeom prst="rect">
+                <a:avLst/>
+              </a:prstGeom>
+              <a:noFill/>
+            </p:spPr>
+            <p:txBody>
+              <a:bodyPr wrap="square" rtlCol="0">
+                <a:spAutoFit/>
+              </a:bodyPr>
+              <a:lstStyle/>
+              <a:p>
+                <a:pPr algn="ctr"/>
+                <a:r>
+                  <a:rPr kumimoji="1" lang="ko-KR" altLang="en-US" sz="1200" b="1" dirty="0">
+                    <a:solidFill>
+                      <a:srgbClr val="5DA2C5"/>
+                    </a:solidFill>
+                    <a:latin typeface="SHeadG" panose="02030600000101010101" pitchFamily="18" charset="-127"/>
+                    <a:ea typeface="SHeadG" panose="02030600000101010101" pitchFamily="18" charset="-127"/>
+                  </a:rPr>
+                  <a:t>메시지 값</a:t>
+                </a:r>
+                <a:endParaRPr kumimoji="1" lang="ko-Kore-KR" altLang="en-US" sz="1200" b="1" dirty="0">
+                  <a:solidFill>
+                    <a:srgbClr val="5DA2C5"/>
+                  </a:solidFill>
+                  <a:latin typeface="SHeadG" panose="02030600000101010101" pitchFamily="18" charset="-127"/>
+                  <a:ea typeface="SHeadG" panose="02030600000101010101" pitchFamily="18" charset="-127"/>
+                </a:endParaRPr>
+              </a:p>
+            </p:txBody>
+          </p:sp>
+        </p:grpSp>
+        <p:sp>
+          <p:nvSpPr>
+            <p:cNvPr id="209" name="TextBox 208">
+              <a:extLst>
+                <a:ext uri="{FF2B5EF4-FFF2-40B4-BE49-F238E27FC236}">
+                  <a16:creationId xmlns:a16="http://schemas.microsoft.com/office/drawing/2014/main" id="{C93642AE-718D-8E49-90F7-0C4D0B475EAE}"/>
+                </a:ext>
+              </a:extLst>
+            </p:cNvPr>
+            <p:cNvSpPr txBox="1"/>
+            <p:nvPr/>
+          </p:nvSpPr>
+          <p:spPr>
+            <a:xfrm>
+              <a:off x="7460088" y="776065"/>
+              <a:ext cx="1301865" cy="307777"/>
+            </a:xfrm>
+            <a:prstGeom prst="rect">
+              <a:avLst/>
+            </a:prstGeom>
+            <a:noFill/>
+          </p:spPr>
+          <p:txBody>
+            <a:bodyPr wrap="square" rtlCol="0">
+              <a:spAutoFit/>
+            </a:bodyPr>
+            <a:lstStyle/>
+            <a:p>
+              <a:pPr algn="ctr"/>
+              <a:r>
+                <a:rPr kumimoji="1" lang="ko-KR" altLang="en-US" sz="1400" b="1" dirty="0">
+                  <a:solidFill>
+                    <a:srgbClr val="5DA2C5"/>
+                  </a:solidFill>
+                  <a:latin typeface="SHeadG" panose="02030600000101010101" pitchFamily="18" charset="-127"/>
+                  <a:ea typeface="SHeadG" panose="02030600000101010101" pitchFamily="18" charset="-127"/>
+                </a:rPr>
+                <a:t>프로듀서</a:t>
+              </a:r>
+              <a:endParaRPr kumimoji="1" lang="ko-Kore-KR" altLang="en-US" sz="1400" b="1" dirty="0">
+                <a:solidFill>
+                  <a:srgbClr val="5DA2C5"/>
+                </a:solidFill>
+                <a:latin typeface="SHeadG" panose="02030600000101010101" pitchFamily="18" charset="-127"/>
+                <a:ea typeface="SHeadG" panose="02030600000101010101" pitchFamily="18" charset="-127"/>
+              </a:endParaRPr>
+            </a:p>
+          </p:txBody>
+        </p:sp>
+        <p:sp>
+          <p:nvSpPr>
+            <p:cNvPr id="210" name="TextBox 209">
+              <a:extLst>
+                <a:ext uri="{FF2B5EF4-FFF2-40B4-BE49-F238E27FC236}">
+                  <a16:creationId xmlns:a16="http://schemas.microsoft.com/office/drawing/2014/main" id="{BE03AB69-3665-7E46-83B8-9622938F3260}"/>
+                </a:ext>
+              </a:extLst>
+            </p:cNvPr>
+            <p:cNvSpPr txBox="1"/>
+            <p:nvPr/>
+          </p:nvSpPr>
+          <p:spPr>
+            <a:xfrm>
+              <a:off x="7460087" y="2018702"/>
+              <a:ext cx="1301865" cy="307777"/>
+            </a:xfrm>
+            <a:prstGeom prst="rect">
+              <a:avLst/>
+            </a:prstGeom>
+            <a:noFill/>
+          </p:spPr>
+          <p:txBody>
+            <a:bodyPr wrap="square" rtlCol="0">
+              <a:spAutoFit/>
+            </a:bodyPr>
+            <a:lstStyle/>
+            <a:p>
+              <a:pPr algn="ctr"/>
+              <a:r>
+                <a:rPr kumimoji="1" lang="ko-KR" altLang="en-US" sz="1400" b="1" dirty="0">
+                  <a:solidFill>
+                    <a:srgbClr val="5DA2C5"/>
+                  </a:solidFill>
+                  <a:latin typeface="SHeadG" panose="02030600000101010101" pitchFamily="18" charset="-127"/>
+                  <a:ea typeface="SHeadG" panose="02030600000101010101" pitchFamily="18" charset="-127"/>
+                </a:rPr>
+                <a:t>레코드</a:t>
+              </a:r>
+              <a:endParaRPr kumimoji="1" lang="ko-Kore-KR" altLang="en-US" sz="1400" b="1" dirty="0">
+                <a:solidFill>
+                  <a:srgbClr val="5DA2C5"/>
+                </a:solidFill>
+                <a:latin typeface="SHeadG" panose="02030600000101010101" pitchFamily="18" charset="-127"/>
+                <a:ea typeface="SHeadG" panose="02030600000101010101" pitchFamily="18" charset="-127"/>
+              </a:endParaRPr>
+            </a:p>
+          </p:txBody>
+        </p:sp>
+      </p:grpSp>
+      <p:cxnSp>
+        <p:nvCxnSpPr>
+          <p:cNvPr id="211" name="직선 화살표 연결선 210">
+            <a:extLst>
+              <a:ext uri="{FF2B5EF4-FFF2-40B4-BE49-F238E27FC236}">
+                <a16:creationId xmlns:a16="http://schemas.microsoft.com/office/drawing/2014/main" id="{D6D1C825-594A-BB42-8354-D7399E504AD0}"/>
+              </a:ext>
+            </a:extLst>
+          </p:cNvPr>
+          <p:cNvCxnSpPr>
+            <a:cxnSpLocks/>
+            <a:stCxn id="203" idx="1"/>
+          </p:cNvCxnSpPr>
+          <p:nvPr/>
+        </p:nvCxnSpPr>
+        <p:spPr>
+          <a:xfrm flipH="1" flipV="1">
+            <a:off x="4234194" y="1880606"/>
+            <a:ext cx="3045121" cy="413896"/>
+          </a:xfrm>
+          <a:prstGeom prst="straightConnector1">
+            <a:avLst/>
+          </a:prstGeom>
+          <a:ln w="19050">
+            <a:solidFill>
+              <a:srgbClr val="5DA2C5"/>
+            </a:solidFill>
+            <a:tailEnd type="stealth" w="lg" len="lg"/>
+          </a:ln>
+        </p:spPr>
+        <p:style>
+          <a:lnRef idx="1">
+            <a:schemeClr val="accent1"/>
+          </a:lnRef>
+          <a:fillRef idx="0">
+            <a:schemeClr val="accent1"/>
+          </a:fillRef>
+          <a:effectRef idx="0">
+            <a:schemeClr val="accent1"/>
+          </a:effectRef>
+          <a:fontRef idx="minor">
+            <a:schemeClr val="tx1"/>
+          </a:fontRef>
+        </p:style>
+      </p:cxnSp>
+      <p:cxnSp>
+        <p:nvCxnSpPr>
+          <p:cNvPr id="212" name="직선 화살표 연결선 211">
+            <a:extLst>
+              <a:ext uri="{FF2B5EF4-FFF2-40B4-BE49-F238E27FC236}">
+                <a16:creationId xmlns:a16="http://schemas.microsoft.com/office/drawing/2014/main" id="{87A7D856-7EA2-DA4D-B97F-699C3F5E68DA}"/>
+              </a:ext>
+            </a:extLst>
+          </p:cNvPr>
+          <p:cNvCxnSpPr>
+            <a:cxnSpLocks/>
+            <a:stCxn id="203" idx="1"/>
+          </p:cNvCxnSpPr>
+          <p:nvPr/>
+        </p:nvCxnSpPr>
+        <p:spPr>
+          <a:xfrm flipH="1">
+            <a:off x="5288025" y="2294502"/>
+            <a:ext cx="1991290" cy="799735"/>
+          </a:xfrm>
+          <a:prstGeom prst="straightConnector1">
+            <a:avLst/>
+          </a:prstGeom>
+          <a:ln w="19050">
+            <a:solidFill>
+              <a:srgbClr val="5DA2C5"/>
+            </a:solidFill>
+            <a:tailEnd type="stealth" w="lg" len="lg"/>
+          </a:ln>
+        </p:spPr>
+        <p:style>
+          <a:lnRef idx="1">
+            <a:schemeClr val="accent1"/>
+          </a:lnRef>
+          <a:fillRef idx="0">
+            <a:schemeClr val="accent1"/>
+          </a:fillRef>
+          <a:effectRef idx="0">
+            <a:schemeClr val="accent1"/>
+          </a:effectRef>
+          <a:fontRef idx="minor">
+            <a:schemeClr val="tx1"/>
+          </a:fontRef>
+        </p:style>
+      </p:cxnSp>
+    </p:spTree>
+    <p:extLst>
+      <p:ext uri="{BB962C8B-B14F-4D97-AF65-F5344CB8AC3E}">
+        <p14:creationId xmlns:p14="http://schemas.microsoft.com/office/powerpoint/2010/main" val="1755628214"/>
+      </p:ext>
+    </p:extLst>
+  </p:cSld>
+  <p:clrMapOvr>
+    <a:masterClrMapping/>
+  </p:clrMapOvr>
+</p:sld>
+</file>
+
 <file path=ppt/theme/theme1.xml><?xml version="1.0" encoding="utf-8"?>
 <a:theme xmlns:a="http://schemas.openxmlformats.org/drawingml/2006/main" name="Office 테마">
   <a:themeElements>

--- a/아파치카프카_with자바/ref/프레젠테이션1.pptx
+++ b/아파치카프카_with자바/ref/프레젠테이션1.pptx
@@ -4,6 +4,9 @@
   <p:sldMasterIdLst>
     <p:sldMasterId id="2147483672" r:id="rId1"/>
   </p:sldMasterIdLst>
+  <p:notesMasterIdLst>
+    <p:notesMasterId r:id="rId8"/>
+  </p:notesMasterIdLst>
   <p:sldIdLst>
     <p:sldId id="259" r:id="rId2"/>
     <p:sldId id="260" r:id="rId3"/>
@@ -11,10 +14,6 @@
     <p:sldId id="262" r:id="rId5"/>
     <p:sldId id="263" r:id="rId6"/>
     <p:sldId id="264" r:id="rId7"/>
-    <p:sldId id="265" r:id="rId8"/>
-    <p:sldId id="266" r:id="rId9"/>
-    <p:sldId id="267" r:id="rId10"/>
-    <p:sldId id="268" r:id="rId11"/>
   </p:sldIdLst>
   <p:sldSz cx="12192000" cy="6858000"/>
   <p:notesSz cx="6858000" cy="9144000"/>
@@ -119,6 +118,440 @@
     </p:ext>
   </p:extLst>
 </p:presentation>
+</file>
+
+<file path=ppt/notesMasters/notesMaster1.xml><?xml version="1.0" encoding="utf-8"?>
+<p:notesMaster xmlns:a="http://schemas.openxmlformats.org/drawingml/2006/main" xmlns:r="http://schemas.openxmlformats.org/officeDocument/2006/relationships" xmlns:p="http://schemas.openxmlformats.org/presentationml/2006/main">
+  <p:cSld>
+    <p:bg>
+      <p:bgRef idx="1001">
+        <a:schemeClr val="bg1"/>
+      </p:bgRef>
+    </p:bg>
+    <p:spTree>
+      <p:nvGrpSpPr>
+        <p:cNvPr id="1" name=""/>
+        <p:cNvGrpSpPr/>
+        <p:nvPr/>
+      </p:nvGrpSpPr>
+      <p:grpSpPr>
+        <a:xfrm>
+          <a:off x="0" y="0"/>
+          <a:ext cx="0" cy="0"/>
+          <a:chOff x="0" y="0"/>
+          <a:chExt cx="0" cy="0"/>
+        </a:xfrm>
+      </p:grpSpPr>
+      <p:sp>
+        <p:nvSpPr>
+          <p:cNvPr id="2" name="머리글 개체 틀 1"/>
+          <p:cNvSpPr>
+            <a:spLocks noGrp="1"/>
+          </p:cNvSpPr>
+          <p:nvPr>
+            <p:ph type="hdr" sz="quarter"/>
+          </p:nvPr>
+        </p:nvSpPr>
+        <p:spPr>
+          <a:xfrm>
+            <a:off x="0" y="0"/>
+            <a:ext cx="2971800" cy="458788"/>
+          </a:xfrm>
+          <a:prstGeom prst="rect">
+            <a:avLst/>
+          </a:prstGeom>
+        </p:spPr>
+        <p:txBody>
+          <a:bodyPr vert="horz" lIns="91440" tIns="45720" rIns="91440" bIns="45720" rtlCol="0"/>
+          <a:lstStyle>
+            <a:lvl1pPr algn="l">
+              <a:defRPr sz="1200"/>
+            </a:lvl1pPr>
+          </a:lstStyle>
+          <a:p>
+            <a:endParaRPr kumimoji="1" lang="ko-Kore-KR" altLang="en-US"/>
+          </a:p>
+        </p:txBody>
+      </p:sp>
+      <p:sp>
+        <p:nvSpPr>
+          <p:cNvPr id="3" name="날짜 개체 틀 2"/>
+          <p:cNvSpPr>
+            <a:spLocks noGrp="1"/>
+          </p:cNvSpPr>
+          <p:nvPr>
+            <p:ph type="dt" idx="1"/>
+          </p:nvPr>
+        </p:nvSpPr>
+        <p:spPr>
+          <a:xfrm>
+            <a:off x="3884613" y="0"/>
+            <a:ext cx="2971800" cy="458788"/>
+          </a:xfrm>
+          <a:prstGeom prst="rect">
+            <a:avLst/>
+          </a:prstGeom>
+        </p:spPr>
+        <p:txBody>
+          <a:bodyPr vert="horz" lIns="91440" tIns="45720" rIns="91440" bIns="45720" rtlCol="0"/>
+          <a:lstStyle>
+            <a:lvl1pPr algn="r">
+              <a:defRPr sz="1200"/>
+            </a:lvl1pPr>
+          </a:lstStyle>
+          <a:p>
+            <a:fld id="{9AC08C46-5AB3-B64C-BA71-684A138FA8FF}" type="datetimeFigureOut">
+              <a:rPr kumimoji="1" lang="ko-Kore-KR" altLang="en-US" smtClean="0"/>
+              <a:t>2021. 5. 13.</a:t>
+            </a:fld>
+            <a:endParaRPr kumimoji="1" lang="ko-Kore-KR" altLang="en-US"/>
+          </a:p>
+        </p:txBody>
+      </p:sp>
+      <p:sp>
+        <p:nvSpPr>
+          <p:cNvPr id="4" name="슬라이드 이미지 개체 틀 3"/>
+          <p:cNvSpPr>
+            <a:spLocks noGrp="1" noRot="1" noChangeAspect="1"/>
+          </p:cNvSpPr>
+          <p:nvPr>
+            <p:ph type="sldImg" idx="2"/>
+          </p:nvPr>
+        </p:nvSpPr>
+        <p:spPr>
+          <a:xfrm>
+            <a:off x="685800" y="1143000"/>
+            <a:ext cx="5486400" cy="3086100"/>
+          </a:xfrm>
+          <a:prstGeom prst="rect">
+            <a:avLst/>
+          </a:prstGeom>
+          <a:noFill/>
+          <a:ln w="12700">
+            <a:solidFill>
+              <a:prstClr val="black"/>
+            </a:solidFill>
+          </a:ln>
+        </p:spPr>
+        <p:txBody>
+          <a:bodyPr vert="horz" lIns="91440" tIns="45720" rIns="91440" bIns="45720" rtlCol="0" anchor="ctr"/>
+          <a:lstStyle/>
+          <a:p>
+            <a:endParaRPr lang="ko-Kore-KR" altLang="en-US"/>
+          </a:p>
+        </p:txBody>
+      </p:sp>
+      <p:sp>
+        <p:nvSpPr>
+          <p:cNvPr id="5" name="슬라이드 노트 개체 틀 4"/>
+          <p:cNvSpPr>
+            <a:spLocks noGrp="1"/>
+          </p:cNvSpPr>
+          <p:nvPr>
+            <p:ph type="body" sz="quarter" idx="3"/>
+          </p:nvPr>
+        </p:nvSpPr>
+        <p:spPr>
+          <a:xfrm>
+            <a:off x="685800" y="4400550"/>
+            <a:ext cx="5486400" cy="3600450"/>
+          </a:xfrm>
+          <a:prstGeom prst="rect">
+            <a:avLst/>
+          </a:prstGeom>
+        </p:spPr>
+        <p:txBody>
+          <a:bodyPr vert="horz" lIns="91440" tIns="45720" rIns="91440" bIns="45720" rtlCol="0"/>
+          <a:lstStyle/>
+          <a:p>
+            <a:pPr lvl="0"/>
+            <a:r>
+              <a:rPr kumimoji="1" lang="ko-KR" altLang="en-US"/>
+              <a:t>마스터 텍스트 스타일을 편집하려면 클릭</a:t>
+            </a:r>
+          </a:p>
+          <a:p>
+            <a:pPr lvl="1"/>
+            <a:r>
+              <a:rPr kumimoji="1" lang="ko-KR" altLang="en-US"/>
+              <a:t>두 번째 수준</a:t>
+            </a:r>
+          </a:p>
+          <a:p>
+            <a:pPr lvl="2"/>
+            <a:r>
+              <a:rPr kumimoji="1" lang="ko-KR" altLang="en-US"/>
+              <a:t>세 번째 수준</a:t>
+            </a:r>
+          </a:p>
+          <a:p>
+            <a:pPr lvl="3"/>
+            <a:r>
+              <a:rPr kumimoji="1" lang="ko-KR" altLang="en-US"/>
+              <a:t>네 번째 수준</a:t>
+            </a:r>
+          </a:p>
+          <a:p>
+            <a:pPr lvl="4"/>
+            <a:r>
+              <a:rPr kumimoji="1" lang="ko-KR" altLang="en-US"/>
+              <a:t>다섯 번째 수준</a:t>
+            </a:r>
+            <a:endParaRPr kumimoji="1" lang="ko-Kore-KR" altLang="en-US"/>
+          </a:p>
+        </p:txBody>
+      </p:sp>
+      <p:sp>
+        <p:nvSpPr>
+          <p:cNvPr id="6" name="바닥글 개체 틀 5"/>
+          <p:cNvSpPr>
+            <a:spLocks noGrp="1"/>
+          </p:cNvSpPr>
+          <p:nvPr>
+            <p:ph type="ftr" sz="quarter" idx="4"/>
+          </p:nvPr>
+        </p:nvSpPr>
+        <p:spPr>
+          <a:xfrm>
+            <a:off x="0" y="8685213"/>
+            <a:ext cx="2971800" cy="458787"/>
+          </a:xfrm>
+          <a:prstGeom prst="rect">
+            <a:avLst/>
+          </a:prstGeom>
+        </p:spPr>
+        <p:txBody>
+          <a:bodyPr vert="horz" lIns="91440" tIns="45720" rIns="91440" bIns="45720" rtlCol="0" anchor="b"/>
+          <a:lstStyle>
+            <a:lvl1pPr algn="l">
+              <a:defRPr sz="1200"/>
+            </a:lvl1pPr>
+          </a:lstStyle>
+          <a:p>
+            <a:endParaRPr kumimoji="1" lang="ko-Kore-KR" altLang="en-US"/>
+          </a:p>
+        </p:txBody>
+      </p:sp>
+      <p:sp>
+        <p:nvSpPr>
+          <p:cNvPr id="7" name="슬라이드 번호 개체 틀 6"/>
+          <p:cNvSpPr>
+            <a:spLocks noGrp="1"/>
+          </p:cNvSpPr>
+          <p:nvPr>
+            <p:ph type="sldNum" sz="quarter" idx="5"/>
+          </p:nvPr>
+        </p:nvSpPr>
+        <p:spPr>
+          <a:xfrm>
+            <a:off x="3884613" y="8685213"/>
+            <a:ext cx="2971800" cy="458787"/>
+          </a:xfrm>
+          <a:prstGeom prst="rect">
+            <a:avLst/>
+          </a:prstGeom>
+        </p:spPr>
+        <p:txBody>
+          <a:bodyPr vert="horz" lIns="91440" tIns="45720" rIns="91440" bIns="45720" rtlCol="0" anchor="b"/>
+          <a:lstStyle>
+            <a:lvl1pPr algn="r">
+              <a:defRPr sz="1200"/>
+            </a:lvl1pPr>
+          </a:lstStyle>
+          <a:p>
+            <a:fld id="{DAB327AE-EBA3-5B41-806F-5D805A60910C}" type="slidenum">
+              <a:rPr kumimoji="1" lang="ko-Kore-KR" altLang="en-US" smtClean="0"/>
+              <a:t>‹#›</a:t>
+            </a:fld>
+            <a:endParaRPr kumimoji="1" lang="ko-Kore-KR" altLang="en-US"/>
+          </a:p>
+        </p:txBody>
+      </p:sp>
+    </p:spTree>
+    <p:extLst>
+      <p:ext uri="{BB962C8B-B14F-4D97-AF65-F5344CB8AC3E}">
+        <p14:creationId xmlns:p14="http://schemas.microsoft.com/office/powerpoint/2010/main" val="110487156"/>
+      </p:ext>
+    </p:extLst>
+  </p:cSld>
+  <p:clrMap bg1="lt1" tx1="dk1" bg2="lt2" tx2="dk2" accent1="accent1" accent2="accent2" accent3="accent3" accent4="accent4" accent5="accent5" accent6="accent6" hlink="hlink" folHlink="folHlink"/>
+  <p:notesStyle>
+    <a:lvl1pPr marL="0" algn="l" defTabSz="914400" rtl="0" eaLnBrk="1" latinLnBrk="0" hangingPunct="1">
+      <a:defRPr sz="1200" kern="1200">
+        <a:solidFill>
+          <a:schemeClr val="tx1"/>
+        </a:solidFill>
+        <a:latin typeface="+mn-lt"/>
+        <a:ea typeface="+mn-ea"/>
+        <a:cs typeface="+mn-cs"/>
+      </a:defRPr>
+    </a:lvl1pPr>
+    <a:lvl2pPr marL="457200" algn="l" defTabSz="914400" rtl="0" eaLnBrk="1" latinLnBrk="0" hangingPunct="1">
+      <a:defRPr sz="1200" kern="1200">
+        <a:solidFill>
+          <a:schemeClr val="tx1"/>
+        </a:solidFill>
+        <a:latin typeface="+mn-lt"/>
+        <a:ea typeface="+mn-ea"/>
+        <a:cs typeface="+mn-cs"/>
+      </a:defRPr>
+    </a:lvl2pPr>
+    <a:lvl3pPr marL="914400" algn="l" defTabSz="914400" rtl="0" eaLnBrk="1" latinLnBrk="0" hangingPunct="1">
+      <a:defRPr sz="1200" kern="1200">
+        <a:solidFill>
+          <a:schemeClr val="tx1"/>
+        </a:solidFill>
+        <a:latin typeface="+mn-lt"/>
+        <a:ea typeface="+mn-ea"/>
+        <a:cs typeface="+mn-cs"/>
+      </a:defRPr>
+    </a:lvl3pPr>
+    <a:lvl4pPr marL="1371600" algn="l" defTabSz="914400" rtl="0" eaLnBrk="1" latinLnBrk="0" hangingPunct="1">
+      <a:defRPr sz="1200" kern="1200">
+        <a:solidFill>
+          <a:schemeClr val="tx1"/>
+        </a:solidFill>
+        <a:latin typeface="+mn-lt"/>
+        <a:ea typeface="+mn-ea"/>
+        <a:cs typeface="+mn-cs"/>
+      </a:defRPr>
+    </a:lvl4pPr>
+    <a:lvl5pPr marL="1828800" algn="l" defTabSz="914400" rtl="0" eaLnBrk="1" latinLnBrk="0" hangingPunct="1">
+      <a:defRPr sz="1200" kern="1200">
+        <a:solidFill>
+          <a:schemeClr val="tx1"/>
+        </a:solidFill>
+        <a:latin typeface="+mn-lt"/>
+        <a:ea typeface="+mn-ea"/>
+        <a:cs typeface="+mn-cs"/>
+      </a:defRPr>
+    </a:lvl5pPr>
+    <a:lvl6pPr marL="2286000" algn="l" defTabSz="914400" rtl="0" eaLnBrk="1" latinLnBrk="0" hangingPunct="1">
+      <a:defRPr sz="1200" kern="1200">
+        <a:solidFill>
+          <a:schemeClr val="tx1"/>
+        </a:solidFill>
+        <a:latin typeface="+mn-lt"/>
+        <a:ea typeface="+mn-ea"/>
+        <a:cs typeface="+mn-cs"/>
+      </a:defRPr>
+    </a:lvl6pPr>
+    <a:lvl7pPr marL="2743200" algn="l" defTabSz="914400" rtl="0" eaLnBrk="1" latinLnBrk="0" hangingPunct="1">
+      <a:defRPr sz="1200" kern="1200">
+        <a:solidFill>
+          <a:schemeClr val="tx1"/>
+        </a:solidFill>
+        <a:latin typeface="+mn-lt"/>
+        <a:ea typeface="+mn-ea"/>
+        <a:cs typeface="+mn-cs"/>
+      </a:defRPr>
+    </a:lvl7pPr>
+    <a:lvl8pPr marL="3200400" algn="l" defTabSz="914400" rtl="0" eaLnBrk="1" latinLnBrk="0" hangingPunct="1">
+      <a:defRPr sz="1200" kern="1200">
+        <a:solidFill>
+          <a:schemeClr val="tx1"/>
+        </a:solidFill>
+        <a:latin typeface="+mn-lt"/>
+        <a:ea typeface="+mn-ea"/>
+        <a:cs typeface="+mn-cs"/>
+      </a:defRPr>
+    </a:lvl8pPr>
+    <a:lvl9pPr marL="3657600" algn="l" defTabSz="914400" rtl="0" eaLnBrk="1" latinLnBrk="0" hangingPunct="1">
+      <a:defRPr sz="1200" kern="1200">
+        <a:solidFill>
+          <a:schemeClr val="tx1"/>
+        </a:solidFill>
+        <a:latin typeface="+mn-lt"/>
+        <a:ea typeface="+mn-ea"/>
+        <a:cs typeface="+mn-cs"/>
+      </a:defRPr>
+    </a:lvl9pPr>
+  </p:notesStyle>
+</p:notesMaster>
+</file>
+
+<file path=ppt/notesSlides/notesSlide1.xml><?xml version="1.0" encoding="utf-8"?>
+<p:notes xmlns:a="http://schemas.openxmlformats.org/drawingml/2006/main" xmlns:r="http://schemas.openxmlformats.org/officeDocument/2006/relationships" xmlns:p="http://schemas.openxmlformats.org/presentationml/2006/main">
+  <p:cSld>
+    <p:spTree>
+      <p:nvGrpSpPr>
+        <p:cNvPr id="1" name=""/>
+        <p:cNvGrpSpPr/>
+        <p:nvPr/>
+      </p:nvGrpSpPr>
+      <p:grpSpPr>
+        <a:xfrm>
+          <a:off x="0" y="0"/>
+          <a:ext cx="0" cy="0"/>
+          <a:chOff x="0" y="0"/>
+          <a:chExt cx="0" cy="0"/>
+        </a:xfrm>
+      </p:grpSpPr>
+      <p:sp>
+        <p:nvSpPr>
+          <p:cNvPr id="2" name="슬라이드 이미지 개체 틀 1"/>
+          <p:cNvSpPr>
+            <a:spLocks noGrp="1" noRot="1" noChangeAspect="1"/>
+          </p:cNvSpPr>
+          <p:nvPr>
+            <p:ph type="sldImg"/>
+          </p:nvPr>
+        </p:nvSpPr>
+        <p:spPr/>
+      </p:sp>
+      <p:sp>
+        <p:nvSpPr>
+          <p:cNvPr id="3" name="슬라이드 노트 개체 틀 2"/>
+          <p:cNvSpPr>
+            <a:spLocks noGrp="1"/>
+          </p:cNvSpPr>
+          <p:nvPr>
+            <p:ph type="body" idx="1"/>
+          </p:nvPr>
+        </p:nvSpPr>
+        <p:spPr/>
+        <p:txBody>
+          <a:bodyPr/>
+          <a:lstStyle/>
+          <a:p>
+            <a:endParaRPr kumimoji="1" lang="ko-Kore-KR" altLang="en-US" dirty="0"/>
+          </a:p>
+        </p:txBody>
+      </p:sp>
+      <p:sp>
+        <p:nvSpPr>
+          <p:cNvPr id="4" name="슬라이드 번호 개체 틀 3"/>
+          <p:cNvSpPr>
+            <a:spLocks noGrp="1"/>
+          </p:cNvSpPr>
+          <p:nvPr>
+            <p:ph type="sldNum" sz="quarter" idx="5"/>
+          </p:nvPr>
+        </p:nvSpPr>
+        <p:spPr/>
+        <p:txBody>
+          <a:bodyPr/>
+          <a:lstStyle/>
+          <a:p>
+            <a:fld id="{DAB327AE-EBA3-5B41-806F-5D805A60910C}" type="slidenum">
+              <a:rPr kumimoji="1" lang="ko-Kore-KR" altLang="en-US" smtClean="0"/>
+              <a:t>6</a:t>
+            </a:fld>
+            <a:endParaRPr kumimoji="1" lang="ko-Kore-KR" altLang="en-US"/>
+          </a:p>
+        </p:txBody>
+      </p:sp>
+    </p:spTree>
+    <p:extLst>
+      <p:ext uri="{BB962C8B-B14F-4D97-AF65-F5344CB8AC3E}">
+        <p14:creationId xmlns:p14="http://schemas.microsoft.com/office/powerpoint/2010/main" val="211007924"/>
+      </p:ext>
+    </p:extLst>
+  </p:cSld>
+  <p:clrMapOvr>
+    <a:masterClrMapping/>
+  </p:clrMapOvr>
+</p:notes>
 </file>
 
 <file path=ppt/slideLayouts/slideLayout1.xml><?xml version="1.0" encoding="utf-8"?>
@@ -6116,1610 +6549,6 @@
     <p:extLst>
       <p:ext uri="{BB962C8B-B14F-4D97-AF65-F5344CB8AC3E}">
         <p14:creationId xmlns:p14="http://schemas.microsoft.com/office/powerpoint/2010/main" val="722931578"/>
-      </p:ext>
-    </p:extLst>
-  </p:cSld>
-  <p:clrMapOvr>
-    <a:masterClrMapping/>
-  </p:clrMapOvr>
-</p:sld>
-</file>
-
-<file path=ppt/slides/slide10.xml><?xml version="1.0" encoding="utf-8"?>
-<p:sld xmlns:a="http://schemas.openxmlformats.org/drawingml/2006/main" xmlns:r="http://schemas.openxmlformats.org/officeDocument/2006/relationships" xmlns:p="http://schemas.openxmlformats.org/presentationml/2006/main">
-  <p:cSld>
-    <p:spTree>
-      <p:nvGrpSpPr>
-        <p:cNvPr id="1" name=""/>
-        <p:cNvGrpSpPr/>
-        <p:nvPr/>
-      </p:nvGrpSpPr>
-      <p:grpSpPr>
-        <a:xfrm>
-          <a:off x="0" y="0"/>
-          <a:ext cx="0" cy="0"/>
-          <a:chOff x="0" y="0"/>
-          <a:chExt cx="0" cy="0"/>
-        </a:xfrm>
-      </p:grpSpPr>
-      <p:sp>
-        <p:nvSpPr>
-          <p:cNvPr id="90" name="직사각형 89">
-            <a:extLst>
-              <a:ext uri="{FF2B5EF4-FFF2-40B4-BE49-F238E27FC236}">
-                <a16:creationId xmlns:a16="http://schemas.microsoft.com/office/drawing/2014/main" id="{1635FFEF-3404-3A44-A1E1-D26B540B86AC}"/>
-              </a:ext>
-            </a:extLst>
-          </p:cNvPr>
-          <p:cNvSpPr/>
-          <p:nvPr/>
-        </p:nvSpPr>
-        <p:spPr>
-          <a:xfrm>
-            <a:off x="905835" y="848244"/>
-            <a:ext cx="3525263" cy="2580756"/>
-          </a:xfrm>
-          <a:prstGeom prst="rect">
-            <a:avLst/>
-          </a:prstGeom>
-          <a:solidFill>
-            <a:schemeClr val="bg1">
-              <a:lumMod val="95000"/>
-            </a:schemeClr>
-          </a:solidFill>
-          <a:ln w="25400">
-            <a:solidFill>
-              <a:srgbClr val="5DA2C5"/>
-            </a:solidFill>
-          </a:ln>
-        </p:spPr>
-        <p:style>
-          <a:lnRef idx="1">
-            <a:schemeClr val="accent1"/>
-          </a:lnRef>
-          <a:fillRef idx="0">
-            <a:schemeClr val="accent1"/>
-          </a:fillRef>
-          <a:effectRef idx="0">
-            <a:schemeClr val="accent1"/>
-          </a:effectRef>
-          <a:fontRef idx="minor">
-            <a:schemeClr val="tx1"/>
-          </a:fontRef>
-        </p:style>
-        <p:txBody>
-          <a:bodyPr rtlCol="0" anchor="ctr"/>
-          <a:lstStyle/>
-          <a:p>
-            <a:pPr algn="ctr"/>
-            <a:endParaRPr kumimoji="1" lang="ko-Kore-KR" altLang="en-US"/>
-          </a:p>
-        </p:txBody>
-      </p:sp>
-      <p:sp>
-        <p:nvSpPr>
-          <p:cNvPr id="39" name="직사각형 38">
-            <a:extLst>
-              <a:ext uri="{FF2B5EF4-FFF2-40B4-BE49-F238E27FC236}">
-                <a16:creationId xmlns:a16="http://schemas.microsoft.com/office/drawing/2014/main" id="{601D4ACF-9DAE-464D-A704-3716E3819EF8}"/>
-              </a:ext>
-            </a:extLst>
-          </p:cNvPr>
-          <p:cNvSpPr/>
-          <p:nvPr/>
-        </p:nvSpPr>
-        <p:spPr>
-          <a:xfrm>
-            <a:off x="1196141" y="1084343"/>
-            <a:ext cx="1301866" cy="1212655"/>
-          </a:xfrm>
-          <a:prstGeom prst="rect">
-            <a:avLst/>
-          </a:prstGeom>
-          <a:solidFill>
-            <a:schemeClr val="bg1">
-              <a:lumMod val="85000"/>
-            </a:schemeClr>
-          </a:solidFill>
-          <a:ln w="25400">
-            <a:solidFill>
-              <a:srgbClr val="5DA2C5"/>
-            </a:solidFill>
-          </a:ln>
-        </p:spPr>
-        <p:style>
-          <a:lnRef idx="1">
-            <a:schemeClr val="accent1"/>
-          </a:lnRef>
-          <a:fillRef idx="0">
-            <a:schemeClr val="accent1"/>
-          </a:fillRef>
-          <a:effectRef idx="0">
-            <a:schemeClr val="accent1"/>
-          </a:effectRef>
-          <a:fontRef idx="minor">
-            <a:schemeClr val="tx1"/>
-          </a:fontRef>
-        </p:style>
-        <p:txBody>
-          <a:bodyPr rtlCol="0" anchor="ctr"/>
-          <a:lstStyle/>
-          <a:p>
-            <a:pPr algn="ctr"/>
-            <a:endParaRPr kumimoji="1" lang="ko-Kore-KR" altLang="en-US"/>
-          </a:p>
-        </p:txBody>
-      </p:sp>
-      <p:sp>
-        <p:nvSpPr>
-          <p:cNvPr id="40" name="TextBox 39">
-            <a:extLst>
-              <a:ext uri="{FF2B5EF4-FFF2-40B4-BE49-F238E27FC236}">
-                <a16:creationId xmlns:a16="http://schemas.microsoft.com/office/drawing/2014/main" id="{D68E3799-46BC-4A49-8014-12C23BBDE003}"/>
-              </a:ext>
-            </a:extLst>
-          </p:cNvPr>
-          <p:cNvSpPr txBox="1"/>
-          <p:nvPr/>
-        </p:nvSpPr>
-        <p:spPr>
-          <a:xfrm>
-            <a:off x="1407051" y="1171431"/>
-            <a:ext cx="880045" cy="338554"/>
-          </a:xfrm>
-          <a:prstGeom prst="rect">
-            <a:avLst/>
-          </a:prstGeom>
-          <a:noFill/>
-        </p:spPr>
-        <p:txBody>
-          <a:bodyPr wrap="square" rtlCol="0">
-            <a:spAutoFit/>
-          </a:bodyPr>
-          <a:lstStyle/>
-          <a:p>
-            <a:pPr algn="ctr"/>
-            <a:r>
-              <a:rPr kumimoji="1" lang="ko-KR" altLang="en-US" sz="1600" b="1" dirty="0">
-                <a:solidFill>
-                  <a:srgbClr val="5DA2C5"/>
-                </a:solidFill>
-                <a:latin typeface="SHeadG" panose="02030600000101010101" pitchFamily="18" charset="-127"/>
-                <a:ea typeface="SHeadG" panose="02030600000101010101" pitchFamily="18" charset="-127"/>
-              </a:rPr>
-              <a:t>토픽</a:t>
-            </a:r>
-            <a:endParaRPr kumimoji="1" lang="ko-Kore-KR" altLang="en-US" sz="1600" b="1" dirty="0">
-              <a:solidFill>
-                <a:srgbClr val="5DA2C5"/>
-              </a:solidFill>
-              <a:latin typeface="SHeadG" panose="02030600000101010101" pitchFamily="18" charset="-127"/>
-              <a:ea typeface="SHeadG" panose="02030600000101010101" pitchFamily="18" charset="-127"/>
-            </a:endParaRPr>
-          </a:p>
-        </p:txBody>
-      </p:sp>
-      <p:grpSp>
-        <p:nvGrpSpPr>
-          <p:cNvPr id="3" name="그룹 2">
-            <a:extLst>
-              <a:ext uri="{FF2B5EF4-FFF2-40B4-BE49-F238E27FC236}">
-                <a16:creationId xmlns:a16="http://schemas.microsoft.com/office/drawing/2014/main" id="{DF986D5E-06C0-B447-BF7E-6DB378AD4D88}"/>
-              </a:ext>
-            </a:extLst>
-          </p:cNvPr>
-          <p:cNvGrpSpPr/>
-          <p:nvPr/>
-        </p:nvGrpSpPr>
-        <p:grpSpPr>
-          <a:xfrm>
-            <a:off x="1322962" y="1690670"/>
-            <a:ext cx="1048222" cy="338554"/>
-            <a:chOff x="1407052" y="1578492"/>
-            <a:chExt cx="1048222" cy="338554"/>
-          </a:xfrm>
-        </p:grpSpPr>
-        <p:sp>
-          <p:nvSpPr>
-            <p:cNvPr id="78" name="직사각형 77">
-              <a:extLst>
-                <a:ext uri="{FF2B5EF4-FFF2-40B4-BE49-F238E27FC236}">
-                  <a16:creationId xmlns:a16="http://schemas.microsoft.com/office/drawing/2014/main" id="{DF1BF89C-0688-1B47-BF7D-95818DCF9AFC}"/>
-                </a:ext>
-              </a:extLst>
-            </p:cNvPr>
-            <p:cNvSpPr/>
-            <p:nvPr/>
-          </p:nvSpPr>
-          <p:spPr>
-            <a:xfrm>
-              <a:off x="1407052" y="1578492"/>
-              <a:ext cx="1048222" cy="338554"/>
-            </a:xfrm>
-            <a:prstGeom prst="rect">
-              <a:avLst/>
-            </a:prstGeom>
-            <a:solidFill>
-              <a:schemeClr val="bg1"/>
-            </a:solidFill>
-            <a:ln w="25400">
-              <a:solidFill>
-                <a:srgbClr val="5DA2C5"/>
-              </a:solidFill>
-            </a:ln>
-          </p:spPr>
-          <p:style>
-            <a:lnRef idx="1">
-              <a:schemeClr val="accent1"/>
-            </a:lnRef>
-            <a:fillRef idx="0">
-              <a:schemeClr val="accent1"/>
-            </a:fillRef>
-            <a:effectRef idx="0">
-              <a:schemeClr val="accent1"/>
-            </a:effectRef>
-            <a:fontRef idx="minor">
-              <a:schemeClr val="tx1"/>
-            </a:fontRef>
-          </p:style>
-          <p:txBody>
-            <a:bodyPr rtlCol="0" anchor="ctr"/>
-            <a:lstStyle/>
-            <a:p>
-              <a:pPr algn="ctr"/>
-              <a:endParaRPr kumimoji="1" lang="ko-Kore-KR" altLang="en-US"/>
-            </a:p>
-          </p:txBody>
-        </p:sp>
-        <p:sp>
-          <p:nvSpPr>
-            <p:cNvPr id="79" name="TextBox 78">
-              <a:extLst>
-                <a:ext uri="{FF2B5EF4-FFF2-40B4-BE49-F238E27FC236}">
-                  <a16:creationId xmlns:a16="http://schemas.microsoft.com/office/drawing/2014/main" id="{A4972876-FD35-624E-87E3-5B15E1908656}"/>
-                </a:ext>
-              </a:extLst>
-            </p:cNvPr>
-            <p:cNvSpPr txBox="1"/>
-            <p:nvPr/>
-          </p:nvSpPr>
-          <p:spPr>
-            <a:xfrm>
-              <a:off x="1491141" y="1607453"/>
-              <a:ext cx="880044" cy="276999"/>
-            </a:xfrm>
-            <a:prstGeom prst="rect">
-              <a:avLst/>
-            </a:prstGeom>
-            <a:noFill/>
-          </p:spPr>
-          <p:txBody>
-            <a:bodyPr wrap="square" rtlCol="0">
-              <a:spAutoFit/>
-            </a:bodyPr>
-            <a:lstStyle/>
-            <a:p>
-              <a:pPr algn="ctr"/>
-              <a:r>
-                <a:rPr kumimoji="1" lang="ko-KR" altLang="en-US" sz="1200" b="1" dirty="0">
-                  <a:solidFill>
-                    <a:srgbClr val="5DA2C5"/>
-                  </a:solidFill>
-                  <a:latin typeface="SHeadG" panose="02030600000101010101" pitchFamily="18" charset="-127"/>
-                  <a:ea typeface="SHeadG" panose="02030600000101010101" pitchFamily="18" charset="-127"/>
-                </a:rPr>
-                <a:t>파티션 </a:t>
-              </a:r>
-              <a:r>
-                <a:rPr kumimoji="1" lang="en-US" altLang="ko-KR" sz="1200" b="1" dirty="0">
-                  <a:solidFill>
-                    <a:srgbClr val="5DA2C5"/>
-                  </a:solidFill>
-                  <a:latin typeface="SHeadG" panose="02030600000101010101" pitchFamily="18" charset="-127"/>
-                  <a:ea typeface="SHeadG" panose="02030600000101010101" pitchFamily="18" charset="-127"/>
-                </a:rPr>
-                <a:t>0</a:t>
-              </a:r>
-              <a:endParaRPr kumimoji="1" lang="ko-Kore-KR" altLang="en-US" sz="1200" b="1" dirty="0">
-                <a:solidFill>
-                  <a:srgbClr val="5DA2C5"/>
-                </a:solidFill>
-                <a:latin typeface="SHeadG" panose="02030600000101010101" pitchFamily="18" charset="-127"/>
-                <a:ea typeface="SHeadG" panose="02030600000101010101" pitchFamily="18" charset="-127"/>
-              </a:endParaRPr>
-            </a:p>
-          </p:txBody>
-        </p:sp>
-      </p:grpSp>
-      <p:grpSp>
-        <p:nvGrpSpPr>
-          <p:cNvPr id="6" name="그룹 5">
-            <a:extLst>
-              <a:ext uri="{FF2B5EF4-FFF2-40B4-BE49-F238E27FC236}">
-                <a16:creationId xmlns:a16="http://schemas.microsoft.com/office/drawing/2014/main" id="{D3213B28-4D8F-5946-830F-526F9409579A}"/>
-              </a:ext>
-            </a:extLst>
-          </p:cNvPr>
-          <p:cNvGrpSpPr/>
-          <p:nvPr/>
-        </p:nvGrpSpPr>
-        <p:grpSpPr>
-          <a:xfrm>
-            <a:off x="2798000" y="1654255"/>
-            <a:ext cx="1301866" cy="407749"/>
-            <a:chOff x="2841542" y="1621475"/>
-            <a:chExt cx="1301866" cy="407749"/>
-          </a:xfrm>
-        </p:grpSpPr>
-        <p:sp>
-          <p:nvSpPr>
-            <p:cNvPr id="81" name="직사각형 80">
-              <a:extLst>
-                <a:ext uri="{FF2B5EF4-FFF2-40B4-BE49-F238E27FC236}">
-                  <a16:creationId xmlns:a16="http://schemas.microsoft.com/office/drawing/2014/main" id="{86649215-5CF9-6A4A-9967-BAAD145AE513}"/>
-                </a:ext>
-              </a:extLst>
-            </p:cNvPr>
-            <p:cNvSpPr/>
-            <p:nvPr/>
-          </p:nvSpPr>
-          <p:spPr>
-            <a:xfrm>
-              <a:off x="2841542" y="1621475"/>
-              <a:ext cx="1301866" cy="407749"/>
-            </a:xfrm>
-            <a:prstGeom prst="rect">
-              <a:avLst/>
-            </a:prstGeom>
-            <a:solidFill>
-              <a:schemeClr val="bg1">
-                <a:lumMod val="85000"/>
-              </a:schemeClr>
-            </a:solidFill>
-            <a:ln w="25400">
-              <a:solidFill>
-                <a:srgbClr val="5DA2C5"/>
-              </a:solidFill>
-            </a:ln>
-          </p:spPr>
-          <p:style>
-            <a:lnRef idx="1">
-              <a:schemeClr val="accent1"/>
-            </a:lnRef>
-            <a:fillRef idx="0">
-              <a:schemeClr val="accent1"/>
-            </a:fillRef>
-            <a:effectRef idx="0">
-              <a:schemeClr val="accent1"/>
-            </a:effectRef>
-            <a:fontRef idx="minor">
-              <a:schemeClr val="tx1"/>
-            </a:fontRef>
-          </p:style>
-          <p:txBody>
-            <a:bodyPr rtlCol="0" anchor="ctr"/>
-            <a:lstStyle/>
-            <a:p>
-              <a:pPr algn="ctr"/>
-              <a:endParaRPr kumimoji="1" lang="ko-Kore-KR" altLang="en-US"/>
-            </a:p>
-          </p:txBody>
-        </p:sp>
-        <p:sp>
-          <p:nvSpPr>
-            <p:cNvPr id="82" name="TextBox 81">
-              <a:extLst>
-                <a:ext uri="{FF2B5EF4-FFF2-40B4-BE49-F238E27FC236}">
-                  <a16:creationId xmlns:a16="http://schemas.microsoft.com/office/drawing/2014/main" id="{C3C4CE77-4072-174E-A6AE-A2735025DD85}"/>
-                </a:ext>
-              </a:extLst>
-            </p:cNvPr>
-            <p:cNvSpPr txBox="1"/>
-            <p:nvPr/>
-          </p:nvSpPr>
-          <p:spPr>
-            <a:xfrm>
-              <a:off x="2897066" y="1656072"/>
-              <a:ext cx="1163305" cy="338554"/>
-            </a:xfrm>
-            <a:prstGeom prst="rect">
-              <a:avLst/>
-            </a:prstGeom>
-            <a:noFill/>
-          </p:spPr>
-          <p:txBody>
-            <a:bodyPr wrap="square" rtlCol="0">
-              <a:spAutoFit/>
-            </a:bodyPr>
-            <a:lstStyle/>
-            <a:p>
-              <a:pPr algn="ctr"/>
-              <a:r>
-                <a:rPr kumimoji="1" lang="ko-KR" altLang="en-US" sz="1600" b="1" dirty="0" err="1">
-                  <a:solidFill>
-                    <a:srgbClr val="5DA2C5"/>
-                  </a:solidFill>
-                  <a:latin typeface="SHeadG" panose="02030600000101010101" pitchFamily="18" charset="-127"/>
-                  <a:ea typeface="SHeadG" panose="02030600000101010101" pitchFamily="18" charset="-127"/>
-                </a:rPr>
-                <a:t>컨슈머</a:t>
-              </a:r>
-              <a:r>
-                <a:rPr kumimoji="1" lang="ko-KR" altLang="en-US" sz="1600" b="1" dirty="0">
-                  <a:solidFill>
-                    <a:srgbClr val="5DA2C5"/>
-                  </a:solidFill>
-                  <a:latin typeface="SHeadG" panose="02030600000101010101" pitchFamily="18" charset="-127"/>
-                  <a:ea typeface="SHeadG" panose="02030600000101010101" pitchFamily="18" charset="-127"/>
-                </a:rPr>
-                <a:t> </a:t>
-              </a:r>
-              <a:r>
-                <a:rPr kumimoji="1" lang="en-US" altLang="ko-KR" sz="1600" b="1" dirty="0">
-                  <a:solidFill>
-                    <a:srgbClr val="5DA2C5"/>
-                  </a:solidFill>
-                  <a:latin typeface="SHeadG" panose="02030600000101010101" pitchFamily="18" charset="-127"/>
-                  <a:ea typeface="SHeadG" panose="02030600000101010101" pitchFamily="18" charset="-127"/>
-                </a:rPr>
-                <a:t>0</a:t>
-              </a:r>
-              <a:endParaRPr kumimoji="1" lang="ko-Kore-KR" altLang="en-US" sz="1600" b="1" dirty="0">
-                <a:solidFill>
-                  <a:srgbClr val="5DA2C5"/>
-                </a:solidFill>
-                <a:latin typeface="SHeadG" panose="02030600000101010101" pitchFamily="18" charset="-127"/>
-                <a:ea typeface="SHeadG" panose="02030600000101010101" pitchFamily="18" charset="-127"/>
-              </a:endParaRPr>
-            </a:p>
-          </p:txBody>
-        </p:sp>
-      </p:grpSp>
-      <p:cxnSp>
-        <p:nvCxnSpPr>
-          <p:cNvPr id="83" name="직선 화살표 연결선 82">
-            <a:extLst>
-              <a:ext uri="{FF2B5EF4-FFF2-40B4-BE49-F238E27FC236}">
-                <a16:creationId xmlns:a16="http://schemas.microsoft.com/office/drawing/2014/main" id="{A0A1850C-5CF4-EB44-928B-291052D7E8C9}"/>
-              </a:ext>
-            </a:extLst>
-          </p:cNvPr>
-          <p:cNvCxnSpPr>
-            <a:cxnSpLocks/>
-            <a:stCxn id="78" idx="3"/>
-            <a:endCxn id="81" idx="1"/>
-          </p:cNvCxnSpPr>
-          <p:nvPr/>
-        </p:nvCxnSpPr>
-        <p:spPr>
-          <a:xfrm flipV="1">
-            <a:off x="2371184" y="1858130"/>
-            <a:ext cx="426816" cy="1817"/>
-          </a:xfrm>
-          <a:prstGeom prst="straightConnector1">
-            <a:avLst/>
-          </a:prstGeom>
-          <a:ln w="19050">
-            <a:solidFill>
-              <a:srgbClr val="5DA2C5"/>
-            </a:solidFill>
-            <a:tailEnd type="stealth" w="lg" len="lg"/>
-          </a:ln>
-        </p:spPr>
-        <p:style>
-          <a:lnRef idx="1">
-            <a:schemeClr val="accent1"/>
-          </a:lnRef>
-          <a:fillRef idx="0">
-            <a:schemeClr val="accent1"/>
-          </a:fillRef>
-          <a:effectRef idx="0">
-            <a:schemeClr val="accent1"/>
-          </a:effectRef>
-          <a:fontRef idx="minor">
-            <a:schemeClr val="tx1"/>
-          </a:fontRef>
-        </p:style>
-      </p:cxnSp>
-      <p:sp>
-        <p:nvSpPr>
-          <p:cNvPr id="91" name="직사각형 90">
-            <a:extLst>
-              <a:ext uri="{FF2B5EF4-FFF2-40B4-BE49-F238E27FC236}">
-                <a16:creationId xmlns:a16="http://schemas.microsoft.com/office/drawing/2014/main" id="{23853E2E-694D-4442-B1CA-FDCC526487FB}"/>
-              </a:ext>
-            </a:extLst>
-          </p:cNvPr>
-          <p:cNvSpPr/>
-          <p:nvPr/>
-        </p:nvSpPr>
-        <p:spPr>
-          <a:xfrm>
-            <a:off x="5281892" y="848244"/>
-            <a:ext cx="3525263" cy="2580756"/>
-          </a:xfrm>
-          <a:prstGeom prst="rect">
-            <a:avLst/>
-          </a:prstGeom>
-          <a:solidFill>
-            <a:schemeClr val="bg1">
-              <a:lumMod val="95000"/>
-            </a:schemeClr>
-          </a:solidFill>
-          <a:ln w="25400">
-            <a:solidFill>
-              <a:srgbClr val="5DA2C5"/>
-            </a:solidFill>
-          </a:ln>
-        </p:spPr>
-        <p:style>
-          <a:lnRef idx="1">
-            <a:schemeClr val="accent1"/>
-          </a:lnRef>
-          <a:fillRef idx="0">
-            <a:schemeClr val="accent1"/>
-          </a:fillRef>
-          <a:effectRef idx="0">
-            <a:schemeClr val="accent1"/>
-          </a:effectRef>
-          <a:fontRef idx="minor">
-            <a:schemeClr val="tx1"/>
-          </a:fontRef>
-        </p:style>
-        <p:txBody>
-          <a:bodyPr rtlCol="0" anchor="ctr"/>
-          <a:lstStyle/>
-          <a:p>
-            <a:pPr algn="ctr"/>
-            <a:endParaRPr kumimoji="1" lang="ko-Kore-KR" altLang="en-US"/>
-          </a:p>
-        </p:txBody>
-      </p:sp>
-      <p:sp>
-        <p:nvSpPr>
-          <p:cNvPr id="92" name="직사각형 91">
-            <a:extLst>
-              <a:ext uri="{FF2B5EF4-FFF2-40B4-BE49-F238E27FC236}">
-                <a16:creationId xmlns:a16="http://schemas.microsoft.com/office/drawing/2014/main" id="{45B98FDF-0528-5845-89C4-A5BA12C8EE60}"/>
-              </a:ext>
-            </a:extLst>
-          </p:cNvPr>
-          <p:cNvSpPr/>
-          <p:nvPr/>
-        </p:nvSpPr>
-        <p:spPr>
-          <a:xfrm>
-            <a:off x="5572198" y="1084343"/>
-            <a:ext cx="1301866" cy="1669726"/>
-          </a:xfrm>
-          <a:prstGeom prst="rect">
-            <a:avLst/>
-          </a:prstGeom>
-          <a:solidFill>
-            <a:schemeClr val="bg1">
-              <a:lumMod val="85000"/>
-            </a:schemeClr>
-          </a:solidFill>
-          <a:ln w="25400">
-            <a:solidFill>
-              <a:srgbClr val="5DA2C5"/>
-            </a:solidFill>
-          </a:ln>
-        </p:spPr>
-        <p:style>
-          <a:lnRef idx="1">
-            <a:schemeClr val="accent1"/>
-          </a:lnRef>
-          <a:fillRef idx="0">
-            <a:schemeClr val="accent1"/>
-          </a:fillRef>
-          <a:effectRef idx="0">
-            <a:schemeClr val="accent1"/>
-          </a:effectRef>
-          <a:fontRef idx="minor">
-            <a:schemeClr val="tx1"/>
-          </a:fontRef>
-        </p:style>
-        <p:txBody>
-          <a:bodyPr rtlCol="0" anchor="ctr"/>
-          <a:lstStyle/>
-          <a:p>
-            <a:pPr algn="ctr"/>
-            <a:endParaRPr kumimoji="1" lang="ko-Kore-KR" altLang="en-US"/>
-          </a:p>
-        </p:txBody>
-      </p:sp>
-      <p:sp>
-        <p:nvSpPr>
-          <p:cNvPr id="93" name="TextBox 92">
-            <a:extLst>
-              <a:ext uri="{FF2B5EF4-FFF2-40B4-BE49-F238E27FC236}">
-                <a16:creationId xmlns:a16="http://schemas.microsoft.com/office/drawing/2014/main" id="{A0982DB3-4010-4B4D-B2EA-1B171818E18F}"/>
-              </a:ext>
-            </a:extLst>
-          </p:cNvPr>
-          <p:cNvSpPr txBox="1"/>
-          <p:nvPr/>
-        </p:nvSpPr>
-        <p:spPr>
-          <a:xfrm>
-            <a:off x="5783108" y="1171431"/>
-            <a:ext cx="880045" cy="338554"/>
-          </a:xfrm>
-          <a:prstGeom prst="rect">
-            <a:avLst/>
-          </a:prstGeom>
-          <a:noFill/>
-        </p:spPr>
-        <p:txBody>
-          <a:bodyPr wrap="square" rtlCol="0">
-            <a:spAutoFit/>
-          </a:bodyPr>
-          <a:lstStyle/>
-          <a:p>
-            <a:pPr algn="ctr"/>
-            <a:r>
-              <a:rPr kumimoji="1" lang="ko-KR" altLang="en-US" sz="1600" b="1" dirty="0">
-                <a:solidFill>
-                  <a:srgbClr val="5DA2C5"/>
-                </a:solidFill>
-                <a:latin typeface="SHeadG" panose="02030600000101010101" pitchFamily="18" charset="-127"/>
-                <a:ea typeface="SHeadG" panose="02030600000101010101" pitchFamily="18" charset="-127"/>
-              </a:rPr>
-              <a:t>토픽</a:t>
-            </a:r>
-            <a:endParaRPr kumimoji="1" lang="ko-Kore-KR" altLang="en-US" sz="1600" b="1" dirty="0">
-              <a:solidFill>
-                <a:srgbClr val="5DA2C5"/>
-              </a:solidFill>
-              <a:latin typeface="SHeadG" panose="02030600000101010101" pitchFamily="18" charset="-127"/>
-              <a:ea typeface="SHeadG" panose="02030600000101010101" pitchFamily="18" charset="-127"/>
-            </a:endParaRPr>
-          </a:p>
-        </p:txBody>
-      </p:sp>
-      <p:grpSp>
-        <p:nvGrpSpPr>
-          <p:cNvPr id="94" name="그룹 93">
-            <a:extLst>
-              <a:ext uri="{FF2B5EF4-FFF2-40B4-BE49-F238E27FC236}">
-                <a16:creationId xmlns:a16="http://schemas.microsoft.com/office/drawing/2014/main" id="{9F9EA5B2-9E9A-8740-ACFA-7F5AD328EE4B}"/>
-              </a:ext>
-            </a:extLst>
-          </p:cNvPr>
-          <p:cNvGrpSpPr/>
-          <p:nvPr/>
-        </p:nvGrpSpPr>
-        <p:grpSpPr>
-          <a:xfrm>
-            <a:off x="5699019" y="1690670"/>
-            <a:ext cx="1048222" cy="338554"/>
-            <a:chOff x="1407052" y="1578492"/>
-            <a:chExt cx="1048222" cy="338554"/>
-          </a:xfrm>
-        </p:grpSpPr>
-        <p:sp>
-          <p:nvSpPr>
-            <p:cNvPr id="95" name="직사각형 94">
-              <a:extLst>
-                <a:ext uri="{FF2B5EF4-FFF2-40B4-BE49-F238E27FC236}">
-                  <a16:creationId xmlns:a16="http://schemas.microsoft.com/office/drawing/2014/main" id="{6E1295C0-06D6-E345-A167-179574AED391}"/>
-                </a:ext>
-              </a:extLst>
-            </p:cNvPr>
-            <p:cNvSpPr/>
-            <p:nvPr/>
-          </p:nvSpPr>
-          <p:spPr>
-            <a:xfrm>
-              <a:off x="1407052" y="1578492"/>
-              <a:ext cx="1048222" cy="338554"/>
-            </a:xfrm>
-            <a:prstGeom prst="rect">
-              <a:avLst/>
-            </a:prstGeom>
-            <a:solidFill>
-              <a:schemeClr val="bg1"/>
-            </a:solidFill>
-            <a:ln w="25400">
-              <a:solidFill>
-                <a:srgbClr val="5DA2C5"/>
-              </a:solidFill>
-            </a:ln>
-          </p:spPr>
-          <p:style>
-            <a:lnRef idx="1">
-              <a:schemeClr val="accent1"/>
-            </a:lnRef>
-            <a:fillRef idx="0">
-              <a:schemeClr val="accent1"/>
-            </a:fillRef>
-            <a:effectRef idx="0">
-              <a:schemeClr val="accent1"/>
-            </a:effectRef>
-            <a:fontRef idx="minor">
-              <a:schemeClr val="tx1"/>
-            </a:fontRef>
-          </p:style>
-          <p:txBody>
-            <a:bodyPr rtlCol="0" anchor="ctr"/>
-            <a:lstStyle/>
-            <a:p>
-              <a:pPr algn="ctr"/>
-              <a:endParaRPr kumimoji="1" lang="ko-Kore-KR" altLang="en-US"/>
-            </a:p>
-          </p:txBody>
-        </p:sp>
-        <p:sp>
-          <p:nvSpPr>
-            <p:cNvPr id="96" name="TextBox 95">
-              <a:extLst>
-                <a:ext uri="{FF2B5EF4-FFF2-40B4-BE49-F238E27FC236}">
-                  <a16:creationId xmlns:a16="http://schemas.microsoft.com/office/drawing/2014/main" id="{6E1704D6-ECEE-524E-89E2-C40180FE8114}"/>
-                </a:ext>
-              </a:extLst>
-            </p:cNvPr>
-            <p:cNvSpPr txBox="1"/>
-            <p:nvPr/>
-          </p:nvSpPr>
-          <p:spPr>
-            <a:xfrm>
-              <a:off x="1491141" y="1607453"/>
-              <a:ext cx="880044" cy="276999"/>
-            </a:xfrm>
-            <a:prstGeom prst="rect">
-              <a:avLst/>
-            </a:prstGeom>
-            <a:noFill/>
-          </p:spPr>
-          <p:txBody>
-            <a:bodyPr wrap="square" rtlCol="0">
-              <a:spAutoFit/>
-            </a:bodyPr>
-            <a:lstStyle/>
-            <a:p>
-              <a:pPr algn="ctr"/>
-              <a:r>
-                <a:rPr kumimoji="1" lang="ko-KR" altLang="en-US" sz="1200" b="1" dirty="0">
-                  <a:solidFill>
-                    <a:srgbClr val="5DA2C5"/>
-                  </a:solidFill>
-                  <a:latin typeface="SHeadG" panose="02030600000101010101" pitchFamily="18" charset="-127"/>
-                  <a:ea typeface="SHeadG" panose="02030600000101010101" pitchFamily="18" charset="-127"/>
-                </a:rPr>
-                <a:t>파티션 </a:t>
-              </a:r>
-              <a:r>
-                <a:rPr kumimoji="1" lang="en-US" altLang="ko-KR" sz="1200" b="1" dirty="0">
-                  <a:solidFill>
-                    <a:srgbClr val="5DA2C5"/>
-                  </a:solidFill>
-                  <a:latin typeface="SHeadG" panose="02030600000101010101" pitchFamily="18" charset="-127"/>
-                  <a:ea typeface="SHeadG" panose="02030600000101010101" pitchFamily="18" charset="-127"/>
-                </a:rPr>
-                <a:t>0</a:t>
-              </a:r>
-              <a:endParaRPr kumimoji="1" lang="ko-Kore-KR" altLang="en-US" sz="1200" b="1" dirty="0">
-                <a:solidFill>
-                  <a:srgbClr val="5DA2C5"/>
-                </a:solidFill>
-                <a:latin typeface="SHeadG" panose="02030600000101010101" pitchFamily="18" charset="-127"/>
-                <a:ea typeface="SHeadG" panose="02030600000101010101" pitchFamily="18" charset="-127"/>
-              </a:endParaRPr>
-            </a:p>
-          </p:txBody>
-        </p:sp>
-      </p:grpSp>
-      <p:grpSp>
-        <p:nvGrpSpPr>
-          <p:cNvPr id="97" name="그룹 96">
-            <a:extLst>
-              <a:ext uri="{FF2B5EF4-FFF2-40B4-BE49-F238E27FC236}">
-                <a16:creationId xmlns:a16="http://schemas.microsoft.com/office/drawing/2014/main" id="{CB959765-9604-174F-A3CA-C4EC83F1A3EB}"/>
-              </a:ext>
-            </a:extLst>
-          </p:cNvPr>
-          <p:cNvGrpSpPr/>
-          <p:nvPr/>
-        </p:nvGrpSpPr>
-        <p:grpSpPr>
-          <a:xfrm>
-            <a:off x="7174057" y="1654255"/>
-            <a:ext cx="1301866" cy="407749"/>
-            <a:chOff x="2841542" y="1621475"/>
-            <a:chExt cx="1301866" cy="407749"/>
-          </a:xfrm>
-        </p:grpSpPr>
-        <p:sp>
-          <p:nvSpPr>
-            <p:cNvPr id="98" name="직사각형 97">
-              <a:extLst>
-                <a:ext uri="{FF2B5EF4-FFF2-40B4-BE49-F238E27FC236}">
-                  <a16:creationId xmlns:a16="http://schemas.microsoft.com/office/drawing/2014/main" id="{9E143A1D-518C-DB40-AB7B-8FE6C7674EDA}"/>
-                </a:ext>
-              </a:extLst>
-            </p:cNvPr>
-            <p:cNvSpPr/>
-            <p:nvPr/>
-          </p:nvSpPr>
-          <p:spPr>
-            <a:xfrm>
-              <a:off x="2841542" y="1621475"/>
-              <a:ext cx="1301866" cy="407749"/>
-            </a:xfrm>
-            <a:prstGeom prst="rect">
-              <a:avLst/>
-            </a:prstGeom>
-            <a:solidFill>
-              <a:schemeClr val="bg1">
-                <a:lumMod val="85000"/>
-              </a:schemeClr>
-            </a:solidFill>
-            <a:ln w="25400">
-              <a:solidFill>
-                <a:srgbClr val="5DA2C5"/>
-              </a:solidFill>
-            </a:ln>
-          </p:spPr>
-          <p:style>
-            <a:lnRef idx="1">
-              <a:schemeClr val="accent1"/>
-            </a:lnRef>
-            <a:fillRef idx="0">
-              <a:schemeClr val="accent1"/>
-            </a:fillRef>
-            <a:effectRef idx="0">
-              <a:schemeClr val="accent1"/>
-            </a:effectRef>
-            <a:fontRef idx="minor">
-              <a:schemeClr val="tx1"/>
-            </a:fontRef>
-          </p:style>
-          <p:txBody>
-            <a:bodyPr rtlCol="0" anchor="ctr"/>
-            <a:lstStyle/>
-            <a:p>
-              <a:pPr algn="ctr"/>
-              <a:endParaRPr kumimoji="1" lang="ko-Kore-KR" altLang="en-US"/>
-            </a:p>
-          </p:txBody>
-        </p:sp>
-        <p:sp>
-          <p:nvSpPr>
-            <p:cNvPr id="99" name="TextBox 98">
-              <a:extLst>
-                <a:ext uri="{FF2B5EF4-FFF2-40B4-BE49-F238E27FC236}">
-                  <a16:creationId xmlns:a16="http://schemas.microsoft.com/office/drawing/2014/main" id="{9959AC0B-3499-D44A-B4CB-896DA98097F1}"/>
-                </a:ext>
-              </a:extLst>
-            </p:cNvPr>
-            <p:cNvSpPr txBox="1"/>
-            <p:nvPr/>
-          </p:nvSpPr>
-          <p:spPr>
-            <a:xfrm>
-              <a:off x="2897066" y="1656072"/>
-              <a:ext cx="1163305" cy="338554"/>
-            </a:xfrm>
-            <a:prstGeom prst="rect">
-              <a:avLst/>
-            </a:prstGeom>
-            <a:noFill/>
-          </p:spPr>
-          <p:txBody>
-            <a:bodyPr wrap="square" rtlCol="0">
-              <a:spAutoFit/>
-            </a:bodyPr>
-            <a:lstStyle/>
-            <a:p>
-              <a:pPr algn="ctr"/>
-              <a:r>
-                <a:rPr kumimoji="1" lang="ko-KR" altLang="en-US" sz="1600" b="1" dirty="0" err="1">
-                  <a:solidFill>
-                    <a:srgbClr val="5DA2C5"/>
-                  </a:solidFill>
-                  <a:latin typeface="SHeadG" panose="02030600000101010101" pitchFamily="18" charset="-127"/>
-                  <a:ea typeface="SHeadG" panose="02030600000101010101" pitchFamily="18" charset="-127"/>
-                </a:rPr>
-                <a:t>컨슈머</a:t>
-              </a:r>
-              <a:r>
-                <a:rPr kumimoji="1" lang="ko-KR" altLang="en-US" sz="1600" b="1" dirty="0">
-                  <a:solidFill>
-                    <a:srgbClr val="5DA2C5"/>
-                  </a:solidFill>
-                  <a:latin typeface="SHeadG" panose="02030600000101010101" pitchFamily="18" charset="-127"/>
-                  <a:ea typeface="SHeadG" panose="02030600000101010101" pitchFamily="18" charset="-127"/>
-                </a:rPr>
-                <a:t> </a:t>
-              </a:r>
-              <a:r>
-                <a:rPr kumimoji="1" lang="en-US" altLang="ko-KR" sz="1600" b="1" dirty="0">
-                  <a:solidFill>
-                    <a:srgbClr val="5DA2C5"/>
-                  </a:solidFill>
-                  <a:latin typeface="SHeadG" panose="02030600000101010101" pitchFamily="18" charset="-127"/>
-                  <a:ea typeface="SHeadG" panose="02030600000101010101" pitchFamily="18" charset="-127"/>
-                </a:rPr>
-                <a:t>0</a:t>
-              </a:r>
-              <a:endParaRPr kumimoji="1" lang="ko-Kore-KR" altLang="en-US" sz="1600" b="1" dirty="0">
-                <a:solidFill>
-                  <a:srgbClr val="5DA2C5"/>
-                </a:solidFill>
-                <a:latin typeface="SHeadG" panose="02030600000101010101" pitchFamily="18" charset="-127"/>
-                <a:ea typeface="SHeadG" panose="02030600000101010101" pitchFamily="18" charset="-127"/>
-              </a:endParaRPr>
-            </a:p>
-          </p:txBody>
-        </p:sp>
-      </p:grpSp>
-      <p:cxnSp>
-        <p:nvCxnSpPr>
-          <p:cNvPr id="100" name="직선 화살표 연결선 99">
-            <a:extLst>
-              <a:ext uri="{FF2B5EF4-FFF2-40B4-BE49-F238E27FC236}">
-                <a16:creationId xmlns:a16="http://schemas.microsoft.com/office/drawing/2014/main" id="{7B806DAB-79DD-224A-88A5-4BB759C8FA4C}"/>
-              </a:ext>
-            </a:extLst>
-          </p:cNvPr>
-          <p:cNvCxnSpPr>
-            <a:cxnSpLocks/>
-            <a:stCxn id="95" idx="3"/>
-            <a:endCxn id="98" idx="1"/>
-          </p:cNvCxnSpPr>
-          <p:nvPr/>
-        </p:nvCxnSpPr>
-        <p:spPr>
-          <a:xfrm flipV="1">
-            <a:off x="6747241" y="1858130"/>
-            <a:ext cx="426816" cy="1817"/>
-          </a:xfrm>
-          <a:prstGeom prst="straightConnector1">
-            <a:avLst/>
-          </a:prstGeom>
-          <a:ln w="19050">
-            <a:solidFill>
-              <a:srgbClr val="5DA2C5"/>
-            </a:solidFill>
-            <a:tailEnd type="stealth" w="lg" len="lg"/>
-          </a:ln>
-        </p:spPr>
-        <p:style>
-          <a:lnRef idx="1">
-            <a:schemeClr val="accent1"/>
-          </a:lnRef>
-          <a:fillRef idx="0">
-            <a:schemeClr val="accent1"/>
-          </a:fillRef>
-          <a:effectRef idx="0">
-            <a:schemeClr val="accent1"/>
-          </a:effectRef>
-          <a:fontRef idx="minor">
-            <a:schemeClr val="tx1"/>
-          </a:fontRef>
-        </p:style>
-      </p:cxnSp>
-      <p:grpSp>
-        <p:nvGrpSpPr>
-          <p:cNvPr id="101" name="그룹 100">
-            <a:extLst>
-              <a:ext uri="{FF2B5EF4-FFF2-40B4-BE49-F238E27FC236}">
-                <a16:creationId xmlns:a16="http://schemas.microsoft.com/office/drawing/2014/main" id="{E3A7C2F2-A9BE-8849-9A39-393CB22002BF}"/>
-              </a:ext>
-            </a:extLst>
-          </p:cNvPr>
-          <p:cNvGrpSpPr/>
-          <p:nvPr/>
-        </p:nvGrpSpPr>
-        <p:grpSpPr>
-          <a:xfrm>
-            <a:off x="5700438" y="2261608"/>
-            <a:ext cx="1048222" cy="338554"/>
-            <a:chOff x="1407052" y="1578492"/>
-            <a:chExt cx="1048222" cy="338554"/>
-          </a:xfrm>
-        </p:grpSpPr>
-        <p:sp>
-          <p:nvSpPr>
-            <p:cNvPr id="102" name="직사각형 101">
-              <a:extLst>
-                <a:ext uri="{FF2B5EF4-FFF2-40B4-BE49-F238E27FC236}">
-                  <a16:creationId xmlns:a16="http://schemas.microsoft.com/office/drawing/2014/main" id="{AFFCA694-A655-4146-9097-69B17FC54105}"/>
-                </a:ext>
-              </a:extLst>
-            </p:cNvPr>
-            <p:cNvSpPr/>
-            <p:nvPr/>
-          </p:nvSpPr>
-          <p:spPr>
-            <a:xfrm>
-              <a:off x="1407052" y="1578492"/>
-              <a:ext cx="1048222" cy="338554"/>
-            </a:xfrm>
-            <a:prstGeom prst="rect">
-              <a:avLst/>
-            </a:prstGeom>
-            <a:solidFill>
-              <a:schemeClr val="bg1"/>
-            </a:solidFill>
-            <a:ln w="25400">
-              <a:solidFill>
-                <a:srgbClr val="5DA2C5"/>
-              </a:solidFill>
-            </a:ln>
-          </p:spPr>
-          <p:style>
-            <a:lnRef idx="1">
-              <a:schemeClr val="accent1"/>
-            </a:lnRef>
-            <a:fillRef idx="0">
-              <a:schemeClr val="accent1"/>
-            </a:fillRef>
-            <a:effectRef idx="0">
-              <a:schemeClr val="accent1"/>
-            </a:effectRef>
-            <a:fontRef idx="minor">
-              <a:schemeClr val="tx1"/>
-            </a:fontRef>
-          </p:style>
-          <p:txBody>
-            <a:bodyPr rtlCol="0" anchor="ctr"/>
-            <a:lstStyle/>
-            <a:p>
-              <a:pPr algn="ctr"/>
-              <a:endParaRPr kumimoji="1" lang="ko-Kore-KR" altLang="en-US"/>
-            </a:p>
-          </p:txBody>
-        </p:sp>
-        <p:sp>
-          <p:nvSpPr>
-            <p:cNvPr id="103" name="TextBox 102">
-              <a:extLst>
-                <a:ext uri="{FF2B5EF4-FFF2-40B4-BE49-F238E27FC236}">
-                  <a16:creationId xmlns:a16="http://schemas.microsoft.com/office/drawing/2014/main" id="{43BFC5FF-C9A8-AD4E-A8CF-E97A9EB243F4}"/>
-                </a:ext>
-              </a:extLst>
-            </p:cNvPr>
-            <p:cNvSpPr txBox="1"/>
-            <p:nvPr/>
-          </p:nvSpPr>
-          <p:spPr>
-            <a:xfrm>
-              <a:off x="1491141" y="1607453"/>
-              <a:ext cx="880044" cy="276999"/>
-            </a:xfrm>
-            <a:prstGeom prst="rect">
-              <a:avLst/>
-            </a:prstGeom>
-            <a:noFill/>
-          </p:spPr>
-          <p:txBody>
-            <a:bodyPr wrap="square" rtlCol="0">
-              <a:spAutoFit/>
-            </a:bodyPr>
-            <a:lstStyle/>
-            <a:p>
-              <a:pPr algn="ctr"/>
-              <a:r>
-                <a:rPr kumimoji="1" lang="ko-KR" altLang="en-US" sz="1200" b="1" dirty="0">
-                  <a:solidFill>
-                    <a:srgbClr val="5DA2C5"/>
-                  </a:solidFill>
-                  <a:latin typeface="SHeadG" panose="02030600000101010101" pitchFamily="18" charset="-127"/>
-                  <a:ea typeface="SHeadG" panose="02030600000101010101" pitchFamily="18" charset="-127"/>
-                </a:rPr>
-                <a:t>파티션 </a:t>
-              </a:r>
-              <a:r>
-                <a:rPr kumimoji="1" lang="en-US" altLang="ko-KR" sz="1200" b="1" dirty="0">
-                  <a:solidFill>
-                    <a:srgbClr val="5DA2C5"/>
-                  </a:solidFill>
-                  <a:latin typeface="SHeadG" panose="02030600000101010101" pitchFamily="18" charset="-127"/>
-                  <a:ea typeface="SHeadG" panose="02030600000101010101" pitchFamily="18" charset="-127"/>
-                </a:rPr>
-                <a:t>1</a:t>
-              </a:r>
-              <a:endParaRPr kumimoji="1" lang="ko-Kore-KR" altLang="en-US" sz="1200" b="1" dirty="0">
-                <a:solidFill>
-                  <a:srgbClr val="5DA2C5"/>
-                </a:solidFill>
-                <a:latin typeface="SHeadG" panose="02030600000101010101" pitchFamily="18" charset="-127"/>
-                <a:ea typeface="SHeadG" panose="02030600000101010101" pitchFamily="18" charset="-127"/>
-              </a:endParaRPr>
-            </a:p>
-          </p:txBody>
-        </p:sp>
-      </p:grpSp>
-      <p:grpSp>
-        <p:nvGrpSpPr>
-          <p:cNvPr id="104" name="그룹 103">
-            <a:extLst>
-              <a:ext uri="{FF2B5EF4-FFF2-40B4-BE49-F238E27FC236}">
-                <a16:creationId xmlns:a16="http://schemas.microsoft.com/office/drawing/2014/main" id="{B6D9AD31-CF05-434D-8DE6-F32E829A81AE}"/>
-              </a:ext>
-            </a:extLst>
-          </p:cNvPr>
-          <p:cNvGrpSpPr/>
-          <p:nvPr/>
-        </p:nvGrpSpPr>
-        <p:grpSpPr>
-          <a:xfrm>
-            <a:off x="7174057" y="2200309"/>
-            <a:ext cx="1301866" cy="407749"/>
-            <a:chOff x="2841542" y="1621475"/>
-            <a:chExt cx="1301866" cy="407749"/>
-          </a:xfrm>
-        </p:grpSpPr>
-        <p:sp>
-          <p:nvSpPr>
-            <p:cNvPr id="141" name="직사각형 140">
-              <a:extLst>
-                <a:ext uri="{FF2B5EF4-FFF2-40B4-BE49-F238E27FC236}">
-                  <a16:creationId xmlns:a16="http://schemas.microsoft.com/office/drawing/2014/main" id="{11CC2792-E219-C848-9341-103AF5A854E6}"/>
-                </a:ext>
-              </a:extLst>
-            </p:cNvPr>
-            <p:cNvSpPr/>
-            <p:nvPr/>
-          </p:nvSpPr>
-          <p:spPr>
-            <a:xfrm>
-              <a:off x="2841542" y="1621475"/>
-              <a:ext cx="1301866" cy="407749"/>
-            </a:xfrm>
-            <a:prstGeom prst="rect">
-              <a:avLst/>
-            </a:prstGeom>
-            <a:solidFill>
-              <a:schemeClr val="bg1">
-                <a:lumMod val="85000"/>
-              </a:schemeClr>
-            </a:solidFill>
-            <a:ln w="25400">
-              <a:solidFill>
-                <a:srgbClr val="5DA2C5"/>
-              </a:solidFill>
-            </a:ln>
-          </p:spPr>
-          <p:style>
-            <a:lnRef idx="1">
-              <a:schemeClr val="accent1"/>
-            </a:lnRef>
-            <a:fillRef idx="0">
-              <a:schemeClr val="accent1"/>
-            </a:fillRef>
-            <a:effectRef idx="0">
-              <a:schemeClr val="accent1"/>
-            </a:effectRef>
-            <a:fontRef idx="minor">
-              <a:schemeClr val="tx1"/>
-            </a:fontRef>
-          </p:style>
-          <p:txBody>
-            <a:bodyPr rtlCol="0" anchor="ctr"/>
-            <a:lstStyle/>
-            <a:p>
-              <a:pPr algn="ctr"/>
-              <a:endParaRPr kumimoji="1" lang="ko-Kore-KR" altLang="en-US"/>
-            </a:p>
-          </p:txBody>
-        </p:sp>
-        <p:sp>
-          <p:nvSpPr>
-            <p:cNvPr id="143" name="TextBox 142">
-              <a:extLst>
-                <a:ext uri="{FF2B5EF4-FFF2-40B4-BE49-F238E27FC236}">
-                  <a16:creationId xmlns:a16="http://schemas.microsoft.com/office/drawing/2014/main" id="{D1751DC0-5D64-A14C-AAC4-604ADA3A274F}"/>
-                </a:ext>
-              </a:extLst>
-            </p:cNvPr>
-            <p:cNvSpPr txBox="1"/>
-            <p:nvPr/>
-          </p:nvSpPr>
-          <p:spPr>
-            <a:xfrm>
-              <a:off x="2897066" y="1656072"/>
-              <a:ext cx="1163305" cy="338554"/>
-            </a:xfrm>
-            <a:prstGeom prst="rect">
-              <a:avLst/>
-            </a:prstGeom>
-            <a:noFill/>
-          </p:spPr>
-          <p:txBody>
-            <a:bodyPr wrap="square" rtlCol="0">
-              <a:spAutoFit/>
-            </a:bodyPr>
-            <a:lstStyle/>
-            <a:p>
-              <a:pPr algn="ctr"/>
-              <a:r>
-                <a:rPr kumimoji="1" lang="ko-KR" altLang="en-US" sz="1600" b="1" dirty="0" err="1">
-                  <a:solidFill>
-                    <a:srgbClr val="5DA2C5"/>
-                  </a:solidFill>
-                  <a:latin typeface="SHeadG" panose="02030600000101010101" pitchFamily="18" charset="-127"/>
-                  <a:ea typeface="SHeadG" panose="02030600000101010101" pitchFamily="18" charset="-127"/>
-                </a:rPr>
-                <a:t>컨슈머</a:t>
-              </a:r>
-              <a:r>
-                <a:rPr kumimoji="1" lang="ko-KR" altLang="en-US" sz="1600" b="1" dirty="0">
-                  <a:solidFill>
-                    <a:srgbClr val="5DA2C5"/>
-                  </a:solidFill>
-                  <a:latin typeface="SHeadG" panose="02030600000101010101" pitchFamily="18" charset="-127"/>
-                  <a:ea typeface="SHeadG" panose="02030600000101010101" pitchFamily="18" charset="-127"/>
-                </a:rPr>
-                <a:t> </a:t>
-              </a:r>
-              <a:r>
-                <a:rPr kumimoji="1" lang="en-US" altLang="ko-KR" sz="1600" b="1" dirty="0">
-                  <a:solidFill>
-                    <a:srgbClr val="5DA2C5"/>
-                  </a:solidFill>
-                  <a:latin typeface="SHeadG" panose="02030600000101010101" pitchFamily="18" charset="-127"/>
-                  <a:ea typeface="SHeadG" panose="02030600000101010101" pitchFamily="18" charset="-127"/>
-                </a:rPr>
-                <a:t>1</a:t>
-              </a:r>
-              <a:endParaRPr kumimoji="1" lang="ko-Kore-KR" altLang="en-US" sz="1600" b="1" dirty="0">
-                <a:solidFill>
-                  <a:srgbClr val="5DA2C5"/>
-                </a:solidFill>
-                <a:latin typeface="SHeadG" panose="02030600000101010101" pitchFamily="18" charset="-127"/>
-                <a:ea typeface="SHeadG" panose="02030600000101010101" pitchFamily="18" charset="-127"/>
-              </a:endParaRPr>
-            </a:p>
-          </p:txBody>
-        </p:sp>
-      </p:grpSp>
-      <p:cxnSp>
-        <p:nvCxnSpPr>
-          <p:cNvPr id="144" name="직선 화살표 연결선 143">
-            <a:extLst>
-              <a:ext uri="{FF2B5EF4-FFF2-40B4-BE49-F238E27FC236}">
-                <a16:creationId xmlns:a16="http://schemas.microsoft.com/office/drawing/2014/main" id="{8A04E98A-0BA5-DB44-ACAB-D415710C390D}"/>
-              </a:ext>
-            </a:extLst>
-          </p:cNvPr>
-          <p:cNvCxnSpPr>
-            <a:cxnSpLocks/>
-            <a:endCxn id="141" idx="1"/>
-          </p:cNvCxnSpPr>
-          <p:nvPr/>
-        </p:nvCxnSpPr>
-        <p:spPr>
-          <a:xfrm flipV="1">
-            <a:off x="6747241" y="2404184"/>
-            <a:ext cx="426816" cy="1817"/>
-          </a:xfrm>
-          <a:prstGeom prst="straightConnector1">
-            <a:avLst/>
-          </a:prstGeom>
-          <a:ln w="19050">
-            <a:solidFill>
-              <a:srgbClr val="5DA2C5"/>
-            </a:solidFill>
-            <a:tailEnd type="stealth" w="lg" len="lg"/>
-          </a:ln>
-        </p:spPr>
-        <p:style>
-          <a:lnRef idx="1">
-            <a:schemeClr val="accent1"/>
-          </a:lnRef>
-          <a:fillRef idx="0">
-            <a:schemeClr val="accent1"/>
-          </a:fillRef>
-          <a:effectRef idx="0">
-            <a:schemeClr val="accent1"/>
-          </a:effectRef>
-          <a:fontRef idx="minor">
-            <a:schemeClr val="tx1"/>
-          </a:fontRef>
-        </p:style>
-      </p:cxnSp>
-      <p:sp>
-        <p:nvSpPr>
-          <p:cNvPr id="7" name="직사각형 6">
-            <a:extLst>
-              <a:ext uri="{FF2B5EF4-FFF2-40B4-BE49-F238E27FC236}">
-                <a16:creationId xmlns:a16="http://schemas.microsoft.com/office/drawing/2014/main" id="{59903659-1712-0141-850E-CB32D0463E7B}"/>
-              </a:ext>
-            </a:extLst>
-          </p:cNvPr>
-          <p:cNvSpPr/>
-          <p:nvPr/>
-        </p:nvSpPr>
-        <p:spPr>
-          <a:xfrm>
-            <a:off x="1645234" y="2962096"/>
-            <a:ext cx="1803699" cy="307777"/>
-          </a:xfrm>
-          <a:prstGeom prst="rect">
-            <a:avLst/>
-          </a:prstGeom>
-        </p:spPr>
-        <p:txBody>
-          <a:bodyPr wrap="none">
-            <a:spAutoFit/>
-          </a:bodyPr>
-          <a:lstStyle/>
-          <a:p>
-            <a:r>
-              <a:rPr kumimoji="1" lang="ko-KR" altLang="en-US" sz="1400" b="1" dirty="0" err="1">
-                <a:solidFill>
-                  <a:srgbClr val="5DA2C5"/>
-                </a:solidFill>
-                <a:latin typeface="SHeadG" panose="02030600000101010101" pitchFamily="18" charset="-127"/>
-                <a:ea typeface="SHeadG" panose="02030600000101010101" pitchFamily="18" charset="-127"/>
-              </a:rPr>
-              <a:t>컨슈머</a:t>
-            </a:r>
-            <a:r>
-              <a:rPr kumimoji="1" lang="ko-KR" altLang="en-US" sz="1400" b="1" dirty="0">
-                <a:solidFill>
-                  <a:srgbClr val="5DA2C5"/>
-                </a:solidFill>
-                <a:latin typeface="SHeadG" panose="02030600000101010101" pitchFamily="18" charset="-127"/>
-                <a:ea typeface="SHeadG" panose="02030600000101010101" pitchFamily="18" charset="-127"/>
-              </a:rPr>
-              <a:t> </a:t>
-            </a:r>
-            <a:r>
-              <a:rPr kumimoji="1" lang="en-US" altLang="ko-KR" sz="1400" b="1" dirty="0">
-                <a:solidFill>
-                  <a:srgbClr val="5DA2C5"/>
-                </a:solidFill>
-                <a:latin typeface="SHeadG" panose="02030600000101010101" pitchFamily="18" charset="-127"/>
-                <a:ea typeface="SHeadG" panose="02030600000101010101" pitchFamily="18" charset="-127"/>
-              </a:rPr>
-              <a:t>1</a:t>
-            </a:r>
-            <a:r>
-              <a:rPr kumimoji="1" lang="ko-KR" altLang="en-US" sz="1400" b="1" dirty="0">
-                <a:solidFill>
-                  <a:srgbClr val="5DA2C5"/>
-                </a:solidFill>
-                <a:latin typeface="SHeadG" panose="02030600000101010101" pitchFamily="18" charset="-127"/>
-                <a:ea typeface="SHeadG" panose="02030600000101010101" pitchFamily="18" charset="-127"/>
-              </a:rPr>
-              <a:t>개 병렬 처리량</a:t>
-            </a:r>
-            <a:endParaRPr lang="ko-Kore-KR" altLang="en-US" sz="1400" dirty="0"/>
-          </a:p>
-        </p:txBody>
-      </p:sp>
-      <p:sp>
-        <p:nvSpPr>
-          <p:cNvPr id="145" name="직사각형 144">
-            <a:extLst>
-              <a:ext uri="{FF2B5EF4-FFF2-40B4-BE49-F238E27FC236}">
-                <a16:creationId xmlns:a16="http://schemas.microsoft.com/office/drawing/2014/main" id="{7F13EDE6-CFB0-DC42-A331-DB4538FB461D}"/>
-              </a:ext>
-            </a:extLst>
-          </p:cNvPr>
-          <p:cNvSpPr/>
-          <p:nvPr/>
-        </p:nvSpPr>
-        <p:spPr>
-          <a:xfrm>
-            <a:off x="6272207" y="2962096"/>
-            <a:ext cx="1803699" cy="307777"/>
-          </a:xfrm>
-          <a:prstGeom prst="rect">
-            <a:avLst/>
-          </a:prstGeom>
-        </p:spPr>
-        <p:txBody>
-          <a:bodyPr wrap="none">
-            <a:spAutoFit/>
-          </a:bodyPr>
-          <a:lstStyle/>
-          <a:p>
-            <a:r>
-              <a:rPr kumimoji="1" lang="ko-KR" altLang="en-US" sz="1400" b="1" dirty="0" err="1">
-                <a:solidFill>
-                  <a:srgbClr val="5DA2C5"/>
-                </a:solidFill>
-                <a:latin typeface="SHeadG" panose="02030600000101010101" pitchFamily="18" charset="-127"/>
-                <a:ea typeface="SHeadG" panose="02030600000101010101" pitchFamily="18" charset="-127"/>
-              </a:rPr>
-              <a:t>컨슈머</a:t>
-            </a:r>
-            <a:r>
-              <a:rPr kumimoji="1" lang="ko-KR" altLang="en-US" sz="1400" b="1" dirty="0">
-                <a:solidFill>
-                  <a:srgbClr val="5DA2C5"/>
-                </a:solidFill>
-                <a:latin typeface="SHeadG" panose="02030600000101010101" pitchFamily="18" charset="-127"/>
-                <a:ea typeface="SHeadG" panose="02030600000101010101" pitchFamily="18" charset="-127"/>
-              </a:rPr>
-              <a:t> </a:t>
-            </a:r>
-            <a:r>
-              <a:rPr kumimoji="1" lang="en-US" altLang="ko-KR" sz="1400" b="1" dirty="0">
-                <a:solidFill>
-                  <a:srgbClr val="5DA2C5"/>
-                </a:solidFill>
-                <a:latin typeface="SHeadG" panose="02030600000101010101" pitchFamily="18" charset="-127"/>
-                <a:ea typeface="SHeadG" panose="02030600000101010101" pitchFamily="18" charset="-127"/>
-              </a:rPr>
-              <a:t>2</a:t>
-            </a:r>
-            <a:r>
-              <a:rPr kumimoji="1" lang="ko-KR" altLang="en-US" sz="1400" b="1" dirty="0">
-                <a:solidFill>
-                  <a:srgbClr val="5DA2C5"/>
-                </a:solidFill>
-                <a:latin typeface="SHeadG" panose="02030600000101010101" pitchFamily="18" charset="-127"/>
-                <a:ea typeface="SHeadG" panose="02030600000101010101" pitchFamily="18" charset="-127"/>
-              </a:rPr>
-              <a:t>개 병렬 처리량</a:t>
-            </a:r>
-            <a:endParaRPr lang="ko-Kore-KR" altLang="en-US" sz="1400" dirty="0"/>
-          </a:p>
-        </p:txBody>
-      </p:sp>
-      <p:sp>
-        <p:nvSpPr>
-          <p:cNvPr id="8" name="갈매기형 수장[C] 7">
-            <a:extLst>
-              <a:ext uri="{FF2B5EF4-FFF2-40B4-BE49-F238E27FC236}">
-                <a16:creationId xmlns:a16="http://schemas.microsoft.com/office/drawing/2014/main" id="{0A80ABB4-00F3-7046-8A8D-1DA1391B4D90}"/>
-              </a:ext>
-            </a:extLst>
-          </p:cNvPr>
-          <p:cNvSpPr/>
-          <p:nvPr/>
-        </p:nvSpPr>
-        <p:spPr>
-          <a:xfrm rot="10546771">
-            <a:off x="4631269" y="1700329"/>
-            <a:ext cx="341987" cy="816429"/>
-          </a:xfrm>
-          <a:custGeom>
-            <a:avLst/>
-            <a:gdLst>
-              <a:gd name="connsiteX0" fmla="*/ 0 w 210912"/>
-              <a:gd name="connsiteY0" fmla="*/ 0 h 816429"/>
-              <a:gd name="connsiteX1" fmla="*/ 105456 w 210912"/>
-              <a:gd name="connsiteY1" fmla="*/ 0 h 816429"/>
-              <a:gd name="connsiteX2" fmla="*/ 210912 w 210912"/>
-              <a:gd name="connsiteY2" fmla="*/ 408215 h 816429"/>
-              <a:gd name="connsiteX3" fmla="*/ 105456 w 210912"/>
-              <a:gd name="connsiteY3" fmla="*/ 816429 h 816429"/>
-              <a:gd name="connsiteX4" fmla="*/ 0 w 210912"/>
-              <a:gd name="connsiteY4" fmla="*/ 816429 h 816429"/>
-              <a:gd name="connsiteX5" fmla="*/ 105456 w 210912"/>
-              <a:gd name="connsiteY5" fmla="*/ 408215 h 816429"/>
-              <a:gd name="connsiteX6" fmla="*/ 0 w 210912"/>
-              <a:gd name="connsiteY6" fmla="*/ 0 h 816429"/>
-              <a:gd name="connsiteX0" fmla="*/ 0 w 341987"/>
-              <a:gd name="connsiteY0" fmla="*/ 0 h 816429"/>
-              <a:gd name="connsiteX1" fmla="*/ 105456 w 341987"/>
-              <a:gd name="connsiteY1" fmla="*/ 0 h 816429"/>
-              <a:gd name="connsiteX2" fmla="*/ 341987 w 341987"/>
-              <a:gd name="connsiteY2" fmla="*/ 406972 h 816429"/>
-              <a:gd name="connsiteX3" fmla="*/ 105456 w 341987"/>
-              <a:gd name="connsiteY3" fmla="*/ 816429 h 816429"/>
-              <a:gd name="connsiteX4" fmla="*/ 0 w 341987"/>
-              <a:gd name="connsiteY4" fmla="*/ 816429 h 816429"/>
-              <a:gd name="connsiteX5" fmla="*/ 105456 w 341987"/>
-              <a:gd name="connsiteY5" fmla="*/ 408215 h 816429"/>
-              <a:gd name="connsiteX6" fmla="*/ 0 w 341987"/>
-              <a:gd name="connsiteY6" fmla="*/ 0 h 816429"/>
-              <a:gd name="connsiteX0" fmla="*/ 0 w 341987"/>
-              <a:gd name="connsiteY0" fmla="*/ 0 h 816429"/>
-              <a:gd name="connsiteX1" fmla="*/ 105456 w 341987"/>
-              <a:gd name="connsiteY1" fmla="*/ 0 h 816429"/>
-              <a:gd name="connsiteX2" fmla="*/ 341987 w 341987"/>
-              <a:gd name="connsiteY2" fmla="*/ 406972 h 816429"/>
-              <a:gd name="connsiteX3" fmla="*/ 105456 w 341987"/>
-              <a:gd name="connsiteY3" fmla="*/ 816429 h 816429"/>
-              <a:gd name="connsiteX4" fmla="*/ 0 w 341987"/>
-              <a:gd name="connsiteY4" fmla="*/ 816429 h 816429"/>
-              <a:gd name="connsiteX5" fmla="*/ 193107 w 341987"/>
-              <a:gd name="connsiteY5" fmla="*/ 403768 h 816429"/>
-              <a:gd name="connsiteX6" fmla="*/ 0 w 341987"/>
-              <a:gd name="connsiteY6" fmla="*/ 0 h 816429"/>
-            </a:gdLst>
-            <a:ahLst/>
-            <a:cxnLst>
-              <a:cxn ang="0">
-                <a:pos x="connsiteX0" y="connsiteY0"/>
-              </a:cxn>
-              <a:cxn ang="0">
-                <a:pos x="connsiteX1" y="connsiteY1"/>
-              </a:cxn>
-              <a:cxn ang="0">
-                <a:pos x="connsiteX2" y="connsiteY2"/>
-              </a:cxn>
-              <a:cxn ang="0">
-                <a:pos x="connsiteX3" y="connsiteY3"/>
-              </a:cxn>
-              <a:cxn ang="0">
-                <a:pos x="connsiteX4" y="connsiteY4"/>
-              </a:cxn>
-              <a:cxn ang="0">
-                <a:pos x="connsiteX5" y="connsiteY5"/>
-              </a:cxn>
-              <a:cxn ang="0">
-                <a:pos x="connsiteX6" y="connsiteY6"/>
-              </a:cxn>
-            </a:cxnLst>
-            <a:rect l="l" t="t" r="r" b="b"/>
-            <a:pathLst>
-              <a:path w="341987" h="816429">
-                <a:moveTo>
-                  <a:pt x="0" y="0"/>
-                </a:moveTo>
-                <a:lnTo>
-                  <a:pt x="105456" y="0"/>
-                </a:lnTo>
-                <a:lnTo>
-                  <a:pt x="341987" y="406972"/>
-                </a:lnTo>
-                <a:lnTo>
-                  <a:pt x="105456" y="816429"/>
-                </a:lnTo>
-                <a:lnTo>
-                  <a:pt x="0" y="816429"/>
-                </a:lnTo>
-                <a:lnTo>
-                  <a:pt x="193107" y="403768"/>
-                </a:lnTo>
-                <a:lnTo>
-                  <a:pt x="0" y="0"/>
-                </a:lnTo>
-                <a:close/>
-              </a:path>
-            </a:pathLst>
-          </a:custGeom>
-          <a:solidFill>
-            <a:schemeClr val="bg1">
-              <a:lumMod val="95000"/>
-            </a:schemeClr>
-          </a:solidFill>
-          <a:ln w="25400">
-            <a:solidFill>
-              <a:srgbClr val="5DA2C5"/>
-            </a:solidFill>
-          </a:ln>
-        </p:spPr>
-        <p:style>
-          <a:lnRef idx="1">
-            <a:schemeClr val="accent1"/>
-          </a:lnRef>
-          <a:fillRef idx="0">
-            <a:schemeClr val="accent1"/>
-          </a:fillRef>
-          <a:effectRef idx="0">
-            <a:schemeClr val="accent1"/>
-          </a:effectRef>
-          <a:fontRef idx="minor">
-            <a:schemeClr val="tx1"/>
-          </a:fontRef>
-        </p:style>
-        <p:txBody>
-          <a:bodyPr rtlCol="0" anchor="ctr"/>
-          <a:lstStyle/>
-          <a:p>
-            <a:pPr algn="ctr"/>
-            <a:endParaRPr kumimoji="1" lang="ko-Kore-KR" altLang="en-US" dirty="0">
-              <a:solidFill>
-                <a:schemeClr val="tx1"/>
-              </a:solidFill>
-            </a:endParaRPr>
-          </a:p>
-        </p:txBody>
-      </p:sp>
-    </p:spTree>
-    <p:extLst>
-      <p:ext uri="{BB962C8B-B14F-4D97-AF65-F5344CB8AC3E}">
-        <p14:creationId xmlns:p14="http://schemas.microsoft.com/office/powerpoint/2010/main" val="2592065329"/>
       </p:ext>
     </p:extLst>
   </p:cSld>
@@ -14682,7 +13511,7 @@
         </p:nvGrpSpPr>
         <p:grpSpPr>
           <a:xfrm>
-            <a:off x="3112089" y="1840734"/>
+            <a:off x="3112089" y="1845677"/>
             <a:ext cx="543689" cy="281455"/>
             <a:chOff x="5556135" y="897681"/>
             <a:chExt cx="543689" cy="281455"/>
@@ -15515,7 +14344,7 @@
         </p:nvGrpSpPr>
         <p:grpSpPr>
           <a:xfrm>
-            <a:off x="3111769" y="2116130"/>
+            <a:off x="3111769" y="2121073"/>
             <a:ext cx="543689" cy="281455"/>
             <a:chOff x="5556135" y="897681"/>
             <a:chExt cx="543689" cy="281455"/>
@@ -15872,7 +14701,7 @@
         </p:nvGrpSpPr>
         <p:grpSpPr>
           <a:xfrm>
-            <a:off x="4744336" y="2116219"/>
+            <a:off x="4744336" y="2121162"/>
             <a:ext cx="543689" cy="281455"/>
             <a:chOff x="5556135" y="897681"/>
             <a:chExt cx="543689" cy="281455"/>
@@ -15991,7 +14820,7 @@
         </p:nvGrpSpPr>
         <p:grpSpPr>
           <a:xfrm>
-            <a:off x="5291024" y="2117092"/>
+            <a:off x="5291024" y="2122035"/>
             <a:ext cx="543689" cy="281455"/>
             <a:chOff x="5556135" y="897681"/>
             <a:chExt cx="543689" cy="281455"/>
@@ -19166,6208 +17995,6 @@
     <p:extLst>
       <p:ext uri="{BB962C8B-B14F-4D97-AF65-F5344CB8AC3E}">
         <p14:creationId xmlns:p14="http://schemas.microsoft.com/office/powerpoint/2010/main" val="4126340773"/>
-      </p:ext>
-    </p:extLst>
-  </p:cSld>
-  <p:clrMapOvr>
-    <a:masterClrMapping/>
-  </p:clrMapOvr>
-</p:sld>
-</file>
-
-<file path=ppt/slides/slide7.xml><?xml version="1.0" encoding="utf-8"?>
-<p:sld xmlns:a="http://schemas.openxmlformats.org/drawingml/2006/main" xmlns:r="http://schemas.openxmlformats.org/officeDocument/2006/relationships" xmlns:p="http://schemas.openxmlformats.org/presentationml/2006/main">
-  <p:cSld>
-    <p:spTree>
-      <p:nvGrpSpPr>
-        <p:cNvPr id="1" name=""/>
-        <p:cNvGrpSpPr/>
-        <p:nvPr/>
-      </p:nvGrpSpPr>
-      <p:grpSpPr>
-        <a:xfrm>
-          <a:off x="0" y="0"/>
-          <a:ext cx="0" cy="0"/>
-          <a:chOff x="0" y="0"/>
-          <a:chExt cx="0" cy="0"/>
-        </a:xfrm>
-      </p:grpSpPr>
-      <p:sp>
-        <p:nvSpPr>
-          <p:cNvPr id="166" name="직사각형 165">
-            <a:extLst>
-              <a:ext uri="{FF2B5EF4-FFF2-40B4-BE49-F238E27FC236}">
-                <a16:creationId xmlns:a16="http://schemas.microsoft.com/office/drawing/2014/main" id="{58B717AD-883F-DA42-A5B4-035DB846A5C6}"/>
-              </a:ext>
-            </a:extLst>
-          </p:cNvPr>
-          <p:cNvSpPr/>
-          <p:nvPr/>
-        </p:nvSpPr>
-        <p:spPr>
-          <a:xfrm>
-            <a:off x="2447465" y="391821"/>
-            <a:ext cx="1391162" cy="990666"/>
-          </a:xfrm>
-          <a:prstGeom prst="rect">
-            <a:avLst/>
-          </a:prstGeom>
-          <a:solidFill>
-            <a:schemeClr val="bg1">
-              <a:lumMod val="95000"/>
-            </a:schemeClr>
-          </a:solidFill>
-          <a:ln w="25400">
-            <a:solidFill>
-              <a:srgbClr val="5DA2C5"/>
-            </a:solidFill>
-          </a:ln>
-        </p:spPr>
-        <p:style>
-          <a:lnRef idx="1">
-            <a:schemeClr val="accent1"/>
-          </a:lnRef>
-          <a:fillRef idx="0">
-            <a:schemeClr val="accent1"/>
-          </a:fillRef>
-          <a:effectRef idx="0">
-            <a:schemeClr val="accent1"/>
-          </a:effectRef>
-          <a:fontRef idx="minor">
-            <a:schemeClr val="tx1"/>
-          </a:fontRef>
-        </p:style>
-        <p:txBody>
-          <a:bodyPr rtlCol="0" anchor="ctr"/>
-          <a:lstStyle/>
-          <a:p>
-            <a:pPr algn="ctr"/>
-            <a:endParaRPr kumimoji="1" lang="ko-Kore-KR" altLang="en-US"/>
-          </a:p>
-        </p:txBody>
-      </p:sp>
-      <p:grpSp>
-        <p:nvGrpSpPr>
-          <p:cNvPr id="167" name="그룹 166">
-            <a:extLst>
-              <a:ext uri="{FF2B5EF4-FFF2-40B4-BE49-F238E27FC236}">
-                <a16:creationId xmlns:a16="http://schemas.microsoft.com/office/drawing/2014/main" id="{FF011C18-E684-1843-988F-69F668D4BE57}"/>
-              </a:ext>
-            </a:extLst>
-          </p:cNvPr>
-          <p:cNvGrpSpPr/>
-          <p:nvPr/>
-        </p:nvGrpSpPr>
-        <p:grpSpPr>
-          <a:xfrm>
-            <a:off x="2558533" y="897681"/>
-            <a:ext cx="1194621" cy="376225"/>
-            <a:chOff x="5556135" y="897681"/>
-            <a:chExt cx="1194621" cy="376225"/>
-          </a:xfrm>
-        </p:grpSpPr>
-        <p:sp>
-          <p:nvSpPr>
-            <p:cNvPr id="168" name="직사각형 167">
-              <a:extLst>
-                <a:ext uri="{FF2B5EF4-FFF2-40B4-BE49-F238E27FC236}">
-                  <a16:creationId xmlns:a16="http://schemas.microsoft.com/office/drawing/2014/main" id="{AC6F2632-2852-F148-B87F-BB6774645FE9}"/>
-                </a:ext>
-              </a:extLst>
-            </p:cNvPr>
-            <p:cNvSpPr/>
-            <p:nvPr/>
-          </p:nvSpPr>
-          <p:spPr>
-            <a:xfrm>
-              <a:off x="5556135" y="897681"/>
-              <a:ext cx="1194621" cy="376225"/>
-            </a:xfrm>
-            <a:prstGeom prst="rect">
-              <a:avLst/>
-            </a:prstGeom>
-            <a:ln w="25400">
-              <a:solidFill>
-                <a:srgbClr val="5DA2C5"/>
-              </a:solidFill>
-            </a:ln>
-          </p:spPr>
-          <p:style>
-            <a:lnRef idx="1">
-              <a:schemeClr val="accent1"/>
-            </a:lnRef>
-            <a:fillRef idx="0">
-              <a:schemeClr val="accent1"/>
-            </a:fillRef>
-            <a:effectRef idx="0">
-              <a:schemeClr val="accent1"/>
-            </a:effectRef>
-            <a:fontRef idx="minor">
-              <a:schemeClr val="tx1"/>
-            </a:fontRef>
-          </p:style>
-          <p:txBody>
-            <a:bodyPr rtlCol="0" anchor="ctr"/>
-            <a:lstStyle/>
-            <a:p>
-              <a:pPr algn="ctr"/>
-              <a:endParaRPr kumimoji="1" lang="ko-Kore-KR" altLang="en-US"/>
-            </a:p>
-          </p:txBody>
-        </p:sp>
-        <p:sp>
-          <p:nvSpPr>
-            <p:cNvPr id="169" name="TextBox 168">
-              <a:extLst>
-                <a:ext uri="{FF2B5EF4-FFF2-40B4-BE49-F238E27FC236}">
-                  <a16:creationId xmlns:a16="http://schemas.microsoft.com/office/drawing/2014/main" id="{08F4A64F-2D69-BC4C-99BA-4BAE82C005A5}"/>
-                </a:ext>
-              </a:extLst>
-            </p:cNvPr>
-            <p:cNvSpPr txBox="1"/>
-            <p:nvPr/>
-          </p:nvSpPr>
-          <p:spPr>
-            <a:xfrm>
-              <a:off x="5590002" y="947293"/>
-              <a:ext cx="1115598" cy="276999"/>
-            </a:xfrm>
-            <a:prstGeom prst="rect">
-              <a:avLst/>
-            </a:prstGeom>
-            <a:noFill/>
-          </p:spPr>
-          <p:txBody>
-            <a:bodyPr wrap="square" rtlCol="0">
-              <a:spAutoFit/>
-            </a:bodyPr>
-            <a:lstStyle/>
-            <a:p>
-              <a:pPr algn="ctr"/>
-              <a:r>
-                <a:rPr kumimoji="1" lang="ko-KR" altLang="en-US" sz="1200" b="1" dirty="0" err="1">
-                  <a:solidFill>
-                    <a:srgbClr val="5DA2C5"/>
-                  </a:solidFill>
-                  <a:latin typeface="SHeadG" panose="02030600000101010101" pitchFamily="18" charset="-127"/>
-                  <a:ea typeface="SHeadG" panose="02030600000101010101" pitchFamily="18" charset="-127"/>
-                </a:rPr>
-                <a:t>주키퍼</a:t>
-              </a:r>
-              <a:endParaRPr kumimoji="1" lang="ko-Kore-KR" altLang="en-US" sz="1200" b="1" dirty="0">
-                <a:solidFill>
-                  <a:srgbClr val="5DA2C5"/>
-                </a:solidFill>
-                <a:latin typeface="SHeadG" panose="02030600000101010101" pitchFamily="18" charset="-127"/>
-                <a:ea typeface="SHeadG" panose="02030600000101010101" pitchFamily="18" charset="-127"/>
-              </a:endParaRPr>
-            </a:p>
-          </p:txBody>
-        </p:sp>
-      </p:grpSp>
-      <p:sp>
-        <p:nvSpPr>
-          <p:cNvPr id="191" name="TextBox 190">
-            <a:extLst>
-              <a:ext uri="{FF2B5EF4-FFF2-40B4-BE49-F238E27FC236}">
-                <a16:creationId xmlns:a16="http://schemas.microsoft.com/office/drawing/2014/main" id="{88F3762C-3D11-964F-8D9C-CFA1C05A25A5}"/>
-              </a:ext>
-            </a:extLst>
-          </p:cNvPr>
-          <p:cNvSpPr txBox="1"/>
-          <p:nvPr/>
-        </p:nvSpPr>
-        <p:spPr>
-          <a:xfrm>
-            <a:off x="2447465" y="475474"/>
-            <a:ext cx="1301865" cy="338554"/>
-          </a:xfrm>
-          <a:prstGeom prst="rect">
-            <a:avLst/>
-          </a:prstGeom>
-          <a:noFill/>
-        </p:spPr>
-        <p:txBody>
-          <a:bodyPr wrap="square" rtlCol="0">
-            <a:spAutoFit/>
-          </a:bodyPr>
-          <a:lstStyle/>
-          <a:p>
-            <a:pPr algn="ctr"/>
-            <a:r>
-              <a:rPr kumimoji="1" lang="ko-KR" altLang="en-US" sz="1600" b="1" dirty="0" err="1">
-                <a:solidFill>
-                  <a:srgbClr val="5DA2C5"/>
-                </a:solidFill>
-                <a:latin typeface="SHeadG" panose="02030600000101010101" pitchFamily="18" charset="-127"/>
-                <a:ea typeface="SHeadG" panose="02030600000101010101" pitchFamily="18" charset="-127"/>
-              </a:rPr>
-              <a:t>주키퍼</a:t>
-            </a:r>
-            <a:r>
-              <a:rPr kumimoji="1" lang="ko-KR" altLang="en-US" sz="1600" b="1" dirty="0">
-                <a:solidFill>
-                  <a:srgbClr val="5DA2C5"/>
-                </a:solidFill>
-                <a:latin typeface="SHeadG" panose="02030600000101010101" pitchFamily="18" charset="-127"/>
-                <a:ea typeface="SHeadG" panose="02030600000101010101" pitchFamily="18" charset="-127"/>
-              </a:rPr>
-              <a:t> 앙상블</a:t>
-            </a:r>
-            <a:endParaRPr kumimoji="1" lang="ko-Kore-KR" altLang="en-US" sz="1600" b="1" dirty="0">
-              <a:solidFill>
-                <a:srgbClr val="5DA2C5"/>
-              </a:solidFill>
-              <a:latin typeface="SHeadG" panose="02030600000101010101" pitchFamily="18" charset="-127"/>
-              <a:ea typeface="SHeadG" panose="02030600000101010101" pitchFamily="18" charset="-127"/>
-            </a:endParaRPr>
-          </a:p>
-        </p:txBody>
-      </p:sp>
-      <p:sp>
-        <p:nvSpPr>
-          <p:cNvPr id="194" name="직사각형 193">
-            <a:extLst>
-              <a:ext uri="{FF2B5EF4-FFF2-40B4-BE49-F238E27FC236}">
-                <a16:creationId xmlns:a16="http://schemas.microsoft.com/office/drawing/2014/main" id="{FBEAC59A-C8F2-4546-8008-BBC76250C77E}"/>
-              </a:ext>
-            </a:extLst>
-          </p:cNvPr>
-          <p:cNvSpPr/>
-          <p:nvPr/>
-        </p:nvSpPr>
-        <p:spPr>
-          <a:xfrm>
-            <a:off x="2088639" y="1790587"/>
-            <a:ext cx="2114666" cy="1932327"/>
-          </a:xfrm>
-          <a:prstGeom prst="rect">
-            <a:avLst/>
-          </a:prstGeom>
-          <a:solidFill>
-            <a:schemeClr val="bg1">
-              <a:lumMod val="95000"/>
-            </a:schemeClr>
-          </a:solidFill>
-          <a:ln w="25400">
-            <a:solidFill>
-              <a:srgbClr val="5DA2C5"/>
-            </a:solidFill>
-          </a:ln>
-        </p:spPr>
-        <p:style>
-          <a:lnRef idx="1">
-            <a:schemeClr val="accent1"/>
-          </a:lnRef>
-          <a:fillRef idx="0">
-            <a:schemeClr val="accent1"/>
-          </a:fillRef>
-          <a:effectRef idx="0">
-            <a:schemeClr val="accent1"/>
-          </a:effectRef>
-          <a:fontRef idx="minor">
-            <a:schemeClr val="tx1"/>
-          </a:fontRef>
-        </p:style>
-        <p:txBody>
-          <a:bodyPr rtlCol="0" anchor="ctr"/>
-          <a:lstStyle/>
-          <a:p>
-            <a:pPr algn="ctr"/>
-            <a:endParaRPr kumimoji="1" lang="ko-Kore-KR" altLang="en-US"/>
-          </a:p>
-        </p:txBody>
-      </p:sp>
-      <p:grpSp>
-        <p:nvGrpSpPr>
-          <p:cNvPr id="195" name="그룹 194">
-            <a:extLst>
-              <a:ext uri="{FF2B5EF4-FFF2-40B4-BE49-F238E27FC236}">
-                <a16:creationId xmlns:a16="http://schemas.microsoft.com/office/drawing/2014/main" id="{1836525E-B077-C349-B0AA-C78B9EB2E431}"/>
-              </a:ext>
-            </a:extLst>
-          </p:cNvPr>
-          <p:cNvGrpSpPr/>
-          <p:nvPr/>
-        </p:nvGrpSpPr>
-        <p:grpSpPr>
-          <a:xfrm>
-            <a:off x="2606107" y="2296448"/>
-            <a:ext cx="1194621" cy="376225"/>
-            <a:chOff x="5556135" y="897681"/>
-            <a:chExt cx="1194621" cy="376225"/>
-          </a:xfrm>
-        </p:grpSpPr>
-        <p:sp>
-          <p:nvSpPr>
-            <p:cNvPr id="208" name="직사각형 207">
-              <a:extLst>
-                <a:ext uri="{FF2B5EF4-FFF2-40B4-BE49-F238E27FC236}">
-                  <a16:creationId xmlns:a16="http://schemas.microsoft.com/office/drawing/2014/main" id="{E7B66F8E-0A25-F841-B794-9F8DF82D3AEC}"/>
-                </a:ext>
-              </a:extLst>
-            </p:cNvPr>
-            <p:cNvSpPr/>
-            <p:nvPr/>
-          </p:nvSpPr>
-          <p:spPr>
-            <a:xfrm>
-              <a:off x="5556135" y="897681"/>
-              <a:ext cx="1194621" cy="376225"/>
-            </a:xfrm>
-            <a:prstGeom prst="rect">
-              <a:avLst/>
-            </a:prstGeom>
-            <a:ln w="25400">
-              <a:solidFill>
-                <a:srgbClr val="5DA2C5"/>
-              </a:solidFill>
-            </a:ln>
-          </p:spPr>
-          <p:style>
-            <a:lnRef idx="1">
-              <a:schemeClr val="accent1"/>
-            </a:lnRef>
-            <a:fillRef idx="0">
-              <a:schemeClr val="accent1"/>
-            </a:fillRef>
-            <a:effectRef idx="0">
-              <a:schemeClr val="accent1"/>
-            </a:effectRef>
-            <a:fontRef idx="minor">
-              <a:schemeClr val="tx1"/>
-            </a:fontRef>
-          </p:style>
-          <p:txBody>
-            <a:bodyPr rtlCol="0" anchor="ctr"/>
-            <a:lstStyle/>
-            <a:p>
-              <a:pPr algn="ctr"/>
-              <a:endParaRPr kumimoji="1" lang="ko-Kore-KR" altLang="en-US"/>
-            </a:p>
-          </p:txBody>
-        </p:sp>
-        <p:sp>
-          <p:nvSpPr>
-            <p:cNvPr id="209" name="TextBox 208">
-              <a:extLst>
-                <a:ext uri="{FF2B5EF4-FFF2-40B4-BE49-F238E27FC236}">
-                  <a16:creationId xmlns:a16="http://schemas.microsoft.com/office/drawing/2014/main" id="{F862C9DF-9A9B-CF46-B653-0AFF6C0B975A}"/>
-                </a:ext>
-              </a:extLst>
-            </p:cNvPr>
-            <p:cNvSpPr txBox="1"/>
-            <p:nvPr/>
-          </p:nvSpPr>
-          <p:spPr>
-            <a:xfrm>
-              <a:off x="5590002" y="947293"/>
-              <a:ext cx="1115598" cy="276999"/>
-            </a:xfrm>
-            <a:prstGeom prst="rect">
-              <a:avLst/>
-            </a:prstGeom>
-            <a:noFill/>
-          </p:spPr>
-          <p:txBody>
-            <a:bodyPr wrap="square" rtlCol="0">
-              <a:spAutoFit/>
-            </a:bodyPr>
-            <a:lstStyle/>
-            <a:p>
-              <a:pPr algn="ctr"/>
-              <a:r>
-                <a:rPr kumimoji="1" lang="ko-KR" altLang="en-US" sz="1200" b="1" dirty="0">
-                  <a:solidFill>
-                    <a:srgbClr val="5DA2C5"/>
-                  </a:solidFill>
-                  <a:latin typeface="SHeadG" panose="02030600000101010101" pitchFamily="18" charset="-127"/>
-                  <a:ea typeface="SHeadG" panose="02030600000101010101" pitchFamily="18" charset="-127"/>
-                </a:rPr>
-                <a:t>브로커 </a:t>
-              </a:r>
-              <a:r>
-                <a:rPr kumimoji="1" lang="en-US" altLang="ko-KR" sz="1200" b="1" dirty="0">
-                  <a:solidFill>
-                    <a:srgbClr val="5DA2C5"/>
-                  </a:solidFill>
-                  <a:latin typeface="SHeadG" panose="02030600000101010101" pitchFamily="18" charset="-127"/>
-                  <a:ea typeface="SHeadG" panose="02030600000101010101" pitchFamily="18" charset="-127"/>
-                </a:rPr>
-                <a:t>0</a:t>
-              </a:r>
-              <a:endParaRPr kumimoji="1" lang="ko-Kore-KR" altLang="en-US" sz="1200" b="1" dirty="0">
-                <a:solidFill>
-                  <a:srgbClr val="5DA2C5"/>
-                </a:solidFill>
-                <a:latin typeface="SHeadG" panose="02030600000101010101" pitchFamily="18" charset="-127"/>
-                <a:ea typeface="SHeadG" panose="02030600000101010101" pitchFamily="18" charset="-127"/>
-              </a:endParaRPr>
-            </a:p>
-          </p:txBody>
-        </p:sp>
-      </p:grpSp>
-      <p:grpSp>
-        <p:nvGrpSpPr>
-          <p:cNvPr id="210" name="그룹 209">
-            <a:extLst>
-              <a:ext uri="{FF2B5EF4-FFF2-40B4-BE49-F238E27FC236}">
-                <a16:creationId xmlns:a16="http://schemas.microsoft.com/office/drawing/2014/main" id="{F6E16B9F-3390-EE4A-ACE4-9576464B71CE}"/>
-              </a:ext>
-            </a:extLst>
-          </p:cNvPr>
-          <p:cNvGrpSpPr/>
-          <p:nvPr/>
-        </p:nvGrpSpPr>
-        <p:grpSpPr>
-          <a:xfrm>
-            <a:off x="2600462" y="2766281"/>
-            <a:ext cx="1194621" cy="376225"/>
-            <a:chOff x="5556135" y="897681"/>
-            <a:chExt cx="1194621" cy="376225"/>
-          </a:xfrm>
-        </p:grpSpPr>
-        <p:sp>
-          <p:nvSpPr>
-            <p:cNvPr id="211" name="직사각형 210">
-              <a:extLst>
-                <a:ext uri="{FF2B5EF4-FFF2-40B4-BE49-F238E27FC236}">
-                  <a16:creationId xmlns:a16="http://schemas.microsoft.com/office/drawing/2014/main" id="{96BCACFE-9570-F44F-A85D-208104164FAD}"/>
-                </a:ext>
-              </a:extLst>
-            </p:cNvPr>
-            <p:cNvSpPr/>
-            <p:nvPr/>
-          </p:nvSpPr>
-          <p:spPr>
-            <a:xfrm>
-              <a:off x="5556135" y="897681"/>
-              <a:ext cx="1194621" cy="376225"/>
-            </a:xfrm>
-            <a:prstGeom prst="rect">
-              <a:avLst/>
-            </a:prstGeom>
-            <a:ln w="25400">
-              <a:solidFill>
-                <a:srgbClr val="5DA2C5"/>
-              </a:solidFill>
-            </a:ln>
-          </p:spPr>
-          <p:style>
-            <a:lnRef idx="1">
-              <a:schemeClr val="accent1"/>
-            </a:lnRef>
-            <a:fillRef idx="0">
-              <a:schemeClr val="accent1"/>
-            </a:fillRef>
-            <a:effectRef idx="0">
-              <a:schemeClr val="accent1"/>
-            </a:effectRef>
-            <a:fontRef idx="minor">
-              <a:schemeClr val="tx1"/>
-            </a:fontRef>
-          </p:style>
-          <p:txBody>
-            <a:bodyPr rtlCol="0" anchor="ctr"/>
-            <a:lstStyle/>
-            <a:p>
-              <a:pPr algn="ctr"/>
-              <a:endParaRPr kumimoji="1" lang="ko-Kore-KR" altLang="en-US"/>
-            </a:p>
-          </p:txBody>
-        </p:sp>
-        <p:sp>
-          <p:nvSpPr>
-            <p:cNvPr id="212" name="TextBox 211">
-              <a:extLst>
-                <a:ext uri="{FF2B5EF4-FFF2-40B4-BE49-F238E27FC236}">
-                  <a16:creationId xmlns:a16="http://schemas.microsoft.com/office/drawing/2014/main" id="{BA7BCB47-55E3-8B40-8A31-34F33ACDF510}"/>
-                </a:ext>
-              </a:extLst>
-            </p:cNvPr>
-            <p:cNvSpPr txBox="1"/>
-            <p:nvPr/>
-          </p:nvSpPr>
-          <p:spPr>
-            <a:xfrm>
-              <a:off x="5590002" y="947293"/>
-              <a:ext cx="1115598" cy="276999"/>
-            </a:xfrm>
-            <a:prstGeom prst="rect">
-              <a:avLst/>
-            </a:prstGeom>
-            <a:noFill/>
-          </p:spPr>
-          <p:txBody>
-            <a:bodyPr wrap="square" rtlCol="0">
-              <a:spAutoFit/>
-            </a:bodyPr>
-            <a:lstStyle/>
-            <a:p>
-              <a:pPr algn="ctr"/>
-              <a:r>
-                <a:rPr kumimoji="1" lang="ko-KR" altLang="en-US" sz="1200" b="1" dirty="0">
-                  <a:solidFill>
-                    <a:srgbClr val="5DA2C5"/>
-                  </a:solidFill>
-                  <a:latin typeface="SHeadG" panose="02030600000101010101" pitchFamily="18" charset="-127"/>
-                  <a:ea typeface="SHeadG" panose="02030600000101010101" pitchFamily="18" charset="-127"/>
-                </a:rPr>
-                <a:t>브로커 </a:t>
-              </a:r>
-              <a:r>
-                <a:rPr kumimoji="1" lang="en-US" altLang="ko-KR" sz="1200" b="1" dirty="0">
-                  <a:solidFill>
-                    <a:srgbClr val="5DA2C5"/>
-                  </a:solidFill>
-                  <a:latin typeface="SHeadG" panose="02030600000101010101" pitchFamily="18" charset="-127"/>
-                  <a:ea typeface="SHeadG" panose="02030600000101010101" pitchFamily="18" charset="-127"/>
-                </a:rPr>
-                <a:t>1</a:t>
-              </a:r>
-              <a:endParaRPr kumimoji="1" lang="ko-Kore-KR" altLang="en-US" sz="1200" b="1" dirty="0">
-                <a:solidFill>
-                  <a:srgbClr val="5DA2C5"/>
-                </a:solidFill>
-                <a:latin typeface="SHeadG" panose="02030600000101010101" pitchFamily="18" charset="-127"/>
-                <a:ea typeface="SHeadG" panose="02030600000101010101" pitchFamily="18" charset="-127"/>
-              </a:endParaRPr>
-            </a:p>
-          </p:txBody>
-        </p:sp>
-      </p:grpSp>
-      <p:grpSp>
-        <p:nvGrpSpPr>
-          <p:cNvPr id="213" name="그룹 212">
-            <a:extLst>
-              <a:ext uri="{FF2B5EF4-FFF2-40B4-BE49-F238E27FC236}">
-                <a16:creationId xmlns:a16="http://schemas.microsoft.com/office/drawing/2014/main" id="{BB6C9960-EF5B-C848-A5E2-035F2342EA7A}"/>
-              </a:ext>
-            </a:extLst>
-          </p:cNvPr>
-          <p:cNvGrpSpPr/>
-          <p:nvPr/>
-        </p:nvGrpSpPr>
-        <p:grpSpPr>
-          <a:xfrm>
-            <a:off x="2606107" y="3229875"/>
-            <a:ext cx="1194621" cy="376225"/>
-            <a:chOff x="5556135" y="897681"/>
-            <a:chExt cx="1194621" cy="376225"/>
-          </a:xfrm>
-        </p:grpSpPr>
-        <p:sp>
-          <p:nvSpPr>
-            <p:cNvPr id="214" name="직사각형 213">
-              <a:extLst>
-                <a:ext uri="{FF2B5EF4-FFF2-40B4-BE49-F238E27FC236}">
-                  <a16:creationId xmlns:a16="http://schemas.microsoft.com/office/drawing/2014/main" id="{E02AA604-3439-0B4F-89A5-4E3906F78B65}"/>
-                </a:ext>
-              </a:extLst>
-            </p:cNvPr>
-            <p:cNvSpPr/>
-            <p:nvPr/>
-          </p:nvSpPr>
-          <p:spPr>
-            <a:xfrm>
-              <a:off x="5556135" y="897681"/>
-              <a:ext cx="1194621" cy="376225"/>
-            </a:xfrm>
-            <a:prstGeom prst="rect">
-              <a:avLst/>
-            </a:prstGeom>
-            <a:ln w="25400">
-              <a:solidFill>
-                <a:srgbClr val="5DA2C5"/>
-              </a:solidFill>
-            </a:ln>
-          </p:spPr>
-          <p:style>
-            <a:lnRef idx="1">
-              <a:schemeClr val="accent1"/>
-            </a:lnRef>
-            <a:fillRef idx="0">
-              <a:schemeClr val="accent1"/>
-            </a:fillRef>
-            <a:effectRef idx="0">
-              <a:schemeClr val="accent1"/>
-            </a:effectRef>
-            <a:fontRef idx="minor">
-              <a:schemeClr val="tx1"/>
-            </a:fontRef>
-          </p:style>
-          <p:txBody>
-            <a:bodyPr rtlCol="0" anchor="ctr"/>
-            <a:lstStyle/>
-            <a:p>
-              <a:pPr algn="ctr"/>
-              <a:endParaRPr kumimoji="1" lang="ko-Kore-KR" altLang="en-US"/>
-            </a:p>
-          </p:txBody>
-        </p:sp>
-        <p:sp>
-          <p:nvSpPr>
-            <p:cNvPr id="215" name="TextBox 214">
-              <a:extLst>
-                <a:ext uri="{FF2B5EF4-FFF2-40B4-BE49-F238E27FC236}">
-                  <a16:creationId xmlns:a16="http://schemas.microsoft.com/office/drawing/2014/main" id="{4CDFC616-CD58-CD45-AE5B-6FD9EF23863D}"/>
-                </a:ext>
-              </a:extLst>
-            </p:cNvPr>
-            <p:cNvSpPr txBox="1"/>
-            <p:nvPr/>
-          </p:nvSpPr>
-          <p:spPr>
-            <a:xfrm>
-              <a:off x="5590002" y="947293"/>
-              <a:ext cx="1115598" cy="276999"/>
-            </a:xfrm>
-            <a:prstGeom prst="rect">
-              <a:avLst/>
-            </a:prstGeom>
-            <a:noFill/>
-          </p:spPr>
-          <p:txBody>
-            <a:bodyPr wrap="square" rtlCol="0">
-              <a:spAutoFit/>
-            </a:bodyPr>
-            <a:lstStyle/>
-            <a:p>
-              <a:pPr algn="ctr"/>
-              <a:r>
-                <a:rPr kumimoji="1" lang="ko-KR" altLang="en-US" sz="1200" b="1" dirty="0">
-                  <a:solidFill>
-                    <a:srgbClr val="5DA2C5"/>
-                  </a:solidFill>
-                  <a:latin typeface="SHeadG" panose="02030600000101010101" pitchFamily="18" charset="-127"/>
-                  <a:ea typeface="SHeadG" panose="02030600000101010101" pitchFamily="18" charset="-127"/>
-                </a:rPr>
-                <a:t>브로커 </a:t>
-              </a:r>
-              <a:r>
-                <a:rPr kumimoji="1" lang="en-US" altLang="ko-KR" sz="1200" b="1" dirty="0">
-                  <a:solidFill>
-                    <a:srgbClr val="5DA2C5"/>
-                  </a:solidFill>
-                  <a:latin typeface="SHeadG" panose="02030600000101010101" pitchFamily="18" charset="-127"/>
-                  <a:ea typeface="SHeadG" panose="02030600000101010101" pitchFamily="18" charset="-127"/>
-                </a:rPr>
-                <a:t>2</a:t>
-              </a:r>
-              <a:endParaRPr kumimoji="1" lang="ko-Kore-KR" altLang="en-US" sz="1200" b="1" dirty="0">
-                <a:solidFill>
-                  <a:srgbClr val="5DA2C5"/>
-                </a:solidFill>
-                <a:latin typeface="SHeadG" panose="02030600000101010101" pitchFamily="18" charset="-127"/>
-                <a:ea typeface="SHeadG" panose="02030600000101010101" pitchFamily="18" charset="-127"/>
-              </a:endParaRPr>
-            </a:p>
-          </p:txBody>
-        </p:sp>
-      </p:grpSp>
-      <p:sp>
-        <p:nvSpPr>
-          <p:cNvPr id="226" name="TextBox 225">
-            <a:extLst>
-              <a:ext uri="{FF2B5EF4-FFF2-40B4-BE49-F238E27FC236}">
-                <a16:creationId xmlns:a16="http://schemas.microsoft.com/office/drawing/2014/main" id="{35E72B26-9508-134D-BDE8-FF482442FC59}"/>
-              </a:ext>
-            </a:extLst>
-          </p:cNvPr>
-          <p:cNvSpPr txBox="1"/>
-          <p:nvPr/>
-        </p:nvSpPr>
-        <p:spPr>
-          <a:xfrm>
-            <a:off x="2351315" y="1874241"/>
-            <a:ext cx="1600200" cy="338554"/>
-          </a:xfrm>
-          <a:prstGeom prst="rect">
-            <a:avLst/>
-          </a:prstGeom>
-          <a:noFill/>
-        </p:spPr>
-        <p:txBody>
-          <a:bodyPr wrap="square" rtlCol="0">
-            <a:spAutoFit/>
-          </a:bodyPr>
-          <a:lstStyle/>
-          <a:p>
-            <a:pPr algn="ctr"/>
-            <a:r>
-              <a:rPr kumimoji="1" lang="ko-KR" altLang="en-US" sz="1600" b="1" dirty="0">
-                <a:solidFill>
-                  <a:srgbClr val="5DA2C5"/>
-                </a:solidFill>
-                <a:latin typeface="SHeadG" panose="02030600000101010101" pitchFamily="18" charset="-127"/>
-                <a:ea typeface="SHeadG" panose="02030600000101010101" pitchFamily="18" charset="-127"/>
-              </a:rPr>
-              <a:t>카프카 클러스터</a:t>
-            </a:r>
-            <a:endParaRPr kumimoji="1" lang="ko-Kore-KR" altLang="en-US" sz="1600" b="1" dirty="0">
-              <a:solidFill>
-                <a:srgbClr val="5DA2C5"/>
-              </a:solidFill>
-              <a:latin typeface="SHeadG" panose="02030600000101010101" pitchFamily="18" charset="-127"/>
-              <a:ea typeface="SHeadG" panose="02030600000101010101" pitchFamily="18" charset="-127"/>
-            </a:endParaRPr>
-          </a:p>
-        </p:txBody>
-      </p:sp>
-      <p:cxnSp>
-        <p:nvCxnSpPr>
-          <p:cNvPr id="229" name="직선 화살표 연결선 228">
-            <a:extLst>
-              <a:ext uri="{FF2B5EF4-FFF2-40B4-BE49-F238E27FC236}">
-                <a16:creationId xmlns:a16="http://schemas.microsoft.com/office/drawing/2014/main" id="{5521D52C-7A03-014A-A5DB-70B722C6A734}"/>
-              </a:ext>
-            </a:extLst>
-          </p:cNvPr>
-          <p:cNvCxnSpPr>
-            <a:cxnSpLocks/>
-            <a:stCxn id="194" idx="0"/>
-            <a:endCxn id="166" idx="2"/>
-          </p:cNvCxnSpPr>
-          <p:nvPr/>
-        </p:nvCxnSpPr>
-        <p:spPr>
-          <a:xfrm flipH="1" flipV="1">
-            <a:off x="3143046" y="1382487"/>
-            <a:ext cx="2926" cy="408100"/>
-          </a:xfrm>
-          <a:prstGeom prst="straightConnector1">
-            <a:avLst/>
-          </a:prstGeom>
-          <a:ln w="19050">
-            <a:solidFill>
-              <a:srgbClr val="5DA2C5"/>
-            </a:solidFill>
-            <a:tailEnd type="stealth" w="lg" len="lg"/>
-          </a:ln>
-        </p:spPr>
-        <p:style>
-          <a:lnRef idx="1">
-            <a:schemeClr val="accent1"/>
-          </a:lnRef>
-          <a:fillRef idx="0">
-            <a:schemeClr val="accent1"/>
-          </a:fillRef>
-          <a:effectRef idx="0">
-            <a:schemeClr val="accent1"/>
-          </a:effectRef>
-          <a:fontRef idx="minor">
-            <a:schemeClr val="tx1"/>
-          </a:fontRef>
-        </p:style>
-      </p:cxnSp>
-    </p:spTree>
-    <p:extLst>
-      <p:ext uri="{BB962C8B-B14F-4D97-AF65-F5344CB8AC3E}">
-        <p14:creationId xmlns:p14="http://schemas.microsoft.com/office/powerpoint/2010/main" val="1432507665"/>
-      </p:ext>
-    </p:extLst>
-  </p:cSld>
-  <p:clrMapOvr>
-    <a:masterClrMapping/>
-  </p:clrMapOvr>
-</p:sld>
-</file>
-
-<file path=ppt/slides/slide8.xml><?xml version="1.0" encoding="utf-8"?>
-<p:sld xmlns:a="http://schemas.openxmlformats.org/drawingml/2006/main" xmlns:r="http://schemas.openxmlformats.org/officeDocument/2006/relationships" xmlns:p="http://schemas.openxmlformats.org/presentationml/2006/main">
-  <p:cSld>
-    <p:spTree>
-      <p:nvGrpSpPr>
-        <p:cNvPr id="1" name=""/>
-        <p:cNvGrpSpPr/>
-        <p:nvPr/>
-      </p:nvGrpSpPr>
-      <p:grpSpPr>
-        <a:xfrm>
-          <a:off x="0" y="0"/>
-          <a:ext cx="0" cy="0"/>
-          <a:chOff x="0" y="0"/>
-          <a:chExt cx="0" cy="0"/>
-        </a:xfrm>
-      </p:grpSpPr>
-      <p:sp>
-        <p:nvSpPr>
-          <p:cNvPr id="19" name="직사각형 18">
-            <a:extLst>
-              <a:ext uri="{FF2B5EF4-FFF2-40B4-BE49-F238E27FC236}">
-                <a16:creationId xmlns:a16="http://schemas.microsoft.com/office/drawing/2014/main" id="{E8BC926A-FA6D-3645-B8FF-77E111F8D824}"/>
-              </a:ext>
-            </a:extLst>
-          </p:cNvPr>
-          <p:cNvSpPr/>
-          <p:nvPr/>
-        </p:nvSpPr>
-        <p:spPr>
-          <a:xfrm>
-            <a:off x="1719734" y="756088"/>
-            <a:ext cx="2046723" cy="2487855"/>
-          </a:xfrm>
-          <a:prstGeom prst="rect">
-            <a:avLst/>
-          </a:prstGeom>
-          <a:solidFill>
-            <a:schemeClr val="bg1">
-              <a:lumMod val="85000"/>
-            </a:schemeClr>
-          </a:solidFill>
-          <a:ln w="25400">
-            <a:solidFill>
-              <a:srgbClr val="5DA2C5"/>
-            </a:solidFill>
-          </a:ln>
-        </p:spPr>
-        <p:style>
-          <a:lnRef idx="1">
-            <a:schemeClr val="accent1"/>
-          </a:lnRef>
-          <a:fillRef idx="0">
-            <a:schemeClr val="accent1"/>
-          </a:fillRef>
-          <a:effectRef idx="0">
-            <a:schemeClr val="accent1"/>
-          </a:effectRef>
-          <a:fontRef idx="minor">
-            <a:schemeClr val="tx1"/>
-          </a:fontRef>
-        </p:style>
-        <p:txBody>
-          <a:bodyPr rtlCol="0" anchor="ctr"/>
-          <a:lstStyle/>
-          <a:p>
-            <a:pPr algn="ctr"/>
-            <a:endParaRPr kumimoji="1" lang="ko-Kore-KR" altLang="en-US"/>
-          </a:p>
-        </p:txBody>
-      </p:sp>
-      <p:sp>
-        <p:nvSpPr>
-          <p:cNvPr id="20" name="TextBox 19">
-            <a:extLst>
-              <a:ext uri="{FF2B5EF4-FFF2-40B4-BE49-F238E27FC236}">
-                <a16:creationId xmlns:a16="http://schemas.microsoft.com/office/drawing/2014/main" id="{E66C981F-05B1-3147-B0B4-7DDB7B04E958}"/>
-              </a:ext>
-            </a:extLst>
-          </p:cNvPr>
-          <p:cNvSpPr txBox="1"/>
-          <p:nvPr/>
-        </p:nvSpPr>
-        <p:spPr>
-          <a:xfrm>
-            <a:off x="2092162" y="878300"/>
-            <a:ext cx="1301865" cy="338554"/>
-          </a:xfrm>
-          <a:prstGeom prst="rect">
-            <a:avLst/>
-          </a:prstGeom>
-          <a:noFill/>
-        </p:spPr>
-        <p:txBody>
-          <a:bodyPr wrap="square" rtlCol="0">
-            <a:spAutoFit/>
-          </a:bodyPr>
-          <a:lstStyle/>
-          <a:p>
-            <a:pPr algn="ctr"/>
-            <a:r>
-              <a:rPr kumimoji="1" lang="ko-KR" altLang="en-US" sz="1600" b="1" dirty="0">
-                <a:solidFill>
-                  <a:srgbClr val="5DA2C5"/>
-                </a:solidFill>
-                <a:latin typeface="SHeadG" panose="02030600000101010101" pitchFamily="18" charset="-127"/>
-                <a:ea typeface="SHeadG" panose="02030600000101010101" pitchFamily="18" charset="-127"/>
-              </a:rPr>
-              <a:t>브로커 </a:t>
-            </a:r>
-            <a:r>
-              <a:rPr kumimoji="1" lang="en-US" altLang="ko-KR" sz="1600" b="1" dirty="0">
-                <a:solidFill>
-                  <a:srgbClr val="5DA2C5"/>
-                </a:solidFill>
-                <a:latin typeface="SHeadG" panose="02030600000101010101" pitchFamily="18" charset="-127"/>
-                <a:ea typeface="SHeadG" panose="02030600000101010101" pitchFamily="18" charset="-127"/>
-              </a:rPr>
-              <a:t>0</a:t>
-            </a:r>
-            <a:endParaRPr kumimoji="1" lang="ko-Kore-KR" altLang="en-US" sz="1600" b="1" dirty="0">
-              <a:solidFill>
-                <a:srgbClr val="5DA2C5"/>
-              </a:solidFill>
-              <a:latin typeface="SHeadG" panose="02030600000101010101" pitchFamily="18" charset="-127"/>
-              <a:ea typeface="SHeadG" panose="02030600000101010101" pitchFamily="18" charset="-127"/>
-            </a:endParaRPr>
-          </a:p>
-        </p:txBody>
-      </p:sp>
-      <p:sp>
-        <p:nvSpPr>
-          <p:cNvPr id="21" name="직사각형 20">
-            <a:extLst>
-              <a:ext uri="{FF2B5EF4-FFF2-40B4-BE49-F238E27FC236}">
-                <a16:creationId xmlns:a16="http://schemas.microsoft.com/office/drawing/2014/main" id="{FD32D790-D4D0-3F4F-A357-D80E52769840}"/>
-              </a:ext>
-            </a:extLst>
-          </p:cNvPr>
-          <p:cNvSpPr/>
-          <p:nvPr/>
-        </p:nvSpPr>
-        <p:spPr>
-          <a:xfrm>
-            <a:off x="1906709" y="1437026"/>
-            <a:ext cx="1749069" cy="1676287"/>
-          </a:xfrm>
-          <a:prstGeom prst="rect">
-            <a:avLst/>
-          </a:prstGeom>
-          <a:solidFill>
-            <a:schemeClr val="bg1">
-              <a:lumMod val="95000"/>
-            </a:schemeClr>
-          </a:solidFill>
-          <a:ln w="25400">
-            <a:solidFill>
-              <a:srgbClr val="5DA2C5"/>
-            </a:solidFill>
-          </a:ln>
-        </p:spPr>
-        <p:style>
-          <a:lnRef idx="1">
-            <a:schemeClr val="accent1"/>
-          </a:lnRef>
-          <a:fillRef idx="0">
-            <a:schemeClr val="accent1"/>
-          </a:fillRef>
-          <a:effectRef idx="0">
-            <a:schemeClr val="accent1"/>
-          </a:effectRef>
-          <a:fontRef idx="minor">
-            <a:schemeClr val="tx1"/>
-          </a:fontRef>
-        </p:style>
-        <p:txBody>
-          <a:bodyPr rtlCol="0" anchor="ctr"/>
-          <a:lstStyle/>
-          <a:p>
-            <a:pPr algn="ctr"/>
-            <a:endParaRPr kumimoji="1" lang="ko-Kore-KR" altLang="en-US"/>
-          </a:p>
-        </p:txBody>
-      </p:sp>
-      <p:sp>
-        <p:nvSpPr>
-          <p:cNvPr id="141" name="TextBox 140">
-            <a:extLst>
-              <a:ext uri="{FF2B5EF4-FFF2-40B4-BE49-F238E27FC236}">
-                <a16:creationId xmlns:a16="http://schemas.microsoft.com/office/drawing/2014/main" id="{4F073CF1-2A00-AA42-B8EE-482936F7EB44}"/>
-              </a:ext>
-            </a:extLst>
-          </p:cNvPr>
-          <p:cNvSpPr txBox="1"/>
-          <p:nvPr/>
-        </p:nvSpPr>
-        <p:spPr>
-          <a:xfrm>
-            <a:off x="2223444" y="1486060"/>
-            <a:ext cx="1115598" cy="338554"/>
-          </a:xfrm>
-          <a:prstGeom prst="rect">
-            <a:avLst/>
-          </a:prstGeom>
-          <a:noFill/>
-        </p:spPr>
-        <p:txBody>
-          <a:bodyPr wrap="square" rtlCol="0">
-            <a:spAutoFit/>
-          </a:bodyPr>
-          <a:lstStyle/>
-          <a:p>
-            <a:pPr algn="ctr"/>
-            <a:r>
-              <a:rPr kumimoji="1" lang="ko-KR" altLang="en-US" sz="1600" b="1" dirty="0">
-                <a:solidFill>
-                  <a:srgbClr val="5DA2C5"/>
-                </a:solidFill>
-                <a:latin typeface="SHeadG" panose="02030600000101010101" pitchFamily="18" charset="-127"/>
-                <a:ea typeface="SHeadG" panose="02030600000101010101" pitchFamily="18" charset="-127"/>
-              </a:rPr>
-              <a:t>토픽</a:t>
-            </a:r>
-            <a:endParaRPr kumimoji="1" lang="ko-Kore-KR" altLang="en-US" sz="1600" b="1" dirty="0">
-              <a:solidFill>
-                <a:srgbClr val="5DA2C5"/>
-              </a:solidFill>
-              <a:latin typeface="SHeadG" panose="02030600000101010101" pitchFamily="18" charset="-127"/>
-              <a:ea typeface="SHeadG" panose="02030600000101010101" pitchFamily="18" charset="-127"/>
-            </a:endParaRPr>
-          </a:p>
-        </p:txBody>
-      </p:sp>
-      <p:sp>
-        <p:nvSpPr>
-          <p:cNvPr id="144" name="직사각형 143">
-            <a:extLst>
-              <a:ext uri="{FF2B5EF4-FFF2-40B4-BE49-F238E27FC236}">
-                <a16:creationId xmlns:a16="http://schemas.microsoft.com/office/drawing/2014/main" id="{BBF08B8A-62E3-B446-9C7C-BF14CEC16DB3}"/>
-              </a:ext>
-            </a:extLst>
-          </p:cNvPr>
-          <p:cNvSpPr/>
-          <p:nvPr/>
-        </p:nvSpPr>
-        <p:spPr>
-          <a:xfrm>
-            <a:off x="2223444" y="1873646"/>
-            <a:ext cx="1115598" cy="631907"/>
-          </a:xfrm>
-          <a:prstGeom prst="rect">
-            <a:avLst/>
-          </a:prstGeom>
-          <a:solidFill>
-            <a:schemeClr val="bg1"/>
-          </a:solidFill>
-          <a:ln w="25400">
-            <a:solidFill>
-              <a:srgbClr val="5DA2C5"/>
-            </a:solidFill>
-          </a:ln>
-        </p:spPr>
-        <p:style>
-          <a:lnRef idx="1">
-            <a:schemeClr val="accent1"/>
-          </a:lnRef>
-          <a:fillRef idx="0">
-            <a:schemeClr val="accent1"/>
-          </a:fillRef>
-          <a:effectRef idx="0">
-            <a:schemeClr val="accent1"/>
-          </a:effectRef>
-          <a:fontRef idx="minor">
-            <a:schemeClr val="tx1"/>
-          </a:fontRef>
-        </p:style>
-        <p:txBody>
-          <a:bodyPr rtlCol="0" anchor="ctr"/>
-          <a:lstStyle/>
-          <a:p>
-            <a:pPr algn="ctr"/>
-            <a:endParaRPr kumimoji="1" lang="ko-Kore-KR" altLang="en-US"/>
-          </a:p>
-        </p:txBody>
-      </p:sp>
-      <p:sp>
-        <p:nvSpPr>
-          <p:cNvPr id="145" name="TextBox 144">
-            <a:extLst>
-              <a:ext uri="{FF2B5EF4-FFF2-40B4-BE49-F238E27FC236}">
-                <a16:creationId xmlns:a16="http://schemas.microsoft.com/office/drawing/2014/main" id="{2486F0F4-CAD4-B146-8C45-EBED46C52FD0}"/>
-              </a:ext>
-            </a:extLst>
-          </p:cNvPr>
-          <p:cNvSpPr txBox="1"/>
-          <p:nvPr/>
-        </p:nvSpPr>
-        <p:spPr>
-          <a:xfrm>
-            <a:off x="2223444" y="1981451"/>
-            <a:ext cx="1115598" cy="461665"/>
-          </a:xfrm>
-          <a:prstGeom prst="rect">
-            <a:avLst/>
-          </a:prstGeom>
-          <a:noFill/>
-        </p:spPr>
-        <p:txBody>
-          <a:bodyPr wrap="square" rtlCol="0">
-            <a:spAutoFit/>
-          </a:bodyPr>
-          <a:lstStyle/>
-          <a:p>
-            <a:pPr algn="ctr"/>
-            <a:r>
-              <a:rPr kumimoji="1" lang="ko-KR" altLang="en-US" sz="1200" b="1" dirty="0">
-                <a:solidFill>
-                  <a:srgbClr val="5DA2C5"/>
-                </a:solidFill>
-                <a:latin typeface="SHeadG" panose="02030600000101010101" pitchFamily="18" charset="-127"/>
-                <a:ea typeface="SHeadG" panose="02030600000101010101" pitchFamily="18" charset="-127"/>
-              </a:rPr>
-              <a:t>파티션 </a:t>
-            </a:r>
-            <a:r>
-              <a:rPr kumimoji="1" lang="en-US" altLang="ko-KR" sz="1200" b="1" dirty="0">
-                <a:solidFill>
-                  <a:srgbClr val="5DA2C5"/>
-                </a:solidFill>
-                <a:latin typeface="SHeadG" panose="02030600000101010101" pitchFamily="18" charset="-127"/>
-                <a:ea typeface="SHeadG" panose="02030600000101010101" pitchFamily="18" charset="-127"/>
-              </a:rPr>
-              <a:t>1</a:t>
-            </a:r>
-          </a:p>
-          <a:p>
-            <a:pPr algn="ctr"/>
-            <a:r>
-              <a:rPr kumimoji="1" lang="en-US" altLang="ko-KR" sz="1200" b="1" dirty="0">
-                <a:solidFill>
-                  <a:srgbClr val="5DA2C5"/>
-                </a:solidFill>
-                <a:latin typeface="SHeadG" panose="02030600000101010101" pitchFamily="18" charset="-127"/>
-                <a:ea typeface="SHeadG" panose="02030600000101010101" pitchFamily="18" charset="-127"/>
-              </a:rPr>
-              <a:t>(</a:t>
-            </a:r>
-            <a:r>
-              <a:rPr kumimoji="1" lang="ko-KR" altLang="en-US" sz="1200" b="1" dirty="0">
-                <a:solidFill>
-                  <a:srgbClr val="5DA2C5"/>
-                </a:solidFill>
-                <a:latin typeface="SHeadG" panose="02030600000101010101" pitchFamily="18" charset="-127"/>
-                <a:ea typeface="SHeadG" panose="02030600000101010101" pitchFamily="18" charset="-127"/>
-              </a:rPr>
-              <a:t>리더</a:t>
-            </a:r>
-            <a:r>
-              <a:rPr kumimoji="1" lang="en-US" altLang="ko-KR" sz="1200" b="1" dirty="0">
-                <a:solidFill>
-                  <a:srgbClr val="5DA2C5"/>
-                </a:solidFill>
-                <a:latin typeface="SHeadG" panose="02030600000101010101" pitchFamily="18" charset="-127"/>
-                <a:ea typeface="SHeadG" panose="02030600000101010101" pitchFamily="18" charset="-127"/>
-              </a:rPr>
-              <a:t>)</a:t>
-            </a:r>
-            <a:endParaRPr kumimoji="1" lang="ko-Kore-KR" altLang="en-US" sz="1200" b="1" dirty="0">
-              <a:solidFill>
-                <a:srgbClr val="5DA2C5"/>
-              </a:solidFill>
-              <a:latin typeface="SHeadG" panose="02030600000101010101" pitchFamily="18" charset="-127"/>
-              <a:ea typeface="SHeadG" panose="02030600000101010101" pitchFamily="18" charset="-127"/>
-            </a:endParaRPr>
-          </a:p>
-        </p:txBody>
-      </p:sp>
-      <p:sp>
-        <p:nvSpPr>
-          <p:cNvPr id="146" name="직사각형 145">
-            <a:extLst>
-              <a:ext uri="{FF2B5EF4-FFF2-40B4-BE49-F238E27FC236}">
-                <a16:creationId xmlns:a16="http://schemas.microsoft.com/office/drawing/2014/main" id="{E84BA7DE-9B1A-A548-B771-380C3E2D1627}"/>
-              </a:ext>
-            </a:extLst>
-          </p:cNvPr>
-          <p:cNvSpPr/>
-          <p:nvPr/>
-        </p:nvSpPr>
-        <p:spPr>
-          <a:xfrm>
-            <a:off x="3984663" y="756088"/>
-            <a:ext cx="2046723" cy="2487855"/>
-          </a:xfrm>
-          <a:prstGeom prst="rect">
-            <a:avLst/>
-          </a:prstGeom>
-          <a:solidFill>
-            <a:schemeClr val="bg1">
-              <a:lumMod val="85000"/>
-            </a:schemeClr>
-          </a:solidFill>
-          <a:ln w="25400">
-            <a:solidFill>
-              <a:srgbClr val="5DA2C5"/>
-            </a:solidFill>
-          </a:ln>
-        </p:spPr>
-        <p:style>
-          <a:lnRef idx="1">
-            <a:schemeClr val="accent1"/>
-          </a:lnRef>
-          <a:fillRef idx="0">
-            <a:schemeClr val="accent1"/>
-          </a:fillRef>
-          <a:effectRef idx="0">
-            <a:schemeClr val="accent1"/>
-          </a:effectRef>
-          <a:fontRef idx="minor">
-            <a:schemeClr val="tx1"/>
-          </a:fontRef>
-        </p:style>
-        <p:txBody>
-          <a:bodyPr rtlCol="0" anchor="ctr"/>
-          <a:lstStyle/>
-          <a:p>
-            <a:pPr algn="ctr"/>
-            <a:endParaRPr kumimoji="1" lang="ko-Kore-KR" altLang="en-US"/>
-          </a:p>
-        </p:txBody>
-      </p:sp>
-      <p:sp>
-        <p:nvSpPr>
-          <p:cNvPr id="147" name="TextBox 146">
-            <a:extLst>
-              <a:ext uri="{FF2B5EF4-FFF2-40B4-BE49-F238E27FC236}">
-                <a16:creationId xmlns:a16="http://schemas.microsoft.com/office/drawing/2014/main" id="{B20DC732-00E2-E74B-BEE5-153C5A81C901}"/>
-              </a:ext>
-            </a:extLst>
-          </p:cNvPr>
-          <p:cNvSpPr txBox="1"/>
-          <p:nvPr/>
-        </p:nvSpPr>
-        <p:spPr>
-          <a:xfrm>
-            <a:off x="4357091" y="878300"/>
-            <a:ext cx="1301865" cy="338554"/>
-          </a:xfrm>
-          <a:prstGeom prst="rect">
-            <a:avLst/>
-          </a:prstGeom>
-          <a:noFill/>
-        </p:spPr>
-        <p:txBody>
-          <a:bodyPr wrap="square" rtlCol="0">
-            <a:spAutoFit/>
-          </a:bodyPr>
-          <a:lstStyle/>
-          <a:p>
-            <a:pPr algn="ctr"/>
-            <a:r>
-              <a:rPr kumimoji="1" lang="ko-KR" altLang="en-US" sz="1600" b="1" dirty="0">
-                <a:solidFill>
-                  <a:srgbClr val="5DA2C5"/>
-                </a:solidFill>
-                <a:latin typeface="SHeadG" panose="02030600000101010101" pitchFamily="18" charset="-127"/>
-                <a:ea typeface="SHeadG" panose="02030600000101010101" pitchFamily="18" charset="-127"/>
-              </a:rPr>
-              <a:t>브로커 </a:t>
-            </a:r>
-            <a:r>
-              <a:rPr kumimoji="1" lang="en-US" altLang="ko-KR" sz="1600" b="1" dirty="0">
-                <a:solidFill>
-                  <a:srgbClr val="5DA2C5"/>
-                </a:solidFill>
-                <a:latin typeface="SHeadG" panose="02030600000101010101" pitchFamily="18" charset="-127"/>
-                <a:ea typeface="SHeadG" panose="02030600000101010101" pitchFamily="18" charset="-127"/>
-              </a:rPr>
-              <a:t>1</a:t>
-            </a:r>
-            <a:endParaRPr kumimoji="1" lang="ko-Kore-KR" altLang="en-US" sz="1600" b="1" dirty="0">
-              <a:solidFill>
-                <a:srgbClr val="5DA2C5"/>
-              </a:solidFill>
-              <a:latin typeface="SHeadG" panose="02030600000101010101" pitchFamily="18" charset="-127"/>
-              <a:ea typeface="SHeadG" panose="02030600000101010101" pitchFamily="18" charset="-127"/>
-            </a:endParaRPr>
-          </a:p>
-        </p:txBody>
-      </p:sp>
-      <p:sp>
-        <p:nvSpPr>
-          <p:cNvPr id="148" name="직사각형 147">
-            <a:extLst>
-              <a:ext uri="{FF2B5EF4-FFF2-40B4-BE49-F238E27FC236}">
-                <a16:creationId xmlns:a16="http://schemas.microsoft.com/office/drawing/2014/main" id="{A9C41665-6BAC-AC4D-86C5-19F11017D269}"/>
-              </a:ext>
-            </a:extLst>
-          </p:cNvPr>
-          <p:cNvSpPr/>
-          <p:nvPr/>
-        </p:nvSpPr>
-        <p:spPr>
-          <a:xfrm>
-            <a:off x="4171638" y="1437026"/>
-            <a:ext cx="1749069" cy="1676287"/>
-          </a:xfrm>
-          <a:prstGeom prst="rect">
-            <a:avLst/>
-          </a:prstGeom>
-          <a:solidFill>
-            <a:schemeClr val="bg1">
-              <a:lumMod val="95000"/>
-            </a:schemeClr>
-          </a:solidFill>
-          <a:ln w="25400">
-            <a:solidFill>
-              <a:srgbClr val="5DA2C5"/>
-            </a:solidFill>
-          </a:ln>
-        </p:spPr>
-        <p:style>
-          <a:lnRef idx="1">
-            <a:schemeClr val="accent1"/>
-          </a:lnRef>
-          <a:fillRef idx="0">
-            <a:schemeClr val="accent1"/>
-          </a:fillRef>
-          <a:effectRef idx="0">
-            <a:schemeClr val="accent1"/>
-          </a:effectRef>
-          <a:fontRef idx="minor">
-            <a:schemeClr val="tx1"/>
-          </a:fontRef>
-        </p:style>
-        <p:txBody>
-          <a:bodyPr rtlCol="0" anchor="ctr"/>
-          <a:lstStyle/>
-          <a:p>
-            <a:pPr algn="ctr"/>
-            <a:endParaRPr kumimoji="1" lang="ko-Kore-KR" altLang="en-US"/>
-          </a:p>
-        </p:txBody>
-      </p:sp>
-      <p:sp>
-        <p:nvSpPr>
-          <p:cNvPr id="149" name="TextBox 148">
-            <a:extLst>
-              <a:ext uri="{FF2B5EF4-FFF2-40B4-BE49-F238E27FC236}">
-                <a16:creationId xmlns:a16="http://schemas.microsoft.com/office/drawing/2014/main" id="{BFA5B3F3-E062-CC45-AF16-EA9186E87DFA}"/>
-              </a:ext>
-            </a:extLst>
-          </p:cNvPr>
-          <p:cNvSpPr txBox="1"/>
-          <p:nvPr/>
-        </p:nvSpPr>
-        <p:spPr>
-          <a:xfrm>
-            <a:off x="4488373" y="1486060"/>
-            <a:ext cx="1115598" cy="338554"/>
-          </a:xfrm>
-          <a:prstGeom prst="rect">
-            <a:avLst/>
-          </a:prstGeom>
-          <a:noFill/>
-        </p:spPr>
-        <p:txBody>
-          <a:bodyPr wrap="square" rtlCol="0">
-            <a:spAutoFit/>
-          </a:bodyPr>
-          <a:lstStyle/>
-          <a:p>
-            <a:pPr algn="ctr"/>
-            <a:r>
-              <a:rPr kumimoji="1" lang="ko-KR" altLang="en-US" sz="1600" b="1" dirty="0">
-                <a:solidFill>
-                  <a:srgbClr val="5DA2C5"/>
-                </a:solidFill>
-                <a:latin typeface="SHeadG" panose="02030600000101010101" pitchFamily="18" charset="-127"/>
-                <a:ea typeface="SHeadG" panose="02030600000101010101" pitchFamily="18" charset="-127"/>
-              </a:rPr>
-              <a:t>토픽</a:t>
-            </a:r>
-            <a:endParaRPr kumimoji="1" lang="ko-Kore-KR" altLang="en-US" sz="1600" b="1" dirty="0">
-              <a:solidFill>
-                <a:srgbClr val="5DA2C5"/>
-              </a:solidFill>
-              <a:latin typeface="SHeadG" panose="02030600000101010101" pitchFamily="18" charset="-127"/>
-              <a:ea typeface="SHeadG" panose="02030600000101010101" pitchFamily="18" charset="-127"/>
-            </a:endParaRPr>
-          </a:p>
-        </p:txBody>
-      </p:sp>
-      <p:sp>
-        <p:nvSpPr>
-          <p:cNvPr id="150" name="직사각형 149">
-            <a:extLst>
-              <a:ext uri="{FF2B5EF4-FFF2-40B4-BE49-F238E27FC236}">
-                <a16:creationId xmlns:a16="http://schemas.microsoft.com/office/drawing/2014/main" id="{F50482AD-F344-3D4F-A409-BEA15B9AA484}"/>
-              </a:ext>
-            </a:extLst>
-          </p:cNvPr>
-          <p:cNvSpPr/>
-          <p:nvPr/>
-        </p:nvSpPr>
-        <p:spPr>
-          <a:xfrm>
-            <a:off x="4488373" y="1873646"/>
-            <a:ext cx="1115598" cy="631907"/>
-          </a:xfrm>
-          <a:prstGeom prst="rect">
-            <a:avLst/>
-          </a:prstGeom>
-          <a:solidFill>
-            <a:schemeClr val="bg1"/>
-          </a:solidFill>
-          <a:ln w="25400">
-            <a:solidFill>
-              <a:srgbClr val="5DA2C5"/>
-            </a:solidFill>
-            <a:prstDash val="dash"/>
-          </a:ln>
-        </p:spPr>
-        <p:style>
-          <a:lnRef idx="1">
-            <a:schemeClr val="accent1"/>
-          </a:lnRef>
-          <a:fillRef idx="0">
-            <a:schemeClr val="accent1"/>
-          </a:fillRef>
-          <a:effectRef idx="0">
-            <a:schemeClr val="accent1"/>
-          </a:effectRef>
-          <a:fontRef idx="minor">
-            <a:schemeClr val="tx1"/>
-          </a:fontRef>
-        </p:style>
-        <p:txBody>
-          <a:bodyPr rtlCol="0" anchor="ctr"/>
-          <a:lstStyle/>
-          <a:p>
-            <a:pPr algn="ctr"/>
-            <a:endParaRPr kumimoji="1" lang="ko-Kore-KR" altLang="en-US"/>
-          </a:p>
-        </p:txBody>
-      </p:sp>
-      <p:sp>
-        <p:nvSpPr>
-          <p:cNvPr id="151" name="TextBox 150">
-            <a:extLst>
-              <a:ext uri="{FF2B5EF4-FFF2-40B4-BE49-F238E27FC236}">
-                <a16:creationId xmlns:a16="http://schemas.microsoft.com/office/drawing/2014/main" id="{3FFD9B8C-B913-654C-95D0-D9C31DADA498}"/>
-              </a:ext>
-            </a:extLst>
-          </p:cNvPr>
-          <p:cNvSpPr txBox="1"/>
-          <p:nvPr/>
-        </p:nvSpPr>
-        <p:spPr>
-          <a:xfrm>
-            <a:off x="4488373" y="1981451"/>
-            <a:ext cx="1115598" cy="461665"/>
-          </a:xfrm>
-          <a:prstGeom prst="rect">
-            <a:avLst/>
-          </a:prstGeom>
-          <a:noFill/>
-        </p:spPr>
-        <p:txBody>
-          <a:bodyPr wrap="square" rtlCol="0">
-            <a:spAutoFit/>
-          </a:bodyPr>
-          <a:lstStyle/>
-          <a:p>
-            <a:pPr algn="ctr"/>
-            <a:r>
-              <a:rPr kumimoji="1" lang="ko-KR" altLang="en-US" sz="1200" b="1" dirty="0">
-                <a:solidFill>
-                  <a:srgbClr val="5DA2C5"/>
-                </a:solidFill>
-                <a:latin typeface="SHeadG" panose="02030600000101010101" pitchFamily="18" charset="-127"/>
-                <a:ea typeface="SHeadG" panose="02030600000101010101" pitchFamily="18" charset="-127"/>
-              </a:rPr>
-              <a:t>파티션 </a:t>
-            </a:r>
-            <a:r>
-              <a:rPr kumimoji="1" lang="en-US" altLang="ko-KR" sz="1200" b="1" dirty="0">
-                <a:solidFill>
-                  <a:srgbClr val="5DA2C5"/>
-                </a:solidFill>
-                <a:latin typeface="SHeadG" panose="02030600000101010101" pitchFamily="18" charset="-127"/>
-                <a:ea typeface="SHeadG" panose="02030600000101010101" pitchFamily="18" charset="-127"/>
-              </a:rPr>
-              <a:t>1</a:t>
-            </a:r>
-          </a:p>
-          <a:p>
-            <a:pPr algn="ctr"/>
-            <a:r>
-              <a:rPr kumimoji="1" lang="en-US" altLang="ko-KR" sz="1200" b="1" dirty="0">
-                <a:solidFill>
-                  <a:srgbClr val="5DA2C5"/>
-                </a:solidFill>
-                <a:latin typeface="SHeadG" panose="02030600000101010101" pitchFamily="18" charset="-127"/>
-                <a:ea typeface="SHeadG" panose="02030600000101010101" pitchFamily="18" charset="-127"/>
-              </a:rPr>
-              <a:t>(</a:t>
-            </a:r>
-            <a:r>
-              <a:rPr kumimoji="1" lang="ko-KR" altLang="en-US" sz="1200" b="1" dirty="0" err="1">
-                <a:solidFill>
-                  <a:srgbClr val="5DA2C5"/>
-                </a:solidFill>
-                <a:latin typeface="SHeadG" panose="02030600000101010101" pitchFamily="18" charset="-127"/>
-                <a:ea typeface="SHeadG" panose="02030600000101010101" pitchFamily="18" charset="-127"/>
-              </a:rPr>
-              <a:t>팔로워</a:t>
-            </a:r>
-            <a:r>
-              <a:rPr kumimoji="1" lang="en-US" altLang="ko-KR" sz="1200" b="1" dirty="0">
-                <a:solidFill>
-                  <a:srgbClr val="5DA2C5"/>
-                </a:solidFill>
-                <a:latin typeface="SHeadG" panose="02030600000101010101" pitchFamily="18" charset="-127"/>
-                <a:ea typeface="SHeadG" panose="02030600000101010101" pitchFamily="18" charset="-127"/>
-              </a:rPr>
-              <a:t>)</a:t>
-            </a:r>
-            <a:endParaRPr kumimoji="1" lang="ko-Kore-KR" altLang="en-US" sz="1200" b="1" dirty="0">
-              <a:solidFill>
-                <a:srgbClr val="5DA2C5"/>
-              </a:solidFill>
-              <a:latin typeface="SHeadG" panose="02030600000101010101" pitchFamily="18" charset="-127"/>
-              <a:ea typeface="SHeadG" panose="02030600000101010101" pitchFamily="18" charset="-127"/>
-            </a:endParaRPr>
-          </a:p>
-        </p:txBody>
-      </p:sp>
-      <p:sp>
-        <p:nvSpPr>
-          <p:cNvPr id="152" name="직사각형 151">
-            <a:extLst>
-              <a:ext uri="{FF2B5EF4-FFF2-40B4-BE49-F238E27FC236}">
-                <a16:creationId xmlns:a16="http://schemas.microsoft.com/office/drawing/2014/main" id="{CCF5D185-5937-2049-8D1D-CBCE613A1352}"/>
-              </a:ext>
-            </a:extLst>
-          </p:cNvPr>
-          <p:cNvSpPr/>
-          <p:nvPr/>
-        </p:nvSpPr>
-        <p:spPr>
-          <a:xfrm>
-            <a:off x="6249592" y="756088"/>
-            <a:ext cx="2046723" cy="2487855"/>
-          </a:xfrm>
-          <a:prstGeom prst="rect">
-            <a:avLst/>
-          </a:prstGeom>
-          <a:solidFill>
-            <a:schemeClr val="bg1">
-              <a:lumMod val="85000"/>
-            </a:schemeClr>
-          </a:solidFill>
-          <a:ln w="25400">
-            <a:solidFill>
-              <a:srgbClr val="5DA2C5"/>
-            </a:solidFill>
-          </a:ln>
-        </p:spPr>
-        <p:style>
-          <a:lnRef idx="1">
-            <a:schemeClr val="accent1"/>
-          </a:lnRef>
-          <a:fillRef idx="0">
-            <a:schemeClr val="accent1"/>
-          </a:fillRef>
-          <a:effectRef idx="0">
-            <a:schemeClr val="accent1"/>
-          </a:effectRef>
-          <a:fontRef idx="minor">
-            <a:schemeClr val="tx1"/>
-          </a:fontRef>
-        </p:style>
-        <p:txBody>
-          <a:bodyPr rtlCol="0" anchor="ctr"/>
-          <a:lstStyle/>
-          <a:p>
-            <a:pPr algn="ctr"/>
-            <a:endParaRPr kumimoji="1" lang="ko-Kore-KR" altLang="en-US"/>
-          </a:p>
-        </p:txBody>
-      </p:sp>
-      <p:sp>
-        <p:nvSpPr>
-          <p:cNvPr id="153" name="TextBox 152">
-            <a:extLst>
-              <a:ext uri="{FF2B5EF4-FFF2-40B4-BE49-F238E27FC236}">
-                <a16:creationId xmlns:a16="http://schemas.microsoft.com/office/drawing/2014/main" id="{1FFAF695-7070-794F-9D2C-EA646B968FA2}"/>
-              </a:ext>
-            </a:extLst>
-          </p:cNvPr>
-          <p:cNvSpPr txBox="1"/>
-          <p:nvPr/>
-        </p:nvSpPr>
-        <p:spPr>
-          <a:xfrm>
-            <a:off x="6622020" y="878300"/>
-            <a:ext cx="1301865" cy="338554"/>
-          </a:xfrm>
-          <a:prstGeom prst="rect">
-            <a:avLst/>
-          </a:prstGeom>
-          <a:noFill/>
-        </p:spPr>
-        <p:txBody>
-          <a:bodyPr wrap="square" rtlCol="0">
-            <a:spAutoFit/>
-          </a:bodyPr>
-          <a:lstStyle/>
-          <a:p>
-            <a:pPr algn="ctr"/>
-            <a:r>
-              <a:rPr kumimoji="1" lang="ko-KR" altLang="en-US" sz="1600" b="1" dirty="0">
-                <a:solidFill>
-                  <a:srgbClr val="5DA2C5"/>
-                </a:solidFill>
-                <a:latin typeface="SHeadG" panose="02030600000101010101" pitchFamily="18" charset="-127"/>
-                <a:ea typeface="SHeadG" panose="02030600000101010101" pitchFamily="18" charset="-127"/>
-              </a:rPr>
-              <a:t>브로커 </a:t>
-            </a:r>
-            <a:r>
-              <a:rPr kumimoji="1" lang="en-US" altLang="ko-KR" sz="1600" b="1" dirty="0">
-                <a:solidFill>
-                  <a:srgbClr val="5DA2C5"/>
-                </a:solidFill>
-                <a:latin typeface="SHeadG" panose="02030600000101010101" pitchFamily="18" charset="-127"/>
-                <a:ea typeface="SHeadG" panose="02030600000101010101" pitchFamily="18" charset="-127"/>
-              </a:rPr>
-              <a:t>2</a:t>
-            </a:r>
-            <a:endParaRPr kumimoji="1" lang="ko-Kore-KR" altLang="en-US" sz="1600" b="1" dirty="0">
-              <a:solidFill>
-                <a:srgbClr val="5DA2C5"/>
-              </a:solidFill>
-              <a:latin typeface="SHeadG" panose="02030600000101010101" pitchFamily="18" charset="-127"/>
-              <a:ea typeface="SHeadG" panose="02030600000101010101" pitchFamily="18" charset="-127"/>
-            </a:endParaRPr>
-          </a:p>
-        </p:txBody>
-      </p:sp>
-      <p:sp>
-        <p:nvSpPr>
-          <p:cNvPr id="154" name="직사각형 153">
-            <a:extLst>
-              <a:ext uri="{FF2B5EF4-FFF2-40B4-BE49-F238E27FC236}">
-                <a16:creationId xmlns:a16="http://schemas.microsoft.com/office/drawing/2014/main" id="{743BB99E-674D-DB45-AA5B-7E4243500410}"/>
-              </a:ext>
-            </a:extLst>
-          </p:cNvPr>
-          <p:cNvSpPr/>
-          <p:nvPr/>
-        </p:nvSpPr>
-        <p:spPr>
-          <a:xfrm>
-            <a:off x="6436567" y="1437026"/>
-            <a:ext cx="1749069" cy="1676287"/>
-          </a:xfrm>
-          <a:prstGeom prst="rect">
-            <a:avLst/>
-          </a:prstGeom>
-          <a:solidFill>
-            <a:schemeClr val="bg1">
-              <a:lumMod val="95000"/>
-            </a:schemeClr>
-          </a:solidFill>
-          <a:ln w="25400">
-            <a:solidFill>
-              <a:srgbClr val="5DA2C5"/>
-            </a:solidFill>
-          </a:ln>
-        </p:spPr>
-        <p:style>
-          <a:lnRef idx="1">
-            <a:schemeClr val="accent1"/>
-          </a:lnRef>
-          <a:fillRef idx="0">
-            <a:schemeClr val="accent1"/>
-          </a:fillRef>
-          <a:effectRef idx="0">
-            <a:schemeClr val="accent1"/>
-          </a:effectRef>
-          <a:fontRef idx="minor">
-            <a:schemeClr val="tx1"/>
-          </a:fontRef>
-        </p:style>
-        <p:txBody>
-          <a:bodyPr rtlCol="0" anchor="ctr"/>
-          <a:lstStyle/>
-          <a:p>
-            <a:pPr algn="ctr"/>
-            <a:endParaRPr kumimoji="1" lang="ko-Kore-KR" altLang="en-US"/>
-          </a:p>
-        </p:txBody>
-      </p:sp>
-      <p:sp>
-        <p:nvSpPr>
-          <p:cNvPr id="155" name="TextBox 154">
-            <a:extLst>
-              <a:ext uri="{FF2B5EF4-FFF2-40B4-BE49-F238E27FC236}">
-                <a16:creationId xmlns:a16="http://schemas.microsoft.com/office/drawing/2014/main" id="{521B5676-6A9A-BF43-AA39-4FDF93484099}"/>
-              </a:ext>
-            </a:extLst>
-          </p:cNvPr>
-          <p:cNvSpPr txBox="1"/>
-          <p:nvPr/>
-        </p:nvSpPr>
-        <p:spPr>
-          <a:xfrm>
-            <a:off x="6753302" y="1486060"/>
-            <a:ext cx="1115598" cy="338554"/>
-          </a:xfrm>
-          <a:prstGeom prst="rect">
-            <a:avLst/>
-          </a:prstGeom>
-          <a:noFill/>
-        </p:spPr>
-        <p:txBody>
-          <a:bodyPr wrap="square" rtlCol="0">
-            <a:spAutoFit/>
-          </a:bodyPr>
-          <a:lstStyle/>
-          <a:p>
-            <a:pPr algn="ctr"/>
-            <a:r>
-              <a:rPr kumimoji="1" lang="ko-KR" altLang="en-US" sz="1600" b="1" dirty="0">
-                <a:solidFill>
-                  <a:srgbClr val="5DA2C5"/>
-                </a:solidFill>
-                <a:latin typeface="SHeadG" panose="02030600000101010101" pitchFamily="18" charset="-127"/>
-                <a:ea typeface="SHeadG" panose="02030600000101010101" pitchFamily="18" charset="-127"/>
-              </a:rPr>
-              <a:t>토픽</a:t>
-            </a:r>
-            <a:endParaRPr kumimoji="1" lang="ko-Kore-KR" altLang="en-US" sz="1600" b="1" dirty="0">
-              <a:solidFill>
-                <a:srgbClr val="5DA2C5"/>
-              </a:solidFill>
-              <a:latin typeface="SHeadG" panose="02030600000101010101" pitchFamily="18" charset="-127"/>
-              <a:ea typeface="SHeadG" panose="02030600000101010101" pitchFamily="18" charset="-127"/>
-            </a:endParaRPr>
-          </a:p>
-        </p:txBody>
-      </p:sp>
-      <p:sp>
-        <p:nvSpPr>
-          <p:cNvPr id="156" name="직사각형 155">
-            <a:extLst>
-              <a:ext uri="{FF2B5EF4-FFF2-40B4-BE49-F238E27FC236}">
-                <a16:creationId xmlns:a16="http://schemas.microsoft.com/office/drawing/2014/main" id="{A17E4561-D681-F54D-85B0-406187F38C90}"/>
-              </a:ext>
-            </a:extLst>
-          </p:cNvPr>
-          <p:cNvSpPr/>
-          <p:nvPr/>
-        </p:nvSpPr>
-        <p:spPr>
-          <a:xfrm>
-            <a:off x="6753302" y="1873646"/>
-            <a:ext cx="1115598" cy="631907"/>
-          </a:xfrm>
-          <a:prstGeom prst="rect">
-            <a:avLst/>
-          </a:prstGeom>
-          <a:solidFill>
-            <a:schemeClr val="bg1"/>
-          </a:solidFill>
-          <a:ln w="25400">
-            <a:solidFill>
-              <a:srgbClr val="5DA2C5"/>
-            </a:solidFill>
-            <a:prstDash val="dash"/>
-          </a:ln>
-        </p:spPr>
-        <p:style>
-          <a:lnRef idx="1">
-            <a:schemeClr val="accent1"/>
-          </a:lnRef>
-          <a:fillRef idx="0">
-            <a:schemeClr val="accent1"/>
-          </a:fillRef>
-          <a:effectRef idx="0">
-            <a:schemeClr val="accent1"/>
-          </a:effectRef>
-          <a:fontRef idx="minor">
-            <a:schemeClr val="tx1"/>
-          </a:fontRef>
-        </p:style>
-        <p:txBody>
-          <a:bodyPr rtlCol="0" anchor="ctr"/>
-          <a:lstStyle/>
-          <a:p>
-            <a:pPr algn="ctr"/>
-            <a:endParaRPr kumimoji="1" lang="ko-Kore-KR" altLang="en-US"/>
-          </a:p>
-        </p:txBody>
-      </p:sp>
-      <p:sp>
-        <p:nvSpPr>
-          <p:cNvPr id="157" name="TextBox 156">
-            <a:extLst>
-              <a:ext uri="{FF2B5EF4-FFF2-40B4-BE49-F238E27FC236}">
-                <a16:creationId xmlns:a16="http://schemas.microsoft.com/office/drawing/2014/main" id="{15F9D7EA-FE9B-9B49-90F7-BC865AE7CF55}"/>
-              </a:ext>
-            </a:extLst>
-          </p:cNvPr>
-          <p:cNvSpPr txBox="1"/>
-          <p:nvPr/>
-        </p:nvSpPr>
-        <p:spPr>
-          <a:xfrm>
-            <a:off x="6753302" y="1981451"/>
-            <a:ext cx="1115598" cy="461665"/>
-          </a:xfrm>
-          <a:prstGeom prst="rect">
-            <a:avLst/>
-          </a:prstGeom>
-          <a:noFill/>
-        </p:spPr>
-        <p:txBody>
-          <a:bodyPr wrap="square" rtlCol="0">
-            <a:spAutoFit/>
-          </a:bodyPr>
-          <a:lstStyle/>
-          <a:p>
-            <a:pPr algn="ctr"/>
-            <a:r>
-              <a:rPr kumimoji="1" lang="ko-KR" altLang="en-US" sz="1200" b="1" dirty="0">
-                <a:solidFill>
-                  <a:srgbClr val="5DA2C5"/>
-                </a:solidFill>
-                <a:latin typeface="SHeadG" panose="02030600000101010101" pitchFamily="18" charset="-127"/>
-                <a:ea typeface="SHeadG" panose="02030600000101010101" pitchFamily="18" charset="-127"/>
-              </a:rPr>
-              <a:t>파티션 </a:t>
-            </a:r>
-            <a:r>
-              <a:rPr kumimoji="1" lang="en-US" altLang="ko-KR" sz="1200" b="1" dirty="0">
-                <a:solidFill>
-                  <a:srgbClr val="5DA2C5"/>
-                </a:solidFill>
-                <a:latin typeface="SHeadG" panose="02030600000101010101" pitchFamily="18" charset="-127"/>
-                <a:ea typeface="SHeadG" panose="02030600000101010101" pitchFamily="18" charset="-127"/>
-              </a:rPr>
-              <a:t>1</a:t>
-            </a:r>
-          </a:p>
-          <a:p>
-            <a:pPr algn="ctr"/>
-            <a:r>
-              <a:rPr kumimoji="1" lang="en-US" altLang="ko-KR" sz="1200" b="1" dirty="0">
-                <a:solidFill>
-                  <a:srgbClr val="5DA2C5"/>
-                </a:solidFill>
-                <a:latin typeface="SHeadG" panose="02030600000101010101" pitchFamily="18" charset="-127"/>
-                <a:ea typeface="SHeadG" panose="02030600000101010101" pitchFamily="18" charset="-127"/>
-              </a:rPr>
-              <a:t>(</a:t>
-            </a:r>
-            <a:r>
-              <a:rPr kumimoji="1" lang="ko-KR" altLang="en-US" sz="1200" b="1" dirty="0" err="1">
-                <a:solidFill>
-                  <a:srgbClr val="5DA2C5"/>
-                </a:solidFill>
-                <a:latin typeface="SHeadG" panose="02030600000101010101" pitchFamily="18" charset="-127"/>
-                <a:ea typeface="SHeadG" panose="02030600000101010101" pitchFamily="18" charset="-127"/>
-              </a:rPr>
-              <a:t>팔로워</a:t>
-            </a:r>
-            <a:r>
-              <a:rPr kumimoji="1" lang="en-US" altLang="ko-KR" sz="1200" b="1" dirty="0">
-                <a:solidFill>
-                  <a:srgbClr val="5DA2C5"/>
-                </a:solidFill>
-                <a:latin typeface="SHeadG" panose="02030600000101010101" pitchFamily="18" charset="-127"/>
-                <a:ea typeface="SHeadG" panose="02030600000101010101" pitchFamily="18" charset="-127"/>
-              </a:rPr>
-              <a:t>)</a:t>
-            </a:r>
-            <a:endParaRPr kumimoji="1" lang="ko-Kore-KR" altLang="en-US" sz="1200" b="1" dirty="0">
-              <a:solidFill>
-                <a:srgbClr val="5DA2C5"/>
-              </a:solidFill>
-              <a:latin typeface="SHeadG" panose="02030600000101010101" pitchFamily="18" charset="-127"/>
-              <a:ea typeface="SHeadG" panose="02030600000101010101" pitchFamily="18" charset="-127"/>
-            </a:endParaRPr>
-          </a:p>
-        </p:txBody>
-      </p:sp>
-      <p:sp>
-        <p:nvSpPr>
-          <p:cNvPr id="158" name="직사각형 157">
-            <a:extLst>
-              <a:ext uri="{FF2B5EF4-FFF2-40B4-BE49-F238E27FC236}">
-                <a16:creationId xmlns:a16="http://schemas.microsoft.com/office/drawing/2014/main" id="{068EB78E-972D-744A-8817-C056710F38F1}"/>
-              </a:ext>
-            </a:extLst>
-          </p:cNvPr>
-          <p:cNvSpPr/>
-          <p:nvPr/>
-        </p:nvSpPr>
-        <p:spPr>
-          <a:xfrm>
-            <a:off x="1719734" y="3794251"/>
-            <a:ext cx="2046723" cy="2487855"/>
-          </a:xfrm>
-          <a:prstGeom prst="rect">
-            <a:avLst/>
-          </a:prstGeom>
-          <a:solidFill>
-            <a:schemeClr val="accent2">
-              <a:lumMod val="60000"/>
-              <a:lumOff val="40000"/>
-            </a:schemeClr>
-          </a:solidFill>
-          <a:ln w="25400">
-            <a:solidFill>
-              <a:srgbClr val="5DA2C5"/>
-            </a:solidFill>
-          </a:ln>
-        </p:spPr>
-        <p:style>
-          <a:lnRef idx="1">
-            <a:schemeClr val="accent1"/>
-          </a:lnRef>
-          <a:fillRef idx="0">
-            <a:schemeClr val="accent1"/>
-          </a:fillRef>
-          <a:effectRef idx="0">
-            <a:schemeClr val="accent1"/>
-          </a:effectRef>
-          <a:fontRef idx="minor">
-            <a:schemeClr val="tx1"/>
-          </a:fontRef>
-        </p:style>
-        <p:txBody>
-          <a:bodyPr rtlCol="0" anchor="ctr"/>
-          <a:lstStyle/>
-          <a:p>
-            <a:pPr algn="ctr"/>
-            <a:endParaRPr kumimoji="1" lang="ko-Kore-KR" altLang="en-US"/>
-          </a:p>
-        </p:txBody>
-      </p:sp>
-      <p:sp>
-        <p:nvSpPr>
-          <p:cNvPr id="159" name="TextBox 158">
-            <a:extLst>
-              <a:ext uri="{FF2B5EF4-FFF2-40B4-BE49-F238E27FC236}">
-                <a16:creationId xmlns:a16="http://schemas.microsoft.com/office/drawing/2014/main" id="{209D9AA7-9131-584D-A413-5459BB4E96F5}"/>
-              </a:ext>
-            </a:extLst>
-          </p:cNvPr>
-          <p:cNvSpPr txBox="1"/>
-          <p:nvPr/>
-        </p:nvSpPr>
-        <p:spPr>
-          <a:xfrm>
-            <a:off x="2092162" y="3916463"/>
-            <a:ext cx="1301865" cy="338554"/>
-          </a:xfrm>
-          <a:prstGeom prst="rect">
-            <a:avLst/>
-          </a:prstGeom>
-          <a:noFill/>
-        </p:spPr>
-        <p:txBody>
-          <a:bodyPr wrap="square" rtlCol="0">
-            <a:spAutoFit/>
-          </a:bodyPr>
-          <a:lstStyle/>
-          <a:p>
-            <a:pPr algn="ctr"/>
-            <a:r>
-              <a:rPr kumimoji="1" lang="ko-KR" altLang="en-US" sz="1600" b="1" dirty="0">
-                <a:solidFill>
-                  <a:srgbClr val="5DA2C5"/>
-                </a:solidFill>
-                <a:latin typeface="SHeadG" panose="02030600000101010101" pitchFamily="18" charset="-127"/>
-                <a:ea typeface="SHeadG" panose="02030600000101010101" pitchFamily="18" charset="-127"/>
-              </a:rPr>
-              <a:t>브로커 </a:t>
-            </a:r>
-            <a:r>
-              <a:rPr kumimoji="1" lang="en-US" altLang="ko-KR" sz="1600" b="1" dirty="0">
-                <a:solidFill>
-                  <a:srgbClr val="5DA2C5"/>
-                </a:solidFill>
-                <a:latin typeface="SHeadG" panose="02030600000101010101" pitchFamily="18" charset="-127"/>
-                <a:ea typeface="SHeadG" panose="02030600000101010101" pitchFamily="18" charset="-127"/>
-              </a:rPr>
-              <a:t>0</a:t>
-            </a:r>
-            <a:endParaRPr kumimoji="1" lang="ko-Kore-KR" altLang="en-US" sz="1600" b="1" dirty="0">
-              <a:solidFill>
-                <a:srgbClr val="5DA2C5"/>
-              </a:solidFill>
-              <a:latin typeface="SHeadG" panose="02030600000101010101" pitchFamily="18" charset="-127"/>
-              <a:ea typeface="SHeadG" panose="02030600000101010101" pitchFamily="18" charset="-127"/>
-            </a:endParaRPr>
-          </a:p>
-        </p:txBody>
-      </p:sp>
-      <p:sp>
-        <p:nvSpPr>
-          <p:cNvPr id="160" name="직사각형 159">
-            <a:extLst>
-              <a:ext uri="{FF2B5EF4-FFF2-40B4-BE49-F238E27FC236}">
-                <a16:creationId xmlns:a16="http://schemas.microsoft.com/office/drawing/2014/main" id="{31E33A12-EC72-D944-BB89-1A0FD0726296}"/>
-              </a:ext>
-            </a:extLst>
-          </p:cNvPr>
-          <p:cNvSpPr/>
-          <p:nvPr/>
-        </p:nvSpPr>
-        <p:spPr>
-          <a:xfrm>
-            <a:off x="1906709" y="4475189"/>
-            <a:ext cx="1749069" cy="1676287"/>
-          </a:xfrm>
-          <a:prstGeom prst="rect">
-            <a:avLst/>
-          </a:prstGeom>
-          <a:solidFill>
-            <a:schemeClr val="bg1">
-              <a:lumMod val="95000"/>
-            </a:schemeClr>
-          </a:solidFill>
-          <a:ln w="25400">
-            <a:solidFill>
-              <a:srgbClr val="5DA2C5"/>
-            </a:solidFill>
-          </a:ln>
-        </p:spPr>
-        <p:style>
-          <a:lnRef idx="1">
-            <a:schemeClr val="accent1"/>
-          </a:lnRef>
-          <a:fillRef idx="0">
-            <a:schemeClr val="accent1"/>
-          </a:fillRef>
-          <a:effectRef idx="0">
-            <a:schemeClr val="accent1"/>
-          </a:effectRef>
-          <a:fontRef idx="minor">
-            <a:schemeClr val="tx1"/>
-          </a:fontRef>
-        </p:style>
-        <p:txBody>
-          <a:bodyPr rtlCol="0" anchor="ctr"/>
-          <a:lstStyle/>
-          <a:p>
-            <a:pPr algn="ctr"/>
-            <a:endParaRPr kumimoji="1" lang="ko-Kore-KR" altLang="en-US"/>
-          </a:p>
-        </p:txBody>
-      </p:sp>
-      <p:sp>
-        <p:nvSpPr>
-          <p:cNvPr id="161" name="TextBox 160">
-            <a:extLst>
-              <a:ext uri="{FF2B5EF4-FFF2-40B4-BE49-F238E27FC236}">
-                <a16:creationId xmlns:a16="http://schemas.microsoft.com/office/drawing/2014/main" id="{846BF283-4D3B-6040-AAA6-6684B6BCCACF}"/>
-              </a:ext>
-            </a:extLst>
-          </p:cNvPr>
-          <p:cNvSpPr txBox="1"/>
-          <p:nvPr/>
-        </p:nvSpPr>
-        <p:spPr>
-          <a:xfrm>
-            <a:off x="2223444" y="4524223"/>
-            <a:ext cx="1115598" cy="338554"/>
-          </a:xfrm>
-          <a:prstGeom prst="rect">
-            <a:avLst/>
-          </a:prstGeom>
-          <a:noFill/>
-        </p:spPr>
-        <p:txBody>
-          <a:bodyPr wrap="square" rtlCol="0">
-            <a:spAutoFit/>
-          </a:bodyPr>
-          <a:lstStyle/>
-          <a:p>
-            <a:pPr algn="ctr"/>
-            <a:r>
-              <a:rPr kumimoji="1" lang="ko-KR" altLang="en-US" sz="1600" b="1" dirty="0">
-                <a:solidFill>
-                  <a:srgbClr val="5DA2C5"/>
-                </a:solidFill>
-                <a:latin typeface="SHeadG" panose="02030600000101010101" pitchFamily="18" charset="-127"/>
-                <a:ea typeface="SHeadG" panose="02030600000101010101" pitchFamily="18" charset="-127"/>
-              </a:rPr>
-              <a:t>토픽</a:t>
-            </a:r>
-            <a:endParaRPr kumimoji="1" lang="ko-Kore-KR" altLang="en-US" sz="1600" b="1" dirty="0">
-              <a:solidFill>
-                <a:srgbClr val="5DA2C5"/>
-              </a:solidFill>
-              <a:latin typeface="SHeadG" panose="02030600000101010101" pitchFamily="18" charset="-127"/>
-              <a:ea typeface="SHeadG" panose="02030600000101010101" pitchFamily="18" charset="-127"/>
-            </a:endParaRPr>
-          </a:p>
-        </p:txBody>
-      </p:sp>
-      <p:sp>
-        <p:nvSpPr>
-          <p:cNvPr id="162" name="직사각형 161">
-            <a:extLst>
-              <a:ext uri="{FF2B5EF4-FFF2-40B4-BE49-F238E27FC236}">
-                <a16:creationId xmlns:a16="http://schemas.microsoft.com/office/drawing/2014/main" id="{157AC79C-FDE2-0946-B163-6C36919BF30C}"/>
-              </a:ext>
-            </a:extLst>
-          </p:cNvPr>
-          <p:cNvSpPr/>
-          <p:nvPr/>
-        </p:nvSpPr>
-        <p:spPr>
-          <a:xfrm>
-            <a:off x="2223444" y="4911809"/>
-            <a:ext cx="1115598" cy="631907"/>
-          </a:xfrm>
-          <a:prstGeom prst="rect">
-            <a:avLst/>
-          </a:prstGeom>
-          <a:solidFill>
-            <a:schemeClr val="bg1"/>
-          </a:solidFill>
-          <a:ln w="25400">
-            <a:solidFill>
-              <a:srgbClr val="5DA2C5"/>
-            </a:solidFill>
-          </a:ln>
-        </p:spPr>
-        <p:style>
-          <a:lnRef idx="1">
-            <a:schemeClr val="accent1"/>
-          </a:lnRef>
-          <a:fillRef idx="0">
-            <a:schemeClr val="accent1"/>
-          </a:fillRef>
-          <a:effectRef idx="0">
-            <a:schemeClr val="accent1"/>
-          </a:effectRef>
-          <a:fontRef idx="minor">
-            <a:schemeClr val="tx1"/>
-          </a:fontRef>
-        </p:style>
-        <p:txBody>
-          <a:bodyPr rtlCol="0" anchor="ctr"/>
-          <a:lstStyle/>
-          <a:p>
-            <a:pPr algn="ctr"/>
-            <a:endParaRPr kumimoji="1" lang="ko-Kore-KR" altLang="en-US"/>
-          </a:p>
-        </p:txBody>
-      </p:sp>
-      <p:sp>
-        <p:nvSpPr>
-          <p:cNvPr id="163" name="TextBox 162">
-            <a:extLst>
-              <a:ext uri="{FF2B5EF4-FFF2-40B4-BE49-F238E27FC236}">
-                <a16:creationId xmlns:a16="http://schemas.microsoft.com/office/drawing/2014/main" id="{90B55E41-AC87-AB49-8545-4176CD64B56B}"/>
-              </a:ext>
-            </a:extLst>
-          </p:cNvPr>
-          <p:cNvSpPr txBox="1"/>
-          <p:nvPr/>
-        </p:nvSpPr>
-        <p:spPr>
-          <a:xfrm>
-            <a:off x="2223444" y="5019614"/>
-            <a:ext cx="1115598" cy="461665"/>
-          </a:xfrm>
-          <a:prstGeom prst="rect">
-            <a:avLst/>
-          </a:prstGeom>
-          <a:noFill/>
-        </p:spPr>
-        <p:txBody>
-          <a:bodyPr wrap="square" rtlCol="0">
-            <a:spAutoFit/>
-          </a:bodyPr>
-          <a:lstStyle/>
-          <a:p>
-            <a:pPr algn="ctr"/>
-            <a:r>
-              <a:rPr kumimoji="1" lang="ko-KR" altLang="en-US" sz="1200" b="1" dirty="0">
-                <a:solidFill>
-                  <a:srgbClr val="5DA2C5"/>
-                </a:solidFill>
-                <a:latin typeface="SHeadG" panose="02030600000101010101" pitchFamily="18" charset="-127"/>
-                <a:ea typeface="SHeadG" panose="02030600000101010101" pitchFamily="18" charset="-127"/>
-              </a:rPr>
-              <a:t>파티션 </a:t>
-            </a:r>
-            <a:r>
-              <a:rPr kumimoji="1" lang="en-US" altLang="ko-KR" sz="1200" b="1" dirty="0">
-                <a:solidFill>
-                  <a:srgbClr val="5DA2C5"/>
-                </a:solidFill>
-                <a:latin typeface="SHeadG" panose="02030600000101010101" pitchFamily="18" charset="-127"/>
-                <a:ea typeface="SHeadG" panose="02030600000101010101" pitchFamily="18" charset="-127"/>
-              </a:rPr>
-              <a:t>1</a:t>
-            </a:r>
-          </a:p>
-          <a:p>
-            <a:pPr algn="ctr"/>
-            <a:endParaRPr kumimoji="1" lang="en-US" altLang="ko-KR" sz="1200" b="1" dirty="0">
-              <a:solidFill>
-                <a:srgbClr val="5DA2C5"/>
-              </a:solidFill>
-              <a:latin typeface="SHeadG" panose="02030600000101010101" pitchFamily="18" charset="-127"/>
-              <a:ea typeface="SHeadG" panose="02030600000101010101" pitchFamily="18" charset="-127"/>
-            </a:endParaRPr>
-          </a:p>
-        </p:txBody>
-      </p:sp>
-      <p:sp>
-        <p:nvSpPr>
-          <p:cNvPr id="164" name="직사각형 163">
-            <a:extLst>
-              <a:ext uri="{FF2B5EF4-FFF2-40B4-BE49-F238E27FC236}">
-                <a16:creationId xmlns:a16="http://schemas.microsoft.com/office/drawing/2014/main" id="{AE462CDD-F08B-D748-8997-14A00FA496E1}"/>
-              </a:ext>
-            </a:extLst>
-          </p:cNvPr>
-          <p:cNvSpPr/>
-          <p:nvPr/>
-        </p:nvSpPr>
-        <p:spPr>
-          <a:xfrm>
-            <a:off x="3984663" y="3794251"/>
-            <a:ext cx="2046723" cy="2487855"/>
-          </a:xfrm>
-          <a:prstGeom prst="rect">
-            <a:avLst/>
-          </a:prstGeom>
-          <a:solidFill>
-            <a:schemeClr val="bg1">
-              <a:lumMod val="85000"/>
-            </a:schemeClr>
-          </a:solidFill>
-          <a:ln w="25400">
-            <a:solidFill>
-              <a:srgbClr val="5DA2C5"/>
-            </a:solidFill>
-          </a:ln>
-        </p:spPr>
-        <p:style>
-          <a:lnRef idx="1">
-            <a:schemeClr val="accent1"/>
-          </a:lnRef>
-          <a:fillRef idx="0">
-            <a:schemeClr val="accent1"/>
-          </a:fillRef>
-          <a:effectRef idx="0">
-            <a:schemeClr val="accent1"/>
-          </a:effectRef>
-          <a:fontRef idx="minor">
-            <a:schemeClr val="tx1"/>
-          </a:fontRef>
-        </p:style>
-        <p:txBody>
-          <a:bodyPr rtlCol="0" anchor="ctr"/>
-          <a:lstStyle/>
-          <a:p>
-            <a:pPr algn="ctr"/>
-            <a:endParaRPr kumimoji="1" lang="ko-Kore-KR" altLang="en-US"/>
-          </a:p>
-        </p:txBody>
-      </p:sp>
-      <p:sp>
-        <p:nvSpPr>
-          <p:cNvPr id="165" name="TextBox 164">
-            <a:extLst>
-              <a:ext uri="{FF2B5EF4-FFF2-40B4-BE49-F238E27FC236}">
-                <a16:creationId xmlns:a16="http://schemas.microsoft.com/office/drawing/2014/main" id="{91DFBD7F-F02D-0547-914E-A66B06634E7D}"/>
-              </a:ext>
-            </a:extLst>
-          </p:cNvPr>
-          <p:cNvSpPr txBox="1"/>
-          <p:nvPr/>
-        </p:nvSpPr>
-        <p:spPr>
-          <a:xfrm>
-            <a:off x="4357091" y="3916463"/>
-            <a:ext cx="1301865" cy="338554"/>
-          </a:xfrm>
-          <a:prstGeom prst="rect">
-            <a:avLst/>
-          </a:prstGeom>
-          <a:noFill/>
-        </p:spPr>
-        <p:txBody>
-          <a:bodyPr wrap="square" rtlCol="0">
-            <a:spAutoFit/>
-          </a:bodyPr>
-          <a:lstStyle/>
-          <a:p>
-            <a:pPr algn="ctr"/>
-            <a:r>
-              <a:rPr kumimoji="1" lang="ko-KR" altLang="en-US" sz="1600" b="1" dirty="0">
-                <a:solidFill>
-                  <a:srgbClr val="5DA2C5"/>
-                </a:solidFill>
-                <a:latin typeface="SHeadG" panose="02030600000101010101" pitchFamily="18" charset="-127"/>
-                <a:ea typeface="SHeadG" panose="02030600000101010101" pitchFamily="18" charset="-127"/>
-              </a:rPr>
-              <a:t>브로커 </a:t>
-            </a:r>
-            <a:r>
-              <a:rPr kumimoji="1" lang="en-US" altLang="ko-KR" sz="1600" b="1" dirty="0">
-                <a:solidFill>
-                  <a:srgbClr val="5DA2C5"/>
-                </a:solidFill>
-                <a:latin typeface="SHeadG" panose="02030600000101010101" pitchFamily="18" charset="-127"/>
-                <a:ea typeface="SHeadG" panose="02030600000101010101" pitchFamily="18" charset="-127"/>
-              </a:rPr>
-              <a:t>1</a:t>
-            </a:r>
-            <a:endParaRPr kumimoji="1" lang="ko-Kore-KR" altLang="en-US" sz="1600" b="1" dirty="0">
-              <a:solidFill>
-                <a:srgbClr val="5DA2C5"/>
-              </a:solidFill>
-              <a:latin typeface="SHeadG" panose="02030600000101010101" pitchFamily="18" charset="-127"/>
-              <a:ea typeface="SHeadG" panose="02030600000101010101" pitchFamily="18" charset="-127"/>
-            </a:endParaRPr>
-          </a:p>
-        </p:txBody>
-      </p:sp>
-      <p:sp>
-        <p:nvSpPr>
-          <p:cNvPr id="170" name="직사각형 169">
-            <a:extLst>
-              <a:ext uri="{FF2B5EF4-FFF2-40B4-BE49-F238E27FC236}">
-                <a16:creationId xmlns:a16="http://schemas.microsoft.com/office/drawing/2014/main" id="{71181212-FC6D-9C4E-82C4-59ABD6C031CE}"/>
-              </a:ext>
-            </a:extLst>
-          </p:cNvPr>
-          <p:cNvSpPr/>
-          <p:nvPr/>
-        </p:nvSpPr>
-        <p:spPr>
-          <a:xfrm>
-            <a:off x="4171638" y="4475189"/>
-            <a:ext cx="1749069" cy="1676287"/>
-          </a:xfrm>
-          <a:prstGeom prst="rect">
-            <a:avLst/>
-          </a:prstGeom>
-          <a:solidFill>
-            <a:schemeClr val="bg1">
-              <a:lumMod val="95000"/>
-            </a:schemeClr>
-          </a:solidFill>
-          <a:ln w="25400">
-            <a:solidFill>
-              <a:srgbClr val="5DA2C5"/>
-            </a:solidFill>
-          </a:ln>
-        </p:spPr>
-        <p:style>
-          <a:lnRef idx="1">
-            <a:schemeClr val="accent1"/>
-          </a:lnRef>
-          <a:fillRef idx="0">
-            <a:schemeClr val="accent1"/>
-          </a:fillRef>
-          <a:effectRef idx="0">
-            <a:schemeClr val="accent1"/>
-          </a:effectRef>
-          <a:fontRef idx="minor">
-            <a:schemeClr val="tx1"/>
-          </a:fontRef>
-        </p:style>
-        <p:txBody>
-          <a:bodyPr rtlCol="0" anchor="ctr"/>
-          <a:lstStyle/>
-          <a:p>
-            <a:pPr algn="ctr"/>
-            <a:endParaRPr kumimoji="1" lang="ko-Kore-KR" altLang="en-US"/>
-          </a:p>
-        </p:txBody>
-      </p:sp>
-      <p:sp>
-        <p:nvSpPr>
-          <p:cNvPr id="171" name="TextBox 170">
-            <a:extLst>
-              <a:ext uri="{FF2B5EF4-FFF2-40B4-BE49-F238E27FC236}">
-                <a16:creationId xmlns:a16="http://schemas.microsoft.com/office/drawing/2014/main" id="{9E1BEB41-3A52-0240-911A-D3E91E77C3A0}"/>
-              </a:ext>
-            </a:extLst>
-          </p:cNvPr>
-          <p:cNvSpPr txBox="1"/>
-          <p:nvPr/>
-        </p:nvSpPr>
-        <p:spPr>
-          <a:xfrm>
-            <a:off x="4488373" y="4524223"/>
-            <a:ext cx="1115598" cy="338554"/>
-          </a:xfrm>
-          <a:prstGeom prst="rect">
-            <a:avLst/>
-          </a:prstGeom>
-          <a:noFill/>
-        </p:spPr>
-        <p:txBody>
-          <a:bodyPr wrap="square" rtlCol="0">
-            <a:spAutoFit/>
-          </a:bodyPr>
-          <a:lstStyle/>
-          <a:p>
-            <a:pPr algn="ctr"/>
-            <a:r>
-              <a:rPr kumimoji="1" lang="ko-KR" altLang="en-US" sz="1600" b="1" dirty="0">
-                <a:solidFill>
-                  <a:srgbClr val="5DA2C5"/>
-                </a:solidFill>
-                <a:latin typeface="SHeadG" panose="02030600000101010101" pitchFamily="18" charset="-127"/>
-                <a:ea typeface="SHeadG" panose="02030600000101010101" pitchFamily="18" charset="-127"/>
-              </a:rPr>
-              <a:t>토픽</a:t>
-            </a:r>
-            <a:endParaRPr kumimoji="1" lang="ko-Kore-KR" altLang="en-US" sz="1600" b="1" dirty="0">
-              <a:solidFill>
-                <a:srgbClr val="5DA2C5"/>
-              </a:solidFill>
-              <a:latin typeface="SHeadG" panose="02030600000101010101" pitchFamily="18" charset="-127"/>
-              <a:ea typeface="SHeadG" panose="02030600000101010101" pitchFamily="18" charset="-127"/>
-            </a:endParaRPr>
-          </a:p>
-        </p:txBody>
-      </p:sp>
-      <p:sp>
-        <p:nvSpPr>
-          <p:cNvPr id="172" name="직사각형 171">
-            <a:extLst>
-              <a:ext uri="{FF2B5EF4-FFF2-40B4-BE49-F238E27FC236}">
-                <a16:creationId xmlns:a16="http://schemas.microsoft.com/office/drawing/2014/main" id="{1F4462D4-7FAD-C34C-AF9F-1AFFBB0DFE7E}"/>
-              </a:ext>
-            </a:extLst>
-          </p:cNvPr>
-          <p:cNvSpPr/>
-          <p:nvPr/>
-        </p:nvSpPr>
-        <p:spPr>
-          <a:xfrm>
-            <a:off x="4488373" y="4911809"/>
-            <a:ext cx="1115598" cy="631907"/>
-          </a:xfrm>
-          <a:prstGeom prst="rect">
-            <a:avLst/>
-          </a:prstGeom>
-          <a:solidFill>
-            <a:schemeClr val="bg1"/>
-          </a:solidFill>
-          <a:ln w="25400">
-            <a:solidFill>
-              <a:srgbClr val="5DA2C5"/>
-            </a:solidFill>
-            <a:prstDash val="dash"/>
-          </a:ln>
-        </p:spPr>
-        <p:style>
-          <a:lnRef idx="1">
-            <a:schemeClr val="accent1"/>
-          </a:lnRef>
-          <a:fillRef idx="0">
-            <a:schemeClr val="accent1"/>
-          </a:fillRef>
-          <a:effectRef idx="0">
-            <a:schemeClr val="accent1"/>
-          </a:effectRef>
-          <a:fontRef idx="minor">
-            <a:schemeClr val="tx1"/>
-          </a:fontRef>
-        </p:style>
-        <p:txBody>
-          <a:bodyPr rtlCol="0" anchor="ctr"/>
-          <a:lstStyle/>
-          <a:p>
-            <a:pPr algn="ctr"/>
-            <a:endParaRPr kumimoji="1" lang="ko-Kore-KR" altLang="en-US"/>
-          </a:p>
-        </p:txBody>
-      </p:sp>
-      <p:sp>
-        <p:nvSpPr>
-          <p:cNvPr id="173" name="TextBox 172">
-            <a:extLst>
-              <a:ext uri="{FF2B5EF4-FFF2-40B4-BE49-F238E27FC236}">
-                <a16:creationId xmlns:a16="http://schemas.microsoft.com/office/drawing/2014/main" id="{3A8D0253-8806-994E-96DA-5A305B5A7DBD}"/>
-              </a:ext>
-            </a:extLst>
-          </p:cNvPr>
-          <p:cNvSpPr txBox="1"/>
-          <p:nvPr/>
-        </p:nvSpPr>
-        <p:spPr>
-          <a:xfrm>
-            <a:off x="4488373" y="5019614"/>
-            <a:ext cx="1115598" cy="461665"/>
-          </a:xfrm>
-          <a:prstGeom prst="rect">
-            <a:avLst/>
-          </a:prstGeom>
-          <a:noFill/>
-        </p:spPr>
-        <p:txBody>
-          <a:bodyPr wrap="square" rtlCol="0">
-            <a:spAutoFit/>
-          </a:bodyPr>
-          <a:lstStyle/>
-          <a:p>
-            <a:pPr algn="ctr"/>
-            <a:r>
-              <a:rPr kumimoji="1" lang="ko-KR" altLang="en-US" sz="1200" b="1" dirty="0">
-                <a:solidFill>
-                  <a:srgbClr val="5DA2C5"/>
-                </a:solidFill>
-                <a:latin typeface="SHeadG" panose="02030600000101010101" pitchFamily="18" charset="-127"/>
-                <a:ea typeface="SHeadG" panose="02030600000101010101" pitchFamily="18" charset="-127"/>
-              </a:rPr>
-              <a:t>파티션 </a:t>
-            </a:r>
-            <a:r>
-              <a:rPr kumimoji="1" lang="en-US" altLang="ko-KR" sz="1200" b="1" dirty="0">
-                <a:solidFill>
-                  <a:srgbClr val="5DA2C5"/>
-                </a:solidFill>
-                <a:latin typeface="SHeadG" panose="02030600000101010101" pitchFamily="18" charset="-127"/>
-                <a:ea typeface="SHeadG" panose="02030600000101010101" pitchFamily="18" charset="-127"/>
-              </a:rPr>
-              <a:t>1</a:t>
-            </a:r>
-          </a:p>
-          <a:p>
-            <a:pPr algn="ctr"/>
-            <a:r>
-              <a:rPr kumimoji="1" lang="en-US" altLang="ko-KR" sz="1200" b="1" dirty="0">
-                <a:solidFill>
-                  <a:srgbClr val="5DA2C5"/>
-                </a:solidFill>
-                <a:latin typeface="SHeadG" panose="02030600000101010101" pitchFamily="18" charset="-127"/>
-                <a:ea typeface="SHeadG" panose="02030600000101010101" pitchFamily="18" charset="-127"/>
-              </a:rPr>
-              <a:t>(</a:t>
-            </a:r>
-            <a:r>
-              <a:rPr kumimoji="1" lang="ko-KR" altLang="en-US" sz="1200" b="1" dirty="0">
-                <a:solidFill>
-                  <a:srgbClr val="5DA2C5"/>
-                </a:solidFill>
-                <a:latin typeface="SHeadG" panose="02030600000101010101" pitchFamily="18" charset="-127"/>
-                <a:ea typeface="SHeadG" panose="02030600000101010101" pitchFamily="18" charset="-127"/>
-              </a:rPr>
-              <a:t>리더</a:t>
-            </a:r>
-            <a:r>
-              <a:rPr kumimoji="1" lang="en-US" altLang="ko-KR" sz="1200" b="1" dirty="0">
-                <a:solidFill>
-                  <a:srgbClr val="5DA2C5"/>
-                </a:solidFill>
-                <a:latin typeface="SHeadG" panose="02030600000101010101" pitchFamily="18" charset="-127"/>
-                <a:ea typeface="SHeadG" panose="02030600000101010101" pitchFamily="18" charset="-127"/>
-              </a:rPr>
-              <a:t>)</a:t>
-            </a:r>
-            <a:endParaRPr kumimoji="1" lang="ko-Kore-KR" altLang="en-US" sz="1200" b="1" dirty="0">
-              <a:solidFill>
-                <a:srgbClr val="5DA2C5"/>
-              </a:solidFill>
-              <a:latin typeface="SHeadG" panose="02030600000101010101" pitchFamily="18" charset="-127"/>
-              <a:ea typeface="SHeadG" panose="02030600000101010101" pitchFamily="18" charset="-127"/>
-            </a:endParaRPr>
-          </a:p>
-        </p:txBody>
-      </p:sp>
-      <p:sp>
-        <p:nvSpPr>
-          <p:cNvPr id="174" name="직사각형 173">
-            <a:extLst>
-              <a:ext uri="{FF2B5EF4-FFF2-40B4-BE49-F238E27FC236}">
-                <a16:creationId xmlns:a16="http://schemas.microsoft.com/office/drawing/2014/main" id="{DC84EEF7-C2AC-294B-B041-56ADC16B1ED5}"/>
-              </a:ext>
-            </a:extLst>
-          </p:cNvPr>
-          <p:cNvSpPr/>
-          <p:nvPr/>
-        </p:nvSpPr>
-        <p:spPr>
-          <a:xfrm>
-            <a:off x="6249592" y="3794251"/>
-            <a:ext cx="2046723" cy="2487855"/>
-          </a:xfrm>
-          <a:prstGeom prst="rect">
-            <a:avLst/>
-          </a:prstGeom>
-          <a:solidFill>
-            <a:schemeClr val="bg1">
-              <a:lumMod val="85000"/>
-            </a:schemeClr>
-          </a:solidFill>
-          <a:ln w="25400">
-            <a:solidFill>
-              <a:srgbClr val="5DA2C5"/>
-            </a:solidFill>
-          </a:ln>
-        </p:spPr>
-        <p:style>
-          <a:lnRef idx="1">
-            <a:schemeClr val="accent1"/>
-          </a:lnRef>
-          <a:fillRef idx="0">
-            <a:schemeClr val="accent1"/>
-          </a:fillRef>
-          <a:effectRef idx="0">
-            <a:schemeClr val="accent1"/>
-          </a:effectRef>
-          <a:fontRef idx="minor">
-            <a:schemeClr val="tx1"/>
-          </a:fontRef>
-        </p:style>
-        <p:txBody>
-          <a:bodyPr rtlCol="0" anchor="ctr"/>
-          <a:lstStyle/>
-          <a:p>
-            <a:pPr algn="ctr"/>
-            <a:endParaRPr kumimoji="1" lang="ko-Kore-KR" altLang="en-US"/>
-          </a:p>
-        </p:txBody>
-      </p:sp>
-      <p:sp>
-        <p:nvSpPr>
-          <p:cNvPr id="175" name="TextBox 174">
-            <a:extLst>
-              <a:ext uri="{FF2B5EF4-FFF2-40B4-BE49-F238E27FC236}">
-                <a16:creationId xmlns:a16="http://schemas.microsoft.com/office/drawing/2014/main" id="{FC7C375A-AD47-564A-AB95-B9B3EF4E95AC}"/>
-              </a:ext>
-            </a:extLst>
-          </p:cNvPr>
-          <p:cNvSpPr txBox="1"/>
-          <p:nvPr/>
-        </p:nvSpPr>
-        <p:spPr>
-          <a:xfrm>
-            <a:off x="6622020" y="3916463"/>
-            <a:ext cx="1301865" cy="338554"/>
-          </a:xfrm>
-          <a:prstGeom prst="rect">
-            <a:avLst/>
-          </a:prstGeom>
-          <a:noFill/>
-        </p:spPr>
-        <p:txBody>
-          <a:bodyPr wrap="square" rtlCol="0">
-            <a:spAutoFit/>
-          </a:bodyPr>
-          <a:lstStyle/>
-          <a:p>
-            <a:pPr algn="ctr"/>
-            <a:r>
-              <a:rPr kumimoji="1" lang="ko-KR" altLang="en-US" sz="1600" b="1" dirty="0">
-                <a:solidFill>
-                  <a:srgbClr val="5DA2C5"/>
-                </a:solidFill>
-                <a:latin typeface="SHeadG" panose="02030600000101010101" pitchFamily="18" charset="-127"/>
-                <a:ea typeface="SHeadG" panose="02030600000101010101" pitchFamily="18" charset="-127"/>
-              </a:rPr>
-              <a:t>브로커 </a:t>
-            </a:r>
-            <a:r>
-              <a:rPr kumimoji="1" lang="en-US" altLang="ko-KR" sz="1600" b="1" dirty="0">
-                <a:solidFill>
-                  <a:srgbClr val="5DA2C5"/>
-                </a:solidFill>
-                <a:latin typeface="SHeadG" panose="02030600000101010101" pitchFamily="18" charset="-127"/>
-                <a:ea typeface="SHeadG" panose="02030600000101010101" pitchFamily="18" charset="-127"/>
-              </a:rPr>
-              <a:t>2</a:t>
-            </a:r>
-            <a:endParaRPr kumimoji="1" lang="ko-Kore-KR" altLang="en-US" sz="1600" b="1" dirty="0">
-              <a:solidFill>
-                <a:srgbClr val="5DA2C5"/>
-              </a:solidFill>
-              <a:latin typeface="SHeadG" panose="02030600000101010101" pitchFamily="18" charset="-127"/>
-              <a:ea typeface="SHeadG" panose="02030600000101010101" pitchFamily="18" charset="-127"/>
-            </a:endParaRPr>
-          </a:p>
-        </p:txBody>
-      </p:sp>
-      <p:sp>
-        <p:nvSpPr>
-          <p:cNvPr id="176" name="직사각형 175">
-            <a:extLst>
-              <a:ext uri="{FF2B5EF4-FFF2-40B4-BE49-F238E27FC236}">
-                <a16:creationId xmlns:a16="http://schemas.microsoft.com/office/drawing/2014/main" id="{604823AA-ED9D-1B43-9C6D-6F542249D0A2}"/>
-              </a:ext>
-            </a:extLst>
-          </p:cNvPr>
-          <p:cNvSpPr/>
-          <p:nvPr/>
-        </p:nvSpPr>
-        <p:spPr>
-          <a:xfrm>
-            <a:off x="6436567" y="4475189"/>
-            <a:ext cx="1749069" cy="1676287"/>
-          </a:xfrm>
-          <a:prstGeom prst="rect">
-            <a:avLst/>
-          </a:prstGeom>
-          <a:solidFill>
-            <a:schemeClr val="bg1">
-              <a:lumMod val="95000"/>
-            </a:schemeClr>
-          </a:solidFill>
-          <a:ln w="25400">
-            <a:solidFill>
-              <a:srgbClr val="5DA2C5"/>
-            </a:solidFill>
-          </a:ln>
-        </p:spPr>
-        <p:style>
-          <a:lnRef idx="1">
-            <a:schemeClr val="accent1"/>
-          </a:lnRef>
-          <a:fillRef idx="0">
-            <a:schemeClr val="accent1"/>
-          </a:fillRef>
-          <a:effectRef idx="0">
-            <a:schemeClr val="accent1"/>
-          </a:effectRef>
-          <a:fontRef idx="minor">
-            <a:schemeClr val="tx1"/>
-          </a:fontRef>
-        </p:style>
-        <p:txBody>
-          <a:bodyPr rtlCol="0" anchor="ctr"/>
-          <a:lstStyle/>
-          <a:p>
-            <a:pPr algn="ctr"/>
-            <a:endParaRPr kumimoji="1" lang="ko-Kore-KR" altLang="en-US"/>
-          </a:p>
-        </p:txBody>
-      </p:sp>
-      <p:sp>
-        <p:nvSpPr>
-          <p:cNvPr id="177" name="TextBox 176">
-            <a:extLst>
-              <a:ext uri="{FF2B5EF4-FFF2-40B4-BE49-F238E27FC236}">
-                <a16:creationId xmlns:a16="http://schemas.microsoft.com/office/drawing/2014/main" id="{F381826D-A6B5-E541-9669-DF98D444A6A4}"/>
-              </a:ext>
-            </a:extLst>
-          </p:cNvPr>
-          <p:cNvSpPr txBox="1"/>
-          <p:nvPr/>
-        </p:nvSpPr>
-        <p:spPr>
-          <a:xfrm>
-            <a:off x="6753302" y="4524223"/>
-            <a:ext cx="1115598" cy="338554"/>
-          </a:xfrm>
-          <a:prstGeom prst="rect">
-            <a:avLst/>
-          </a:prstGeom>
-          <a:noFill/>
-        </p:spPr>
-        <p:txBody>
-          <a:bodyPr wrap="square" rtlCol="0">
-            <a:spAutoFit/>
-          </a:bodyPr>
-          <a:lstStyle/>
-          <a:p>
-            <a:pPr algn="ctr"/>
-            <a:r>
-              <a:rPr kumimoji="1" lang="ko-KR" altLang="en-US" sz="1600" b="1" dirty="0">
-                <a:solidFill>
-                  <a:srgbClr val="5DA2C5"/>
-                </a:solidFill>
-                <a:latin typeface="SHeadG" panose="02030600000101010101" pitchFamily="18" charset="-127"/>
-                <a:ea typeface="SHeadG" panose="02030600000101010101" pitchFamily="18" charset="-127"/>
-              </a:rPr>
-              <a:t>토픽</a:t>
-            </a:r>
-            <a:endParaRPr kumimoji="1" lang="ko-Kore-KR" altLang="en-US" sz="1600" b="1" dirty="0">
-              <a:solidFill>
-                <a:srgbClr val="5DA2C5"/>
-              </a:solidFill>
-              <a:latin typeface="SHeadG" panose="02030600000101010101" pitchFamily="18" charset="-127"/>
-              <a:ea typeface="SHeadG" panose="02030600000101010101" pitchFamily="18" charset="-127"/>
-            </a:endParaRPr>
-          </a:p>
-        </p:txBody>
-      </p:sp>
-      <p:sp>
-        <p:nvSpPr>
-          <p:cNvPr id="178" name="직사각형 177">
-            <a:extLst>
-              <a:ext uri="{FF2B5EF4-FFF2-40B4-BE49-F238E27FC236}">
-                <a16:creationId xmlns:a16="http://schemas.microsoft.com/office/drawing/2014/main" id="{039855EC-6AD4-264B-99EC-461EC1816927}"/>
-              </a:ext>
-            </a:extLst>
-          </p:cNvPr>
-          <p:cNvSpPr/>
-          <p:nvPr/>
-        </p:nvSpPr>
-        <p:spPr>
-          <a:xfrm>
-            <a:off x="6753302" y="4911809"/>
-            <a:ext cx="1115598" cy="631907"/>
-          </a:xfrm>
-          <a:prstGeom prst="rect">
-            <a:avLst/>
-          </a:prstGeom>
-          <a:solidFill>
-            <a:schemeClr val="bg1"/>
-          </a:solidFill>
-          <a:ln w="25400">
-            <a:solidFill>
-              <a:srgbClr val="5DA2C5"/>
-            </a:solidFill>
-            <a:prstDash val="dash"/>
-          </a:ln>
-        </p:spPr>
-        <p:style>
-          <a:lnRef idx="1">
-            <a:schemeClr val="accent1"/>
-          </a:lnRef>
-          <a:fillRef idx="0">
-            <a:schemeClr val="accent1"/>
-          </a:fillRef>
-          <a:effectRef idx="0">
-            <a:schemeClr val="accent1"/>
-          </a:effectRef>
-          <a:fontRef idx="minor">
-            <a:schemeClr val="tx1"/>
-          </a:fontRef>
-        </p:style>
-        <p:txBody>
-          <a:bodyPr rtlCol="0" anchor="ctr"/>
-          <a:lstStyle/>
-          <a:p>
-            <a:pPr algn="ctr"/>
-            <a:endParaRPr kumimoji="1" lang="ko-Kore-KR" altLang="en-US"/>
-          </a:p>
-        </p:txBody>
-      </p:sp>
-      <p:sp>
-        <p:nvSpPr>
-          <p:cNvPr id="179" name="TextBox 178">
-            <a:extLst>
-              <a:ext uri="{FF2B5EF4-FFF2-40B4-BE49-F238E27FC236}">
-                <a16:creationId xmlns:a16="http://schemas.microsoft.com/office/drawing/2014/main" id="{324CF732-854E-8344-8D78-46A95EEC8B82}"/>
-              </a:ext>
-            </a:extLst>
-          </p:cNvPr>
-          <p:cNvSpPr txBox="1"/>
-          <p:nvPr/>
-        </p:nvSpPr>
-        <p:spPr>
-          <a:xfrm>
-            <a:off x="6753302" y="5019614"/>
-            <a:ext cx="1115598" cy="461665"/>
-          </a:xfrm>
-          <a:prstGeom prst="rect">
-            <a:avLst/>
-          </a:prstGeom>
-          <a:noFill/>
-        </p:spPr>
-        <p:txBody>
-          <a:bodyPr wrap="square" rtlCol="0">
-            <a:spAutoFit/>
-          </a:bodyPr>
-          <a:lstStyle/>
-          <a:p>
-            <a:pPr algn="ctr"/>
-            <a:r>
-              <a:rPr kumimoji="1" lang="ko-KR" altLang="en-US" sz="1200" b="1" dirty="0">
-                <a:solidFill>
-                  <a:srgbClr val="5DA2C5"/>
-                </a:solidFill>
-                <a:latin typeface="SHeadG" panose="02030600000101010101" pitchFamily="18" charset="-127"/>
-                <a:ea typeface="SHeadG" panose="02030600000101010101" pitchFamily="18" charset="-127"/>
-              </a:rPr>
-              <a:t>파티션 </a:t>
-            </a:r>
-            <a:r>
-              <a:rPr kumimoji="1" lang="en-US" altLang="ko-KR" sz="1200" b="1" dirty="0">
-                <a:solidFill>
-                  <a:srgbClr val="5DA2C5"/>
-                </a:solidFill>
-                <a:latin typeface="SHeadG" panose="02030600000101010101" pitchFamily="18" charset="-127"/>
-                <a:ea typeface="SHeadG" panose="02030600000101010101" pitchFamily="18" charset="-127"/>
-              </a:rPr>
-              <a:t>1</a:t>
-            </a:r>
-          </a:p>
-          <a:p>
-            <a:pPr algn="ctr"/>
-            <a:r>
-              <a:rPr kumimoji="1" lang="en-US" altLang="ko-KR" sz="1200" b="1" dirty="0">
-                <a:solidFill>
-                  <a:srgbClr val="5DA2C5"/>
-                </a:solidFill>
-                <a:latin typeface="SHeadG" panose="02030600000101010101" pitchFamily="18" charset="-127"/>
-                <a:ea typeface="SHeadG" panose="02030600000101010101" pitchFamily="18" charset="-127"/>
-              </a:rPr>
-              <a:t>(</a:t>
-            </a:r>
-            <a:r>
-              <a:rPr kumimoji="1" lang="ko-KR" altLang="en-US" sz="1200" b="1" dirty="0" err="1">
-                <a:solidFill>
-                  <a:srgbClr val="5DA2C5"/>
-                </a:solidFill>
-                <a:latin typeface="SHeadG" panose="02030600000101010101" pitchFamily="18" charset="-127"/>
-                <a:ea typeface="SHeadG" panose="02030600000101010101" pitchFamily="18" charset="-127"/>
-              </a:rPr>
-              <a:t>팔로워</a:t>
-            </a:r>
-            <a:r>
-              <a:rPr kumimoji="1" lang="en-US" altLang="ko-KR" sz="1200" b="1" dirty="0">
-                <a:solidFill>
-                  <a:srgbClr val="5DA2C5"/>
-                </a:solidFill>
-                <a:latin typeface="SHeadG" panose="02030600000101010101" pitchFamily="18" charset="-127"/>
-                <a:ea typeface="SHeadG" panose="02030600000101010101" pitchFamily="18" charset="-127"/>
-              </a:rPr>
-              <a:t>)</a:t>
-            </a:r>
-            <a:endParaRPr kumimoji="1" lang="ko-Kore-KR" altLang="en-US" sz="1200" b="1" dirty="0">
-              <a:solidFill>
-                <a:srgbClr val="5DA2C5"/>
-              </a:solidFill>
-              <a:latin typeface="SHeadG" panose="02030600000101010101" pitchFamily="18" charset="-127"/>
-              <a:ea typeface="SHeadG" panose="02030600000101010101" pitchFamily="18" charset="-127"/>
-            </a:endParaRPr>
-          </a:p>
-        </p:txBody>
-      </p:sp>
-      <p:sp>
-        <p:nvSpPr>
-          <p:cNvPr id="180" name="TextBox 179">
-            <a:extLst>
-              <a:ext uri="{FF2B5EF4-FFF2-40B4-BE49-F238E27FC236}">
-                <a16:creationId xmlns:a16="http://schemas.microsoft.com/office/drawing/2014/main" id="{53E0D2D1-E00E-774D-A319-41494D5D871A}"/>
-              </a:ext>
-            </a:extLst>
-          </p:cNvPr>
-          <p:cNvSpPr txBox="1"/>
-          <p:nvPr/>
-        </p:nvSpPr>
-        <p:spPr>
-          <a:xfrm>
-            <a:off x="2210242" y="6331138"/>
-            <a:ext cx="1115598" cy="276999"/>
-          </a:xfrm>
-          <a:prstGeom prst="rect">
-            <a:avLst/>
-          </a:prstGeom>
-          <a:noFill/>
-        </p:spPr>
-        <p:txBody>
-          <a:bodyPr wrap="square" rtlCol="0">
-            <a:spAutoFit/>
-          </a:bodyPr>
-          <a:lstStyle/>
-          <a:p>
-            <a:pPr algn="ctr"/>
-            <a:r>
-              <a:rPr kumimoji="1" lang="en-US" altLang="ko-KR" sz="1200" b="1" dirty="0">
-                <a:solidFill>
-                  <a:srgbClr val="5DA2C5"/>
-                </a:solidFill>
-                <a:latin typeface="SHeadG" panose="02030600000101010101" pitchFamily="18" charset="-127"/>
-                <a:ea typeface="SHeadG" panose="02030600000101010101" pitchFamily="18" charset="-127"/>
-              </a:rPr>
-              <a:t>(</a:t>
-            </a:r>
-            <a:r>
-              <a:rPr kumimoji="1" lang="ko-KR" altLang="en-US" sz="1200" b="1" dirty="0">
-                <a:solidFill>
-                  <a:srgbClr val="5DA2C5"/>
-                </a:solidFill>
-                <a:latin typeface="SHeadG" panose="02030600000101010101" pitchFamily="18" charset="-127"/>
-                <a:ea typeface="SHeadG" panose="02030600000101010101" pitchFamily="18" charset="-127"/>
-              </a:rPr>
-              <a:t>사용불가</a:t>
-            </a:r>
-            <a:r>
-              <a:rPr kumimoji="1" lang="en-US" altLang="ko-KR" sz="1200" b="1" dirty="0">
-                <a:solidFill>
-                  <a:srgbClr val="5DA2C5"/>
-                </a:solidFill>
-                <a:latin typeface="SHeadG" panose="02030600000101010101" pitchFamily="18" charset="-127"/>
-                <a:ea typeface="SHeadG" panose="02030600000101010101" pitchFamily="18" charset="-127"/>
-              </a:rPr>
-              <a:t>)</a:t>
-            </a:r>
-            <a:endParaRPr kumimoji="1" lang="ko-Kore-KR" altLang="en-US" sz="1200" b="1" dirty="0">
-              <a:solidFill>
-                <a:srgbClr val="5DA2C5"/>
-              </a:solidFill>
-              <a:latin typeface="SHeadG" panose="02030600000101010101" pitchFamily="18" charset="-127"/>
-              <a:ea typeface="SHeadG" panose="02030600000101010101" pitchFamily="18" charset="-127"/>
-            </a:endParaRPr>
-          </a:p>
-        </p:txBody>
-      </p:sp>
-    </p:spTree>
-    <p:extLst>
-      <p:ext uri="{BB962C8B-B14F-4D97-AF65-F5344CB8AC3E}">
-        <p14:creationId xmlns:p14="http://schemas.microsoft.com/office/powerpoint/2010/main" val="1224095128"/>
-      </p:ext>
-    </p:extLst>
-  </p:cSld>
-  <p:clrMapOvr>
-    <a:masterClrMapping/>
-  </p:clrMapOvr>
-</p:sld>
-</file>
-
-<file path=ppt/slides/slide9.xml><?xml version="1.0" encoding="utf-8"?>
-<p:sld xmlns:a="http://schemas.openxmlformats.org/drawingml/2006/main" xmlns:r="http://schemas.openxmlformats.org/officeDocument/2006/relationships" xmlns:p="http://schemas.openxmlformats.org/presentationml/2006/main">
-  <p:cSld>
-    <p:spTree>
-      <p:nvGrpSpPr>
-        <p:cNvPr id="1" name=""/>
-        <p:cNvGrpSpPr/>
-        <p:nvPr/>
-      </p:nvGrpSpPr>
-      <p:grpSpPr>
-        <a:xfrm>
-          <a:off x="0" y="0"/>
-          <a:ext cx="0" cy="0"/>
-          <a:chOff x="0" y="0"/>
-          <a:chExt cx="0" cy="0"/>
-        </a:xfrm>
-      </p:grpSpPr>
-      <p:sp>
-        <p:nvSpPr>
-          <p:cNvPr id="39" name="직사각형 38">
-            <a:extLst>
-              <a:ext uri="{FF2B5EF4-FFF2-40B4-BE49-F238E27FC236}">
-                <a16:creationId xmlns:a16="http://schemas.microsoft.com/office/drawing/2014/main" id="{601D4ACF-9DAE-464D-A704-3716E3819EF8}"/>
-              </a:ext>
-            </a:extLst>
-          </p:cNvPr>
-          <p:cNvSpPr/>
-          <p:nvPr/>
-        </p:nvSpPr>
-        <p:spPr>
-          <a:xfrm>
-            <a:off x="1719734" y="756088"/>
-            <a:ext cx="3897295" cy="3119226"/>
-          </a:xfrm>
-          <a:prstGeom prst="rect">
-            <a:avLst/>
-          </a:prstGeom>
-          <a:solidFill>
-            <a:schemeClr val="bg1">
-              <a:lumMod val="85000"/>
-            </a:schemeClr>
-          </a:solidFill>
-          <a:ln w="25400">
-            <a:solidFill>
-              <a:srgbClr val="5DA2C5"/>
-            </a:solidFill>
-          </a:ln>
-        </p:spPr>
-        <p:style>
-          <a:lnRef idx="1">
-            <a:schemeClr val="accent1"/>
-          </a:lnRef>
-          <a:fillRef idx="0">
-            <a:schemeClr val="accent1"/>
-          </a:fillRef>
-          <a:effectRef idx="0">
-            <a:schemeClr val="accent1"/>
-          </a:effectRef>
-          <a:fontRef idx="minor">
-            <a:schemeClr val="tx1"/>
-          </a:fontRef>
-        </p:style>
-        <p:txBody>
-          <a:bodyPr rtlCol="0" anchor="ctr"/>
-          <a:lstStyle/>
-          <a:p>
-            <a:pPr algn="ctr"/>
-            <a:endParaRPr kumimoji="1" lang="ko-Kore-KR" altLang="en-US"/>
-          </a:p>
-        </p:txBody>
-      </p:sp>
-      <p:sp>
-        <p:nvSpPr>
-          <p:cNvPr id="40" name="TextBox 39">
-            <a:extLst>
-              <a:ext uri="{FF2B5EF4-FFF2-40B4-BE49-F238E27FC236}">
-                <a16:creationId xmlns:a16="http://schemas.microsoft.com/office/drawing/2014/main" id="{D68E3799-46BC-4A49-8014-12C23BBDE003}"/>
-              </a:ext>
-            </a:extLst>
-          </p:cNvPr>
-          <p:cNvSpPr txBox="1"/>
-          <p:nvPr/>
-        </p:nvSpPr>
-        <p:spPr>
-          <a:xfrm>
-            <a:off x="3039892" y="863596"/>
-            <a:ext cx="1301865" cy="338554"/>
-          </a:xfrm>
-          <a:prstGeom prst="rect">
-            <a:avLst/>
-          </a:prstGeom>
-          <a:noFill/>
-        </p:spPr>
-        <p:txBody>
-          <a:bodyPr wrap="square" rtlCol="0">
-            <a:spAutoFit/>
-          </a:bodyPr>
-          <a:lstStyle/>
-          <a:p>
-            <a:pPr algn="ctr"/>
-            <a:r>
-              <a:rPr kumimoji="1" lang="ko-KR" altLang="en-US" sz="1600" b="1" dirty="0">
-                <a:solidFill>
-                  <a:srgbClr val="5DA2C5"/>
-                </a:solidFill>
-                <a:latin typeface="SHeadG" panose="02030600000101010101" pitchFamily="18" charset="-127"/>
-                <a:ea typeface="SHeadG" panose="02030600000101010101" pitchFamily="18" charset="-127"/>
-              </a:rPr>
-              <a:t>토픽</a:t>
-            </a:r>
-            <a:endParaRPr kumimoji="1" lang="ko-Kore-KR" altLang="en-US" sz="1600" b="1" dirty="0">
-              <a:solidFill>
-                <a:srgbClr val="5DA2C5"/>
-              </a:solidFill>
-              <a:latin typeface="SHeadG" panose="02030600000101010101" pitchFamily="18" charset="-127"/>
-              <a:ea typeface="SHeadG" panose="02030600000101010101" pitchFamily="18" charset="-127"/>
-            </a:endParaRPr>
-          </a:p>
-        </p:txBody>
-      </p:sp>
-      <p:sp>
-        <p:nvSpPr>
-          <p:cNvPr id="41" name="직사각형 40">
-            <a:extLst>
-              <a:ext uri="{FF2B5EF4-FFF2-40B4-BE49-F238E27FC236}">
-                <a16:creationId xmlns:a16="http://schemas.microsoft.com/office/drawing/2014/main" id="{EC58CB2F-ED88-DA45-8C3B-4F9EE457DACB}"/>
-              </a:ext>
-            </a:extLst>
-          </p:cNvPr>
-          <p:cNvSpPr/>
-          <p:nvPr/>
-        </p:nvSpPr>
-        <p:spPr>
-          <a:xfrm>
-            <a:off x="1906709" y="1437027"/>
-            <a:ext cx="3525263" cy="1074265"/>
-          </a:xfrm>
-          <a:prstGeom prst="rect">
-            <a:avLst/>
-          </a:prstGeom>
-          <a:solidFill>
-            <a:schemeClr val="bg1">
-              <a:lumMod val="95000"/>
-            </a:schemeClr>
-          </a:solidFill>
-          <a:ln w="25400">
-            <a:solidFill>
-              <a:srgbClr val="5DA2C5"/>
-            </a:solidFill>
-          </a:ln>
-        </p:spPr>
-        <p:style>
-          <a:lnRef idx="1">
-            <a:schemeClr val="accent1"/>
-          </a:lnRef>
-          <a:fillRef idx="0">
-            <a:schemeClr val="accent1"/>
-          </a:fillRef>
-          <a:effectRef idx="0">
-            <a:schemeClr val="accent1"/>
-          </a:effectRef>
-          <a:fontRef idx="minor">
-            <a:schemeClr val="tx1"/>
-          </a:fontRef>
-        </p:style>
-        <p:txBody>
-          <a:bodyPr rtlCol="0" anchor="ctr"/>
-          <a:lstStyle/>
-          <a:p>
-            <a:pPr algn="ctr"/>
-            <a:endParaRPr kumimoji="1" lang="ko-Kore-KR" altLang="en-US"/>
-          </a:p>
-        </p:txBody>
-      </p:sp>
-      <p:grpSp>
-        <p:nvGrpSpPr>
-          <p:cNvPr id="42" name="그룹 41">
-            <a:extLst>
-              <a:ext uri="{FF2B5EF4-FFF2-40B4-BE49-F238E27FC236}">
-                <a16:creationId xmlns:a16="http://schemas.microsoft.com/office/drawing/2014/main" id="{01D8EAFA-B18E-B94C-815D-2D05C917C982}"/>
-              </a:ext>
-            </a:extLst>
-          </p:cNvPr>
-          <p:cNvGrpSpPr/>
-          <p:nvPr/>
-        </p:nvGrpSpPr>
-        <p:grpSpPr>
-          <a:xfrm>
-            <a:off x="3112409" y="1565338"/>
-            <a:ext cx="543689" cy="281455"/>
-            <a:chOff x="5556135" y="897681"/>
-            <a:chExt cx="543689" cy="281455"/>
-          </a:xfrm>
-        </p:grpSpPr>
-        <p:sp>
-          <p:nvSpPr>
-            <p:cNvPr id="43" name="직사각형 42">
-              <a:extLst>
-                <a:ext uri="{FF2B5EF4-FFF2-40B4-BE49-F238E27FC236}">
-                  <a16:creationId xmlns:a16="http://schemas.microsoft.com/office/drawing/2014/main" id="{AA885282-D22F-4F41-9B36-9E7FB13E1091}"/>
-                </a:ext>
-              </a:extLst>
-            </p:cNvPr>
-            <p:cNvSpPr/>
-            <p:nvPr/>
-          </p:nvSpPr>
-          <p:spPr>
-            <a:xfrm>
-              <a:off x="5556135" y="897681"/>
-              <a:ext cx="543689" cy="276999"/>
-            </a:xfrm>
-            <a:prstGeom prst="rect">
-              <a:avLst/>
-            </a:prstGeom>
-            <a:ln w="25400">
-              <a:solidFill>
-                <a:srgbClr val="5DA2C5"/>
-              </a:solidFill>
-            </a:ln>
-          </p:spPr>
-          <p:style>
-            <a:lnRef idx="1">
-              <a:schemeClr val="accent1"/>
-            </a:lnRef>
-            <a:fillRef idx="0">
-              <a:schemeClr val="accent1"/>
-            </a:fillRef>
-            <a:effectRef idx="0">
-              <a:schemeClr val="accent1"/>
-            </a:effectRef>
-            <a:fontRef idx="minor">
-              <a:schemeClr val="tx1"/>
-            </a:fontRef>
-          </p:style>
-          <p:txBody>
-            <a:bodyPr rtlCol="0" anchor="ctr"/>
-            <a:lstStyle/>
-            <a:p>
-              <a:pPr algn="ctr"/>
-              <a:endParaRPr kumimoji="1" lang="ko-Kore-KR" altLang="en-US"/>
-            </a:p>
-          </p:txBody>
-        </p:sp>
-        <p:sp>
-          <p:nvSpPr>
-            <p:cNvPr id="44" name="TextBox 43">
-              <a:extLst>
-                <a:ext uri="{FF2B5EF4-FFF2-40B4-BE49-F238E27FC236}">
-                  <a16:creationId xmlns:a16="http://schemas.microsoft.com/office/drawing/2014/main" id="{66ABD13A-13DD-7743-97AE-61463F431B05}"/>
-                </a:ext>
-              </a:extLst>
-            </p:cNvPr>
-            <p:cNvSpPr txBox="1"/>
-            <p:nvPr/>
-          </p:nvSpPr>
-          <p:spPr>
-            <a:xfrm>
-              <a:off x="5590002" y="902137"/>
-              <a:ext cx="509822" cy="276999"/>
-            </a:xfrm>
-            <a:prstGeom prst="rect">
-              <a:avLst/>
-            </a:prstGeom>
-            <a:noFill/>
-          </p:spPr>
-          <p:txBody>
-            <a:bodyPr wrap="square" rtlCol="0">
-              <a:spAutoFit/>
-            </a:bodyPr>
-            <a:lstStyle/>
-            <a:p>
-              <a:pPr algn="ctr"/>
-              <a:r>
-                <a:rPr kumimoji="1" lang="en-US" altLang="ko-Kore-KR" sz="1200" b="1" dirty="0">
-                  <a:solidFill>
-                    <a:srgbClr val="5DA2C5"/>
-                  </a:solidFill>
-                  <a:latin typeface="SHeadG" panose="02030600000101010101" pitchFamily="18" charset="-127"/>
-                  <a:ea typeface="SHeadG" panose="02030600000101010101" pitchFamily="18" charset="-127"/>
-                </a:rPr>
-                <a:t>0</a:t>
-              </a:r>
-              <a:endParaRPr kumimoji="1" lang="ko-Kore-KR" altLang="en-US" sz="1200" b="1" dirty="0">
-                <a:solidFill>
-                  <a:srgbClr val="5DA2C5"/>
-                </a:solidFill>
-                <a:latin typeface="SHeadG" panose="02030600000101010101" pitchFamily="18" charset="-127"/>
-                <a:ea typeface="SHeadG" panose="02030600000101010101" pitchFamily="18" charset="-127"/>
-              </a:endParaRPr>
-            </a:p>
-          </p:txBody>
-        </p:sp>
-      </p:grpSp>
-      <p:grpSp>
-        <p:nvGrpSpPr>
-          <p:cNvPr id="45" name="그룹 44">
-            <a:extLst>
-              <a:ext uri="{FF2B5EF4-FFF2-40B4-BE49-F238E27FC236}">
-                <a16:creationId xmlns:a16="http://schemas.microsoft.com/office/drawing/2014/main" id="{86FE8550-F1D0-F944-B598-DA289EBDB539}"/>
-              </a:ext>
-            </a:extLst>
-          </p:cNvPr>
-          <p:cNvGrpSpPr/>
-          <p:nvPr/>
-        </p:nvGrpSpPr>
-        <p:grpSpPr>
-          <a:xfrm>
-            <a:off x="3657598" y="1566985"/>
-            <a:ext cx="543689" cy="281455"/>
-            <a:chOff x="5556135" y="897681"/>
-            <a:chExt cx="543689" cy="281455"/>
-          </a:xfrm>
-        </p:grpSpPr>
-        <p:sp>
-          <p:nvSpPr>
-            <p:cNvPr id="46" name="직사각형 45">
-              <a:extLst>
-                <a:ext uri="{FF2B5EF4-FFF2-40B4-BE49-F238E27FC236}">
-                  <a16:creationId xmlns:a16="http://schemas.microsoft.com/office/drawing/2014/main" id="{22C37BB9-1102-2546-9B88-90E79EE61C4F}"/>
-                </a:ext>
-              </a:extLst>
-            </p:cNvPr>
-            <p:cNvSpPr/>
-            <p:nvPr/>
-          </p:nvSpPr>
-          <p:spPr>
-            <a:xfrm>
-              <a:off x="5556135" y="897681"/>
-              <a:ext cx="543689" cy="276999"/>
-            </a:xfrm>
-            <a:prstGeom prst="rect">
-              <a:avLst/>
-            </a:prstGeom>
-            <a:ln w="25400">
-              <a:solidFill>
-                <a:srgbClr val="5DA2C5"/>
-              </a:solidFill>
-            </a:ln>
-          </p:spPr>
-          <p:style>
-            <a:lnRef idx="1">
-              <a:schemeClr val="accent1"/>
-            </a:lnRef>
-            <a:fillRef idx="0">
-              <a:schemeClr val="accent1"/>
-            </a:fillRef>
-            <a:effectRef idx="0">
-              <a:schemeClr val="accent1"/>
-            </a:effectRef>
-            <a:fontRef idx="minor">
-              <a:schemeClr val="tx1"/>
-            </a:fontRef>
-          </p:style>
-          <p:txBody>
-            <a:bodyPr rtlCol="0" anchor="ctr"/>
-            <a:lstStyle/>
-            <a:p>
-              <a:pPr algn="ctr"/>
-              <a:endParaRPr kumimoji="1" lang="ko-Kore-KR" altLang="en-US"/>
-            </a:p>
-          </p:txBody>
-        </p:sp>
-        <p:sp>
-          <p:nvSpPr>
-            <p:cNvPr id="47" name="TextBox 46">
-              <a:extLst>
-                <a:ext uri="{FF2B5EF4-FFF2-40B4-BE49-F238E27FC236}">
-                  <a16:creationId xmlns:a16="http://schemas.microsoft.com/office/drawing/2014/main" id="{5D443551-F1AE-0C40-84DC-CDCB15C335B3}"/>
-                </a:ext>
-              </a:extLst>
-            </p:cNvPr>
-            <p:cNvSpPr txBox="1"/>
-            <p:nvPr/>
-          </p:nvSpPr>
-          <p:spPr>
-            <a:xfrm>
-              <a:off x="5590002" y="902137"/>
-              <a:ext cx="509822" cy="276999"/>
-            </a:xfrm>
-            <a:prstGeom prst="rect">
-              <a:avLst/>
-            </a:prstGeom>
-            <a:noFill/>
-          </p:spPr>
-          <p:txBody>
-            <a:bodyPr wrap="square" rtlCol="0">
-              <a:spAutoFit/>
-            </a:bodyPr>
-            <a:lstStyle/>
-            <a:p>
-              <a:pPr algn="ctr"/>
-              <a:r>
-                <a:rPr kumimoji="1" lang="en-US" altLang="ko-Kore-KR" sz="1200" b="1" dirty="0">
-                  <a:solidFill>
-                    <a:srgbClr val="5DA2C5"/>
-                  </a:solidFill>
-                  <a:latin typeface="SHeadG" panose="02030600000101010101" pitchFamily="18" charset="-127"/>
-                  <a:ea typeface="SHeadG" panose="02030600000101010101" pitchFamily="18" charset="-127"/>
-                </a:rPr>
-                <a:t>1</a:t>
-              </a:r>
-              <a:endParaRPr kumimoji="1" lang="ko-Kore-KR" altLang="en-US" sz="1200" b="1" dirty="0">
-                <a:solidFill>
-                  <a:srgbClr val="5DA2C5"/>
-                </a:solidFill>
-                <a:latin typeface="SHeadG" panose="02030600000101010101" pitchFamily="18" charset="-127"/>
-                <a:ea typeface="SHeadG" panose="02030600000101010101" pitchFamily="18" charset="-127"/>
-              </a:endParaRPr>
-            </a:p>
-          </p:txBody>
-        </p:sp>
-      </p:grpSp>
-      <p:grpSp>
-        <p:nvGrpSpPr>
-          <p:cNvPr id="63" name="그룹 62">
-            <a:extLst>
-              <a:ext uri="{FF2B5EF4-FFF2-40B4-BE49-F238E27FC236}">
-                <a16:creationId xmlns:a16="http://schemas.microsoft.com/office/drawing/2014/main" id="{EF708797-2886-0944-834E-F5C8EFF303A3}"/>
-              </a:ext>
-            </a:extLst>
-          </p:cNvPr>
-          <p:cNvGrpSpPr/>
-          <p:nvPr/>
-        </p:nvGrpSpPr>
-        <p:grpSpPr>
-          <a:xfrm>
-            <a:off x="3112089" y="1840734"/>
-            <a:ext cx="543689" cy="281455"/>
-            <a:chOff x="5556135" y="897681"/>
-            <a:chExt cx="543689" cy="281455"/>
-          </a:xfrm>
-        </p:grpSpPr>
-        <p:sp>
-          <p:nvSpPr>
-            <p:cNvPr id="64" name="직사각형 63">
-              <a:extLst>
-                <a:ext uri="{FF2B5EF4-FFF2-40B4-BE49-F238E27FC236}">
-                  <a16:creationId xmlns:a16="http://schemas.microsoft.com/office/drawing/2014/main" id="{BBE9BC16-2A65-7540-8B07-3CD54C2DD342}"/>
-                </a:ext>
-              </a:extLst>
-            </p:cNvPr>
-            <p:cNvSpPr/>
-            <p:nvPr/>
-          </p:nvSpPr>
-          <p:spPr>
-            <a:xfrm>
-              <a:off x="5556135" y="897681"/>
-              <a:ext cx="543689" cy="276999"/>
-            </a:xfrm>
-            <a:prstGeom prst="rect">
-              <a:avLst/>
-            </a:prstGeom>
-            <a:ln w="25400">
-              <a:solidFill>
-                <a:srgbClr val="5DA2C5"/>
-              </a:solidFill>
-            </a:ln>
-          </p:spPr>
-          <p:style>
-            <a:lnRef idx="1">
-              <a:schemeClr val="accent1"/>
-            </a:lnRef>
-            <a:fillRef idx="0">
-              <a:schemeClr val="accent1"/>
-            </a:fillRef>
-            <a:effectRef idx="0">
-              <a:schemeClr val="accent1"/>
-            </a:effectRef>
-            <a:fontRef idx="minor">
-              <a:schemeClr val="tx1"/>
-            </a:fontRef>
-          </p:style>
-          <p:txBody>
-            <a:bodyPr rtlCol="0" anchor="ctr"/>
-            <a:lstStyle/>
-            <a:p>
-              <a:pPr algn="ctr"/>
-              <a:endParaRPr kumimoji="1" lang="ko-Kore-KR" altLang="en-US"/>
-            </a:p>
-          </p:txBody>
-        </p:sp>
-        <p:sp>
-          <p:nvSpPr>
-            <p:cNvPr id="65" name="TextBox 64">
-              <a:extLst>
-                <a:ext uri="{FF2B5EF4-FFF2-40B4-BE49-F238E27FC236}">
-                  <a16:creationId xmlns:a16="http://schemas.microsoft.com/office/drawing/2014/main" id="{21DFE410-225D-B346-A8C7-D84D3D039309}"/>
-                </a:ext>
-              </a:extLst>
-            </p:cNvPr>
-            <p:cNvSpPr txBox="1"/>
-            <p:nvPr/>
-          </p:nvSpPr>
-          <p:spPr>
-            <a:xfrm>
-              <a:off x="5590002" y="902137"/>
-              <a:ext cx="509822" cy="276999"/>
-            </a:xfrm>
-            <a:prstGeom prst="rect">
-              <a:avLst/>
-            </a:prstGeom>
-            <a:noFill/>
-          </p:spPr>
-          <p:txBody>
-            <a:bodyPr wrap="square" rtlCol="0">
-              <a:spAutoFit/>
-            </a:bodyPr>
-            <a:lstStyle/>
-            <a:p>
-              <a:pPr algn="ctr"/>
-              <a:r>
-                <a:rPr kumimoji="1" lang="en-US" altLang="ko-Kore-KR" sz="1200" b="1" dirty="0">
-                  <a:solidFill>
-                    <a:srgbClr val="5DA2C5"/>
-                  </a:solidFill>
-                  <a:latin typeface="SHeadG" panose="02030600000101010101" pitchFamily="18" charset="-127"/>
-                  <a:ea typeface="SHeadG" panose="02030600000101010101" pitchFamily="18" charset="-127"/>
-                </a:rPr>
-                <a:t>K</a:t>
-              </a:r>
-              <a:r>
-                <a:rPr kumimoji="1" lang="en-US" altLang="ko-KR" sz="1200" b="1" dirty="0">
-                  <a:solidFill>
-                    <a:srgbClr val="5DA2C5"/>
-                  </a:solidFill>
-                  <a:latin typeface="SHeadG" panose="02030600000101010101" pitchFamily="18" charset="-127"/>
-                  <a:ea typeface="SHeadG" panose="02030600000101010101" pitchFamily="18" charset="-127"/>
-                </a:rPr>
-                <a:t>5</a:t>
-              </a:r>
-              <a:endParaRPr kumimoji="1" lang="ko-Kore-KR" altLang="en-US" sz="1200" b="1" dirty="0">
-                <a:solidFill>
-                  <a:srgbClr val="5DA2C5"/>
-                </a:solidFill>
-                <a:latin typeface="SHeadG" panose="02030600000101010101" pitchFamily="18" charset="-127"/>
-                <a:ea typeface="SHeadG" panose="02030600000101010101" pitchFamily="18" charset="-127"/>
-              </a:endParaRPr>
-            </a:p>
-          </p:txBody>
-        </p:sp>
-      </p:grpSp>
-      <p:grpSp>
-        <p:nvGrpSpPr>
-          <p:cNvPr id="66" name="그룹 65">
-            <a:extLst>
-              <a:ext uri="{FF2B5EF4-FFF2-40B4-BE49-F238E27FC236}">
-                <a16:creationId xmlns:a16="http://schemas.microsoft.com/office/drawing/2014/main" id="{B5CDC83C-8633-9A40-A4EC-A0CC9FEB061A}"/>
-              </a:ext>
-            </a:extLst>
-          </p:cNvPr>
-          <p:cNvGrpSpPr/>
-          <p:nvPr/>
-        </p:nvGrpSpPr>
-        <p:grpSpPr>
-          <a:xfrm>
-            <a:off x="3657278" y="1842381"/>
-            <a:ext cx="543689" cy="281455"/>
-            <a:chOff x="5556135" y="897681"/>
-            <a:chExt cx="543689" cy="281455"/>
-          </a:xfrm>
-        </p:grpSpPr>
-        <p:sp>
-          <p:nvSpPr>
-            <p:cNvPr id="67" name="직사각형 66">
-              <a:extLst>
-                <a:ext uri="{FF2B5EF4-FFF2-40B4-BE49-F238E27FC236}">
-                  <a16:creationId xmlns:a16="http://schemas.microsoft.com/office/drawing/2014/main" id="{A68053D3-1737-504B-821C-5235F6B87BDA}"/>
-                </a:ext>
-              </a:extLst>
-            </p:cNvPr>
-            <p:cNvSpPr/>
-            <p:nvPr/>
-          </p:nvSpPr>
-          <p:spPr>
-            <a:xfrm>
-              <a:off x="5556135" y="897681"/>
-              <a:ext cx="543689" cy="276999"/>
-            </a:xfrm>
-            <a:prstGeom prst="rect">
-              <a:avLst/>
-            </a:prstGeom>
-            <a:ln w="25400">
-              <a:solidFill>
-                <a:srgbClr val="5DA2C5"/>
-              </a:solidFill>
-            </a:ln>
-          </p:spPr>
-          <p:style>
-            <a:lnRef idx="1">
-              <a:schemeClr val="accent1"/>
-            </a:lnRef>
-            <a:fillRef idx="0">
-              <a:schemeClr val="accent1"/>
-            </a:fillRef>
-            <a:effectRef idx="0">
-              <a:schemeClr val="accent1"/>
-            </a:effectRef>
-            <a:fontRef idx="minor">
-              <a:schemeClr val="tx1"/>
-            </a:fontRef>
-          </p:style>
-          <p:txBody>
-            <a:bodyPr rtlCol="0" anchor="ctr"/>
-            <a:lstStyle/>
-            <a:p>
-              <a:pPr algn="ctr"/>
-              <a:endParaRPr kumimoji="1" lang="ko-Kore-KR" altLang="en-US"/>
-            </a:p>
-          </p:txBody>
-        </p:sp>
-        <p:sp>
-          <p:nvSpPr>
-            <p:cNvPr id="68" name="TextBox 67">
-              <a:extLst>
-                <a:ext uri="{FF2B5EF4-FFF2-40B4-BE49-F238E27FC236}">
-                  <a16:creationId xmlns:a16="http://schemas.microsoft.com/office/drawing/2014/main" id="{190B9C5F-3B25-E44F-AEF1-CD08D5AE5CA0}"/>
-                </a:ext>
-              </a:extLst>
-            </p:cNvPr>
-            <p:cNvSpPr txBox="1"/>
-            <p:nvPr/>
-          </p:nvSpPr>
-          <p:spPr>
-            <a:xfrm>
-              <a:off x="5590002" y="902137"/>
-              <a:ext cx="509822" cy="276999"/>
-            </a:xfrm>
-            <a:prstGeom prst="rect">
-              <a:avLst/>
-            </a:prstGeom>
-            <a:noFill/>
-          </p:spPr>
-          <p:txBody>
-            <a:bodyPr wrap="square" rtlCol="0">
-              <a:spAutoFit/>
-            </a:bodyPr>
-            <a:lstStyle/>
-            <a:p>
-              <a:pPr algn="ctr"/>
-              <a:r>
-                <a:rPr kumimoji="1" lang="en-US" altLang="ko-Kore-KR" sz="1200" b="1" dirty="0">
-                  <a:solidFill>
-                    <a:srgbClr val="5DA2C5"/>
-                  </a:solidFill>
-                  <a:latin typeface="SHeadG" panose="02030600000101010101" pitchFamily="18" charset="-127"/>
-                  <a:ea typeface="SHeadG" panose="02030600000101010101" pitchFamily="18" charset="-127"/>
-                </a:rPr>
-                <a:t>K</a:t>
-              </a:r>
-              <a:r>
-                <a:rPr kumimoji="1" lang="en-US" altLang="ko-KR" sz="1200" b="1" dirty="0">
-                  <a:solidFill>
-                    <a:srgbClr val="5DA2C5"/>
-                  </a:solidFill>
-                  <a:latin typeface="SHeadG" panose="02030600000101010101" pitchFamily="18" charset="-127"/>
-                  <a:ea typeface="SHeadG" panose="02030600000101010101" pitchFamily="18" charset="-127"/>
-                </a:rPr>
-                <a:t>5</a:t>
-              </a:r>
-              <a:endParaRPr kumimoji="1" lang="ko-Kore-KR" altLang="en-US" sz="1200" b="1" dirty="0">
-                <a:solidFill>
-                  <a:srgbClr val="5DA2C5"/>
-                </a:solidFill>
-                <a:latin typeface="SHeadG" panose="02030600000101010101" pitchFamily="18" charset="-127"/>
-                <a:ea typeface="SHeadG" panose="02030600000101010101" pitchFamily="18" charset="-127"/>
-              </a:endParaRPr>
-            </a:p>
-          </p:txBody>
-        </p:sp>
-      </p:grpSp>
-      <p:grpSp>
-        <p:nvGrpSpPr>
-          <p:cNvPr id="84" name="그룹 83">
-            <a:extLst>
-              <a:ext uri="{FF2B5EF4-FFF2-40B4-BE49-F238E27FC236}">
-                <a16:creationId xmlns:a16="http://schemas.microsoft.com/office/drawing/2014/main" id="{6DF49E9E-F89B-7D4E-A6BF-C41DA05843E3}"/>
-              </a:ext>
-            </a:extLst>
-          </p:cNvPr>
-          <p:cNvGrpSpPr/>
-          <p:nvPr/>
-        </p:nvGrpSpPr>
-        <p:grpSpPr>
-          <a:xfrm>
-            <a:off x="3111769" y="2116130"/>
-            <a:ext cx="543689" cy="281455"/>
-            <a:chOff x="5556135" y="897681"/>
-            <a:chExt cx="543689" cy="281455"/>
-          </a:xfrm>
-        </p:grpSpPr>
-        <p:sp>
-          <p:nvSpPr>
-            <p:cNvPr id="85" name="직사각형 84">
-              <a:extLst>
-                <a:ext uri="{FF2B5EF4-FFF2-40B4-BE49-F238E27FC236}">
-                  <a16:creationId xmlns:a16="http://schemas.microsoft.com/office/drawing/2014/main" id="{325F18A3-069A-CA42-8EDD-02053CEBC749}"/>
-                </a:ext>
-              </a:extLst>
-            </p:cNvPr>
-            <p:cNvSpPr/>
-            <p:nvPr/>
-          </p:nvSpPr>
-          <p:spPr>
-            <a:xfrm>
-              <a:off x="5556135" y="897681"/>
-              <a:ext cx="543689" cy="276999"/>
-            </a:xfrm>
-            <a:prstGeom prst="rect">
-              <a:avLst/>
-            </a:prstGeom>
-            <a:ln w="25400">
-              <a:solidFill>
-                <a:srgbClr val="5DA2C5"/>
-              </a:solidFill>
-            </a:ln>
-          </p:spPr>
-          <p:style>
-            <a:lnRef idx="1">
-              <a:schemeClr val="accent1"/>
-            </a:lnRef>
-            <a:fillRef idx="0">
-              <a:schemeClr val="accent1"/>
-            </a:fillRef>
-            <a:effectRef idx="0">
-              <a:schemeClr val="accent1"/>
-            </a:effectRef>
-            <a:fontRef idx="minor">
-              <a:schemeClr val="tx1"/>
-            </a:fontRef>
-          </p:style>
-          <p:txBody>
-            <a:bodyPr rtlCol="0" anchor="ctr"/>
-            <a:lstStyle/>
-            <a:p>
-              <a:pPr algn="ctr"/>
-              <a:endParaRPr kumimoji="1" lang="ko-Kore-KR" altLang="en-US"/>
-            </a:p>
-          </p:txBody>
-        </p:sp>
-        <p:sp>
-          <p:nvSpPr>
-            <p:cNvPr id="86" name="TextBox 85">
-              <a:extLst>
-                <a:ext uri="{FF2B5EF4-FFF2-40B4-BE49-F238E27FC236}">
-                  <a16:creationId xmlns:a16="http://schemas.microsoft.com/office/drawing/2014/main" id="{65AFA5C9-2496-1C42-9A60-9C200329FAA4}"/>
-                </a:ext>
-              </a:extLst>
-            </p:cNvPr>
-            <p:cNvSpPr txBox="1"/>
-            <p:nvPr/>
-          </p:nvSpPr>
-          <p:spPr>
-            <a:xfrm>
-              <a:off x="5590002" y="902137"/>
-              <a:ext cx="509822" cy="276999"/>
-            </a:xfrm>
-            <a:prstGeom prst="rect">
-              <a:avLst/>
-            </a:prstGeom>
-            <a:noFill/>
-          </p:spPr>
-          <p:txBody>
-            <a:bodyPr wrap="square" rtlCol="0">
-              <a:spAutoFit/>
-            </a:bodyPr>
-            <a:lstStyle/>
-            <a:p>
-              <a:pPr algn="ctr"/>
-              <a:r>
-                <a:rPr kumimoji="1" lang="en-US" altLang="ko-Kore-KR" sz="1200" b="1" dirty="0">
-                  <a:solidFill>
-                    <a:srgbClr val="5DA2C5"/>
-                  </a:solidFill>
-                  <a:latin typeface="SHeadG" panose="02030600000101010101" pitchFamily="18" charset="-127"/>
-                  <a:ea typeface="SHeadG" panose="02030600000101010101" pitchFamily="18" charset="-127"/>
-                </a:rPr>
-                <a:t>V1</a:t>
-              </a:r>
-              <a:endParaRPr kumimoji="1" lang="ko-Kore-KR" altLang="en-US" sz="1200" b="1" dirty="0">
-                <a:solidFill>
-                  <a:srgbClr val="5DA2C5"/>
-                </a:solidFill>
-                <a:latin typeface="SHeadG" panose="02030600000101010101" pitchFamily="18" charset="-127"/>
-                <a:ea typeface="SHeadG" panose="02030600000101010101" pitchFamily="18" charset="-127"/>
-              </a:endParaRPr>
-            </a:p>
-          </p:txBody>
-        </p:sp>
-      </p:grpSp>
-      <p:grpSp>
-        <p:nvGrpSpPr>
-          <p:cNvPr id="87" name="그룹 86">
-            <a:extLst>
-              <a:ext uri="{FF2B5EF4-FFF2-40B4-BE49-F238E27FC236}">
-                <a16:creationId xmlns:a16="http://schemas.microsoft.com/office/drawing/2014/main" id="{0A48A2D0-EBE6-2547-AE01-731D67D7772D}"/>
-              </a:ext>
-            </a:extLst>
-          </p:cNvPr>
-          <p:cNvGrpSpPr/>
-          <p:nvPr/>
-        </p:nvGrpSpPr>
-        <p:grpSpPr>
-          <a:xfrm>
-            <a:off x="3656958" y="2117777"/>
-            <a:ext cx="543689" cy="281455"/>
-            <a:chOff x="5556135" y="897681"/>
-            <a:chExt cx="543689" cy="281455"/>
-          </a:xfrm>
-        </p:grpSpPr>
-        <p:sp>
-          <p:nvSpPr>
-            <p:cNvPr id="88" name="직사각형 87">
-              <a:extLst>
-                <a:ext uri="{FF2B5EF4-FFF2-40B4-BE49-F238E27FC236}">
-                  <a16:creationId xmlns:a16="http://schemas.microsoft.com/office/drawing/2014/main" id="{A6996E5A-765E-8F44-AACC-9B71CD32B34E}"/>
-                </a:ext>
-              </a:extLst>
-            </p:cNvPr>
-            <p:cNvSpPr/>
-            <p:nvPr/>
-          </p:nvSpPr>
-          <p:spPr>
-            <a:xfrm>
-              <a:off x="5556135" y="897681"/>
-              <a:ext cx="543689" cy="276999"/>
-            </a:xfrm>
-            <a:prstGeom prst="rect">
-              <a:avLst/>
-            </a:prstGeom>
-            <a:ln w="25400">
-              <a:solidFill>
-                <a:srgbClr val="5DA2C5"/>
-              </a:solidFill>
-            </a:ln>
-          </p:spPr>
-          <p:style>
-            <a:lnRef idx="1">
-              <a:schemeClr val="accent1"/>
-            </a:lnRef>
-            <a:fillRef idx="0">
-              <a:schemeClr val="accent1"/>
-            </a:fillRef>
-            <a:effectRef idx="0">
-              <a:schemeClr val="accent1"/>
-            </a:effectRef>
-            <a:fontRef idx="minor">
-              <a:schemeClr val="tx1"/>
-            </a:fontRef>
-          </p:style>
-          <p:txBody>
-            <a:bodyPr rtlCol="0" anchor="ctr"/>
-            <a:lstStyle/>
-            <a:p>
-              <a:pPr algn="ctr"/>
-              <a:endParaRPr kumimoji="1" lang="ko-Kore-KR" altLang="en-US"/>
-            </a:p>
-          </p:txBody>
-        </p:sp>
-        <p:sp>
-          <p:nvSpPr>
-            <p:cNvPr id="89" name="TextBox 88">
-              <a:extLst>
-                <a:ext uri="{FF2B5EF4-FFF2-40B4-BE49-F238E27FC236}">
-                  <a16:creationId xmlns:a16="http://schemas.microsoft.com/office/drawing/2014/main" id="{87D7DBB4-F813-8040-9DCE-5F6C06B0D559}"/>
-                </a:ext>
-              </a:extLst>
-            </p:cNvPr>
-            <p:cNvSpPr txBox="1"/>
-            <p:nvPr/>
-          </p:nvSpPr>
-          <p:spPr>
-            <a:xfrm>
-              <a:off x="5590002" y="902137"/>
-              <a:ext cx="509822" cy="276999"/>
-            </a:xfrm>
-            <a:prstGeom prst="rect">
-              <a:avLst/>
-            </a:prstGeom>
-            <a:noFill/>
-          </p:spPr>
-          <p:txBody>
-            <a:bodyPr wrap="square" rtlCol="0">
-              <a:spAutoFit/>
-            </a:bodyPr>
-            <a:lstStyle/>
-            <a:p>
-              <a:pPr algn="ctr"/>
-              <a:r>
-                <a:rPr kumimoji="1" lang="en-US" altLang="ko-Kore-KR" sz="1200" b="1" dirty="0">
-                  <a:solidFill>
-                    <a:srgbClr val="5DA2C5"/>
-                  </a:solidFill>
-                  <a:latin typeface="SHeadG" panose="02030600000101010101" pitchFamily="18" charset="-127"/>
-                  <a:ea typeface="SHeadG" panose="02030600000101010101" pitchFamily="18" charset="-127"/>
-                </a:rPr>
-                <a:t>V2</a:t>
-              </a:r>
-              <a:endParaRPr kumimoji="1" lang="ko-Kore-KR" altLang="en-US" sz="1200" b="1" dirty="0">
-                <a:solidFill>
-                  <a:srgbClr val="5DA2C5"/>
-                </a:solidFill>
-                <a:latin typeface="SHeadG" panose="02030600000101010101" pitchFamily="18" charset="-127"/>
-                <a:ea typeface="SHeadG" panose="02030600000101010101" pitchFamily="18" charset="-127"/>
-              </a:endParaRPr>
-            </a:p>
-          </p:txBody>
-        </p:sp>
-      </p:grpSp>
-      <p:sp>
-        <p:nvSpPr>
-          <p:cNvPr id="105" name="직사각형 104">
-            <a:extLst>
-              <a:ext uri="{FF2B5EF4-FFF2-40B4-BE49-F238E27FC236}">
-                <a16:creationId xmlns:a16="http://schemas.microsoft.com/office/drawing/2014/main" id="{15B46D31-6DA9-4C45-B0DD-2A221D0CA4FE}"/>
-              </a:ext>
-            </a:extLst>
-          </p:cNvPr>
-          <p:cNvSpPr/>
-          <p:nvPr/>
-        </p:nvSpPr>
-        <p:spPr>
-          <a:xfrm>
-            <a:off x="1906710" y="2660619"/>
-            <a:ext cx="3525262" cy="1074265"/>
-          </a:xfrm>
-          <a:prstGeom prst="rect">
-            <a:avLst/>
-          </a:prstGeom>
-          <a:solidFill>
-            <a:schemeClr val="bg1">
-              <a:lumMod val="95000"/>
-            </a:schemeClr>
-          </a:solidFill>
-          <a:ln w="25400">
-            <a:solidFill>
-              <a:srgbClr val="5DA2C5"/>
-            </a:solidFill>
-          </a:ln>
-        </p:spPr>
-        <p:style>
-          <a:lnRef idx="1">
-            <a:schemeClr val="accent1"/>
-          </a:lnRef>
-          <a:fillRef idx="0">
-            <a:schemeClr val="accent1"/>
-          </a:fillRef>
-          <a:effectRef idx="0">
-            <a:schemeClr val="accent1"/>
-          </a:effectRef>
-          <a:fontRef idx="minor">
-            <a:schemeClr val="tx1"/>
-          </a:fontRef>
-        </p:style>
-        <p:txBody>
-          <a:bodyPr rtlCol="0" anchor="ctr"/>
-          <a:lstStyle/>
-          <a:p>
-            <a:pPr algn="ctr"/>
-            <a:endParaRPr kumimoji="1" lang="ko-Kore-KR" altLang="en-US"/>
-          </a:p>
-        </p:txBody>
-      </p:sp>
-      <p:grpSp>
-        <p:nvGrpSpPr>
-          <p:cNvPr id="106" name="그룹 105">
-            <a:extLst>
-              <a:ext uri="{FF2B5EF4-FFF2-40B4-BE49-F238E27FC236}">
-                <a16:creationId xmlns:a16="http://schemas.microsoft.com/office/drawing/2014/main" id="{1AF17B70-FCEA-474E-A463-C35B7AEB1860}"/>
-              </a:ext>
-            </a:extLst>
-          </p:cNvPr>
-          <p:cNvGrpSpPr/>
-          <p:nvPr/>
-        </p:nvGrpSpPr>
-        <p:grpSpPr>
-          <a:xfrm>
-            <a:off x="3112409" y="2794203"/>
-            <a:ext cx="543689" cy="281455"/>
-            <a:chOff x="5556135" y="897681"/>
-            <a:chExt cx="543689" cy="281455"/>
-          </a:xfrm>
-        </p:grpSpPr>
-        <p:sp>
-          <p:nvSpPr>
-            <p:cNvPr id="107" name="직사각형 106">
-              <a:extLst>
-                <a:ext uri="{FF2B5EF4-FFF2-40B4-BE49-F238E27FC236}">
-                  <a16:creationId xmlns:a16="http://schemas.microsoft.com/office/drawing/2014/main" id="{5B0401BF-EE78-B14A-A07A-14EE7D9094D2}"/>
-                </a:ext>
-              </a:extLst>
-            </p:cNvPr>
-            <p:cNvSpPr/>
-            <p:nvPr/>
-          </p:nvSpPr>
-          <p:spPr>
-            <a:xfrm>
-              <a:off x="5556135" y="897681"/>
-              <a:ext cx="543689" cy="276999"/>
-            </a:xfrm>
-            <a:prstGeom prst="rect">
-              <a:avLst/>
-            </a:prstGeom>
-            <a:ln w="25400">
-              <a:solidFill>
-                <a:srgbClr val="5DA2C5"/>
-              </a:solidFill>
-            </a:ln>
-          </p:spPr>
-          <p:style>
-            <a:lnRef idx="1">
-              <a:schemeClr val="accent1"/>
-            </a:lnRef>
-            <a:fillRef idx="0">
-              <a:schemeClr val="accent1"/>
-            </a:fillRef>
-            <a:effectRef idx="0">
-              <a:schemeClr val="accent1"/>
-            </a:effectRef>
-            <a:fontRef idx="minor">
-              <a:schemeClr val="tx1"/>
-            </a:fontRef>
-          </p:style>
-          <p:txBody>
-            <a:bodyPr rtlCol="0" anchor="ctr"/>
-            <a:lstStyle/>
-            <a:p>
-              <a:pPr algn="ctr"/>
-              <a:endParaRPr kumimoji="1" lang="ko-Kore-KR" altLang="en-US"/>
-            </a:p>
-          </p:txBody>
-        </p:sp>
-        <p:sp>
-          <p:nvSpPr>
-            <p:cNvPr id="108" name="TextBox 107">
-              <a:extLst>
-                <a:ext uri="{FF2B5EF4-FFF2-40B4-BE49-F238E27FC236}">
-                  <a16:creationId xmlns:a16="http://schemas.microsoft.com/office/drawing/2014/main" id="{2754A46C-807D-BB4C-A4F1-6E6979A5CBCD}"/>
-                </a:ext>
-              </a:extLst>
-            </p:cNvPr>
-            <p:cNvSpPr txBox="1"/>
-            <p:nvPr/>
-          </p:nvSpPr>
-          <p:spPr>
-            <a:xfrm>
-              <a:off x="5590002" y="902137"/>
-              <a:ext cx="509822" cy="276999"/>
-            </a:xfrm>
-            <a:prstGeom prst="rect">
-              <a:avLst/>
-            </a:prstGeom>
-            <a:noFill/>
-          </p:spPr>
-          <p:txBody>
-            <a:bodyPr wrap="square" rtlCol="0">
-              <a:spAutoFit/>
-            </a:bodyPr>
-            <a:lstStyle/>
-            <a:p>
-              <a:pPr algn="ctr"/>
-              <a:r>
-                <a:rPr kumimoji="1" lang="en-US" altLang="ko-Kore-KR" sz="1200" b="1" dirty="0">
-                  <a:solidFill>
-                    <a:srgbClr val="5DA2C5"/>
-                  </a:solidFill>
-                  <a:latin typeface="SHeadG" panose="02030600000101010101" pitchFamily="18" charset="-127"/>
-                  <a:ea typeface="SHeadG" panose="02030600000101010101" pitchFamily="18" charset="-127"/>
-                </a:rPr>
-                <a:t>0</a:t>
-              </a:r>
-              <a:endParaRPr kumimoji="1" lang="ko-Kore-KR" altLang="en-US" sz="1200" b="1" dirty="0">
-                <a:solidFill>
-                  <a:srgbClr val="5DA2C5"/>
-                </a:solidFill>
-                <a:latin typeface="SHeadG" panose="02030600000101010101" pitchFamily="18" charset="-127"/>
-                <a:ea typeface="SHeadG" panose="02030600000101010101" pitchFamily="18" charset="-127"/>
-              </a:endParaRPr>
-            </a:p>
-          </p:txBody>
-        </p:sp>
-      </p:grpSp>
-      <p:grpSp>
-        <p:nvGrpSpPr>
-          <p:cNvPr id="109" name="그룹 108">
-            <a:extLst>
-              <a:ext uri="{FF2B5EF4-FFF2-40B4-BE49-F238E27FC236}">
-                <a16:creationId xmlns:a16="http://schemas.microsoft.com/office/drawing/2014/main" id="{FAE1406B-664A-EF40-86A5-DD7FDC84CA6D}"/>
-              </a:ext>
-            </a:extLst>
-          </p:cNvPr>
-          <p:cNvGrpSpPr/>
-          <p:nvPr/>
-        </p:nvGrpSpPr>
-        <p:grpSpPr>
-          <a:xfrm>
-            <a:off x="3657598" y="2794294"/>
-            <a:ext cx="543689" cy="281455"/>
-            <a:chOff x="5556135" y="897681"/>
-            <a:chExt cx="543689" cy="281455"/>
-          </a:xfrm>
-        </p:grpSpPr>
-        <p:sp>
-          <p:nvSpPr>
-            <p:cNvPr id="110" name="직사각형 109">
-              <a:extLst>
-                <a:ext uri="{FF2B5EF4-FFF2-40B4-BE49-F238E27FC236}">
-                  <a16:creationId xmlns:a16="http://schemas.microsoft.com/office/drawing/2014/main" id="{91520519-BA79-1D4C-BFD9-084E45F357A5}"/>
-                </a:ext>
-              </a:extLst>
-            </p:cNvPr>
-            <p:cNvSpPr/>
-            <p:nvPr/>
-          </p:nvSpPr>
-          <p:spPr>
-            <a:xfrm>
-              <a:off x="5556135" y="897681"/>
-              <a:ext cx="543689" cy="276999"/>
-            </a:xfrm>
-            <a:prstGeom prst="rect">
-              <a:avLst/>
-            </a:prstGeom>
-            <a:ln w="25400">
-              <a:solidFill>
-                <a:srgbClr val="5DA2C5"/>
-              </a:solidFill>
-            </a:ln>
-          </p:spPr>
-          <p:style>
-            <a:lnRef idx="1">
-              <a:schemeClr val="accent1"/>
-            </a:lnRef>
-            <a:fillRef idx="0">
-              <a:schemeClr val="accent1"/>
-            </a:fillRef>
-            <a:effectRef idx="0">
-              <a:schemeClr val="accent1"/>
-            </a:effectRef>
-            <a:fontRef idx="minor">
-              <a:schemeClr val="tx1"/>
-            </a:fontRef>
-          </p:style>
-          <p:txBody>
-            <a:bodyPr rtlCol="0" anchor="ctr"/>
-            <a:lstStyle/>
-            <a:p>
-              <a:pPr algn="ctr"/>
-              <a:endParaRPr kumimoji="1" lang="ko-Kore-KR" altLang="en-US"/>
-            </a:p>
-          </p:txBody>
-        </p:sp>
-        <p:sp>
-          <p:nvSpPr>
-            <p:cNvPr id="111" name="TextBox 110">
-              <a:extLst>
-                <a:ext uri="{FF2B5EF4-FFF2-40B4-BE49-F238E27FC236}">
-                  <a16:creationId xmlns:a16="http://schemas.microsoft.com/office/drawing/2014/main" id="{18378224-CA5F-DA4E-8D97-4B31B5CE22AC}"/>
-                </a:ext>
-              </a:extLst>
-            </p:cNvPr>
-            <p:cNvSpPr txBox="1"/>
-            <p:nvPr/>
-          </p:nvSpPr>
-          <p:spPr>
-            <a:xfrm>
-              <a:off x="5590002" y="902137"/>
-              <a:ext cx="509822" cy="276999"/>
-            </a:xfrm>
-            <a:prstGeom prst="rect">
-              <a:avLst/>
-            </a:prstGeom>
-            <a:noFill/>
-          </p:spPr>
-          <p:txBody>
-            <a:bodyPr wrap="square" rtlCol="0">
-              <a:spAutoFit/>
-            </a:bodyPr>
-            <a:lstStyle/>
-            <a:p>
-              <a:pPr algn="ctr"/>
-              <a:r>
-                <a:rPr kumimoji="1" lang="en-US" altLang="ko-Kore-KR" sz="1200" b="1" dirty="0">
-                  <a:solidFill>
-                    <a:srgbClr val="5DA2C5"/>
-                  </a:solidFill>
-                  <a:latin typeface="SHeadG" panose="02030600000101010101" pitchFamily="18" charset="-127"/>
-                  <a:ea typeface="SHeadG" panose="02030600000101010101" pitchFamily="18" charset="-127"/>
-                </a:rPr>
-                <a:t>1</a:t>
-              </a:r>
-              <a:endParaRPr kumimoji="1" lang="ko-Kore-KR" altLang="en-US" sz="1200" b="1" dirty="0">
-                <a:solidFill>
-                  <a:srgbClr val="5DA2C5"/>
-                </a:solidFill>
-                <a:latin typeface="SHeadG" panose="02030600000101010101" pitchFamily="18" charset="-127"/>
-                <a:ea typeface="SHeadG" panose="02030600000101010101" pitchFamily="18" charset="-127"/>
-              </a:endParaRPr>
-            </a:p>
-          </p:txBody>
-        </p:sp>
-      </p:grpSp>
-      <p:grpSp>
-        <p:nvGrpSpPr>
-          <p:cNvPr id="112" name="그룹 111">
-            <a:extLst>
-              <a:ext uri="{FF2B5EF4-FFF2-40B4-BE49-F238E27FC236}">
-                <a16:creationId xmlns:a16="http://schemas.microsoft.com/office/drawing/2014/main" id="{8CB0DC2C-A2C2-BF44-A4F8-49C33A613D05}"/>
-              </a:ext>
-            </a:extLst>
-          </p:cNvPr>
-          <p:cNvGrpSpPr/>
-          <p:nvPr/>
-        </p:nvGrpSpPr>
-        <p:grpSpPr>
-          <a:xfrm>
-            <a:off x="4201287" y="2792806"/>
-            <a:ext cx="543689" cy="281455"/>
-            <a:chOff x="5556135" y="897681"/>
-            <a:chExt cx="543689" cy="281455"/>
-          </a:xfrm>
-        </p:grpSpPr>
-        <p:sp>
-          <p:nvSpPr>
-            <p:cNvPr id="113" name="직사각형 112">
-              <a:extLst>
-                <a:ext uri="{FF2B5EF4-FFF2-40B4-BE49-F238E27FC236}">
-                  <a16:creationId xmlns:a16="http://schemas.microsoft.com/office/drawing/2014/main" id="{55C961BB-F441-D14B-8407-5340242C00CD}"/>
-                </a:ext>
-              </a:extLst>
-            </p:cNvPr>
-            <p:cNvSpPr/>
-            <p:nvPr/>
-          </p:nvSpPr>
-          <p:spPr>
-            <a:xfrm>
-              <a:off x="5556135" y="897681"/>
-              <a:ext cx="543689" cy="276999"/>
-            </a:xfrm>
-            <a:prstGeom prst="rect">
-              <a:avLst/>
-            </a:prstGeom>
-            <a:ln w="25400">
-              <a:solidFill>
-                <a:srgbClr val="5DA2C5"/>
-              </a:solidFill>
-            </a:ln>
-          </p:spPr>
-          <p:style>
-            <a:lnRef idx="1">
-              <a:schemeClr val="accent1"/>
-            </a:lnRef>
-            <a:fillRef idx="0">
-              <a:schemeClr val="accent1"/>
-            </a:fillRef>
-            <a:effectRef idx="0">
-              <a:schemeClr val="accent1"/>
-            </a:effectRef>
-            <a:fontRef idx="minor">
-              <a:schemeClr val="tx1"/>
-            </a:fontRef>
-          </p:style>
-          <p:txBody>
-            <a:bodyPr rtlCol="0" anchor="ctr"/>
-            <a:lstStyle/>
-            <a:p>
-              <a:pPr algn="ctr"/>
-              <a:endParaRPr kumimoji="1" lang="ko-Kore-KR" altLang="en-US"/>
-            </a:p>
-          </p:txBody>
-        </p:sp>
-        <p:sp>
-          <p:nvSpPr>
-            <p:cNvPr id="114" name="TextBox 113">
-              <a:extLst>
-                <a:ext uri="{FF2B5EF4-FFF2-40B4-BE49-F238E27FC236}">
-                  <a16:creationId xmlns:a16="http://schemas.microsoft.com/office/drawing/2014/main" id="{47C2A267-C36E-EA4E-84AC-3054004906FA}"/>
-                </a:ext>
-              </a:extLst>
-            </p:cNvPr>
-            <p:cNvSpPr txBox="1"/>
-            <p:nvPr/>
-          </p:nvSpPr>
-          <p:spPr>
-            <a:xfrm>
-              <a:off x="5590002" y="902137"/>
-              <a:ext cx="509822" cy="276999"/>
-            </a:xfrm>
-            <a:prstGeom prst="rect">
-              <a:avLst/>
-            </a:prstGeom>
-            <a:noFill/>
-          </p:spPr>
-          <p:txBody>
-            <a:bodyPr wrap="square" rtlCol="0">
-              <a:spAutoFit/>
-            </a:bodyPr>
-            <a:lstStyle/>
-            <a:p>
-              <a:pPr algn="ctr"/>
-              <a:r>
-                <a:rPr kumimoji="1" lang="en-US" altLang="ko-Kore-KR" sz="1200" b="1" dirty="0">
-                  <a:solidFill>
-                    <a:srgbClr val="5DA2C5"/>
-                  </a:solidFill>
-                  <a:latin typeface="SHeadG" panose="02030600000101010101" pitchFamily="18" charset="-127"/>
-                  <a:ea typeface="SHeadG" panose="02030600000101010101" pitchFamily="18" charset="-127"/>
-                </a:rPr>
-                <a:t>2</a:t>
-              </a:r>
-              <a:endParaRPr kumimoji="1" lang="ko-Kore-KR" altLang="en-US" sz="1200" b="1" dirty="0">
-                <a:solidFill>
-                  <a:srgbClr val="5DA2C5"/>
-                </a:solidFill>
-                <a:latin typeface="SHeadG" panose="02030600000101010101" pitchFamily="18" charset="-127"/>
-                <a:ea typeface="SHeadG" panose="02030600000101010101" pitchFamily="18" charset="-127"/>
-              </a:endParaRPr>
-            </a:p>
-          </p:txBody>
-        </p:sp>
-      </p:grpSp>
-      <p:grpSp>
-        <p:nvGrpSpPr>
-          <p:cNvPr id="115" name="그룹 114">
-            <a:extLst>
-              <a:ext uri="{FF2B5EF4-FFF2-40B4-BE49-F238E27FC236}">
-                <a16:creationId xmlns:a16="http://schemas.microsoft.com/office/drawing/2014/main" id="{69B58906-D96B-854E-B56D-2C7708E14FFF}"/>
-              </a:ext>
-            </a:extLst>
-          </p:cNvPr>
-          <p:cNvGrpSpPr/>
-          <p:nvPr/>
-        </p:nvGrpSpPr>
-        <p:grpSpPr>
-          <a:xfrm>
-            <a:off x="4744976" y="2793479"/>
-            <a:ext cx="543689" cy="281455"/>
-            <a:chOff x="5556135" y="897681"/>
-            <a:chExt cx="543689" cy="281455"/>
-          </a:xfrm>
-        </p:grpSpPr>
-        <p:sp>
-          <p:nvSpPr>
-            <p:cNvPr id="116" name="직사각형 115">
-              <a:extLst>
-                <a:ext uri="{FF2B5EF4-FFF2-40B4-BE49-F238E27FC236}">
-                  <a16:creationId xmlns:a16="http://schemas.microsoft.com/office/drawing/2014/main" id="{84DF7086-D68F-9640-ACD9-4E19265AA179}"/>
-                </a:ext>
-              </a:extLst>
-            </p:cNvPr>
-            <p:cNvSpPr/>
-            <p:nvPr/>
-          </p:nvSpPr>
-          <p:spPr>
-            <a:xfrm>
-              <a:off x="5556135" y="897681"/>
-              <a:ext cx="543689" cy="276999"/>
-            </a:xfrm>
-            <a:prstGeom prst="rect">
-              <a:avLst/>
-            </a:prstGeom>
-            <a:ln w="25400">
-              <a:solidFill>
-                <a:srgbClr val="5DA2C5"/>
-              </a:solidFill>
-            </a:ln>
-          </p:spPr>
-          <p:style>
-            <a:lnRef idx="1">
-              <a:schemeClr val="accent1"/>
-            </a:lnRef>
-            <a:fillRef idx="0">
-              <a:schemeClr val="accent1"/>
-            </a:fillRef>
-            <a:effectRef idx="0">
-              <a:schemeClr val="accent1"/>
-            </a:effectRef>
-            <a:fontRef idx="minor">
-              <a:schemeClr val="tx1"/>
-            </a:fontRef>
-          </p:style>
-          <p:txBody>
-            <a:bodyPr rtlCol="0" anchor="ctr"/>
-            <a:lstStyle/>
-            <a:p>
-              <a:pPr algn="ctr"/>
-              <a:endParaRPr kumimoji="1" lang="ko-Kore-KR" altLang="en-US"/>
-            </a:p>
-          </p:txBody>
-        </p:sp>
-        <p:sp>
-          <p:nvSpPr>
-            <p:cNvPr id="117" name="TextBox 116">
-              <a:extLst>
-                <a:ext uri="{FF2B5EF4-FFF2-40B4-BE49-F238E27FC236}">
-                  <a16:creationId xmlns:a16="http://schemas.microsoft.com/office/drawing/2014/main" id="{596035FF-5BF7-B54A-B3D4-2AFA449566B0}"/>
-                </a:ext>
-              </a:extLst>
-            </p:cNvPr>
-            <p:cNvSpPr txBox="1"/>
-            <p:nvPr/>
-          </p:nvSpPr>
-          <p:spPr>
-            <a:xfrm>
-              <a:off x="5590002" y="902137"/>
-              <a:ext cx="509822" cy="276999"/>
-            </a:xfrm>
-            <a:prstGeom prst="rect">
-              <a:avLst/>
-            </a:prstGeom>
-            <a:noFill/>
-          </p:spPr>
-          <p:txBody>
-            <a:bodyPr wrap="square" rtlCol="0">
-              <a:spAutoFit/>
-            </a:bodyPr>
-            <a:lstStyle/>
-            <a:p>
-              <a:pPr algn="ctr"/>
-              <a:r>
-                <a:rPr kumimoji="1" lang="en-US" altLang="ko-Kore-KR" sz="1200" b="1" dirty="0">
-                  <a:solidFill>
-                    <a:srgbClr val="5DA2C5"/>
-                  </a:solidFill>
-                  <a:latin typeface="SHeadG" panose="02030600000101010101" pitchFamily="18" charset="-127"/>
-                  <a:ea typeface="SHeadG" panose="02030600000101010101" pitchFamily="18" charset="-127"/>
-                </a:rPr>
-                <a:t>3</a:t>
-              </a:r>
-              <a:endParaRPr kumimoji="1" lang="ko-Kore-KR" altLang="en-US" sz="1200" b="1" dirty="0">
-                <a:solidFill>
-                  <a:srgbClr val="5DA2C5"/>
-                </a:solidFill>
-                <a:latin typeface="SHeadG" panose="02030600000101010101" pitchFamily="18" charset="-127"/>
-                <a:ea typeface="SHeadG" panose="02030600000101010101" pitchFamily="18" charset="-127"/>
-              </a:endParaRPr>
-            </a:p>
-          </p:txBody>
-        </p:sp>
-      </p:grpSp>
-      <p:grpSp>
-        <p:nvGrpSpPr>
-          <p:cNvPr id="118" name="그룹 117">
-            <a:extLst>
-              <a:ext uri="{FF2B5EF4-FFF2-40B4-BE49-F238E27FC236}">
-                <a16:creationId xmlns:a16="http://schemas.microsoft.com/office/drawing/2014/main" id="{CF328398-C7ED-E340-835A-AC20D206DA25}"/>
-              </a:ext>
-            </a:extLst>
-          </p:cNvPr>
-          <p:cNvGrpSpPr/>
-          <p:nvPr/>
-        </p:nvGrpSpPr>
-        <p:grpSpPr>
-          <a:xfrm>
-            <a:off x="3112089" y="3069599"/>
-            <a:ext cx="543689" cy="281455"/>
-            <a:chOff x="5556135" y="897681"/>
-            <a:chExt cx="543689" cy="281455"/>
-          </a:xfrm>
-        </p:grpSpPr>
-        <p:sp>
-          <p:nvSpPr>
-            <p:cNvPr id="119" name="직사각형 118">
-              <a:extLst>
-                <a:ext uri="{FF2B5EF4-FFF2-40B4-BE49-F238E27FC236}">
-                  <a16:creationId xmlns:a16="http://schemas.microsoft.com/office/drawing/2014/main" id="{4DA9C8A6-2A88-4C4D-B79E-19064D286816}"/>
-                </a:ext>
-              </a:extLst>
-            </p:cNvPr>
-            <p:cNvSpPr/>
-            <p:nvPr/>
-          </p:nvSpPr>
-          <p:spPr>
-            <a:xfrm>
-              <a:off x="5556135" y="897681"/>
-              <a:ext cx="543689" cy="276999"/>
-            </a:xfrm>
-            <a:prstGeom prst="rect">
-              <a:avLst/>
-            </a:prstGeom>
-            <a:ln w="25400">
-              <a:solidFill>
-                <a:srgbClr val="5DA2C5"/>
-              </a:solidFill>
-            </a:ln>
-          </p:spPr>
-          <p:style>
-            <a:lnRef idx="1">
-              <a:schemeClr val="accent1"/>
-            </a:lnRef>
-            <a:fillRef idx="0">
-              <a:schemeClr val="accent1"/>
-            </a:fillRef>
-            <a:effectRef idx="0">
-              <a:schemeClr val="accent1"/>
-            </a:effectRef>
-            <a:fontRef idx="minor">
-              <a:schemeClr val="tx1"/>
-            </a:fontRef>
-          </p:style>
-          <p:txBody>
-            <a:bodyPr rtlCol="0" anchor="ctr"/>
-            <a:lstStyle/>
-            <a:p>
-              <a:pPr algn="ctr"/>
-              <a:endParaRPr kumimoji="1" lang="ko-Kore-KR" altLang="en-US"/>
-            </a:p>
-          </p:txBody>
-        </p:sp>
-        <p:sp>
-          <p:nvSpPr>
-            <p:cNvPr id="120" name="TextBox 119">
-              <a:extLst>
-                <a:ext uri="{FF2B5EF4-FFF2-40B4-BE49-F238E27FC236}">
-                  <a16:creationId xmlns:a16="http://schemas.microsoft.com/office/drawing/2014/main" id="{6C230007-CC34-5F41-A9C1-6A5792CD55F1}"/>
-                </a:ext>
-              </a:extLst>
-            </p:cNvPr>
-            <p:cNvSpPr txBox="1"/>
-            <p:nvPr/>
-          </p:nvSpPr>
-          <p:spPr>
-            <a:xfrm>
-              <a:off x="5590002" y="902137"/>
-              <a:ext cx="509822" cy="276999"/>
-            </a:xfrm>
-            <a:prstGeom prst="rect">
-              <a:avLst/>
-            </a:prstGeom>
-            <a:noFill/>
-          </p:spPr>
-          <p:txBody>
-            <a:bodyPr wrap="square" rtlCol="0">
-              <a:spAutoFit/>
-            </a:bodyPr>
-            <a:lstStyle/>
-            <a:p>
-              <a:pPr algn="ctr"/>
-              <a:r>
-                <a:rPr kumimoji="1" lang="en-US" altLang="ko-Kore-KR" sz="1200" b="1" dirty="0">
-                  <a:solidFill>
-                    <a:srgbClr val="5DA2C5"/>
-                  </a:solidFill>
-                  <a:latin typeface="SHeadG" panose="02030600000101010101" pitchFamily="18" charset="-127"/>
-                  <a:ea typeface="SHeadG" panose="02030600000101010101" pitchFamily="18" charset="-127"/>
-                </a:rPr>
-                <a:t>K2</a:t>
-              </a:r>
-              <a:endParaRPr kumimoji="1" lang="ko-Kore-KR" altLang="en-US" sz="1200" b="1" dirty="0">
-                <a:solidFill>
-                  <a:srgbClr val="5DA2C5"/>
-                </a:solidFill>
-                <a:latin typeface="SHeadG" panose="02030600000101010101" pitchFamily="18" charset="-127"/>
-                <a:ea typeface="SHeadG" panose="02030600000101010101" pitchFamily="18" charset="-127"/>
-              </a:endParaRPr>
-            </a:p>
-          </p:txBody>
-        </p:sp>
-      </p:grpSp>
-      <p:grpSp>
-        <p:nvGrpSpPr>
-          <p:cNvPr id="121" name="그룹 120">
-            <a:extLst>
-              <a:ext uri="{FF2B5EF4-FFF2-40B4-BE49-F238E27FC236}">
-                <a16:creationId xmlns:a16="http://schemas.microsoft.com/office/drawing/2014/main" id="{92CC73DB-D6C9-4346-92B8-15C14CE20952}"/>
-              </a:ext>
-            </a:extLst>
-          </p:cNvPr>
-          <p:cNvGrpSpPr/>
-          <p:nvPr/>
-        </p:nvGrpSpPr>
-        <p:grpSpPr>
-          <a:xfrm>
-            <a:off x="3657278" y="3069690"/>
-            <a:ext cx="543689" cy="281455"/>
-            <a:chOff x="5556135" y="897681"/>
-            <a:chExt cx="543689" cy="281455"/>
-          </a:xfrm>
-        </p:grpSpPr>
-        <p:sp>
-          <p:nvSpPr>
-            <p:cNvPr id="122" name="직사각형 121">
-              <a:extLst>
-                <a:ext uri="{FF2B5EF4-FFF2-40B4-BE49-F238E27FC236}">
-                  <a16:creationId xmlns:a16="http://schemas.microsoft.com/office/drawing/2014/main" id="{40A8E8B4-B1BC-F248-8349-6E17DF5281B0}"/>
-                </a:ext>
-              </a:extLst>
-            </p:cNvPr>
-            <p:cNvSpPr/>
-            <p:nvPr/>
-          </p:nvSpPr>
-          <p:spPr>
-            <a:xfrm>
-              <a:off x="5556135" y="897681"/>
-              <a:ext cx="543689" cy="276999"/>
-            </a:xfrm>
-            <a:prstGeom prst="rect">
-              <a:avLst/>
-            </a:prstGeom>
-            <a:ln w="25400">
-              <a:solidFill>
-                <a:srgbClr val="5DA2C5"/>
-              </a:solidFill>
-            </a:ln>
-          </p:spPr>
-          <p:style>
-            <a:lnRef idx="1">
-              <a:schemeClr val="accent1"/>
-            </a:lnRef>
-            <a:fillRef idx="0">
-              <a:schemeClr val="accent1"/>
-            </a:fillRef>
-            <a:effectRef idx="0">
-              <a:schemeClr val="accent1"/>
-            </a:effectRef>
-            <a:fontRef idx="minor">
-              <a:schemeClr val="tx1"/>
-            </a:fontRef>
-          </p:style>
-          <p:txBody>
-            <a:bodyPr rtlCol="0" anchor="ctr"/>
-            <a:lstStyle/>
-            <a:p>
-              <a:pPr algn="ctr"/>
-              <a:endParaRPr kumimoji="1" lang="ko-Kore-KR" altLang="en-US"/>
-            </a:p>
-          </p:txBody>
-        </p:sp>
-        <p:sp>
-          <p:nvSpPr>
-            <p:cNvPr id="123" name="TextBox 122">
-              <a:extLst>
-                <a:ext uri="{FF2B5EF4-FFF2-40B4-BE49-F238E27FC236}">
-                  <a16:creationId xmlns:a16="http://schemas.microsoft.com/office/drawing/2014/main" id="{86AB31FB-724A-FF43-A373-02FA0EC834F9}"/>
-                </a:ext>
-              </a:extLst>
-            </p:cNvPr>
-            <p:cNvSpPr txBox="1"/>
-            <p:nvPr/>
-          </p:nvSpPr>
-          <p:spPr>
-            <a:xfrm>
-              <a:off x="5590002" y="902137"/>
-              <a:ext cx="509822" cy="276999"/>
-            </a:xfrm>
-            <a:prstGeom prst="rect">
-              <a:avLst/>
-            </a:prstGeom>
-            <a:noFill/>
-          </p:spPr>
-          <p:txBody>
-            <a:bodyPr wrap="square" rtlCol="0">
-              <a:spAutoFit/>
-            </a:bodyPr>
-            <a:lstStyle/>
-            <a:p>
-              <a:pPr algn="ctr"/>
-              <a:r>
-                <a:rPr kumimoji="1" lang="en-US" altLang="ko-Kore-KR" sz="1200" b="1" dirty="0">
-                  <a:solidFill>
-                    <a:srgbClr val="5DA2C5"/>
-                  </a:solidFill>
-                  <a:latin typeface="SHeadG" panose="02030600000101010101" pitchFamily="18" charset="-127"/>
-                  <a:ea typeface="SHeadG" panose="02030600000101010101" pitchFamily="18" charset="-127"/>
-                </a:rPr>
-                <a:t>K2</a:t>
-              </a:r>
-              <a:endParaRPr kumimoji="1" lang="ko-Kore-KR" altLang="en-US" sz="1200" b="1" dirty="0">
-                <a:solidFill>
-                  <a:srgbClr val="5DA2C5"/>
-                </a:solidFill>
-                <a:latin typeface="SHeadG" panose="02030600000101010101" pitchFamily="18" charset="-127"/>
-                <a:ea typeface="SHeadG" panose="02030600000101010101" pitchFamily="18" charset="-127"/>
-              </a:endParaRPr>
-            </a:p>
-          </p:txBody>
-        </p:sp>
-      </p:grpSp>
-      <p:grpSp>
-        <p:nvGrpSpPr>
-          <p:cNvPr id="124" name="그룹 123">
-            <a:extLst>
-              <a:ext uri="{FF2B5EF4-FFF2-40B4-BE49-F238E27FC236}">
-                <a16:creationId xmlns:a16="http://schemas.microsoft.com/office/drawing/2014/main" id="{CFDC3DF4-543A-384A-9987-45EBFB299E64}"/>
-              </a:ext>
-            </a:extLst>
-          </p:cNvPr>
-          <p:cNvGrpSpPr/>
-          <p:nvPr/>
-        </p:nvGrpSpPr>
-        <p:grpSpPr>
-          <a:xfrm>
-            <a:off x="4200967" y="3068202"/>
-            <a:ext cx="543689" cy="281455"/>
-            <a:chOff x="5556135" y="897681"/>
-            <a:chExt cx="543689" cy="281455"/>
-          </a:xfrm>
-        </p:grpSpPr>
-        <p:sp>
-          <p:nvSpPr>
-            <p:cNvPr id="125" name="직사각형 124">
-              <a:extLst>
-                <a:ext uri="{FF2B5EF4-FFF2-40B4-BE49-F238E27FC236}">
-                  <a16:creationId xmlns:a16="http://schemas.microsoft.com/office/drawing/2014/main" id="{B3940A2C-6713-3343-89B3-F692C2302526}"/>
-                </a:ext>
-              </a:extLst>
-            </p:cNvPr>
-            <p:cNvSpPr/>
-            <p:nvPr/>
-          </p:nvSpPr>
-          <p:spPr>
-            <a:xfrm>
-              <a:off x="5556135" y="897681"/>
-              <a:ext cx="543689" cy="276999"/>
-            </a:xfrm>
-            <a:prstGeom prst="rect">
-              <a:avLst/>
-            </a:prstGeom>
-            <a:ln w="25400">
-              <a:solidFill>
-                <a:srgbClr val="5DA2C5"/>
-              </a:solidFill>
-            </a:ln>
-          </p:spPr>
-          <p:style>
-            <a:lnRef idx="1">
-              <a:schemeClr val="accent1"/>
-            </a:lnRef>
-            <a:fillRef idx="0">
-              <a:schemeClr val="accent1"/>
-            </a:fillRef>
-            <a:effectRef idx="0">
-              <a:schemeClr val="accent1"/>
-            </a:effectRef>
-            <a:fontRef idx="minor">
-              <a:schemeClr val="tx1"/>
-            </a:fontRef>
-          </p:style>
-          <p:txBody>
-            <a:bodyPr rtlCol="0" anchor="ctr"/>
-            <a:lstStyle/>
-            <a:p>
-              <a:pPr algn="ctr"/>
-              <a:endParaRPr kumimoji="1" lang="ko-Kore-KR" altLang="en-US"/>
-            </a:p>
-          </p:txBody>
-        </p:sp>
-        <p:sp>
-          <p:nvSpPr>
-            <p:cNvPr id="126" name="TextBox 125">
-              <a:extLst>
-                <a:ext uri="{FF2B5EF4-FFF2-40B4-BE49-F238E27FC236}">
-                  <a16:creationId xmlns:a16="http://schemas.microsoft.com/office/drawing/2014/main" id="{CBFE37DE-ED6C-AA47-AAF8-7CFA1319F1A5}"/>
-                </a:ext>
-              </a:extLst>
-            </p:cNvPr>
-            <p:cNvSpPr txBox="1"/>
-            <p:nvPr/>
-          </p:nvSpPr>
-          <p:spPr>
-            <a:xfrm>
-              <a:off x="5590002" y="902137"/>
-              <a:ext cx="509822" cy="276999"/>
-            </a:xfrm>
-            <a:prstGeom prst="rect">
-              <a:avLst/>
-            </a:prstGeom>
-            <a:noFill/>
-          </p:spPr>
-          <p:txBody>
-            <a:bodyPr wrap="square" rtlCol="0">
-              <a:spAutoFit/>
-            </a:bodyPr>
-            <a:lstStyle/>
-            <a:p>
-              <a:pPr algn="ctr"/>
-              <a:r>
-                <a:rPr kumimoji="1" lang="en-US" altLang="ko-Kore-KR" sz="1200" b="1" dirty="0">
-                  <a:solidFill>
-                    <a:srgbClr val="5DA2C5"/>
-                  </a:solidFill>
-                  <a:latin typeface="SHeadG" panose="02030600000101010101" pitchFamily="18" charset="-127"/>
-                  <a:ea typeface="SHeadG" panose="02030600000101010101" pitchFamily="18" charset="-127"/>
-                </a:rPr>
-                <a:t>K3</a:t>
-              </a:r>
-              <a:endParaRPr kumimoji="1" lang="ko-Kore-KR" altLang="en-US" sz="1200" b="1" dirty="0">
-                <a:solidFill>
-                  <a:srgbClr val="5DA2C5"/>
-                </a:solidFill>
-                <a:latin typeface="SHeadG" panose="02030600000101010101" pitchFamily="18" charset="-127"/>
-                <a:ea typeface="SHeadG" panose="02030600000101010101" pitchFamily="18" charset="-127"/>
-              </a:endParaRPr>
-            </a:p>
-          </p:txBody>
-        </p:sp>
-      </p:grpSp>
-      <p:grpSp>
-        <p:nvGrpSpPr>
-          <p:cNvPr id="127" name="그룹 126">
-            <a:extLst>
-              <a:ext uri="{FF2B5EF4-FFF2-40B4-BE49-F238E27FC236}">
-                <a16:creationId xmlns:a16="http://schemas.microsoft.com/office/drawing/2014/main" id="{70F664B4-12E1-994F-A95A-9AD8F2270297}"/>
-              </a:ext>
-            </a:extLst>
-          </p:cNvPr>
-          <p:cNvGrpSpPr/>
-          <p:nvPr/>
-        </p:nvGrpSpPr>
-        <p:grpSpPr>
-          <a:xfrm>
-            <a:off x="4744656" y="3070431"/>
-            <a:ext cx="543689" cy="281455"/>
-            <a:chOff x="5556135" y="897681"/>
-            <a:chExt cx="543689" cy="281455"/>
-          </a:xfrm>
-        </p:grpSpPr>
-        <p:sp>
-          <p:nvSpPr>
-            <p:cNvPr id="128" name="직사각형 127">
-              <a:extLst>
-                <a:ext uri="{FF2B5EF4-FFF2-40B4-BE49-F238E27FC236}">
-                  <a16:creationId xmlns:a16="http://schemas.microsoft.com/office/drawing/2014/main" id="{FB6B1C78-F652-CA41-A3F3-EE8A0B052CFF}"/>
-                </a:ext>
-              </a:extLst>
-            </p:cNvPr>
-            <p:cNvSpPr/>
-            <p:nvPr/>
-          </p:nvSpPr>
-          <p:spPr>
-            <a:xfrm>
-              <a:off x="5556135" y="897681"/>
-              <a:ext cx="543689" cy="276999"/>
-            </a:xfrm>
-            <a:prstGeom prst="rect">
-              <a:avLst/>
-            </a:prstGeom>
-            <a:ln w="25400">
-              <a:solidFill>
-                <a:srgbClr val="5DA2C5"/>
-              </a:solidFill>
-            </a:ln>
-          </p:spPr>
-          <p:style>
-            <a:lnRef idx="1">
-              <a:schemeClr val="accent1"/>
-            </a:lnRef>
-            <a:fillRef idx="0">
-              <a:schemeClr val="accent1"/>
-            </a:fillRef>
-            <a:effectRef idx="0">
-              <a:schemeClr val="accent1"/>
-            </a:effectRef>
-            <a:fontRef idx="minor">
-              <a:schemeClr val="tx1"/>
-            </a:fontRef>
-          </p:style>
-          <p:txBody>
-            <a:bodyPr rtlCol="0" anchor="ctr"/>
-            <a:lstStyle/>
-            <a:p>
-              <a:pPr algn="ctr"/>
-              <a:endParaRPr kumimoji="1" lang="ko-Kore-KR" altLang="en-US"/>
-            </a:p>
-          </p:txBody>
-        </p:sp>
-        <p:sp>
-          <p:nvSpPr>
-            <p:cNvPr id="129" name="TextBox 128">
-              <a:extLst>
-                <a:ext uri="{FF2B5EF4-FFF2-40B4-BE49-F238E27FC236}">
-                  <a16:creationId xmlns:a16="http://schemas.microsoft.com/office/drawing/2014/main" id="{B7AE3230-E882-6646-9EE4-B8CBA677BB74}"/>
-                </a:ext>
-              </a:extLst>
-            </p:cNvPr>
-            <p:cNvSpPr txBox="1"/>
-            <p:nvPr/>
-          </p:nvSpPr>
-          <p:spPr>
-            <a:xfrm>
-              <a:off x="5590002" y="902137"/>
-              <a:ext cx="509822" cy="276999"/>
-            </a:xfrm>
-            <a:prstGeom prst="rect">
-              <a:avLst/>
-            </a:prstGeom>
-            <a:noFill/>
-          </p:spPr>
-          <p:txBody>
-            <a:bodyPr wrap="square" rtlCol="0">
-              <a:spAutoFit/>
-            </a:bodyPr>
-            <a:lstStyle/>
-            <a:p>
-              <a:pPr algn="ctr"/>
-              <a:r>
-                <a:rPr kumimoji="1" lang="en-US" altLang="ko-Kore-KR" sz="1200" b="1" dirty="0">
-                  <a:solidFill>
-                    <a:srgbClr val="5DA2C5"/>
-                  </a:solidFill>
-                  <a:latin typeface="SHeadG" panose="02030600000101010101" pitchFamily="18" charset="-127"/>
-                  <a:ea typeface="SHeadG" panose="02030600000101010101" pitchFamily="18" charset="-127"/>
-                </a:rPr>
-                <a:t>K3</a:t>
-              </a:r>
-              <a:endParaRPr kumimoji="1" lang="ko-Kore-KR" altLang="en-US" sz="1200" b="1" dirty="0">
-                <a:solidFill>
-                  <a:srgbClr val="5DA2C5"/>
-                </a:solidFill>
-                <a:latin typeface="SHeadG" panose="02030600000101010101" pitchFamily="18" charset="-127"/>
-                <a:ea typeface="SHeadG" panose="02030600000101010101" pitchFamily="18" charset="-127"/>
-              </a:endParaRPr>
-            </a:p>
-          </p:txBody>
-        </p:sp>
-      </p:grpSp>
-      <p:grpSp>
-        <p:nvGrpSpPr>
-          <p:cNvPr id="130" name="그룹 129">
-            <a:extLst>
-              <a:ext uri="{FF2B5EF4-FFF2-40B4-BE49-F238E27FC236}">
-                <a16:creationId xmlns:a16="http://schemas.microsoft.com/office/drawing/2014/main" id="{326A45C4-44E9-964E-A37C-E18737FF4DEE}"/>
-              </a:ext>
-            </a:extLst>
-          </p:cNvPr>
-          <p:cNvGrpSpPr/>
-          <p:nvPr/>
-        </p:nvGrpSpPr>
-        <p:grpSpPr>
-          <a:xfrm>
-            <a:off x="3111769" y="3344995"/>
-            <a:ext cx="543689" cy="281455"/>
-            <a:chOff x="5556135" y="897681"/>
-            <a:chExt cx="543689" cy="281455"/>
-          </a:xfrm>
-        </p:grpSpPr>
-        <p:sp>
-          <p:nvSpPr>
-            <p:cNvPr id="131" name="직사각형 130">
-              <a:extLst>
-                <a:ext uri="{FF2B5EF4-FFF2-40B4-BE49-F238E27FC236}">
-                  <a16:creationId xmlns:a16="http://schemas.microsoft.com/office/drawing/2014/main" id="{38ABCF8D-B7B4-5742-9A02-2D1C8920EAD0}"/>
-                </a:ext>
-              </a:extLst>
-            </p:cNvPr>
-            <p:cNvSpPr/>
-            <p:nvPr/>
-          </p:nvSpPr>
-          <p:spPr>
-            <a:xfrm>
-              <a:off x="5556135" y="897681"/>
-              <a:ext cx="543689" cy="276999"/>
-            </a:xfrm>
-            <a:prstGeom prst="rect">
-              <a:avLst/>
-            </a:prstGeom>
-            <a:ln w="25400">
-              <a:solidFill>
-                <a:srgbClr val="5DA2C5"/>
-              </a:solidFill>
-            </a:ln>
-          </p:spPr>
-          <p:style>
-            <a:lnRef idx="1">
-              <a:schemeClr val="accent1"/>
-            </a:lnRef>
-            <a:fillRef idx="0">
-              <a:schemeClr val="accent1"/>
-            </a:fillRef>
-            <a:effectRef idx="0">
-              <a:schemeClr val="accent1"/>
-            </a:effectRef>
-            <a:fontRef idx="minor">
-              <a:schemeClr val="tx1"/>
-            </a:fontRef>
-          </p:style>
-          <p:txBody>
-            <a:bodyPr rtlCol="0" anchor="ctr"/>
-            <a:lstStyle/>
-            <a:p>
-              <a:pPr algn="ctr"/>
-              <a:endParaRPr kumimoji="1" lang="ko-Kore-KR" altLang="en-US"/>
-            </a:p>
-          </p:txBody>
-        </p:sp>
-        <p:sp>
-          <p:nvSpPr>
-            <p:cNvPr id="132" name="TextBox 131">
-              <a:extLst>
-                <a:ext uri="{FF2B5EF4-FFF2-40B4-BE49-F238E27FC236}">
-                  <a16:creationId xmlns:a16="http://schemas.microsoft.com/office/drawing/2014/main" id="{1B4E558E-BD3E-1548-AE3C-8F4A23F34F7C}"/>
-                </a:ext>
-              </a:extLst>
-            </p:cNvPr>
-            <p:cNvSpPr txBox="1"/>
-            <p:nvPr/>
-          </p:nvSpPr>
-          <p:spPr>
-            <a:xfrm>
-              <a:off x="5590002" y="902137"/>
-              <a:ext cx="509822" cy="276999"/>
-            </a:xfrm>
-            <a:prstGeom prst="rect">
-              <a:avLst/>
-            </a:prstGeom>
-            <a:noFill/>
-          </p:spPr>
-          <p:txBody>
-            <a:bodyPr wrap="square" rtlCol="0">
-              <a:spAutoFit/>
-            </a:bodyPr>
-            <a:lstStyle/>
-            <a:p>
-              <a:pPr algn="ctr"/>
-              <a:r>
-                <a:rPr kumimoji="1" lang="en-US" altLang="ko-Kore-KR" sz="1200" b="1" dirty="0">
-                  <a:solidFill>
-                    <a:srgbClr val="5DA2C5"/>
-                  </a:solidFill>
-                  <a:latin typeface="SHeadG" panose="02030600000101010101" pitchFamily="18" charset="-127"/>
-                  <a:ea typeface="SHeadG" panose="02030600000101010101" pitchFamily="18" charset="-127"/>
-                </a:rPr>
-                <a:t>V1</a:t>
-              </a:r>
-              <a:endParaRPr kumimoji="1" lang="ko-Kore-KR" altLang="en-US" sz="1200" b="1" dirty="0">
-                <a:solidFill>
-                  <a:srgbClr val="5DA2C5"/>
-                </a:solidFill>
-                <a:latin typeface="SHeadG" panose="02030600000101010101" pitchFamily="18" charset="-127"/>
-                <a:ea typeface="SHeadG" panose="02030600000101010101" pitchFamily="18" charset="-127"/>
-              </a:endParaRPr>
-            </a:p>
-          </p:txBody>
-        </p:sp>
-      </p:grpSp>
-      <p:grpSp>
-        <p:nvGrpSpPr>
-          <p:cNvPr id="133" name="그룹 132">
-            <a:extLst>
-              <a:ext uri="{FF2B5EF4-FFF2-40B4-BE49-F238E27FC236}">
-                <a16:creationId xmlns:a16="http://schemas.microsoft.com/office/drawing/2014/main" id="{FF63F0E4-5B1E-1E4A-A498-20AC02888A62}"/>
-              </a:ext>
-            </a:extLst>
-          </p:cNvPr>
-          <p:cNvGrpSpPr/>
-          <p:nvPr/>
-        </p:nvGrpSpPr>
-        <p:grpSpPr>
-          <a:xfrm>
-            <a:off x="3656958" y="3346642"/>
-            <a:ext cx="543689" cy="281455"/>
-            <a:chOff x="5556135" y="897681"/>
-            <a:chExt cx="543689" cy="281455"/>
-          </a:xfrm>
-        </p:grpSpPr>
-        <p:sp>
-          <p:nvSpPr>
-            <p:cNvPr id="134" name="직사각형 133">
-              <a:extLst>
-                <a:ext uri="{FF2B5EF4-FFF2-40B4-BE49-F238E27FC236}">
-                  <a16:creationId xmlns:a16="http://schemas.microsoft.com/office/drawing/2014/main" id="{B050B21F-0419-0E4B-A635-5AE664809E77}"/>
-                </a:ext>
-              </a:extLst>
-            </p:cNvPr>
-            <p:cNvSpPr/>
-            <p:nvPr/>
-          </p:nvSpPr>
-          <p:spPr>
-            <a:xfrm>
-              <a:off x="5556135" y="897681"/>
-              <a:ext cx="543689" cy="276999"/>
-            </a:xfrm>
-            <a:prstGeom prst="rect">
-              <a:avLst/>
-            </a:prstGeom>
-            <a:ln w="25400">
-              <a:solidFill>
-                <a:srgbClr val="5DA2C5"/>
-              </a:solidFill>
-            </a:ln>
-          </p:spPr>
-          <p:style>
-            <a:lnRef idx="1">
-              <a:schemeClr val="accent1"/>
-            </a:lnRef>
-            <a:fillRef idx="0">
-              <a:schemeClr val="accent1"/>
-            </a:fillRef>
-            <a:effectRef idx="0">
-              <a:schemeClr val="accent1"/>
-            </a:effectRef>
-            <a:fontRef idx="minor">
-              <a:schemeClr val="tx1"/>
-            </a:fontRef>
-          </p:style>
-          <p:txBody>
-            <a:bodyPr rtlCol="0" anchor="ctr"/>
-            <a:lstStyle/>
-            <a:p>
-              <a:pPr algn="ctr"/>
-              <a:endParaRPr kumimoji="1" lang="ko-Kore-KR" altLang="en-US"/>
-            </a:p>
-          </p:txBody>
-        </p:sp>
-        <p:sp>
-          <p:nvSpPr>
-            <p:cNvPr id="135" name="TextBox 134">
-              <a:extLst>
-                <a:ext uri="{FF2B5EF4-FFF2-40B4-BE49-F238E27FC236}">
-                  <a16:creationId xmlns:a16="http://schemas.microsoft.com/office/drawing/2014/main" id="{7E9F3387-F3D8-7546-A621-E42E5F91FAE2}"/>
-                </a:ext>
-              </a:extLst>
-            </p:cNvPr>
-            <p:cNvSpPr txBox="1"/>
-            <p:nvPr/>
-          </p:nvSpPr>
-          <p:spPr>
-            <a:xfrm>
-              <a:off x="5590002" y="902137"/>
-              <a:ext cx="509822" cy="276999"/>
-            </a:xfrm>
-            <a:prstGeom prst="rect">
-              <a:avLst/>
-            </a:prstGeom>
-            <a:noFill/>
-          </p:spPr>
-          <p:txBody>
-            <a:bodyPr wrap="square" rtlCol="0">
-              <a:spAutoFit/>
-            </a:bodyPr>
-            <a:lstStyle/>
-            <a:p>
-              <a:pPr algn="ctr"/>
-              <a:r>
-                <a:rPr kumimoji="1" lang="en-US" altLang="ko-Kore-KR" sz="1200" b="1" dirty="0">
-                  <a:solidFill>
-                    <a:srgbClr val="5DA2C5"/>
-                  </a:solidFill>
-                  <a:latin typeface="SHeadG" panose="02030600000101010101" pitchFamily="18" charset="-127"/>
-                  <a:ea typeface="SHeadG" panose="02030600000101010101" pitchFamily="18" charset="-127"/>
-                </a:rPr>
-                <a:t>V2</a:t>
-              </a:r>
-              <a:endParaRPr kumimoji="1" lang="ko-Kore-KR" altLang="en-US" sz="1200" b="1" dirty="0">
-                <a:solidFill>
-                  <a:srgbClr val="5DA2C5"/>
-                </a:solidFill>
-                <a:latin typeface="SHeadG" panose="02030600000101010101" pitchFamily="18" charset="-127"/>
-                <a:ea typeface="SHeadG" panose="02030600000101010101" pitchFamily="18" charset="-127"/>
-              </a:endParaRPr>
-            </a:p>
-          </p:txBody>
-        </p:sp>
-      </p:grpSp>
-      <p:grpSp>
-        <p:nvGrpSpPr>
-          <p:cNvPr id="136" name="그룹 135">
-            <a:extLst>
-              <a:ext uri="{FF2B5EF4-FFF2-40B4-BE49-F238E27FC236}">
-                <a16:creationId xmlns:a16="http://schemas.microsoft.com/office/drawing/2014/main" id="{27BAE4F4-D942-8C45-B323-089CFFDD6D9A}"/>
-              </a:ext>
-            </a:extLst>
-          </p:cNvPr>
-          <p:cNvGrpSpPr/>
-          <p:nvPr/>
-        </p:nvGrpSpPr>
-        <p:grpSpPr>
-          <a:xfrm>
-            <a:off x="4200647" y="3343598"/>
-            <a:ext cx="543689" cy="281455"/>
-            <a:chOff x="5556135" y="897681"/>
-            <a:chExt cx="543689" cy="281455"/>
-          </a:xfrm>
-        </p:grpSpPr>
-        <p:sp>
-          <p:nvSpPr>
-            <p:cNvPr id="137" name="직사각형 136">
-              <a:extLst>
-                <a:ext uri="{FF2B5EF4-FFF2-40B4-BE49-F238E27FC236}">
-                  <a16:creationId xmlns:a16="http://schemas.microsoft.com/office/drawing/2014/main" id="{7920A927-FCC8-7743-B7BD-E19059B1F209}"/>
-                </a:ext>
-              </a:extLst>
-            </p:cNvPr>
-            <p:cNvSpPr/>
-            <p:nvPr/>
-          </p:nvSpPr>
-          <p:spPr>
-            <a:xfrm>
-              <a:off x="5556135" y="897681"/>
-              <a:ext cx="543689" cy="276999"/>
-            </a:xfrm>
-            <a:prstGeom prst="rect">
-              <a:avLst/>
-            </a:prstGeom>
-            <a:ln w="25400">
-              <a:solidFill>
-                <a:srgbClr val="5DA2C5"/>
-              </a:solidFill>
-            </a:ln>
-          </p:spPr>
-          <p:style>
-            <a:lnRef idx="1">
-              <a:schemeClr val="accent1"/>
-            </a:lnRef>
-            <a:fillRef idx="0">
-              <a:schemeClr val="accent1"/>
-            </a:fillRef>
-            <a:effectRef idx="0">
-              <a:schemeClr val="accent1"/>
-            </a:effectRef>
-            <a:fontRef idx="minor">
-              <a:schemeClr val="tx1"/>
-            </a:fontRef>
-          </p:style>
-          <p:txBody>
-            <a:bodyPr rtlCol="0" anchor="ctr"/>
-            <a:lstStyle/>
-            <a:p>
-              <a:pPr algn="ctr"/>
-              <a:endParaRPr kumimoji="1" lang="ko-Kore-KR" altLang="en-US"/>
-            </a:p>
-          </p:txBody>
-        </p:sp>
-        <p:sp>
-          <p:nvSpPr>
-            <p:cNvPr id="138" name="TextBox 137">
-              <a:extLst>
-                <a:ext uri="{FF2B5EF4-FFF2-40B4-BE49-F238E27FC236}">
-                  <a16:creationId xmlns:a16="http://schemas.microsoft.com/office/drawing/2014/main" id="{B20298DE-3698-3B45-8127-BCA215AE4DEE}"/>
-                </a:ext>
-              </a:extLst>
-            </p:cNvPr>
-            <p:cNvSpPr txBox="1"/>
-            <p:nvPr/>
-          </p:nvSpPr>
-          <p:spPr>
-            <a:xfrm>
-              <a:off x="5590002" y="902137"/>
-              <a:ext cx="509822" cy="276999"/>
-            </a:xfrm>
-            <a:prstGeom prst="rect">
-              <a:avLst/>
-            </a:prstGeom>
-            <a:noFill/>
-          </p:spPr>
-          <p:txBody>
-            <a:bodyPr wrap="square" rtlCol="0">
-              <a:spAutoFit/>
-            </a:bodyPr>
-            <a:lstStyle/>
-            <a:p>
-              <a:pPr algn="ctr"/>
-              <a:r>
-                <a:rPr kumimoji="1" lang="en-US" altLang="ko-Kore-KR" sz="1200" b="1" dirty="0">
-                  <a:solidFill>
-                    <a:srgbClr val="5DA2C5"/>
-                  </a:solidFill>
-                  <a:latin typeface="SHeadG" panose="02030600000101010101" pitchFamily="18" charset="-127"/>
-                  <a:ea typeface="SHeadG" panose="02030600000101010101" pitchFamily="18" charset="-127"/>
-                </a:rPr>
-                <a:t>V</a:t>
-              </a:r>
-              <a:r>
-                <a:rPr kumimoji="1" lang="en-US" altLang="ko-KR" sz="1200" b="1" dirty="0">
-                  <a:solidFill>
-                    <a:srgbClr val="5DA2C5"/>
-                  </a:solidFill>
-                  <a:latin typeface="SHeadG" panose="02030600000101010101" pitchFamily="18" charset="-127"/>
-                  <a:ea typeface="SHeadG" panose="02030600000101010101" pitchFamily="18" charset="-127"/>
-                </a:rPr>
-                <a:t>1</a:t>
-              </a:r>
-              <a:endParaRPr kumimoji="1" lang="ko-Kore-KR" altLang="en-US" sz="1200" b="1" dirty="0">
-                <a:solidFill>
-                  <a:srgbClr val="5DA2C5"/>
-                </a:solidFill>
-                <a:latin typeface="SHeadG" panose="02030600000101010101" pitchFamily="18" charset="-127"/>
-                <a:ea typeface="SHeadG" panose="02030600000101010101" pitchFamily="18" charset="-127"/>
-              </a:endParaRPr>
-            </a:p>
-          </p:txBody>
-        </p:sp>
-      </p:grpSp>
-      <p:grpSp>
-        <p:nvGrpSpPr>
-          <p:cNvPr id="139" name="그룹 138">
-            <a:extLst>
-              <a:ext uri="{FF2B5EF4-FFF2-40B4-BE49-F238E27FC236}">
-                <a16:creationId xmlns:a16="http://schemas.microsoft.com/office/drawing/2014/main" id="{28087072-CA7F-844E-B502-E20C0EDBDCAB}"/>
-              </a:ext>
-            </a:extLst>
-          </p:cNvPr>
-          <p:cNvGrpSpPr/>
-          <p:nvPr/>
-        </p:nvGrpSpPr>
-        <p:grpSpPr>
-          <a:xfrm>
-            <a:off x="4744336" y="3345827"/>
-            <a:ext cx="543689" cy="281455"/>
-            <a:chOff x="5556135" y="897681"/>
-            <a:chExt cx="543689" cy="281455"/>
-          </a:xfrm>
-        </p:grpSpPr>
-        <p:sp>
-          <p:nvSpPr>
-            <p:cNvPr id="140" name="직사각형 139">
-              <a:extLst>
-                <a:ext uri="{FF2B5EF4-FFF2-40B4-BE49-F238E27FC236}">
-                  <a16:creationId xmlns:a16="http://schemas.microsoft.com/office/drawing/2014/main" id="{0CA06A64-52B4-064D-B37C-9C38BE5D3AA6}"/>
-                </a:ext>
-              </a:extLst>
-            </p:cNvPr>
-            <p:cNvSpPr/>
-            <p:nvPr/>
-          </p:nvSpPr>
-          <p:spPr>
-            <a:xfrm>
-              <a:off x="5556135" y="897681"/>
-              <a:ext cx="543689" cy="276999"/>
-            </a:xfrm>
-            <a:prstGeom prst="rect">
-              <a:avLst/>
-            </a:prstGeom>
-            <a:ln w="25400">
-              <a:solidFill>
-                <a:srgbClr val="5DA2C5"/>
-              </a:solidFill>
-            </a:ln>
-          </p:spPr>
-          <p:style>
-            <a:lnRef idx="1">
-              <a:schemeClr val="accent1"/>
-            </a:lnRef>
-            <a:fillRef idx="0">
-              <a:schemeClr val="accent1"/>
-            </a:fillRef>
-            <a:effectRef idx="0">
-              <a:schemeClr val="accent1"/>
-            </a:effectRef>
-            <a:fontRef idx="minor">
-              <a:schemeClr val="tx1"/>
-            </a:fontRef>
-          </p:style>
-          <p:txBody>
-            <a:bodyPr rtlCol="0" anchor="ctr"/>
-            <a:lstStyle/>
-            <a:p>
-              <a:pPr algn="ctr"/>
-              <a:endParaRPr kumimoji="1" lang="ko-Kore-KR" altLang="en-US"/>
-            </a:p>
-          </p:txBody>
-        </p:sp>
-        <p:sp>
-          <p:nvSpPr>
-            <p:cNvPr id="142" name="TextBox 141">
-              <a:extLst>
-                <a:ext uri="{FF2B5EF4-FFF2-40B4-BE49-F238E27FC236}">
-                  <a16:creationId xmlns:a16="http://schemas.microsoft.com/office/drawing/2014/main" id="{C5891CEA-B41C-904D-954A-05F31D3C99FA}"/>
-                </a:ext>
-              </a:extLst>
-            </p:cNvPr>
-            <p:cNvSpPr txBox="1"/>
-            <p:nvPr/>
-          </p:nvSpPr>
-          <p:spPr>
-            <a:xfrm>
-              <a:off x="5590002" y="902137"/>
-              <a:ext cx="509822" cy="276999"/>
-            </a:xfrm>
-            <a:prstGeom prst="rect">
-              <a:avLst/>
-            </a:prstGeom>
-            <a:noFill/>
-          </p:spPr>
-          <p:txBody>
-            <a:bodyPr wrap="square" rtlCol="0">
-              <a:spAutoFit/>
-            </a:bodyPr>
-            <a:lstStyle/>
-            <a:p>
-              <a:pPr algn="ctr"/>
-              <a:r>
-                <a:rPr kumimoji="1" lang="en-US" altLang="ko-Kore-KR" sz="1200" b="1" dirty="0">
-                  <a:solidFill>
-                    <a:srgbClr val="5DA2C5"/>
-                  </a:solidFill>
-                  <a:latin typeface="SHeadG" panose="02030600000101010101" pitchFamily="18" charset="-127"/>
-                  <a:ea typeface="SHeadG" panose="02030600000101010101" pitchFamily="18" charset="-127"/>
-                </a:rPr>
-                <a:t>V</a:t>
-              </a:r>
-              <a:r>
-                <a:rPr kumimoji="1" lang="en-US" altLang="ko-KR" sz="1200" b="1" dirty="0">
-                  <a:solidFill>
-                    <a:srgbClr val="5DA2C5"/>
-                  </a:solidFill>
-                  <a:latin typeface="SHeadG" panose="02030600000101010101" pitchFamily="18" charset="-127"/>
-                  <a:ea typeface="SHeadG" panose="02030600000101010101" pitchFamily="18" charset="-127"/>
-                </a:rPr>
-                <a:t>2</a:t>
-              </a:r>
-              <a:endParaRPr kumimoji="1" lang="ko-Kore-KR" altLang="en-US" sz="1200" b="1" dirty="0">
-                <a:solidFill>
-                  <a:srgbClr val="5DA2C5"/>
-                </a:solidFill>
-                <a:latin typeface="SHeadG" panose="02030600000101010101" pitchFamily="18" charset="-127"/>
-                <a:ea typeface="SHeadG" panose="02030600000101010101" pitchFamily="18" charset="-127"/>
-              </a:endParaRPr>
-            </a:p>
-          </p:txBody>
-        </p:sp>
-      </p:grpSp>
-      <p:sp>
-        <p:nvSpPr>
-          <p:cNvPr id="195" name="TextBox 194">
-            <a:extLst>
-              <a:ext uri="{FF2B5EF4-FFF2-40B4-BE49-F238E27FC236}">
-                <a16:creationId xmlns:a16="http://schemas.microsoft.com/office/drawing/2014/main" id="{C432D7EB-90EF-F344-AC0E-685180DC1B77}"/>
-              </a:ext>
-            </a:extLst>
-          </p:cNvPr>
-          <p:cNvSpPr txBox="1"/>
-          <p:nvPr/>
-        </p:nvSpPr>
-        <p:spPr>
-          <a:xfrm>
-            <a:off x="1967624" y="1845278"/>
-            <a:ext cx="1115598" cy="276999"/>
-          </a:xfrm>
-          <a:prstGeom prst="rect">
-            <a:avLst/>
-          </a:prstGeom>
-          <a:noFill/>
-        </p:spPr>
-        <p:txBody>
-          <a:bodyPr wrap="square" rtlCol="0">
-            <a:spAutoFit/>
-          </a:bodyPr>
-          <a:lstStyle/>
-          <a:p>
-            <a:pPr algn="ctr"/>
-            <a:r>
-              <a:rPr kumimoji="1" lang="ko-KR" altLang="en-US" sz="1200" b="1" dirty="0">
-                <a:solidFill>
-                  <a:srgbClr val="5DA2C5"/>
-                </a:solidFill>
-                <a:latin typeface="SHeadG" panose="02030600000101010101" pitchFamily="18" charset="-127"/>
-                <a:ea typeface="SHeadG" panose="02030600000101010101" pitchFamily="18" charset="-127"/>
-              </a:rPr>
-              <a:t>파티션 </a:t>
-            </a:r>
-            <a:r>
-              <a:rPr kumimoji="1" lang="en-US" altLang="ko-KR" sz="1200" b="1" dirty="0">
-                <a:solidFill>
-                  <a:srgbClr val="5DA2C5"/>
-                </a:solidFill>
-                <a:latin typeface="SHeadG" panose="02030600000101010101" pitchFamily="18" charset="-127"/>
-                <a:ea typeface="SHeadG" panose="02030600000101010101" pitchFamily="18" charset="-127"/>
-              </a:rPr>
-              <a:t>#0</a:t>
-            </a:r>
-            <a:endParaRPr kumimoji="1" lang="ko-Kore-KR" altLang="en-US" sz="1200" b="1" dirty="0">
-              <a:solidFill>
-                <a:srgbClr val="5DA2C5"/>
-              </a:solidFill>
-              <a:latin typeface="SHeadG" panose="02030600000101010101" pitchFamily="18" charset="-127"/>
-              <a:ea typeface="SHeadG" panose="02030600000101010101" pitchFamily="18" charset="-127"/>
-            </a:endParaRPr>
-          </a:p>
-        </p:txBody>
-      </p:sp>
-      <p:sp>
-        <p:nvSpPr>
-          <p:cNvPr id="196" name="TextBox 195">
-            <a:extLst>
-              <a:ext uri="{FF2B5EF4-FFF2-40B4-BE49-F238E27FC236}">
-                <a16:creationId xmlns:a16="http://schemas.microsoft.com/office/drawing/2014/main" id="{CCCF3829-A129-A744-B6FA-25EE8C247640}"/>
-              </a:ext>
-            </a:extLst>
-          </p:cNvPr>
-          <p:cNvSpPr txBox="1"/>
-          <p:nvPr/>
-        </p:nvSpPr>
-        <p:spPr>
-          <a:xfrm>
-            <a:off x="1961441" y="3053731"/>
-            <a:ext cx="1115598" cy="276999"/>
-          </a:xfrm>
-          <a:prstGeom prst="rect">
-            <a:avLst/>
-          </a:prstGeom>
-          <a:noFill/>
-        </p:spPr>
-        <p:txBody>
-          <a:bodyPr wrap="square" rtlCol="0">
-            <a:spAutoFit/>
-          </a:bodyPr>
-          <a:lstStyle/>
-          <a:p>
-            <a:pPr algn="ctr"/>
-            <a:r>
-              <a:rPr kumimoji="1" lang="ko-KR" altLang="en-US" sz="1200" b="1" dirty="0">
-                <a:solidFill>
-                  <a:srgbClr val="5DA2C5"/>
-                </a:solidFill>
-                <a:latin typeface="SHeadG" panose="02030600000101010101" pitchFamily="18" charset="-127"/>
-                <a:ea typeface="SHeadG" panose="02030600000101010101" pitchFamily="18" charset="-127"/>
-              </a:rPr>
-              <a:t>파티션 </a:t>
-            </a:r>
-            <a:r>
-              <a:rPr kumimoji="1" lang="en-US" altLang="ko-KR" sz="1200" b="1" dirty="0">
-                <a:solidFill>
-                  <a:srgbClr val="5DA2C5"/>
-                </a:solidFill>
-                <a:latin typeface="SHeadG" panose="02030600000101010101" pitchFamily="18" charset="-127"/>
-                <a:ea typeface="SHeadG" panose="02030600000101010101" pitchFamily="18" charset="-127"/>
-              </a:rPr>
-              <a:t>#1</a:t>
-            </a:r>
-            <a:endParaRPr kumimoji="1" lang="ko-Kore-KR" altLang="en-US" sz="1200" b="1" dirty="0">
-              <a:solidFill>
-                <a:srgbClr val="5DA2C5"/>
-              </a:solidFill>
-              <a:latin typeface="SHeadG" panose="02030600000101010101" pitchFamily="18" charset="-127"/>
-              <a:ea typeface="SHeadG" panose="02030600000101010101" pitchFamily="18" charset="-127"/>
-            </a:endParaRPr>
-          </a:p>
-        </p:txBody>
-      </p:sp>
-      <p:grpSp>
-        <p:nvGrpSpPr>
-          <p:cNvPr id="2" name="그룹 1">
-            <a:extLst>
-              <a:ext uri="{FF2B5EF4-FFF2-40B4-BE49-F238E27FC236}">
-                <a16:creationId xmlns:a16="http://schemas.microsoft.com/office/drawing/2014/main" id="{EAB6555B-32BF-D947-A80A-16EFFF39B0A5}"/>
-              </a:ext>
-            </a:extLst>
-          </p:cNvPr>
-          <p:cNvGrpSpPr/>
-          <p:nvPr/>
-        </p:nvGrpSpPr>
-        <p:grpSpPr>
-          <a:xfrm>
-            <a:off x="6866007" y="1497180"/>
-            <a:ext cx="1721084" cy="1637041"/>
-            <a:chOff x="7216088" y="756088"/>
-            <a:chExt cx="1721084" cy="1637041"/>
-          </a:xfrm>
-        </p:grpSpPr>
-        <p:sp>
-          <p:nvSpPr>
-            <p:cNvPr id="208" name="직사각형 207">
-              <a:extLst>
-                <a:ext uri="{FF2B5EF4-FFF2-40B4-BE49-F238E27FC236}">
-                  <a16:creationId xmlns:a16="http://schemas.microsoft.com/office/drawing/2014/main" id="{B3412387-936A-B54E-812A-C5073FBF7DAC}"/>
-                </a:ext>
-              </a:extLst>
-            </p:cNvPr>
-            <p:cNvSpPr/>
-            <p:nvPr/>
-          </p:nvSpPr>
-          <p:spPr>
-            <a:xfrm>
-              <a:off x="7216088" y="756088"/>
-              <a:ext cx="1721084" cy="1637041"/>
-            </a:xfrm>
-            <a:prstGeom prst="rect">
-              <a:avLst/>
-            </a:prstGeom>
-            <a:solidFill>
-              <a:schemeClr val="bg1">
-                <a:lumMod val="85000"/>
-              </a:schemeClr>
-            </a:solidFill>
-            <a:ln w="25400">
-              <a:solidFill>
-                <a:srgbClr val="5DA2C5"/>
-              </a:solidFill>
-            </a:ln>
-          </p:spPr>
-          <p:style>
-            <a:lnRef idx="1">
-              <a:schemeClr val="accent1"/>
-            </a:lnRef>
-            <a:fillRef idx="0">
-              <a:schemeClr val="accent1"/>
-            </a:fillRef>
-            <a:effectRef idx="0">
-              <a:schemeClr val="accent1"/>
-            </a:effectRef>
-            <a:fontRef idx="minor">
-              <a:schemeClr val="tx1"/>
-            </a:fontRef>
-          </p:style>
-          <p:txBody>
-            <a:bodyPr rtlCol="0" anchor="ctr"/>
-            <a:lstStyle/>
-            <a:p>
-              <a:pPr algn="ctr"/>
-              <a:endParaRPr kumimoji="1" lang="ko-Kore-KR" altLang="en-US"/>
-            </a:p>
-          </p:txBody>
-        </p:sp>
-        <p:grpSp>
-          <p:nvGrpSpPr>
-            <p:cNvPr id="199" name="그룹 198">
-              <a:extLst>
-                <a:ext uri="{FF2B5EF4-FFF2-40B4-BE49-F238E27FC236}">
-                  <a16:creationId xmlns:a16="http://schemas.microsoft.com/office/drawing/2014/main" id="{6517DB50-6618-3B47-BC6A-D997B9C5C0CB}"/>
-                </a:ext>
-              </a:extLst>
-            </p:cNvPr>
-            <p:cNvGrpSpPr/>
-            <p:nvPr/>
-          </p:nvGrpSpPr>
-          <p:grpSpPr>
-            <a:xfrm>
-              <a:off x="7629716" y="1139514"/>
-              <a:ext cx="966249" cy="281455"/>
-              <a:chOff x="5556135" y="897681"/>
-              <a:chExt cx="966249" cy="281455"/>
-            </a:xfrm>
-          </p:grpSpPr>
-          <p:sp>
-            <p:nvSpPr>
-              <p:cNvPr id="200" name="직사각형 199">
-                <a:extLst>
-                  <a:ext uri="{FF2B5EF4-FFF2-40B4-BE49-F238E27FC236}">
-                    <a16:creationId xmlns:a16="http://schemas.microsoft.com/office/drawing/2014/main" id="{64133617-4D41-014B-A313-73F8A4EF9BC8}"/>
-                  </a:ext>
-                </a:extLst>
-              </p:cNvPr>
-              <p:cNvSpPr/>
-              <p:nvPr/>
-            </p:nvSpPr>
-            <p:spPr>
-              <a:xfrm>
-                <a:off x="5556135" y="897681"/>
-                <a:ext cx="966249" cy="276999"/>
-              </a:xfrm>
-              <a:prstGeom prst="rect">
-                <a:avLst/>
-              </a:prstGeom>
-              <a:solidFill>
-                <a:schemeClr val="bg1"/>
-              </a:solidFill>
-              <a:ln w="25400">
-                <a:solidFill>
-                  <a:srgbClr val="5DA2C5"/>
-                </a:solidFill>
-              </a:ln>
-            </p:spPr>
-            <p:style>
-              <a:lnRef idx="1">
-                <a:schemeClr val="accent1"/>
-              </a:lnRef>
-              <a:fillRef idx="0">
-                <a:schemeClr val="accent1"/>
-              </a:fillRef>
-              <a:effectRef idx="0">
-                <a:schemeClr val="accent1"/>
-              </a:effectRef>
-              <a:fontRef idx="minor">
-                <a:schemeClr val="tx1"/>
-              </a:fontRef>
-            </p:style>
-            <p:txBody>
-              <a:bodyPr rtlCol="0" anchor="ctr"/>
-              <a:lstStyle/>
-              <a:p>
-                <a:pPr algn="ctr"/>
-                <a:endParaRPr kumimoji="1" lang="ko-Kore-KR" altLang="en-US"/>
-              </a:p>
-            </p:txBody>
-          </p:sp>
-          <p:sp>
-            <p:nvSpPr>
-              <p:cNvPr id="201" name="TextBox 200">
-                <a:extLst>
-                  <a:ext uri="{FF2B5EF4-FFF2-40B4-BE49-F238E27FC236}">
-                    <a16:creationId xmlns:a16="http://schemas.microsoft.com/office/drawing/2014/main" id="{A88BF5C0-D481-7240-AA72-0DD692F4645F}"/>
-                  </a:ext>
-                </a:extLst>
-              </p:cNvPr>
-              <p:cNvSpPr txBox="1"/>
-              <p:nvPr/>
-            </p:nvSpPr>
-            <p:spPr>
-              <a:xfrm>
-                <a:off x="5646447" y="902137"/>
-                <a:ext cx="789584" cy="276999"/>
-              </a:xfrm>
-              <a:prstGeom prst="rect">
-                <a:avLst/>
-              </a:prstGeom>
-              <a:noFill/>
-            </p:spPr>
-            <p:txBody>
-              <a:bodyPr wrap="square" rtlCol="0">
-                <a:spAutoFit/>
-              </a:bodyPr>
-              <a:lstStyle/>
-              <a:p>
-                <a:pPr algn="ctr"/>
-                <a:r>
-                  <a:rPr kumimoji="1" lang="ko-KR" altLang="en-US" sz="1200" b="1" dirty="0">
-                    <a:solidFill>
-                      <a:srgbClr val="5DA2C5"/>
-                    </a:solidFill>
-                    <a:latin typeface="SHeadG" panose="02030600000101010101" pitchFamily="18" charset="-127"/>
-                    <a:ea typeface="SHeadG" panose="02030600000101010101" pitchFamily="18" charset="-127"/>
-                  </a:rPr>
-                  <a:t>오프셋</a:t>
-                </a:r>
-                <a:endParaRPr kumimoji="1" lang="ko-Kore-KR" altLang="en-US" sz="1200" b="1" dirty="0">
-                  <a:solidFill>
-                    <a:srgbClr val="5DA2C5"/>
-                  </a:solidFill>
-                  <a:latin typeface="SHeadG" panose="02030600000101010101" pitchFamily="18" charset="-127"/>
-                  <a:ea typeface="SHeadG" panose="02030600000101010101" pitchFamily="18" charset="-127"/>
-                </a:endParaRPr>
-              </a:p>
-            </p:txBody>
-          </p:sp>
-        </p:grpSp>
-        <p:grpSp>
-          <p:nvGrpSpPr>
-            <p:cNvPr id="202" name="그룹 201">
-              <a:extLst>
-                <a:ext uri="{FF2B5EF4-FFF2-40B4-BE49-F238E27FC236}">
-                  <a16:creationId xmlns:a16="http://schemas.microsoft.com/office/drawing/2014/main" id="{F99E1C43-9E9A-9741-91AE-439E7EA6BB8C}"/>
-                </a:ext>
-              </a:extLst>
-            </p:cNvPr>
-            <p:cNvGrpSpPr/>
-            <p:nvPr/>
-          </p:nvGrpSpPr>
-          <p:grpSpPr>
-            <a:xfrm>
-              <a:off x="7629396" y="1414910"/>
-              <a:ext cx="966569" cy="281455"/>
-              <a:chOff x="5556135" y="897681"/>
-              <a:chExt cx="966569" cy="281455"/>
-            </a:xfrm>
-          </p:grpSpPr>
-          <p:sp>
-            <p:nvSpPr>
-              <p:cNvPr id="203" name="직사각형 202">
-                <a:extLst>
-                  <a:ext uri="{FF2B5EF4-FFF2-40B4-BE49-F238E27FC236}">
-                    <a16:creationId xmlns:a16="http://schemas.microsoft.com/office/drawing/2014/main" id="{FBA0B394-E5AB-034C-845B-027BFBCFCD54}"/>
-                  </a:ext>
-                </a:extLst>
-              </p:cNvPr>
-              <p:cNvSpPr/>
-              <p:nvPr/>
-            </p:nvSpPr>
-            <p:spPr>
-              <a:xfrm>
-                <a:off x="5556135" y="897681"/>
-                <a:ext cx="963570" cy="276999"/>
-              </a:xfrm>
-              <a:prstGeom prst="rect">
-                <a:avLst/>
-              </a:prstGeom>
-              <a:solidFill>
-                <a:schemeClr val="bg1"/>
-              </a:solidFill>
-              <a:ln w="25400">
-                <a:solidFill>
-                  <a:srgbClr val="5DA2C5"/>
-                </a:solidFill>
-              </a:ln>
-            </p:spPr>
-            <p:style>
-              <a:lnRef idx="1">
-                <a:schemeClr val="accent1"/>
-              </a:lnRef>
-              <a:fillRef idx="0">
-                <a:schemeClr val="accent1"/>
-              </a:fillRef>
-              <a:effectRef idx="0">
-                <a:schemeClr val="accent1"/>
-              </a:effectRef>
-              <a:fontRef idx="minor">
-                <a:schemeClr val="tx1"/>
-              </a:fontRef>
-            </p:style>
-            <p:txBody>
-              <a:bodyPr rtlCol="0" anchor="ctr"/>
-              <a:lstStyle/>
-              <a:p>
-                <a:pPr algn="ctr"/>
-                <a:endParaRPr kumimoji="1" lang="ko-Kore-KR" altLang="en-US"/>
-              </a:p>
-            </p:txBody>
-          </p:sp>
-          <p:sp>
-            <p:nvSpPr>
-              <p:cNvPr id="204" name="TextBox 203">
-                <a:extLst>
-                  <a:ext uri="{FF2B5EF4-FFF2-40B4-BE49-F238E27FC236}">
-                    <a16:creationId xmlns:a16="http://schemas.microsoft.com/office/drawing/2014/main" id="{DB1ECFC5-A6E7-F348-AFE4-C00D45789C66}"/>
-                  </a:ext>
-                </a:extLst>
-              </p:cNvPr>
-              <p:cNvSpPr txBox="1"/>
-              <p:nvPr/>
-            </p:nvSpPr>
-            <p:spPr>
-              <a:xfrm>
-                <a:off x="5590002" y="902137"/>
-                <a:ext cx="932702" cy="276999"/>
-              </a:xfrm>
-              <a:prstGeom prst="rect">
-                <a:avLst/>
-              </a:prstGeom>
-              <a:noFill/>
-            </p:spPr>
-            <p:txBody>
-              <a:bodyPr wrap="square" rtlCol="0">
-                <a:spAutoFit/>
-              </a:bodyPr>
-              <a:lstStyle/>
-              <a:p>
-                <a:pPr algn="ctr"/>
-                <a:r>
-                  <a:rPr kumimoji="1" lang="ko-KR" altLang="en-US" sz="1200" b="1" dirty="0">
-                    <a:solidFill>
-                      <a:srgbClr val="5DA2C5"/>
-                    </a:solidFill>
-                    <a:latin typeface="SHeadG" panose="02030600000101010101" pitchFamily="18" charset="-127"/>
-                    <a:ea typeface="SHeadG" panose="02030600000101010101" pitchFamily="18" charset="-127"/>
-                  </a:rPr>
-                  <a:t>메시지 키</a:t>
-                </a:r>
-                <a:endParaRPr kumimoji="1" lang="ko-Kore-KR" altLang="en-US" sz="1200" b="1" dirty="0">
-                  <a:solidFill>
-                    <a:srgbClr val="5DA2C5"/>
-                  </a:solidFill>
-                  <a:latin typeface="SHeadG" panose="02030600000101010101" pitchFamily="18" charset="-127"/>
-                  <a:ea typeface="SHeadG" panose="02030600000101010101" pitchFamily="18" charset="-127"/>
-                </a:endParaRPr>
-              </a:p>
-            </p:txBody>
-          </p:sp>
-        </p:grpSp>
-        <p:grpSp>
-          <p:nvGrpSpPr>
-            <p:cNvPr id="205" name="그룹 204">
-              <a:extLst>
-                <a:ext uri="{FF2B5EF4-FFF2-40B4-BE49-F238E27FC236}">
-                  <a16:creationId xmlns:a16="http://schemas.microsoft.com/office/drawing/2014/main" id="{B3712A86-266A-CC45-816C-DA7776B74500}"/>
-                </a:ext>
-              </a:extLst>
-            </p:cNvPr>
-            <p:cNvGrpSpPr/>
-            <p:nvPr/>
-          </p:nvGrpSpPr>
-          <p:grpSpPr>
-            <a:xfrm>
-              <a:off x="7629076" y="1690306"/>
-              <a:ext cx="963890" cy="281455"/>
-              <a:chOff x="5556135" y="897681"/>
-              <a:chExt cx="963890" cy="281455"/>
-            </a:xfrm>
-          </p:grpSpPr>
-          <p:sp>
-            <p:nvSpPr>
-              <p:cNvPr id="206" name="직사각형 205">
-                <a:extLst>
-                  <a:ext uri="{FF2B5EF4-FFF2-40B4-BE49-F238E27FC236}">
-                    <a16:creationId xmlns:a16="http://schemas.microsoft.com/office/drawing/2014/main" id="{7A701FA1-E48D-3441-B0F2-2A72960E5D50}"/>
-                  </a:ext>
-                </a:extLst>
-              </p:cNvPr>
-              <p:cNvSpPr/>
-              <p:nvPr/>
-            </p:nvSpPr>
-            <p:spPr>
-              <a:xfrm>
-                <a:off x="5556135" y="897681"/>
-                <a:ext cx="963890" cy="276999"/>
-              </a:xfrm>
-              <a:prstGeom prst="rect">
-                <a:avLst/>
-              </a:prstGeom>
-              <a:solidFill>
-                <a:schemeClr val="bg1"/>
-              </a:solidFill>
-              <a:ln w="25400">
-                <a:solidFill>
-                  <a:srgbClr val="5DA2C5"/>
-                </a:solidFill>
-              </a:ln>
-            </p:spPr>
-            <p:style>
-              <a:lnRef idx="1">
-                <a:schemeClr val="accent1"/>
-              </a:lnRef>
-              <a:fillRef idx="0">
-                <a:schemeClr val="accent1"/>
-              </a:fillRef>
-              <a:effectRef idx="0">
-                <a:schemeClr val="accent1"/>
-              </a:effectRef>
-              <a:fontRef idx="minor">
-                <a:schemeClr val="tx1"/>
-              </a:fontRef>
-            </p:style>
-            <p:txBody>
-              <a:bodyPr rtlCol="0" anchor="ctr"/>
-              <a:lstStyle/>
-              <a:p>
-                <a:pPr algn="ctr"/>
-                <a:endParaRPr kumimoji="1" lang="ko-Kore-KR" altLang="en-US"/>
-              </a:p>
-            </p:txBody>
-          </p:sp>
-          <p:sp>
-            <p:nvSpPr>
-              <p:cNvPr id="207" name="TextBox 206">
-                <a:extLst>
-                  <a:ext uri="{FF2B5EF4-FFF2-40B4-BE49-F238E27FC236}">
-                    <a16:creationId xmlns:a16="http://schemas.microsoft.com/office/drawing/2014/main" id="{6E1469C7-F970-6B45-BAC1-919CDE035E45}"/>
-                  </a:ext>
-                </a:extLst>
-              </p:cNvPr>
-              <p:cNvSpPr txBox="1"/>
-              <p:nvPr/>
-            </p:nvSpPr>
-            <p:spPr>
-              <a:xfrm>
-                <a:off x="5646446" y="902137"/>
-                <a:ext cx="789583" cy="276999"/>
-              </a:xfrm>
-              <a:prstGeom prst="rect">
-                <a:avLst/>
-              </a:prstGeom>
-              <a:noFill/>
-            </p:spPr>
-            <p:txBody>
-              <a:bodyPr wrap="square" rtlCol="0">
-                <a:spAutoFit/>
-              </a:bodyPr>
-              <a:lstStyle/>
-              <a:p>
-                <a:pPr algn="ctr"/>
-                <a:r>
-                  <a:rPr kumimoji="1" lang="ko-KR" altLang="en-US" sz="1200" b="1" dirty="0">
-                    <a:solidFill>
-                      <a:srgbClr val="5DA2C5"/>
-                    </a:solidFill>
-                    <a:latin typeface="SHeadG" panose="02030600000101010101" pitchFamily="18" charset="-127"/>
-                    <a:ea typeface="SHeadG" panose="02030600000101010101" pitchFamily="18" charset="-127"/>
-                  </a:rPr>
-                  <a:t>메시지 값</a:t>
-                </a:r>
-                <a:endParaRPr kumimoji="1" lang="ko-Kore-KR" altLang="en-US" sz="1200" b="1" dirty="0">
-                  <a:solidFill>
-                    <a:srgbClr val="5DA2C5"/>
-                  </a:solidFill>
-                  <a:latin typeface="SHeadG" panose="02030600000101010101" pitchFamily="18" charset="-127"/>
-                  <a:ea typeface="SHeadG" panose="02030600000101010101" pitchFamily="18" charset="-127"/>
-                </a:endParaRPr>
-              </a:p>
-            </p:txBody>
-          </p:sp>
-        </p:grpSp>
-        <p:sp>
-          <p:nvSpPr>
-            <p:cNvPr id="209" name="TextBox 208">
-              <a:extLst>
-                <a:ext uri="{FF2B5EF4-FFF2-40B4-BE49-F238E27FC236}">
-                  <a16:creationId xmlns:a16="http://schemas.microsoft.com/office/drawing/2014/main" id="{C93642AE-718D-8E49-90F7-0C4D0B475EAE}"/>
-                </a:ext>
-              </a:extLst>
-            </p:cNvPr>
-            <p:cNvSpPr txBox="1"/>
-            <p:nvPr/>
-          </p:nvSpPr>
-          <p:spPr>
-            <a:xfrm>
-              <a:off x="7460088" y="776065"/>
-              <a:ext cx="1301865" cy="307777"/>
-            </a:xfrm>
-            <a:prstGeom prst="rect">
-              <a:avLst/>
-            </a:prstGeom>
-            <a:noFill/>
-          </p:spPr>
-          <p:txBody>
-            <a:bodyPr wrap="square" rtlCol="0">
-              <a:spAutoFit/>
-            </a:bodyPr>
-            <a:lstStyle/>
-            <a:p>
-              <a:pPr algn="ctr"/>
-              <a:r>
-                <a:rPr kumimoji="1" lang="ko-KR" altLang="en-US" sz="1400" b="1" dirty="0">
-                  <a:solidFill>
-                    <a:srgbClr val="5DA2C5"/>
-                  </a:solidFill>
-                  <a:latin typeface="SHeadG" panose="02030600000101010101" pitchFamily="18" charset="-127"/>
-                  <a:ea typeface="SHeadG" panose="02030600000101010101" pitchFamily="18" charset="-127"/>
-                </a:rPr>
-                <a:t>프로듀서</a:t>
-              </a:r>
-              <a:endParaRPr kumimoji="1" lang="ko-Kore-KR" altLang="en-US" sz="1400" b="1" dirty="0">
-                <a:solidFill>
-                  <a:srgbClr val="5DA2C5"/>
-                </a:solidFill>
-                <a:latin typeface="SHeadG" panose="02030600000101010101" pitchFamily="18" charset="-127"/>
-                <a:ea typeface="SHeadG" panose="02030600000101010101" pitchFamily="18" charset="-127"/>
-              </a:endParaRPr>
-            </a:p>
-          </p:txBody>
-        </p:sp>
-        <p:sp>
-          <p:nvSpPr>
-            <p:cNvPr id="210" name="TextBox 209">
-              <a:extLst>
-                <a:ext uri="{FF2B5EF4-FFF2-40B4-BE49-F238E27FC236}">
-                  <a16:creationId xmlns:a16="http://schemas.microsoft.com/office/drawing/2014/main" id="{BE03AB69-3665-7E46-83B8-9622938F3260}"/>
-                </a:ext>
-              </a:extLst>
-            </p:cNvPr>
-            <p:cNvSpPr txBox="1"/>
-            <p:nvPr/>
-          </p:nvSpPr>
-          <p:spPr>
-            <a:xfrm>
-              <a:off x="7460087" y="2018702"/>
-              <a:ext cx="1301865" cy="307777"/>
-            </a:xfrm>
-            <a:prstGeom prst="rect">
-              <a:avLst/>
-            </a:prstGeom>
-            <a:noFill/>
-          </p:spPr>
-          <p:txBody>
-            <a:bodyPr wrap="square" rtlCol="0">
-              <a:spAutoFit/>
-            </a:bodyPr>
-            <a:lstStyle/>
-            <a:p>
-              <a:pPr algn="ctr"/>
-              <a:r>
-                <a:rPr kumimoji="1" lang="ko-KR" altLang="en-US" sz="1400" b="1" dirty="0">
-                  <a:solidFill>
-                    <a:srgbClr val="5DA2C5"/>
-                  </a:solidFill>
-                  <a:latin typeface="SHeadG" panose="02030600000101010101" pitchFamily="18" charset="-127"/>
-                  <a:ea typeface="SHeadG" panose="02030600000101010101" pitchFamily="18" charset="-127"/>
-                </a:rPr>
-                <a:t>레코드</a:t>
-              </a:r>
-              <a:endParaRPr kumimoji="1" lang="ko-Kore-KR" altLang="en-US" sz="1400" b="1" dirty="0">
-                <a:solidFill>
-                  <a:srgbClr val="5DA2C5"/>
-                </a:solidFill>
-                <a:latin typeface="SHeadG" panose="02030600000101010101" pitchFamily="18" charset="-127"/>
-                <a:ea typeface="SHeadG" panose="02030600000101010101" pitchFamily="18" charset="-127"/>
-              </a:endParaRPr>
-            </a:p>
-          </p:txBody>
-        </p:sp>
-      </p:grpSp>
-      <p:cxnSp>
-        <p:nvCxnSpPr>
-          <p:cNvPr id="211" name="직선 화살표 연결선 210">
-            <a:extLst>
-              <a:ext uri="{FF2B5EF4-FFF2-40B4-BE49-F238E27FC236}">
-                <a16:creationId xmlns:a16="http://schemas.microsoft.com/office/drawing/2014/main" id="{D6D1C825-594A-BB42-8354-D7399E504AD0}"/>
-              </a:ext>
-            </a:extLst>
-          </p:cNvPr>
-          <p:cNvCxnSpPr>
-            <a:cxnSpLocks/>
-            <a:stCxn id="203" idx="1"/>
-          </p:cNvCxnSpPr>
-          <p:nvPr/>
-        </p:nvCxnSpPr>
-        <p:spPr>
-          <a:xfrm flipH="1" flipV="1">
-            <a:off x="4234194" y="1880606"/>
-            <a:ext cx="3045121" cy="413896"/>
-          </a:xfrm>
-          <a:prstGeom prst="straightConnector1">
-            <a:avLst/>
-          </a:prstGeom>
-          <a:ln w="19050">
-            <a:solidFill>
-              <a:srgbClr val="5DA2C5"/>
-            </a:solidFill>
-            <a:tailEnd type="stealth" w="lg" len="lg"/>
-          </a:ln>
-        </p:spPr>
-        <p:style>
-          <a:lnRef idx="1">
-            <a:schemeClr val="accent1"/>
-          </a:lnRef>
-          <a:fillRef idx="0">
-            <a:schemeClr val="accent1"/>
-          </a:fillRef>
-          <a:effectRef idx="0">
-            <a:schemeClr val="accent1"/>
-          </a:effectRef>
-          <a:fontRef idx="minor">
-            <a:schemeClr val="tx1"/>
-          </a:fontRef>
-        </p:style>
-      </p:cxnSp>
-      <p:cxnSp>
-        <p:nvCxnSpPr>
-          <p:cNvPr id="212" name="직선 화살표 연결선 211">
-            <a:extLst>
-              <a:ext uri="{FF2B5EF4-FFF2-40B4-BE49-F238E27FC236}">
-                <a16:creationId xmlns:a16="http://schemas.microsoft.com/office/drawing/2014/main" id="{87A7D856-7EA2-DA4D-B97F-699C3F5E68DA}"/>
-              </a:ext>
-            </a:extLst>
-          </p:cNvPr>
-          <p:cNvCxnSpPr>
-            <a:cxnSpLocks/>
-            <a:stCxn id="203" idx="1"/>
-          </p:cNvCxnSpPr>
-          <p:nvPr/>
-        </p:nvCxnSpPr>
-        <p:spPr>
-          <a:xfrm flipH="1">
-            <a:off x="5288025" y="2294502"/>
-            <a:ext cx="1991290" cy="799735"/>
-          </a:xfrm>
-          <a:prstGeom prst="straightConnector1">
-            <a:avLst/>
-          </a:prstGeom>
-          <a:ln w="19050">
-            <a:solidFill>
-              <a:srgbClr val="5DA2C5"/>
-            </a:solidFill>
-            <a:tailEnd type="stealth" w="lg" len="lg"/>
-          </a:ln>
-        </p:spPr>
-        <p:style>
-          <a:lnRef idx="1">
-            <a:schemeClr val="accent1"/>
-          </a:lnRef>
-          <a:fillRef idx="0">
-            <a:schemeClr val="accent1"/>
-          </a:fillRef>
-          <a:effectRef idx="0">
-            <a:schemeClr val="accent1"/>
-          </a:effectRef>
-          <a:fontRef idx="minor">
-            <a:schemeClr val="tx1"/>
-          </a:fontRef>
-        </p:style>
-      </p:cxnSp>
-    </p:spTree>
-    <p:extLst>
-      <p:ext uri="{BB962C8B-B14F-4D97-AF65-F5344CB8AC3E}">
-        <p14:creationId xmlns:p14="http://schemas.microsoft.com/office/powerpoint/2010/main" val="1755628214"/>
       </p:ext>
     </p:extLst>
   </p:cSld>
@@ -25636,4 +18263,299 @@
     </a:ext>
   </a:extLst>
 </a:theme>
+</file>
+
+<file path=ppt/theme/theme2.xml><?xml version="1.0" encoding="utf-8"?>
+<a:theme xmlns:a="http://schemas.openxmlformats.org/drawingml/2006/main" name="Office 테마">
+  <a:themeElements>
+    <a:clrScheme name="Office">
+      <a:dk1>
+        <a:sysClr val="windowText" lastClr="000000"/>
+      </a:dk1>
+      <a:lt1>
+        <a:sysClr val="window" lastClr="FFFFFF"/>
+      </a:lt1>
+      <a:dk2>
+        <a:srgbClr val="44546A"/>
+      </a:dk2>
+      <a:lt2>
+        <a:srgbClr val="E7E6E6"/>
+      </a:lt2>
+      <a:accent1>
+        <a:srgbClr val="4472C4"/>
+      </a:accent1>
+      <a:accent2>
+        <a:srgbClr val="ED7D31"/>
+      </a:accent2>
+      <a:accent3>
+        <a:srgbClr val="A5A5A5"/>
+      </a:accent3>
+      <a:accent4>
+        <a:srgbClr val="FFC000"/>
+      </a:accent4>
+      <a:accent5>
+        <a:srgbClr val="5B9BD5"/>
+      </a:accent5>
+      <a:accent6>
+        <a:srgbClr val="70AD47"/>
+      </a:accent6>
+      <a:hlink>
+        <a:srgbClr val="0563C1"/>
+      </a:hlink>
+      <a:folHlink>
+        <a:srgbClr val="954F72"/>
+      </a:folHlink>
+    </a:clrScheme>
+    <a:fontScheme name="Office">
+      <a:majorFont>
+        <a:latin typeface="Calibri Light" panose="020F0302020204030204"/>
+        <a:ea typeface=""/>
+        <a:cs typeface=""/>
+        <a:font script="Jpan" typeface="游ゴシック Light"/>
+        <a:font script="Hang" typeface="맑은 고딕"/>
+        <a:font script="Hans" typeface="等线 Light"/>
+        <a:font script="Hant" typeface="新細明體"/>
+        <a:font script="Arab" typeface="Times New Roman"/>
+        <a:font script="Hebr" typeface="Times New Roman"/>
+        <a:font script="Thai" typeface="Angsana New"/>
+        <a:font script="Ethi" typeface="Nyala"/>
+        <a:font script="Beng" typeface="Vrinda"/>
+        <a:font script="Gujr" typeface="Shruti"/>
+        <a:font script="Khmr" typeface="MoolBoran"/>
+        <a:font script="Knda" typeface="Tunga"/>
+        <a:font script="Guru" typeface="Raavi"/>
+        <a:font script="Cans" typeface="Euphemia"/>
+        <a:font script="Cher" typeface="Plantagenet Cherokee"/>
+        <a:font script="Yiii" typeface="Microsoft Yi Baiti"/>
+        <a:font script="Tibt" typeface="Microsoft Himalaya"/>
+        <a:font script="Thaa" typeface="MV Boli"/>
+        <a:font script="Deva" typeface="Mangal"/>
+        <a:font script="Telu" typeface="Gautami"/>
+        <a:font script="Taml" typeface="Latha"/>
+        <a:font script="Syrc" typeface="Estrangelo Edessa"/>
+        <a:font script="Orya" typeface="Kalinga"/>
+        <a:font script="Mlym" typeface="Kartika"/>
+        <a:font script="Laoo" typeface="DokChampa"/>
+        <a:font script="Sinh" typeface="Iskoola Pota"/>
+        <a:font script="Mong" typeface="Mongolian Baiti"/>
+        <a:font script="Viet" typeface="Times New Roman"/>
+        <a:font script="Uigh" typeface="Microsoft Uighur"/>
+        <a:font script="Geor" typeface="Sylfaen"/>
+        <a:font script="Armn" typeface="Arial"/>
+        <a:font script="Bugi" typeface="Leelawadee UI"/>
+        <a:font script="Bopo" typeface="Microsoft JhengHei"/>
+        <a:font script="Java" typeface="Javanese Text"/>
+        <a:font script="Lisu" typeface="Segoe UI"/>
+        <a:font script="Mymr" typeface="Myanmar Text"/>
+        <a:font script="Nkoo" typeface="Ebrima"/>
+        <a:font script="Olck" typeface="Nirmala UI"/>
+        <a:font script="Osma" typeface="Ebrima"/>
+        <a:font script="Phag" typeface="Phagspa"/>
+        <a:font script="Syrn" typeface="Estrangelo Edessa"/>
+        <a:font script="Syrj" typeface="Estrangelo Edessa"/>
+        <a:font script="Syre" typeface="Estrangelo Edessa"/>
+        <a:font script="Sora" typeface="Nirmala UI"/>
+        <a:font script="Tale" typeface="Microsoft Tai Le"/>
+        <a:font script="Talu" typeface="Microsoft New Tai Lue"/>
+        <a:font script="Tfng" typeface="Ebrima"/>
+      </a:majorFont>
+      <a:minorFont>
+        <a:latin typeface="Calibri" panose="020F0502020204030204"/>
+        <a:ea typeface=""/>
+        <a:cs typeface=""/>
+        <a:font script="Jpan" typeface="游ゴシック"/>
+        <a:font script="Hang" typeface="맑은 고딕"/>
+        <a:font script="Hans" typeface="等线"/>
+        <a:font script="Hant" typeface="新細明體"/>
+        <a:font script="Arab" typeface="Arial"/>
+        <a:font script="Hebr" typeface="Arial"/>
+        <a:font script="Thai" typeface="Cordia New"/>
+        <a:font script="Ethi" typeface="Nyala"/>
+        <a:font script="Beng" typeface="Vrinda"/>
+        <a:font script="Gujr" typeface="Shruti"/>
+        <a:font script="Khmr" typeface="DaunPenh"/>
+        <a:font script="Knda" typeface="Tunga"/>
+        <a:font script="Guru" typeface="Raavi"/>
+        <a:font script="Cans" typeface="Euphemia"/>
+        <a:font script="Cher" typeface="Plantagenet Cherokee"/>
+        <a:font script="Yiii" typeface="Microsoft Yi Baiti"/>
+        <a:font script="Tibt" typeface="Microsoft Himalaya"/>
+        <a:font script="Thaa" typeface="MV Boli"/>
+        <a:font script="Deva" typeface="Mangal"/>
+        <a:font script="Telu" typeface="Gautami"/>
+        <a:font script="Taml" typeface="Latha"/>
+        <a:font script="Syrc" typeface="Estrangelo Edessa"/>
+        <a:font script="Orya" typeface="Kalinga"/>
+        <a:font script="Mlym" typeface="Kartika"/>
+        <a:font script="Laoo" typeface="DokChampa"/>
+        <a:font script="Sinh" typeface="Iskoola Pota"/>
+        <a:font script="Mong" typeface="Mongolian Baiti"/>
+        <a:font script="Viet" typeface="Arial"/>
+        <a:font script="Uigh" typeface="Microsoft Uighur"/>
+        <a:font script="Geor" typeface="Sylfaen"/>
+        <a:font script="Armn" typeface="Arial"/>
+        <a:font script="Bugi" typeface="Leelawadee UI"/>
+        <a:font script="Bopo" typeface="Microsoft JhengHei"/>
+        <a:font script="Java" typeface="Javanese Text"/>
+        <a:font script="Lisu" typeface="Segoe UI"/>
+        <a:font script="Mymr" typeface="Myanmar Text"/>
+        <a:font script="Nkoo" typeface="Ebrima"/>
+        <a:font script="Olck" typeface="Nirmala UI"/>
+        <a:font script="Osma" typeface="Ebrima"/>
+        <a:font script="Phag" typeface="Phagspa"/>
+        <a:font script="Syrn" typeface="Estrangelo Edessa"/>
+        <a:font script="Syrj" typeface="Estrangelo Edessa"/>
+        <a:font script="Syre" typeface="Estrangelo Edessa"/>
+        <a:font script="Sora" typeface="Nirmala UI"/>
+        <a:font script="Tale" typeface="Microsoft Tai Le"/>
+        <a:font script="Talu" typeface="Microsoft New Tai Lue"/>
+        <a:font script="Tfng" typeface="Ebrima"/>
+      </a:minorFont>
+    </a:fontScheme>
+    <a:fmtScheme name="Office">
+      <a:fillStyleLst>
+        <a:solidFill>
+          <a:schemeClr val="phClr"/>
+        </a:solidFill>
+        <a:gradFill rotWithShape="1">
+          <a:gsLst>
+            <a:gs pos="0">
+              <a:schemeClr val="phClr">
+                <a:lumMod val="110000"/>
+                <a:satMod val="105000"/>
+                <a:tint val="67000"/>
+              </a:schemeClr>
+            </a:gs>
+            <a:gs pos="50000">
+              <a:schemeClr val="phClr">
+                <a:lumMod val="105000"/>
+                <a:satMod val="103000"/>
+                <a:tint val="73000"/>
+              </a:schemeClr>
+            </a:gs>
+            <a:gs pos="100000">
+              <a:schemeClr val="phClr">
+                <a:lumMod val="105000"/>
+                <a:satMod val="109000"/>
+                <a:tint val="81000"/>
+              </a:schemeClr>
+            </a:gs>
+          </a:gsLst>
+          <a:lin ang="5400000" scaled="0"/>
+        </a:gradFill>
+        <a:gradFill rotWithShape="1">
+          <a:gsLst>
+            <a:gs pos="0">
+              <a:schemeClr val="phClr">
+                <a:satMod val="103000"/>
+                <a:lumMod val="102000"/>
+                <a:tint val="94000"/>
+              </a:schemeClr>
+            </a:gs>
+            <a:gs pos="50000">
+              <a:schemeClr val="phClr">
+                <a:satMod val="110000"/>
+                <a:lumMod val="100000"/>
+                <a:shade val="100000"/>
+              </a:schemeClr>
+            </a:gs>
+            <a:gs pos="100000">
+              <a:schemeClr val="phClr">
+                <a:lumMod val="99000"/>
+                <a:satMod val="120000"/>
+                <a:shade val="78000"/>
+              </a:schemeClr>
+            </a:gs>
+          </a:gsLst>
+          <a:lin ang="5400000" scaled="0"/>
+        </a:gradFill>
+      </a:fillStyleLst>
+      <a:lnStyleLst>
+        <a:ln w="6350" cap="flat" cmpd="sng" algn="ctr">
+          <a:solidFill>
+            <a:schemeClr val="phClr"/>
+          </a:solidFill>
+          <a:prstDash val="solid"/>
+          <a:miter lim="800000"/>
+        </a:ln>
+        <a:ln w="12700" cap="flat" cmpd="sng" algn="ctr">
+          <a:solidFill>
+            <a:schemeClr val="phClr"/>
+          </a:solidFill>
+          <a:prstDash val="solid"/>
+          <a:miter lim="800000"/>
+        </a:ln>
+        <a:ln w="19050" cap="flat" cmpd="sng" algn="ctr">
+          <a:solidFill>
+            <a:schemeClr val="phClr"/>
+          </a:solidFill>
+          <a:prstDash val="solid"/>
+          <a:miter lim="800000"/>
+        </a:ln>
+      </a:lnStyleLst>
+      <a:effectStyleLst>
+        <a:effectStyle>
+          <a:effectLst/>
+        </a:effectStyle>
+        <a:effectStyle>
+          <a:effectLst/>
+        </a:effectStyle>
+        <a:effectStyle>
+          <a:effectLst>
+            <a:outerShdw blurRad="57150" dist="19050" dir="5400000" algn="ctr" rotWithShape="0">
+              <a:srgbClr val="000000">
+                <a:alpha val="63000"/>
+              </a:srgbClr>
+            </a:outerShdw>
+          </a:effectLst>
+        </a:effectStyle>
+      </a:effectStyleLst>
+      <a:bgFillStyleLst>
+        <a:solidFill>
+          <a:schemeClr val="phClr"/>
+        </a:solidFill>
+        <a:solidFill>
+          <a:schemeClr val="phClr">
+            <a:tint val="95000"/>
+            <a:satMod val="170000"/>
+          </a:schemeClr>
+        </a:solidFill>
+        <a:gradFill rotWithShape="1">
+          <a:gsLst>
+            <a:gs pos="0">
+              <a:schemeClr val="phClr">
+                <a:tint val="93000"/>
+                <a:satMod val="150000"/>
+                <a:shade val="98000"/>
+                <a:lumMod val="102000"/>
+              </a:schemeClr>
+            </a:gs>
+            <a:gs pos="50000">
+              <a:schemeClr val="phClr">
+                <a:tint val="98000"/>
+                <a:satMod val="130000"/>
+                <a:shade val="90000"/>
+                <a:lumMod val="103000"/>
+              </a:schemeClr>
+            </a:gs>
+            <a:gs pos="100000">
+              <a:schemeClr val="phClr">
+                <a:shade val="63000"/>
+                <a:satMod val="120000"/>
+              </a:schemeClr>
+            </a:gs>
+          </a:gsLst>
+          <a:lin ang="5400000" scaled="0"/>
+        </a:gradFill>
+      </a:bgFillStyleLst>
+    </a:fmtScheme>
+  </a:themeElements>
+  <a:objectDefaults/>
+  <a:extraClrSchemeLst/>
+  <a:extLst>
+    <a:ext uri="{05A4C25C-085E-4340-85A3-A5531E510DB2}">
+      <thm15:themeFamily xmlns:thm15="http://schemas.microsoft.com/office/thememl/2012/main" name="Office Theme" id="{62F939B6-93AF-4DB8-9C6B-D6C7DFDC589F}" vid="{4A3C46E8-61CC-4603-A589-7422A47A8E4A}"/>
+    </a:ext>
+  </a:extLst>
+</a:theme>
 </file>
--- a/아파치카프카_with자바/ref/프레젠테이션1.pptx
+++ b/아파치카프카_with자바/ref/프레젠테이션1.pptx
@@ -20,6 +20,7 @@
     <p:sldId id="271" r:id="rId14"/>
     <p:sldId id="272" r:id="rId15"/>
     <p:sldId id="273" r:id="rId16"/>
+    <p:sldId id="274" r:id="rId17"/>
   </p:sldIdLst>
   <p:sldSz cx="12192000" cy="6858000"/>
   <p:notesSz cx="6858000" cy="9144000"/>
@@ -257,7 +258,7 @@
           <a:p>
             <a:fld id="{3083E1A9-A397-4745-BD5D-6E8E767939EE}" type="datetimeFigureOut">
               <a:rPr kumimoji="1" lang="ko-Kore-KR" altLang="en-US" smtClean="0"/>
-              <a:t>2021. 5. 14.</a:t>
+              <a:t>2021. 5. 15.</a:t>
             </a:fld>
             <a:endParaRPr kumimoji="1" lang="ko-Kore-KR" altLang="en-US"/>
           </a:p>
@@ -427,7 +428,7 @@
           <a:p>
             <a:fld id="{3083E1A9-A397-4745-BD5D-6E8E767939EE}" type="datetimeFigureOut">
               <a:rPr kumimoji="1" lang="ko-Kore-KR" altLang="en-US" smtClean="0"/>
-              <a:t>2021. 5. 14.</a:t>
+              <a:t>2021. 5. 15.</a:t>
             </a:fld>
             <a:endParaRPr kumimoji="1" lang="ko-Kore-KR" altLang="en-US"/>
           </a:p>
@@ -607,7 +608,7 @@
           <a:p>
             <a:fld id="{3083E1A9-A397-4745-BD5D-6E8E767939EE}" type="datetimeFigureOut">
               <a:rPr kumimoji="1" lang="ko-Kore-KR" altLang="en-US" smtClean="0"/>
-              <a:t>2021. 5. 14.</a:t>
+              <a:t>2021. 5. 15.</a:t>
             </a:fld>
             <a:endParaRPr kumimoji="1" lang="ko-Kore-KR" altLang="en-US"/>
           </a:p>
@@ -777,7 +778,7 @@
           <a:p>
             <a:fld id="{3083E1A9-A397-4745-BD5D-6E8E767939EE}" type="datetimeFigureOut">
               <a:rPr kumimoji="1" lang="ko-Kore-KR" altLang="en-US" smtClean="0"/>
-              <a:t>2021. 5. 14.</a:t>
+              <a:t>2021. 5. 15.</a:t>
             </a:fld>
             <a:endParaRPr kumimoji="1" lang="ko-Kore-KR" altLang="en-US"/>
           </a:p>
@@ -1023,7 +1024,7 @@
           <a:p>
             <a:fld id="{3083E1A9-A397-4745-BD5D-6E8E767939EE}" type="datetimeFigureOut">
               <a:rPr kumimoji="1" lang="ko-Kore-KR" altLang="en-US" smtClean="0"/>
-              <a:t>2021. 5. 14.</a:t>
+              <a:t>2021. 5. 15.</a:t>
             </a:fld>
             <a:endParaRPr kumimoji="1" lang="ko-Kore-KR" altLang="en-US"/>
           </a:p>
@@ -1255,7 +1256,7 @@
           <a:p>
             <a:fld id="{3083E1A9-A397-4745-BD5D-6E8E767939EE}" type="datetimeFigureOut">
               <a:rPr kumimoji="1" lang="ko-Kore-KR" altLang="en-US" smtClean="0"/>
-              <a:t>2021. 5. 14.</a:t>
+              <a:t>2021. 5. 15.</a:t>
             </a:fld>
             <a:endParaRPr kumimoji="1" lang="ko-Kore-KR" altLang="en-US"/>
           </a:p>
@@ -1622,7 +1623,7 @@
           <a:p>
             <a:fld id="{3083E1A9-A397-4745-BD5D-6E8E767939EE}" type="datetimeFigureOut">
               <a:rPr kumimoji="1" lang="ko-Kore-KR" altLang="en-US" smtClean="0"/>
-              <a:t>2021. 5. 14.</a:t>
+              <a:t>2021. 5. 15.</a:t>
             </a:fld>
             <a:endParaRPr kumimoji="1" lang="ko-Kore-KR" altLang="en-US"/>
           </a:p>
@@ -1740,7 +1741,7 @@
           <a:p>
             <a:fld id="{3083E1A9-A397-4745-BD5D-6E8E767939EE}" type="datetimeFigureOut">
               <a:rPr kumimoji="1" lang="ko-Kore-KR" altLang="en-US" smtClean="0"/>
-              <a:t>2021. 5. 14.</a:t>
+              <a:t>2021. 5. 15.</a:t>
             </a:fld>
             <a:endParaRPr kumimoji="1" lang="ko-Kore-KR" altLang="en-US"/>
           </a:p>
@@ -1835,7 +1836,7 @@
           <a:p>
             <a:fld id="{3083E1A9-A397-4745-BD5D-6E8E767939EE}" type="datetimeFigureOut">
               <a:rPr kumimoji="1" lang="ko-Kore-KR" altLang="en-US" smtClean="0"/>
-              <a:t>2021. 5. 14.</a:t>
+              <a:t>2021. 5. 15.</a:t>
             </a:fld>
             <a:endParaRPr kumimoji="1" lang="ko-Kore-KR" altLang="en-US"/>
           </a:p>
@@ -2112,7 +2113,7 @@
           <a:p>
             <a:fld id="{3083E1A9-A397-4745-BD5D-6E8E767939EE}" type="datetimeFigureOut">
               <a:rPr kumimoji="1" lang="ko-Kore-KR" altLang="en-US" smtClean="0"/>
-              <a:t>2021. 5. 14.</a:t>
+              <a:t>2021. 5. 15.</a:t>
             </a:fld>
             <a:endParaRPr kumimoji="1" lang="ko-Kore-KR" altLang="en-US"/>
           </a:p>
@@ -2369,7 +2370,7 @@
           <a:p>
             <a:fld id="{3083E1A9-A397-4745-BD5D-6E8E767939EE}" type="datetimeFigureOut">
               <a:rPr kumimoji="1" lang="ko-Kore-KR" altLang="en-US" smtClean="0"/>
-              <a:t>2021. 5. 14.</a:t>
+              <a:t>2021. 5. 15.</a:t>
             </a:fld>
             <a:endParaRPr kumimoji="1" lang="ko-Kore-KR" altLang="en-US"/>
           </a:p>
@@ -2582,7 +2583,7 @@
           <a:p>
             <a:fld id="{3083E1A9-A397-4745-BD5D-6E8E767939EE}" type="datetimeFigureOut">
               <a:rPr kumimoji="1" lang="ko-Kore-KR" altLang="en-US" smtClean="0"/>
-              <a:t>2021. 5. 14.</a:t>
+              <a:t>2021. 5. 15.</a:t>
             </a:fld>
             <a:endParaRPr kumimoji="1" lang="ko-Kore-KR" altLang="en-US"/>
           </a:p>
@@ -20082,6 +20083,638 @@
     <p:extLst>
       <p:ext uri="{BB962C8B-B14F-4D97-AF65-F5344CB8AC3E}">
         <p14:creationId xmlns:p14="http://schemas.microsoft.com/office/powerpoint/2010/main" val="4025255971"/>
+      </p:ext>
+    </p:extLst>
+  </p:cSld>
+  <p:clrMapOvr>
+    <a:masterClrMapping/>
+  </p:clrMapOvr>
+</p:sld>
+</file>
+
+<file path=ppt/slides/slide16.xml><?xml version="1.0" encoding="utf-8"?>
+<p:sld xmlns:a="http://schemas.openxmlformats.org/drawingml/2006/main" xmlns:r="http://schemas.openxmlformats.org/officeDocument/2006/relationships" xmlns:p="http://schemas.openxmlformats.org/presentationml/2006/main">
+  <p:cSld>
+    <p:spTree>
+      <p:nvGrpSpPr>
+        <p:cNvPr id="1" name=""/>
+        <p:cNvGrpSpPr/>
+        <p:nvPr/>
+      </p:nvGrpSpPr>
+      <p:grpSpPr>
+        <a:xfrm>
+          <a:off x="0" y="0"/>
+          <a:ext cx="0" cy="0"/>
+          <a:chOff x="0" y="0"/>
+          <a:chExt cx="0" cy="0"/>
+        </a:xfrm>
+      </p:grpSpPr>
+      <p:sp>
+        <p:nvSpPr>
+          <p:cNvPr id="47" name="직사각형 46">
+            <a:extLst>
+              <a:ext uri="{FF2B5EF4-FFF2-40B4-BE49-F238E27FC236}">
+                <a16:creationId xmlns:a16="http://schemas.microsoft.com/office/drawing/2014/main" id="{F0C95953-500E-8643-9971-B13DC642D906}"/>
+              </a:ext>
+            </a:extLst>
+          </p:cNvPr>
+          <p:cNvSpPr/>
+          <p:nvPr/>
+        </p:nvSpPr>
+        <p:spPr>
+          <a:xfrm>
+            <a:off x="1967400" y="996850"/>
+            <a:ext cx="1439828" cy="429177"/>
+          </a:xfrm>
+          <a:prstGeom prst="rect">
+            <a:avLst/>
+          </a:prstGeom>
+          <a:solidFill>
+            <a:schemeClr val="bg1">
+              <a:lumMod val="95000"/>
+            </a:schemeClr>
+          </a:solidFill>
+          <a:ln w="25400">
+            <a:solidFill>
+              <a:srgbClr val="5DA2C5"/>
+            </a:solidFill>
+          </a:ln>
+        </p:spPr>
+        <p:style>
+          <a:lnRef idx="1">
+            <a:schemeClr val="accent1"/>
+          </a:lnRef>
+          <a:fillRef idx="0">
+            <a:schemeClr val="accent1"/>
+          </a:fillRef>
+          <a:effectRef idx="0">
+            <a:schemeClr val="accent1"/>
+          </a:effectRef>
+          <a:fontRef idx="minor">
+            <a:schemeClr val="tx1"/>
+          </a:fontRef>
+        </p:style>
+        <p:txBody>
+          <a:bodyPr rtlCol="0" anchor="ctr"/>
+          <a:lstStyle/>
+          <a:p>
+            <a:pPr algn="ctr"/>
+            <a:endParaRPr kumimoji="1" lang="ko-Kore-KR" altLang="en-US"/>
+          </a:p>
+        </p:txBody>
+      </p:sp>
+      <p:sp>
+        <p:nvSpPr>
+          <p:cNvPr id="48" name="TextBox 47">
+            <a:extLst>
+              <a:ext uri="{FF2B5EF4-FFF2-40B4-BE49-F238E27FC236}">
+                <a16:creationId xmlns:a16="http://schemas.microsoft.com/office/drawing/2014/main" id="{9B351322-27B6-0949-A0EE-4ABADF056A63}"/>
+              </a:ext>
+            </a:extLst>
+          </p:cNvPr>
+          <p:cNvSpPr txBox="1"/>
+          <p:nvPr/>
+        </p:nvSpPr>
+        <p:spPr>
+          <a:xfrm>
+            <a:off x="2023017" y="1066526"/>
+            <a:ext cx="1328595" cy="276999"/>
+          </a:xfrm>
+          <a:prstGeom prst="rect">
+            <a:avLst/>
+          </a:prstGeom>
+          <a:noFill/>
+        </p:spPr>
+        <p:txBody>
+          <a:bodyPr wrap="square" rtlCol="0">
+            <a:spAutoFit/>
+          </a:bodyPr>
+          <a:lstStyle/>
+          <a:p>
+            <a:pPr algn="ctr"/>
+            <a:r>
+              <a:rPr kumimoji="1" lang="ko-KR" altLang="en-US" sz="1200" b="1" dirty="0">
+                <a:solidFill>
+                  <a:srgbClr val="5DA2C5"/>
+                </a:solidFill>
+                <a:latin typeface="SHeadG" panose="02030600000101010101" pitchFamily="18" charset="-127"/>
+                <a:ea typeface="SHeadG" panose="02030600000101010101" pitchFamily="18" charset="-127"/>
+              </a:rPr>
+              <a:t>프로듀서</a:t>
+            </a:r>
+            <a:endParaRPr kumimoji="1" lang="ko-Kore-KR" altLang="en-US" sz="1200" b="1" dirty="0">
+              <a:solidFill>
+                <a:srgbClr val="5DA2C5"/>
+              </a:solidFill>
+              <a:latin typeface="SHeadG" panose="02030600000101010101" pitchFamily="18" charset="-127"/>
+              <a:ea typeface="SHeadG" panose="02030600000101010101" pitchFamily="18" charset="-127"/>
+            </a:endParaRPr>
+          </a:p>
+        </p:txBody>
+      </p:sp>
+      <p:cxnSp>
+        <p:nvCxnSpPr>
+          <p:cNvPr id="49" name="직선 화살표 연결선 48">
+            <a:extLst>
+              <a:ext uri="{FF2B5EF4-FFF2-40B4-BE49-F238E27FC236}">
+                <a16:creationId xmlns:a16="http://schemas.microsoft.com/office/drawing/2014/main" id="{DEE56E24-A3B0-074D-AC07-55C0520A4A4C}"/>
+              </a:ext>
+            </a:extLst>
+          </p:cNvPr>
+          <p:cNvCxnSpPr>
+            <a:cxnSpLocks/>
+            <a:stCxn id="47" idx="3"/>
+            <a:endCxn id="17" idx="1"/>
+          </p:cNvCxnSpPr>
+          <p:nvPr/>
+        </p:nvCxnSpPr>
+        <p:spPr>
+          <a:xfrm>
+            <a:off x="3407228" y="1211439"/>
+            <a:ext cx="949586" cy="0"/>
+          </a:xfrm>
+          <a:prstGeom prst="straightConnector1">
+            <a:avLst/>
+          </a:prstGeom>
+          <a:ln w="19050">
+            <a:solidFill>
+              <a:srgbClr val="5DA2C5"/>
+            </a:solidFill>
+            <a:tailEnd type="stealth" w="lg" len="lg"/>
+          </a:ln>
+        </p:spPr>
+        <p:style>
+          <a:lnRef idx="1">
+            <a:schemeClr val="accent1"/>
+          </a:lnRef>
+          <a:fillRef idx="0">
+            <a:schemeClr val="accent1"/>
+          </a:fillRef>
+          <a:effectRef idx="0">
+            <a:schemeClr val="accent1"/>
+          </a:effectRef>
+          <a:fontRef idx="minor">
+            <a:schemeClr val="tx1"/>
+          </a:fontRef>
+        </p:style>
+      </p:cxnSp>
+      <p:sp>
+        <p:nvSpPr>
+          <p:cNvPr id="17" name="직사각형 16">
+            <a:extLst>
+              <a:ext uri="{FF2B5EF4-FFF2-40B4-BE49-F238E27FC236}">
+                <a16:creationId xmlns:a16="http://schemas.microsoft.com/office/drawing/2014/main" id="{426FD46D-A793-164C-8633-6063EA7D6CA1}"/>
+              </a:ext>
+            </a:extLst>
+          </p:cNvPr>
+          <p:cNvSpPr/>
+          <p:nvPr/>
+        </p:nvSpPr>
+        <p:spPr>
+          <a:xfrm>
+            <a:off x="4356814" y="996850"/>
+            <a:ext cx="1439828" cy="429177"/>
+          </a:xfrm>
+          <a:prstGeom prst="rect">
+            <a:avLst/>
+          </a:prstGeom>
+          <a:solidFill>
+            <a:schemeClr val="bg1">
+              <a:lumMod val="85000"/>
+            </a:schemeClr>
+          </a:solidFill>
+          <a:ln w="25400">
+            <a:solidFill>
+              <a:srgbClr val="5DA2C5"/>
+            </a:solidFill>
+          </a:ln>
+        </p:spPr>
+        <p:style>
+          <a:lnRef idx="1">
+            <a:schemeClr val="accent1"/>
+          </a:lnRef>
+          <a:fillRef idx="0">
+            <a:schemeClr val="accent1"/>
+          </a:fillRef>
+          <a:effectRef idx="0">
+            <a:schemeClr val="accent1"/>
+          </a:effectRef>
+          <a:fontRef idx="minor">
+            <a:schemeClr val="tx1"/>
+          </a:fontRef>
+        </p:style>
+        <p:txBody>
+          <a:bodyPr rtlCol="0" anchor="ctr"/>
+          <a:lstStyle/>
+          <a:p>
+            <a:pPr algn="ctr"/>
+            <a:endParaRPr kumimoji="1" lang="ko-Kore-KR" altLang="en-US"/>
+          </a:p>
+        </p:txBody>
+      </p:sp>
+      <p:sp>
+        <p:nvSpPr>
+          <p:cNvPr id="18" name="TextBox 17">
+            <a:extLst>
+              <a:ext uri="{FF2B5EF4-FFF2-40B4-BE49-F238E27FC236}">
+                <a16:creationId xmlns:a16="http://schemas.microsoft.com/office/drawing/2014/main" id="{F8053174-206E-BC40-AAC0-2E19376D3F7E}"/>
+              </a:ext>
+            </a:extLst>
+          </p:cNvPr>
+          <p:cNvSpPr txBox="1"/>
+          <p:nvPr/>
+        </p:nvSpPr>
+        <p:spPr>
+          <a:xfrm>
+            <a:off x="4412431" y="1066526"/>
+            <a:ext cx="1328595" cy="276999"/>
+          </a:xfrm>
+          <a:prstGeom prst="rect">
+            <a:avLst/>
+          </a:prstGeom>
+          <a:noFill/>
+        </p:spPr>
+        <p:txBody>
+          <a:bodyPr wrap="square" rtlCol="0">
+            <a:spAutoFit/>
+          </a:bodyPr>
+          <a:lstStyle/>
+          <a:p>
+            <a:pPr algn="ctr"/>
+            <a:r>
+              <a:rPr kumimoji="1" lang="ko-KR" altLang="en-US" sz="1200" b="1" dirty="0">
+                <a:solidFill>
+                  <a:srgbClr val="5DA2C5"/>
+                </a:solidFill>
+                <a:latin typeface="SHeadG" panose="02030600000101010101" pitchFamily="18" charset="-127"/>
+                <a:ea typeface="SHeadG" panose="02030600000101010101" pitchFamily="18" charset="-127"/>
+              </a:rPr>
+              <a:t>카프카 클러스터</a:t>
+            </a:r>
+            <a:endParaRPr kumimoji="1" lang="ko-Kore-KR" altLang="en-US" sz="1200" b="1" dirty="0">
+              <a:solidFill>
+                <a:srgbClr val="5DA2C5"/>
+              </a:solidFill>
+              <a:latin typeface="SHeadG" panose="02030600000101010101" pitchFamily="18" charset="-127"/>
+              <a:ea typeface="SHeadG" panose="02030600000101010101" pitchFamily="18" charset="-127"/>
+            </a:endParaRPr>
+          </a:p>
+        </p:txBody>
+      </p:sp>
+      <p:sp>
+        <p:nvSpPr>
+          <p:cNvPr id="19" name="직사각형 18">
+            <a:extLst>
+              <a:ext uri="{FF2B5EF4-FFF2-40B4-BE49-F238E27FC236}">
+                <a16:creationId xmlns:a16="http://schemas.microsoft.com/office/drawing/2014/main" id="{1AC13345-DF8E-4B45-98E2-EFE8E8A5B80B}"/>
+              </a:ext>
+            </a:extLst>
+          </p:cNvPr>
+          <p:cNvSpPr/>
+          <p:nvPr/>
+        </p:nvSpPr>
+        <p:spPr>
+          <a:xfrm>
+            <a:off x="6746228" y="996850"/>
+            <a:ext cx="1439828" cy="429177"/>
+          </a:xfrm>
+          <a:prstGeom prst="rect">
+            <a:avLst/>
+          </a:prstGeom>
+          <a:solidFill>
+            <a:schemeClr val="bg1">
+              <a:lumMod val="95000"/>
+            </a:schemeClr>
+          </a:solidFill>
+          <a:ln w="25400">
+            <a:solidFill>
+              <a:srgbClr val="5DA2C5"/>
+            </a:solidFill>
+          </a:ln>
+        </p:spPr>
+        <p:style>
+          <a:lnRef idx="1">
+            <a:schemeClr val="accent1"/>
+          </a:lnRef>
+          <a:fillRef idx="0">
+            <a:schemeClr val="accent1"/>
+          </a:fillRef>
+          <a:effectRef idx="0">
+            <a:schemeClr val="accent1"/>
+          </a:effectRef>
+          <a:fontRef idx="minor">
+            <a:schemeClr val="tx1"/>
+          </a:fontRef>
+        </p:style>
+        <p:txBody>
+          <a:bodyPr rtlCol="0" anchor="ctr"/>
+          <a:lstStyle/>
+          <a:p>
+            <a:pPr algn="ctr"/>
+            <a:endParaRPr kumimoji="1" lang="ko-Kore-KR" altLang="en-US"/>
+          </a:p>
+        </p:txBody>
+      </p:sp>
+      <p:sp>
+        <p:nvSpPr>
+          <p:cNvPr id="20" name="TextBox 19">
+            <a:extLst>
+              <a:ext uri="{FF2B5EF4-FFF2-40B4-BE49-F238E27FC236}">
+                <a16:creationId xmlns:a16="http://schemas.microsoft.com/office/drawing/2014/main" id="{B8101D53-B969-1B4D-9C1D-42C4DCD24E1C}"/>
+              </a:ext>
+            </a:extLst>
+          </p:cNvPr>
+          <p:cNvSpPr txBox="1"/>
+          <p:nvPr/>
+        </p:nvSpPr>
+        <p:spPr>
+          <a:xfrm>
+            <a:off x="6801845" y="1066526"/>
+            <a:ext cx="1328595" cy="276999"/>
+          </a:xfrm>
+          <a:prstGeom prst="rect">
+            <a:avLst/>
+          </a:prstGeom>
+          <a:noFill/>
+        </p:spPr>
+        <p:txBody>
+          <a:bodyPr wrap="square" rtlCol="0">
+            <a:spAutoFit/>
+          </a:bodyPr>
+          <a:lstStyle/>
+          <a:p>
+            <a:pPr algn="ctr"/>
+            <a:r>
+              <a:rPr kumimoji="1" lang="ko-KR" altLang="en-US" sz="1200" b="1" dirty="0" err="1">
+                <a:solidFill>
+                  <a:srgbClr val="5DA2C5"/>
+                </a:solidFill>
+                <a:latin typeface="SHeadG" panose="02030600000101010101" pitchFamily="18" charset="-127"/>
+                <a:ea typeface="SHeadG" panose="02030600000101010101" pitchFamily="18" charset="-127"/>
+              </a:rPr>
+              <a:t>컨슈머</a:t>
+            </a:r>
+            <a:endParaRPr kumimoji="1" lang="ko-Kore-KR" altLang="en-US" sz="1200" b="1" dirty="0">
+              <a:solidFill>
+                <a:srgbClr val="5DA2C5"/>
+              </a:solidFill>
+              <a:latin typeface="SHeadG" panose="02030600000101010101" pitchFamily="18" charset="-127"/>
+              <a:ea typeface="SHeadG" panose="02030600000101010101" pitchFamily="18" charset="-127"/>
+            </a:endParaRPr>
+          </a:p>
+        </p:txBody>
+      </p:sp>
+      <p:cxnSp>
+        <p:nvCxnSpPr>
+          <p:cNvPr id="23" name="직선 화살표 연결선 22">
+            <a:extLst>
+              <a:ext uri="{FF2B5EF4-FFF2-40B4-BE49-F238E27FC236}">
+                <a16:creationId xmlns:a16="http://schemas.microsoft.com/office/drawing/2014/main" id="{BA83B743-7EEE-4343-8AF7-28449A65EAD3}"/>
+              </a:ext>
+            </a:extLst>
+          </p:cNvPr>
+          <p:cNvCxnSpPr>
+            <a:cxnSpLocks/>
+            <a:stCxn id="17" idx="3"/>
+            <a:endCxn id="19" idx="1"/>
+          </p:cNvCxnSpPr>
+          <p:nvPr/>
+        </p:nvCxnSpPr>
+        <p:spPr>
+          <a:xfrm>
+            <a:off x="5796642" y="1211439"/>
+            <a:ext cx="949586" cy="0"/>
+          </a:xfrm>
+          <a:prstGeom prst="straightConnector1">
+            <a:avLst/>
+          </a:prstGeom>
+          <a:ln w="19050">
+            <a:solidFill>
+              <a:srgbClr val="5DA2C5"/>
+            </a:solidFill>
+            <a:tailEnd type="stealth" w="lg" len="lg"/>
+          </a:ln>
+        </p:spPr>
+        <p:style>
+          <a:lnRef idx="1">
+            <a:schemeClr val="accent1"/>
+          </a:lnRef>
+          <a:fillRef idx="0">
+            <a:schemeClr val="accent1"/>
+          </a:fillRef>
+          <a:effectRef idx="0">
+            <a:schemeClr val="accent1"/>
+          </a:effectRef>
+          <a:fontRef idx="minor">
+            <a:schemeClr val="tx1"/>
+          </a:fontRef>
+        </p:style>
+      </p:cxnSp>
+      <p:sp>
+        <p:nvSpPr>
+          <p:cNvPr id="26" name="직사각형 25">
+            <a:extLst>
+              <a:ext uri="{FF2B5EF4-FFF2-40B4-BE49-F238E27FC236}">
+                <a16:creationId xmlns:a16="http://schemas.microsoft.com/office/drawing/2014/main" id="{D53AB5CD-7624-114B-B53C-1F06C1F962AD}"/>
+              </a:ext>
+            </a:extLst>
+          </p:cNvPr>
+          <p:cNvSpPr/>
+          <p:nvPr/>
+        </p:nvSpPr>
+        <p:spPr>
+          <a:xfrm>
+            <a:off x="4254587" y="1878593"/>
+            <a:ext cx="1699899" cy="429177"/>
+          </a:xfrm>
+          <a:prstGeom prst="rect">
+            <a:avLst/>
+          </a:prstGeom>
+          <a:solidFill>
+            <a:schemeClr val="bg1">
+              <a:lumMod val="95000"/>
+            </a:schemeClr>
+          </a:solidFill>
+          <a:ln w="25400">
+            <a:solidFill>
+              <a:srgbClr val="5DA2C5"/>
+            </a:solidFill>
+          </a:ln>
+        </p:spPr>
+        <p:style>
+          <a:lnRef idx="1">
+            <a:schemeClr val="accent1"/>
+          </a:lnRef>
+          <a:fillRef idx="0">
+            <a:schemeClr val="accent1"/>
+          </a:fillRef>
+          <a:effectRef idx="0">
+            <a:schemeClr val="accent1"/>
+          </a:effectRef>
+          <a:fontRef idx="minor">
+            <a:schemeClr val="tx1"/>
+          </a:fontRef>
+        </p:style>
+        <p:txBody>
+          <a:bodyPr rtlCol="0" anchor="ctr"/>
+          <a:lstStyle/>
+          <a:p>
+            <a:pPr algn="ctr"/>
+            <a:endParaRPr kumimoji="1" lang="ko-Kore-KR" altLang="en-US"/>
+          </a:p>
+        </p:txBody>
+      </p:sp>
+      <p:sp>
+        <p:nvSpPr>
+          <p:cNvPr id="27" name="TextBox 26">
+            <a:extLst>
+              <a:ext uri="{FF2B5EF4-FFF2-40B4-BE49-F238E27FC236}">
+                <a16:creationId xmlns:a16="http://schemas.microsoft.com/office/drawing/2014/main" id="{561E3CEE-0DDE-5F49-BD17-745FB2D2961F}"/>
+              </a:ext>
+            </a:extLst>
+          </p:cNvPr>
+          <p:cNvSpPr txBox="1"/>
+          <p:nvPr/>
+        </p:nvSpPr>
+        <p:spPr>
+          <a:xfrm>
+            <a:off x="4305700" y="1960821"/>
+            <a:ext cx="1542055" cy="276999"/>
+          </a:xfrm>
+          <a:prstGeom prst="rect">
+            <a:avLst/>
+          </a:prstGeom>
+          <a:noFill/>
+        </p:spPr>
+        <p:txBody>
+          <a:bodyPr wrap="square" rtlCol="0">
+            <a:spAutoFit/>
+          </a:bodyPr>
+          <a:lstStyle/>
+          <a:p>
+            <a:pPr algn="ctr"/>
+            <a:r>
+              <a:rPr kumimoji="1" lang="ko-KR" altLang="en-US" sz="1200" b="1" dirty="0" err="1">
+                <a:solidFill>
+                  <a:srgbClr val="5DA2C5"/>
+                </a:solidFill>
+                <a:latin typeface="SHeadG" panose="02030600000101010101" pitchFamily="18" charset="-127"/>
+                <a:ea typeface="SHeadG" panose="02030600000101010101" pitchFamily="18" charset="-127"/>
+              </a:rPr>
+              <a:t>스트림즈</a:t>
+            </a:r>
+            <a:r>
+              <a:rPr kumimoji="1" lang="ko-KR" altLang="en-US" sz="1200" b="1" dirty="0">
+                <a:solidFill>
+                  <a:srgbClr val="5DA2C5"/>
+                </a:solidFill>
+                <a:latin typeface="SHeadG" panose="02030600000101010101" pitchFamily="18" charset="-127"/>
+                <a:ea typeface="SHeadG" panose="02030600000101010101" pitchFamily="18" charset="-127"/>
+              </a:rPr>
+              <a:t> 애플리케이션</a:t>
+            </a:r>
+            <a:endParaRPr kumimoji="1" lang="ko-Kore-KR" altLang="en-US" sz="1200" b="1" dirty="0">
+              <a:solidFill>
+                <a:srgbClr val="5DA2C5"/>
+              </a:solidFill>
+              <a:latin typeface="SHeadG" panose="02030600000101010101" pitchFamily="18" charset="-127"/>
+              <a:ea typeface="SHeadG" panose="02030600000101010101" pitchFamily="18" charset="-127"/>
+            </a:endParaRPr>
+          </a:p>
+        </p:txBody>
+      </p:sp>
+      <p:cxnSp>
+        <p:nvCxnSpPr>
+          <p:cNvPr id="28" name="직선 화살표 연결선 27">
+            <a:extLst>
+              <a:ext uri="{FF2B5EF4-FFF2-40B4-BE49-F238E27FC236}">
+                <a16:creationId xmlns:a16="http://schemas.microsoft.com/office/drawing/2014/main" id="{684E70D2-C014-1545-8205-F0D63257AA9C}"/>
+              </a:ext>
+            </a:extLst>
+          </p:cNvPr>
+          <p:cNvCxnSpPr>
+            <a:cxnSpLocks/>
+          </p:cNvCxnSpPr>
+          <p:nvPr/>
+        </p:nvCxnSpPr>
+        <p:spPr>
+          <a:xfrm>
+            <a:off x="5040086" y="1426027"/>
+            <a:ext cx="0" cy="452566"/>
+          </a:xfrm>
+          <a:prstGeom prst="straightConnector1">
+            <a:avLst/>
+          </a:prstGeom>
+          <a:ln w="19050">
+            <a:solidFill>
+              <a:srgbClr val="5DA2C5"/>
+            </a:solidFill>
+            <a:tailEnd type="stealth" w="lg" len="lg"/>
+          </a:ln>
+        </p:spPr>
+        <p:style>
+          <a:lnRef idx="1">
+            <a:schemeClr val="accent1"/>
+          </a:lnRef>
+          <a:fillRef idx="0">
+            <a:schemeClr val="accent1"/>
+          </a:fillRef>
+          <a:effectRef idx="0">
+            <a:schemeClr val="accent1"/>
+          </a:effectRef>
+          <a:fontRef idx="minor">
+            <a:schemeClr val="tx1"/>
+          </a:fontRef>
+        </p:style>
+      </p:cxnSp>
+      <p:cxnSp>
+        <p:nvCxnSpPr>
+          <p:cNvPr id="31" name="직선 화살표 연결선 30">
+            <a:extLst>
+              <a:ext uri="{FF2B5EF4-FFF2-40B4-BE49-F238E27FC236}">
+                <a16:creationId xmlns:a16="http://schemas.microsoft.com/office/drawing/2014/main" id="{A3A87425-A945-3941-A26C-8B414DA55418}"/>
+              </a:ext>
+            </a:extLst>
+          </p:cNvPr>
+          <p:cNvCxnSpPr>
+            <a:cxnSpLocks/>
+          </p:cNvCxnSpPr>
+          <p:nvPr/>
+        </p:nvCxnSpPr>
+        <p:spPr>
+          <a:xfrm flipH="1" flipV="1">
+            <a:off x="5214255" y="1437722"/>
+            <a:ext cx="1" cy="440871"/>
+          </a:xfrm>
+          <a:prstGeom prst="straightConnector1">
+            <a:avLst/>
+          </a:prstGeom>
+          <a:ln w="19050">
+            <a:solidFill>
+              <a:srgbClr val="5DA2C5"/>
+            </a:solidFill>
+            <a:tailEnd type="stealth" w="lg" len="lg"/>
+          </a:ln>
+        </p:spPr>
+        <p:style>
+          <a:lnRef idx="1">
+            <a:schemeClr val="accent1"/>
+          </a:lnRef>
+          <a:fillRef idx="0">
+            <a:schemeClr val="accent1"/>
+          </a:fillRef>
+          <a:effectRef idx="0">
+            <a:schemeClr val="accent1"/>
+          </a:effectRef>
+          <a:fontRef idx="minor">
+            <a:schemeClr val="tx1"/>
+          </a:fontRef>
+        </p:style>
+      </p:cxnSp>
+    </p:spTree>
+    <p:extLst>
+      <p:ext uri="{BB962C8B-B14F-4D97-AF65-F5344CB8AC3E}">
+        <p14:creationId xmlns:p14="http://schemas.microsoft.com/office/powerpoint/2010/main" val="303380433"/>
       </p:ext>
     </p:extLst>
   </p:cSld>
